--- a/Disease Mortality Prediction PPT.pptx
+++ b/Disease Mortality Prediction PPT.pptx
@@ -5,7 +5,7 @@
     <p:sldMasterId id="2147483648" r:id="rId4"/>
   </p:sldMasterIdLst>
   <p:notesMasterIdLst>
-    <p:notesMasterId r:id="rId17"/>
+    <p:notesMasterId r:id="rId16"/>
   </p:notesMasterIdLst>
   <p:sldIdLst>
     <p:sldId id="257" r:id="rId5"/>
@@ -17,9 +17,8 @@
     <p:sldId id="277" r:id="rId11"/>
     <p:sldId id="278" r:id="rId12"/>
     <p:sldId id="279" r:id="rId13"/>
-    <p:sldId id="280" r:id="rId14"/>
-    <p:sldId id="263" r:id="rId15"/>
-    <p:sldId id="274" r:id="rId16"/>
+    <p:sldId id="263" r:id="rId14"/>
+    <p:sldId id="274" r:id="rId15"/>
   </p:sldIdLst>
   <p:sldSz cx="12192000" cy="6858000"/>
   <p:notesSz cx="6858000" cy="9144000"/>
@@ -120,7 +119,7 @@
   </p:defaultTextStyle>
   <p:extLst>
     <p:ext uri="{EFAFB233-063F-42B5-8137-9DF3F51BA10A}">
-      <p15:sldGuideLst xmlns:p15="http://schemas.microsoft.com/office/powerpoint/2012/main"/>
+      <p15:sldGuideLst xmlns:p15="http://schemas.microsoft.com/office/powerpoint/2012/main" xmlns=""/>
     </p:ext>
   </p:extLst>
 </p:presentation>
@@ -208,7 +207,7 @@
           <a:p>
             <a:fld id="{B565716D-39C9-48C4-A3EB-B88E4515427D}" type="datetimeFigureOut">
               <a:rPr lang="en-US" smtClean="0"/>
-              <a:t>7/20/2023</a:t>
+              <a:t>19-Apr-24</a:t>
             </a:fld>
             <a:endParaRPr lang="en-US" dirty="0"/>
           </a:p>
@@ -676,7 +675,7 @@
           <p:cNvPr id="5" name="Picture Placeholder 4">
             <a:extLst>
               <a:ext uri="{FF2B5EF4-FFF2-40B4-BE49-F238E27FC236}">
-                <a16:creationId xmlns:a16="http://schemas.microsoft.com/office/drawing/2014/main" xmlns="" id="{48D39141-3E8E-4545-90DB-291A0E5F139B}"/>
+                <a16:creationId xmlns="" xmlns:a16="http://schemas.microsoft.com/office/drawing/2014/main" id="{48D39141-3E8E-4545-90DB-291A0E5F139B}"/>
               </a:ext>
             </a:extLst>
           </p:cNvPr>
@@ -736,7 +735,7 @@
           <p:cNvPr id="2" name="Title 1">
             <a:extLst>
               <a:ext uri="{FF2B5EF4-FFF2-40B4-BE49-F238E27FC236}">
-                <a16:creationId xmlns:a16="http://schemas.microsoft.com/office/drawing/2014/main" xmlns="" id="{AD90A062-54B3-47F2-9D6A-5BC9575208D2}"/>
+                <a16:creationId xmlns="" xmlns:a16="http://schemas.microsoft.com/office/drawing/2014/main" id="{AD90A062-54B3-47F2-9D6A-5BC9575208D2}"/>
               </a:ext>
             </a:extLst>
           </p:cNvPr>
@@ -783,7 +782,7 @@
           <p:cNvPr id="3" name="Subtitle 2">
             <a:extLst>
               <a:ext uri="{FF2B5EF4-FFF2-40B4-BE49-F238E27FC236}">
-                <a16:creationId xmlns:a16="http://schemas.microsoft.com/office/drawing/2014/main" xmlns="" id="{35C97F3D-57FA-4E82-9EEC-E93088055A15}"/>
+                <a16:creationId xmlns="" xmlns:a16="http://schemas.microsoft.com/office/drawing/2014/main" id="{35C97F3D-57FA-4E82-9EEC-E93088055A15}"/>
               </a:ext>
             </a:extLst>
           </p:cNvPr>
@@ -869,7 +868,7 @@
           <p:cNvPr id="7" name="Footer Placeholder 6">
             <a:extLst>
               <a:ext uri="{FF2B5EF4-FFF2-40B4-BE49-F238E27FC236}">
-                <a16:creationId xmlns:a16="http://schemas.microsoft.com/office/drawing/2014/main" xmlns="" id="{E31775C8-C7F0-4EC5-A9C0-53AE3A0C5F7B}"/>
+                <a16:creationId xmlns="" xmlns:a16="http://schemas.microsoft.com/office/drawing/2014/main" id="{E31775C8-C7F0-4EC5-A9C0-53AE3A0C5F7B}"/>
               </a:ext>
             </a:extLst>
           </p:cNvPr>
@@ -899,7 +898,7 @@
           <p:cNvPr id="8" name="Slide Number Placeholder 7">
             <a:extLst>
               <a:ext uri="{FF2B5EF4-FFF2-40B4-BE49-F238E27FC236}">
-                <a16:creationId xmlns:a16="http://schemas.microsoft.com/office/drawing/2014/main" xmlns="" id="{9E8B0AE2-DA19-49E2-AC81-5272385D304C}"/>
+                <a16:creationId xmlns="" xmlns:a16="http://schemas.microsoft.com/office/drawing/2014/main" id="{9E8B0AE2-DA19-49E2-AC81-5272385D304C}"/>
               </a:ext>
             </a:extLst>
           </p:cNvPr>
@@ -959,7 +958,7 @@
           <p:cNvPr id="20" name="Text Placeholder 3">
             <a:extLst>
               <a:ext uri="{FF2B5EF4-FFF2-40B4-BE49-F238E27FC236}">
-                <a16:creationId xmlns:a16="http://schemas.microsoft.com/office/drawing/2014/main" xmlns="" id="{6A395197-9758-40F0-B747-F8B134C175EB}"/>
+                <a16:creationId xmlns="" xmlns:a16="http://schemas.microsoft.com/office/drawing/2014/main" id="{6A395197-9758-40F0-B747-F8B134C175EB}"/>
               </a:ext>
             </a:extLst>
           </p:cNvPr>
@@ -1198,7 +1197,7 @@
           <p:cNvPr id="19" name="Freeform: Shape 18">
             <a:extLst>
               <a:ext uri="{FF2B5EF4-FFF2-40B4-BE49-F238E27FC236}">
-                <a16:creationId xmlns:a16="http://schemas.microsoft.com/office/drawing/2014/main" xmlns="" id="{78907576-77BD-4FD0-A9FE-48D249CB435B}"/>
+                <a16:creationId xmlns="" xmlns:a16="http://schemas.microsoft.com/office/drawing/2014/main" id="{78907576-77BD-4FD0-A9FE-48D249CB435B}"/>
               </a:ext>
             </a:extLst>
           </p:cNvPr>
@@ -1357,7 +1356,7 @@
           <p:cNvPr id="7" name="Footer Placeholder 6">
             <a:extLst>
               <a:ext uri="{FF2B5EF4-FFF2-40B4-BE49-F238E27FC236}">
-                <a16:creationId xmlns:a16="http://schemas.microsoft.com/office/drawing/2014/main" xmlns="" id="{A557D1A2-E2DD-4CD8-B7DB-2864D4A97E02}"/>
+                <a16:creationId xmlns="" xmlns:a16="http://schemas.microsoft.com/office/drawing/2014/main" id="{A557D1A2-E2DD-4CD8-B7DB-2864D4A97E02}"/>
               </a:ext>
             </a:extLst>
           </p:cNvPr>
@@ -1382,7 +1381,7 @@
           <p:cNvPr id="8" name="Slide Number Placeholder 7">
             <a:extLst>
               <a:ext uri="{FF2B5EF4-FFF2-40B4-BE49-F238E27FC236}">
-                <a16:creationId xmlns:a16="http://schemas.microsoft.com/office/drawing/2014/main" xmlns="" id="{86B08B7A-4219-4973-8C9B-BF5BCC64480F}"/>
+                <a16:creationId xmlns="" xmlns:a16="http://schemas.microsoft.com/office/drawing/2014/main" id="{86B08B7A-4219-4973-8C9B-BF5BCC64480F}"/>
               </a:ext>
             </a:extLst>
           </p:cNvPr>
@@ -1412,7 +1411,7 @@
           <p:cNvPr id="5" name="Text Placeholder 4">
             <a:extLst>
               <a:ext uri="{FF2B5EF4-FFF2-40B4-BE49-F238E27FC236}">
-                <a16:creationId xmlns:a16="http://schemas.microsoft.com/office/drawing/2014/main" xmlns="" id="{C430C70C-09F9-40EE-9A89-ED9A5DCFD98D}"/>
+                <a16:creationId xmlns="" xmlns:a16="http://schemas.microsoft.com/office/drawing/2014/main" id="{C430C70C-09F9-40EE-9A89-ED9A5DCFD98D}"/>
               </a:ext>
             </a:extLst>
           </p:cNvPr>
@@ -1491,7 +1490,7 @@
           <p:cNvPr id="13" name="Text Placeholder 12">
             <a:extLst>
               <a:ext uri="{FF2B5EF4-FFF2-40B4-BE49-F238E27FC236}">
-                <a16:creationId xmlns:a16="http://schemas.microsoft.com/office/drawing/2014/main" xmlns="" id="{278D9ACA-AB64-4D04-A5E0-23AC8B81EC2C}"/>
+                <a16:creationId xmlns="" xmlns:a16="http://schemas.microsoft.com/office/drawing/2014/main" id="{278D9ACA-AB64-4D04-A5E0-23AC8B81EC2C}"/>
               </a:ext>
             </a:extLst>
           </p:cNvPr>
@@ -1570,7 +1569,7 @@
           <p:cNvPr id="15" name="Text Placeholder 4">
             <a:extLst>
               <a:ext uri="{FF2B5EF4-FFF2-40B4-BE49-F238E27FC236}">
-                <a16:creationId xmlns:a16="http://schemas.microsoft.com/office/drawing/2014/main" xmlns="" id="{F3B4EB62-0A18-46F9-98F0-E8FC5EBAF37E}"/>
+                <a16:creationId xmlns="" xmlns:a16="http://schemas.microsoft.com/office/drawing/2014/main" id="{F3B4EB62-0A18-46F9-98F0-E8FC5EBAF37E}"/>
               </a:ext>
             </a:extLst>
           </p:cNvPr>
@@ -1649,7 +1648,7 @@
           <p:cNvPr id="16" name="Text Placeholder 12">
             <a:extLst>
               <a:ext uri="{FF2B5EF4-FFF2-40B4-BE49-F238E27FC236}">
-                <a16:creationId xmlns:a16="http://schemas.microsoft.com/office/drawing/2014/main" xmlns="" id="{A3B2D4DF-9952-49C7-B850-559AD0DF27D5}"/>
+                <a16:creationId xmlns="" xmlns:a16="http://schemas.microsoft.com/office/drawing/2014/main" id="{A3B2D4DF-9952-49C7-B850-559AD0DF27D5}"/>
               </a:ext>
             </a:extLst>
           </p:cNvPr>
@@ -1728,7 +1727,7 @@
           <p:cNvPr id="17" name="Text Placeholder 4">
             <a:extLst>
               <a:ext uri="{FF2B5EF4-FFF2-40B4-BE49-F238E27FC236}">
-                <a16:creationId xmlns:a16="http://schemas.microsoft.com/office/drawing/2014/main" xmlns="" id="{BCE373B8-7ADE-4DC4-9900-59147BFA16E7}"/>
+                <a16:creationId xmlns="" xmlns:a16="http://schemas.microsoft.com/office/drawing/2014/main" id="{BCE373B8-7ADE-4DC4-9900-59147BFA16E7}"/>
               </a:ext>
             </a:extLst>
           </p:cNvPr>
@@ -1807,7 +1806,7 @@
           <p:cNvPr id="18" name="Text Placeholder 12">
             <a:extLst>
               <a:ext uri="{FF2B5EF4-FFF2-40B4-BE49-F238E27FC236}">
-                <a16:creationId xmlns:a16="http://schemas.microsoft.com/office/drawing/2014/main" xmlns="" id="{28F027FF-E9AF-4E49-AC44-48D21AD761AA}"/>
+                <a16:creationId xmlns="" xmlns:a16="http://schemas.microsoft.com/office/drawing/2014/main" id="{28F027FF-E9AF-4E49-AC44-48D21AD761AA}"/>
               </a:ext>
             </a:extLst>
           </p:cNvPr>
@@ -1886,7 +1885,7 @@
           <p:cNvPr id="29" name="Picture Placeholder 25">
             <a:extLst>
               <a:ext uri="{FF2B5EF4-FFF2-40B4-BE49-F238E27FC236}">
-                <a16:creationId xmlns:a16="http://schemas.microsoft.com/office/drawing/2014/main" xmlns="" id="{8989EC4C-4E3F-457F-8CF6-8A88DE68A930}"/>
+                <a16:creationId xmlns="" xmlns:a16="http://schemas.microsoft.com/office/drawing/2014/main" id="{8989EC4C-4E3F-457F-8CF6-8A88DE68A930}"/>
               </a:ext>
             </a:extLst>
           </p:cNvPr>
@@ -1928,7 +1927,7 @@
           <p:cNvPr id="30" name="Picture Placeholder 25">
             <a:extLst>
               <a:ext uri="{FF2B5EF4-FFF2-40B4-BE49-F238E27FC236}">
-                <a16:creationId xmlns:a16="http://schemas.microsoft.com/office/drawing/2014/main" xmlns="" id="{67FB2730-3D12-4D72-AE64-AC3955C5CD99}"/>
+                <a16:creationId xmlns="" xmlns:a16="http://schemas.microsoft.com/office/drawing/2014/main" id="{67FB2730-3D12-4D72-AE64-AC3955C5CD99}"/>
               </a:ext>
             </a:extLst>
           </p:cNvPr>
@@ -1970,7 +1969,7 @@
           <p:cNvPr id="31" name="Picture Placeholder 25">
             <a:extLst>
               <a:ext uri="{FF2B5EF4-FFF2-40B4-BE49-F238E27FC236}">
-                <a16:creationId xmlns:a16="http://schemas.microsoft.com/office/drawing/2014/main" xmlns="" id="{4F2BB90C-4866-4DB3-B05C-0BB7DBFF8EA3}"/>
+                <a16:creationId xmlns="" xmlns:a16="http://schemas.microsoft.com/office/drawing/2014/main" id="{4F2BB90C-4866-4DB3-B05C-0BB7DBFF8EA3}"/>
               </a:ext>
             </a:extLst>
           </p:cNvPr>
@@ -2012,7 +2011,7 @@
           <p:cNvPr id="22" name="Text Placeholder 4">
             <a:extLst>
               <a:ext uri="{FF2B5EF4-FFF2-40B4-BE49-F238E27FC236}">
-                <a16:creationId xmlns:a16="http://schemas.microsoft.com/office/drawing/2014/main" xmlns="" id="{FE407FE5-15DF-40F7-B14C-0A04CC30CD66}"/>
+                <a16:creationId xmlns="" xmlns:a16="http://schemas.microsoft.com/office/drawing/2014/main" id="{FE407FE5-15DF-40F7-B14C-0A04CC30CD66}"/>
               </a:ext>
             </a:extLst>
           </p:cNvPr>
@@ -2091,7 +2090,7 @@
           <p:cNvPr id="23" name="Text Placeholder 12">
             <a:extLst>
               <a:ext uri="{FF2B5EF4-FFF2-40B4-BE49-F238E27FC236}">
-                <a16:creationId xmlns:a16="http://schemas.microsoft.com/office/drawing/2014/main" xmlns="" id="{7DD73F77-2E6A-450D-B4AF-8643D8AE1ECE}"/>
+                <a16:creationId xmlns="" xmlns:a16="http://schemas.microsoft.com/office/drawing/2014/main" id="{7DD73F77-2E6A-450D-B4AF-8643D8AE1ECE}"/>
               </a:ext>
             </a:extLst>
           </p:cNvPr>
@@ -2170,7 +2169,7 @@
           <p:cNvPr id="24" name="Text Placeholder 4">
             <a:extLst>
               <a:ext uri="{FF2B5EF4-FFF2-40B4-BE49-F238E27FC236}">
-                <a16:creationId xmlns:a16="http://schemas.microsoft.com/office/drawing/2014/main" xmlns="" id="{7F1CAED2-2A78-4780-A303-060C24C56526}"/>
+                <a16:creationId xmlns="" xmlns:a16="http://schemas.microsoft.com/office/drawing/2014/main" id="{7F1CAED2-2A78-4780-A303-060C24C56526}"/>
               </a:ext>
             </a:extLst>
           </p:cNvPr>
@@ -2249,7 +2248,7 @@
           <p:cNvPr id="27" name="Text Placeholder 12">
             <a:extLst>
               <a:ext uri="{FF2B5EF4-FFF2-40B4-BE49-F238E27FC236}">
-                <a16:creationId xmlns:a16="http://schemas.microsoft.com/office/drawing/2014/main" xmlns="" id="{4E77CA0B-49F8-4EE9-84A7-AB28FD1CC1ED}"/>
+                <a16:creationId xmlns="" xmlns:a16="http://schemas.microsoft.com/office/drawing/2014/main" id="{4E77CA0B-49F8-4EE9-84A7-AB28FD1CC1ED}"/>
               </a:ext>
             </a:extLst>
           </p:cNvPr>
@@ -2328,7 +2327,7 @@
           <p:cNvPr id="28" name="Text Placeholder 4">
             <a:extLst>
               <a:ext uri="{FF2B5EF4-FFF2-40B4-BE49-F238E27FC236}">
-                <a16:creationId xmlns:a16="http://schemas.microsoft.com/office/drawing/2014/main" xmlns="" id="{5D4F2294-CE3A-4705-BCB3-C5DAFA373C25}"/>
+                <a16:creationId xmlns="" xmlns:a16="http://schemas.microsoft.com/office/drawing/2014/main" id="{5D4F2294-CE3A-4705-BCB3-C5DAFA373C25}"/>
               </a:ext>
             </a:extLst>
           </p:cNvPr>
@@ -2407,7 +2406,7 @@
           <p:cNvPr id="32" name="Text Placeholder 12">
             <a:extLst>
               <a:ext uri="{FF2B5EF4-FFF2-40B4-BE49-F238E27FC236}">
-                <a16:creationId xmlns:a16="http://schemas.microsoft.com/office/drawing/2014/main" xmlns="" id="{7B49F9AF-7698-444D-8D12-FA0B6A713E03}"/>
+                <a16:creationId xmlns="" xmlns:a16="http://schemas.microsoft.com/office/drawing/2014/main" id="{7B49F9AF-7698-444D-8D12-FA0B6A713E03}"/>
               </a:ext>
             </a:extLst>
           </p:cNvPr>
@@ -2486,7 +2485,7 @@
           <p:cNvPr id="33" name="Picture Placeholder 25">
             <a:extLst>
               <a:ext uri="{FF2B5EF4-FFF2-40B4-BE49-F238E27FC236}">
-                <a16:creationId xmlns:a16="http://schemas.microsoft.com/office/drawing/2014/main" xmlns="" id="{6057C2E9-1501-4819-B77D-23A0268DB0F1}"/>
+                <a16:creationId xmlns="" xmlns:a16="http://schemas.microsoft.com/office/drawing/2014/main" id="{6057C2E9-1501-4819-B77D-23A0268DB0F1}"/>
               </a:ext>
             </a:extLst>
           </p:cNvPr>
@@ -2528,7 +2527,7 @@
           <p:cNvPr id="34" name="Picture Placeholder 25">
             <a:extLst>
               <a:ext uri="{FF2B5EF4-FFF2-40B4-BE49-F238E27FC236}">
-                <a16:creationId xmlns:a16="http://schemas.microsoft.com/office/drawing/2014/main" xmlns="" id="{C77B8544-1CEE-4ED4-89E8-ED042673804D}"/>
+                <a16:creationId xmlns="" xmlns:a16="http://schemas.microsoft.com/office/drawing/2014/main" id="{C77B8544-1CEE-4ED4-89E8-ED042673804D}"/>
               </a:ext>
             </a:extLst>
           </p:cNvPr>
@@ -2570,7 +2569,7 @@
           <p:cNvPr id="35" name="Picture Placeholder 25">
             <a:extLst>
               <a:ext uri="{FF2B5EF4-FFF2-40B4-BE49-F238E27FC236}">
-                <a16:creationId xmlns:a16="http://schemas.microsoft.com/office/drawing/2014/main" xmlns="" id="{E1131D92-0382-469E-A358-A2EC5FDCCF32}"/>
+                <a16:creationId xmlns="" xmlns:a16="http://schemas.microsoft.com/office/drawing/2014/main" id="{E1131D92-0382-469E-A358-A2EC5FDCCF32}"/>
               </a:ext>
             </a:extLst>
           </p:cNvPr>
@@ -2612,7 +2611,7 @@
           <p:cNvPr id="3" name="Title 2">
             <a:extLst>
               <a:ext uri="{FF2B5EF4-FFF2-40B4-BE49-F238E27FC236}">
-                <a16:creationId xmlns:a16="http://schemas.microsoft.com/office/drawing/2014/main" xmlns="" id="{7C0EBF36-B9CA-4962-B198-27B56B54E58C}"/>
+                <a16:creationId xmlns="" xmlns:a16="http://schemas.microsoft.com/office/drawing/2014/main" id="{7C0EBF36-B9CA-4962-B198-27B56B54E58C}"/>
               </a:ext>
             </a:extLst>
           </p:cNvPr>
@@ -2679,7 +2678,7 @@
           <p:cNvPr id="6" name="Rectangle 5">
             <a:extLst>
               <a:ext uri="{FF2B5EF4-FFF2-40B4-BE49-F238E27FC236}">
-                <a16:creationId xmlns:a16="http://schemas.microsoft.com/office/drawing/2014/main" xmlns="" id="{474D42A7-FF15-4C9E-9657-33DD5BC539DA}"/>
+                <a16:creationId xmlns="" xmlns:a16="http://schemas.microsoft.com/office/drawing/2014/main" id="{474D42A7-FF15-4C9E-9657-33DD5BC539DA}"/>
               </a:ext>
             </a:extLst>
           </p:cNvPr>
@@ -2733,7 +2732,7 @@
           <p:cNvPr id="9" name="Text Placeholder 3">
             <a:extLst>
               <a:ext uri="{FF2B5EF4-FFF2-40B4-BE49-F238E27FC236}">
-                <a16:creationId xmlns:a16="http://schemas.microsoft.com/office/drawing/2014/main" xmlns="" id="{4FA555C0-B108-4047-8AFF-82E05F073446}"/>
+                <a16:creationId xmlns="" xmlns:a16="http://schemas.microsoft.com/office/drawing/2014/main" id="{4FA555C0-B108-4047-8AFF-82E05F073446}"/>
               </a:ext>
             </a:extLst>
           </p:cNvPr>
@@ -2777,7 +2776,7 @@
           <p:cNvPr id="2" name="Title 1">
             <a:extLst>
               <a:ext uri="{FF2B5EF4-FFF2-40B4-BE49-F238E27FC236}">
-                <a16:creationId xmlns:a16="http://schemas.microsoft.com/office/drawing/2014/main" xmlns="" id="{DF797B74-E645-46F4-8F77-49AF7F0D443F}"/>
+                <a16:creationId xmlns="" xmlns:a16="http://schemas.microsoft.com/office/drawing/2014/main" id="{DF797B74-E645-46F4-8F77-49AF7F0D443F}"/>
               </a:ext>
             </a:extLst>
           </p:cNvPr>
@@ -2806,7 +2805,7 @@
           <p:cNvPr id="3" name="Content Placeholder 2">
             <a:extLst>
               <a:ext uri="{FF2B5EF4-FFF2-40B4-BE49-F238E27FC236}">
-                <a16:creationId xmlns:a16="http://schemas.microsoft.com/office/drawing/2014/main" xmlns="" id="{2E5EAA7C-AE70-48A8-B582-013424EB9C44}"/>
+                <a16:creationId xmlns="" xmlns:a16="http://schemas.microsoft.com/office/drawing/2014/main" id="{2E5EAA7C-AE70-48A8-B582-013424EB9C44}"/>
               </a:ext>
             </a:extLst>
           </p:cNvPr>
@@ -2845,7 +2844,7 @@
           <p:cNvPr id="7" name="Footer Placeholder 6">
             <a:extLst>
               <a:ext uri="{FF2B5EF4-FFF2-40B4-BE49-F238E27FC236}">
-                <a16:creationId xmlns:a16="http://schemas.microsoft.com/office/drawing/2014/main" xmlns="" id="{A557D1A2-E2DD-4CD8-B7DB-2864D4A97E02}"/>
+                <a16:creationId xmlns="" xmlns:a16="http://schemas.microsoft.com/office/drawing/2014/main" id="{A557D1A2-E2DD-4CD8-B7DB-2864D4A97E02}"/>
               </a:ext>
             </a:extLst>
           </p:cNvPr>
@@ -2870,7 +2869,7 @@
           <p:cNvPr id="8" name="Slide Number Placeholder 7">
             <a:extLst>
               <a:ext uri="{FF2B5EF4-FFF2-40B4-BE49-F238E27FC236}">
-                <a16:creationId xmlns:a16="http://schemas.microsoft.com/office/drawing/2014/main" xmlns="" id="{86B08B7A-4219-4973-8C9B-BF5BCC64480F}"/>
+                <a16:creationId xmlns="" xmlns:a16="http://schemas.microsoft.com/office/drawing/2014/main" id="{86B08B7A-4219-4973-8C9B-BF5BCC64480F}"/>
               </a:ext>
             </a:extLst>
           </p:cNvPr>
@@ -2900,7 +2899,7 @@
           <p:cNvPr id="11" name="Picture Placeholder 10">
             <a:extLst>
               <a:ext uri="{FF2B5EF4-FFF2-40B4-BE49-F238E27FC236}">
-                <a16:creationId xmlns:a16="http://schemas.microsoft.com/office/drawing/2014/main" xmlns="" id="{A98EA298-DD21-4B69-8125-094245EDF713}"/>
+                <a16:creationId xmlns="" xmlns:a16="http://schemas.microsoft.com/office/drawing/2014/main" id="{A98EA298-DD21-4B69-8125-094245EDF713}"/>
               </a:ext>
             </a:extLst>
           </p:cNvPr>
@@ -2945,7 +2944,7 @@
           <p:cNvPr id="12" name="Picture Placeholder 10">
             <a:extLst>
               <a:ext uri="{FF2B5EF4-FFF2-40B4-BE49-F238E27FC236}">
-                <a16:creationId xmlns:a16="http://schemas.microsoft.com/office/drawing/2014/main" xmlns="" id="{4C93EFCC-1E62-4200-9E96-2476EE2581BF}"/>
+                <a16:creationId xmlns="" xmlns:a16="http://schemas.microsoft.com/office/drawing/2014/main" id="{4C93EFCC-1E62-4200-9E96-2476EE2581BF}"/>
               </a:ext>
             </a:extLst>
           </p:cNvPr>
@@ -2990,7 +2989,7 @@
           <p:cNvPr id="13" name="Picture Placeholder 10">
             <a:extLst>
               <a:ext uri="{FF2B5EF4-FFF2-40B4-BE49-F238E27FC236}">
-                <a16:creationId xmlns:a16="http://schemas.microsoft.com/office/drawing/2014/main" xmlns="" id="{8741D874-BD81-4469-AA1C-32517FD7C37B}"/>
+                <a16:creationId xmlns="" xmlns:a16="http://schemas.microsoft.com/office/drawing/2014/main" id="{8741D874-BD81-4469-AA1C-32517FD7C37B}"/>
               </a:ext>
             </a:extLst>
           </p:cNvPr>
@@ -3035,7 +3034,7 @@
           <p:cNvPr id="14" name="Content Placeholder 2">
             <a:extLst>
               <a:ext uri="{FF2B5EF4-FFF2-40B4-BE49-F238E27FC236}">
-                <a16:creationId xmlns:a16="http://schemas.microsoft.com/office/drawing/2014/main" xmlns="" id="{CFB0B599-DDEF-43E9-A07F-FC328C595BCE}"/>
+                <a16:creationId xmlns="" xmlns:a16="http://schemas.microsoft.com/office/drawing/2014/main" id="{CFB0B599-DDEF-43E9-A07F-FC328C595BCE}"/>
               </a:ext>
             </a:extLst>
           </p:cNvPr>
@@ -3074,7 +3073,7 @@
           <p:cNvPr id="15" name="Content Placeholder 2">
             <a:extLst>
               <a:ext uri="{FF2B5EF4-FFF2-40B4-BE49-F238E27FC236}">
-                <a16:creationId xmlns:a16="http://schemas.microsoft.com/office/drawing/2014/main" xmlns="" id="{63FF0857-6431-48DC-BE82-9A93C55CEFB4}"/>
+                <a16:creationId xmlns="" xmlns:a16="http://schemas.microsoft.com/office/drawing/2014/main" id="{63FF0857-6431-48DC-BE82-9A93C55CEFB4}"/>
               </a:ext>
             </a:extLst>
           </p:cNvPr>
@@ -3143,7 +3142,7 @@
           <p:cNvPr id="6" name="Rectangle 5">
             <a:extLst>
               <a:ext uri="{FF2B5EF4-FFF2-40B4-BE49-F238E27FC236}">
-                <a16:creationId xmlns:a16="http://schemas.microsoft.com/office/drawing/2014/main" xmlns="" id="{474D42A7-FF15-4C9E-9657-33DD5BC539DA}"/>
+                <a16:creationId xmlns="" xmlns:a16="http://schemas.microsoft.com/office/drawing/2014/main" id="{474D42A7-FF15-4C9E-9657-33DD5BC539DA}"/>
               </a:ext>
             </a:extLst>
           </p:cNvPr>
@@ -3197,7 +3196,7 @@
           <p:cNvPr id="9" name="Text Placeholder 3">
             <a:extLst>
               <a:ext uri="{FF2B5EF4-FFF2-40B4-BE49-F238E27FC236}">
-                <a16:creationId xmlns:a16="http://schemas.microsoft.com/office/drawing/2014/main" xmlns="" id="{4FA555C0-B108-4047-8AFF-82E05F073446}"/>
+                <a16:creationId xmlns="" xmlns:a16="http://schemas.microsoft.com/office/drawing/2014/main" id="{4FA555C0-B108-4047-8AFF-82E05F073446}"/>
               </a:ext>
             </a:extLst>
           </p:cNvPr>
@@ -3241,7 +3240,7 @@
           <p:cNvPr id="2" name="Title 1">
             <a:extLst>
               <a:ext uri="{FF2B5EF4-FFF2-40B4-BE49-F238E27FC236}">
-                <a16:creationId xmlns:a16="http://schemas.microsoft.com/office/drawing/2014/main" xmlns="" id="{DF797B74-E645-46F4-8F77-49AF7F0D443F}"/>
+                <a16:creationId xmlns="" xmlns:a16="http://schemas.microsoft.com/office/drawing/2014/main" id="{DF797B74-E645-46F4-8F77-49AF7F0D443F}"/>
               </a:ext>
             </a:extLst>
           </p:cNvPr>
@@ -3270,7 +3269,7 @@
           <p:cNvPr id="3" name="Content Placeholder 2">
             <a:extLst>
               <a:ext uri="{FF2B5EF4-FFF2-40B4-BE49-F238E27FC236}">
-                <a16:creationId xmlns:a16="http://schemas.microsoft.com/office/drawing/2014/main" xmlns="" id="{2E5EAA7C-AE70-48A8-B582-013424EB9C44}"/>
+                <a16:creationId xmlns="" xmlns:a16="http://schemas.microsoft.com/office/drawing/2014/main" id="{2E5EAA7C-AE70-48A8-B582-013424EB9C44}"/>
               </a:ext>
             </a:extLst>
           </p:cNvPr>
@@ -3328,7 +3327,7 @@
           <p:cNvPr id="7" name="Footer Placeholder 6">
             <a:extLst>
               <a:ext uri="{FF2B5EF4-FFF2-40B4-BE49-F238E27FC236}">
-                <a16:creationId xmlns:a16="http://schemas.microsoft.com/office/drawing/2014/main" xmlns="" id="{A557D1A2-E2DD-4CD8-B7DB-2864D4A97E02}"/>
+                <a16:creationId xmlns="" xmlns:a16="http://schemas.microsoft.com/office/drawing/2014/main" id="{A557D1A2-E2DD-4CD8-B7DB-2864D4A97E02}"/>
               </a:ext>
             </a:extLst>
           </p:cNvPr>
@@ -3353,7 +3352,7 @@
           <p:cNvPr id="8" name="Slide Number Placeholder 7">
             <a:extLst>
               <a:ext uri="{FF2B5EF4-FFF2-40B4-BE49-F238E27FC236}">
-                <a16:creationId xmlns:a16="http://schemas.microsoft.com/office/drawing/2014/main" xmlns="" id="{86B08B7A-4219-4973-8C9B-BF5BCC64480F}"/>
+                <a16:creationId xmlns="" xmlns:a16="http://schemas.microsoft.com/office/drawing/2014/main" id="{86B08B7A-4219-4973-8C9B-BF5BCC64480F}"/>
               </a:ext>
             </a:extLst>
           </p:cNvPr>
@@ -3424,7 +3423,7 @@
           <p:cNvPr id="5" name="Picture Placeholder 4">
             <a:extLst>
               <a:ext uri="{FF2B5EF4-FFF2-40B4-BE49-F238E27FC236}">
-                <a16:creationId xmlns:a16="http://schemas.microsoft.com/office/drawing/2014/main" xmlns="" id="{48D39141-3E8E-4545-90DB-291A0E5F139B}"/>
+                <a16:creationId xmlns="" xmlns:a16="http://schemas.microsoft.com/office/drawing/2014/main" id="{48D39141-3E8E-4545-90DB-291A0E5F139B}"/>
               </a:ext>
             </a:extLst>
           </p:cNvPr>
@@ -3484,7 +3483,7 @@
           <p:cNvPr id="2" name="Title 1">
             <a:extLst>
               <a:ext uri="{FF2B5EF4-FFF2-40B4-BE49-F238E27FC236}">
-                <a16:creationId xmlns:a16="http://schemas.microsoft.com/office/drawing/2014/main" xmlns="" id="{AD90A062-54B3-47F2-9D6A-5BC9575208D2}"/>
+                <a16:creationId xmlns="" xmlns:a16="http://schemas.microsoft.com/office/drawing/2014/main" id="{AD90A062-54B3-47F2-9D6A-5BC9575208D2}"/>
               </a:ext>
             </a:extLst>
           </p:cNvPr>
@@ -3540,7 +3539,7 @@
           <p:cNvPr id="6" name="Text Placeholder 5">
             <a:extLst>
               <a:ext uri="{FF2B5EF4-FFF2-40B4-BE49-F238E27FC236}">
-                <a16:creationId xmlns:a16="http://schemas.microsoft.com/office/drawing/2014/main" xmlns="" id="{D49FD1A9-E34B-4888-90DE-493861AD75C6}"/>
+                <a16:creationId xmlns="" xmlns:a16="http://schemas.microsoft.com/office/drawing/2014/main" id="{D49FD1A9-E34B-4888-90DE-493861AD75C6}"/>
               </a:ext>
             </a:extLst>
           </p:cNvPr>
@@ -3616,7 +3615,7 @@
           <p:cNvPr id="9" name="Text Placeholder 5">
             <a:extLst>
               <a:ext uri="{FF2B5EF4-FFF2-40B4-BE49-F238E27FC236}">
-                <a16:creationId xmlns:a16="http://schemas.microsoft.com/office/drawing/2014/main" xmlns="" id="{3452AC72-D893-4C1A-83BD-9930164D8935}"/>
+                <a16:creationId xmlns="" xmlns:a16="http://schemas.microsoft.com/office/drawing/2014/main" id="{3452AC72-D893-4C1A-83BD-9930164D8935}"/>
               </a:ext>
             </a:extLst>
           </p:cNvPr>
@@ -3694,7 +3693,7 @@
           <p:cNvPr id="10" name="Text Placeholder 5">
             <a:extLst>
               <a:ext uri="{FF2B5EF4-FFF2-40B4-BE49-F238E27FC236}">
-                <a16:creationId xmlns:a16="http://schemas.microsoft.com/office/drawing/2014/main" xmlns="" id="{D2EEC149-F1BE-4C36-A789-5BF73B40A212}"/>
+                <a16:creationId xmlns="" xmlns:a16="http://schemas.microsoft.com/office/drawing/2014/main" id="{D2EEC149-F1BE-4C36-A789-5BF73B40A212}"/>
               </a:ext>
             </a:extLst>
           </p:cNvPr>
@@ -3772,7 +3771,7 @@
           <p:cNvPr id="11" name="Text Placeholder 5">
             <a:extLst>
               <a:ext uri="{FF2B5EF4-FFF2-40B4-BE49-F238E27FC236}">
-                <a16:creationId xmlns:a16="http://schemas.microsoft.com/office/drawing/2014/main" xmlns="" id="{ECC256E6-6AE8-4950-838C-BE638FB47968}"/>
+                <a16:creationId xmlns="" xmlns:a16="http://schemas.microsoft.com/office/drawing/2014/main" id="{ECC256E6-6AE8-4950-838C-BE638FB47968}"/>
               </a:ext>
             </a:extLst>
           </p:cNvPr>
@@ -3888,7 +3887,7 @@
           <p:cNvPr id="5" name="Text Placeholder 4">
             <a:extLst>
               <a:ext uri="{FF2B5EF4-FFF2-40B4-BE49-F238E27FC236}">
-                <a16:creationId xmlns:a16="http://schemas.microsoft.com/office/drawing/2014/main" xmlns="" id="{DA75689F-8B6B-4484-8064-90B4D8FB7C72}"/>
+                <a16:creationId xmlns="" xmlns:a16="http://schemas.microsoft.com/office/drawing/2014/main" id="{DA75689F-8B6B-4484-8064-90B4D8FB7C72}"/>
               </a:ext>
             </a:extLst>
           </p:cNvPr>
@@ -3945,7 +3944,7 @@
           <p:cNvPr id="21" name="Picture Placeholder 20">
             <a:extLst>
               <a:ext uri="{FF2B5EF4-FFF2-40B4-BE49-F238E27FC236}">
-                <a16:creationId xmlns:a16="http://schemas.microsoft.com/office/drawing/2014/main" xmlns="" id="{C57B9832-0120-4094-8C27-082E3533C5DC}"/>
+                <a16:creationId xmlns="" xmlns:a16="http://schemas.microsoft.com/office/drawing/2014/main" id="{C57B9832-0120-4094-8C27-082E3533C5DC}"/>
               </a:ext>
             </a:extLst>
           </p:cNvPr>
@@ -4078,7 +4077,7 @@
           <p:cNvPr id="7" name="Footer Placeholder 6">
             <a:extLst>
               <a:ext uri="{FF2B5EF4-FFF2-40B4-BE49-F238E27FC236}">
-                <a16:creationId xmlns:a16="http://schemas.microsoft.com/office/drawing/2014/main" xmlns="" id="{A557D1A2-E2DD-4CD8-B7DB-2864D4A97E02}"/>
+                <a16:creationId xmlns="" xmlns:a16="http://schemas.microsoft.com/office/drawing/2014/main" id="{A557D1A2-E2DD-4CD8-B7DB-2864D4A97E02}"/>
               </a:ext>
             </a:extLst>
           </p:cNvPr>
@@ -4108,7 +4107,7 @@
           <p:cNvPr id="8" name="Slide Number Placeholder 7">
             <a:extLst>
               <a:ext uri="{FF2B5EF4-FFF2-40B4-BE49-F238E27FC236}">
-                <a16:creationId xmlns:a16="http://schemas.microsoft.com/office/drawing/2014/main" xmlns="" id="{86B08B7A-4219-4973-8C9B-BF5BCC64480F}"/>
+                <a16:creationId xmlns="" xmlns:a16="http://schemas.microsoft.com/office/drawing/2014/main" id="{86B08B7A-4219-4973-8C9B-BF5BCC64480F}"/>
               </a:ext>
             </a:extLst>
           </p:cNvPr>
@@ -4150,7 +4149,7 @@
           <p:cNvPr id="12" name="Title 11">
             <a:extLst>
               <a:ext uri="{FF2B5EF4-FFF2-40B4-BE49-F238E27FC236}">
-                <a16:creationId xmlns:a16="http://schemas.microsoft.com/office/drawing/2014/main" xmlns="" id="{EAF90A48-1BFB-4A19-9A1C-2851879F9E8F}"/>
+                <a16:creationId xmlns="" xmlns:a16="http://schemas.microsoft.com/office/drawing/2014/main" id="{EAF90A48-1BFB-4A19-9A1C-2851879F9E8F}"/>
               </a:ext>
             </a:extLst>
           </p:cNvPr>
@@ -4192,7 +4191,7 @@
           <p:cNvPr id="19" name="Freeform: Shape 18">
             <a:extLst>
               <a:ext uri="{FF2B5EF4-FFF2-40B4-BE49-F238E27FC236}">
-                <a16:creationId xmlns:a16="http://schemas.microsoft.com/office/drawing/2014/main" xmlns="" id="{C9E79024-4B2E-43B0-8607-196181AB731F}"/>
+                <a16:creationId xmlns="" xmlns:a16="http://schemas.microsoft.com/office/drawing/2014/main" id="{C9E79024-4B2E-43B0-8607-196181AB731F}"/>
               </a:ext>
             </a:extLst>
           </p:cNvPr>
@@ -4386,7 +4385,7 @@
           <p:cNvPr id="24" name="Picture Placeholder 23">
             <a:extLst>
               <a:ext uri="{FF2B5EF4-FFF2-40B4-BE49-F238E27FC236}">
-                <a16:creationId xmlns:a16="http://schemas.microsoft.com/office/drawing/2014/main" xmlns="" id="{767CE6DD-011B-4E2D-9E8A-EFF414E39EEA}"/>
+                <a16:creationId xmlns="" xmlns:a16="http://schemas.microsoft.com/office/drawing/2014/main" id="{767CE6DD-011B-4E2D-9E8A-EFF414E39EEA}"/>
               </a:ext>
             </a:extLst>
           </p:cNvPr>
@@ -4524,7 +4523,7 @@
           <p:cNvPr id="2" name="Title 1">
             <a:extLst>
               <a:ext uri="{FF2B5EF4-FFF2-40B4-BE49-F238E27FC236}">
-                <a16:creationId xmlns:a16="http://schemas.microsoft.com/office/drawing/2014/main" xmlns="" id="{DF797B74-E645-46F4-8F77-49AF7F0D443F}"/>
+                <a16:creationId xmlns="" xmlns:a16="http://schemas.microsoft.com/office/drawing/2014/main" id="{DF797B74-E645-46F4-8F77-49AF7F0D443F}"/>
               </a:ext>
             </a:extLst>
           </p:cNvPr>
@@ -4566,7 +4565,7 @@
           <p:cNvPr id="7" name="Footer Placeholder 6">
             <a:extLst>
               <a:ext uri="{FF2B5EF4-FFF2-40B4-BE49-F238E27FC236}">
-                <a16:creationId xmlns:a16="http://schemas.microsoft.com/office/drawing/2014/main" xmlns="" id="{A557D1A2-E2DD-4CD8-B7DB-2864D4A97E02}"/>
+                <a16:creationId xmlns="" xmlns:a16="http://schemas.microsoft.com/office/drawing/2014/main" id="{A557D1A2-E2DD-4CD8-B7DB-2864D4A97E02}"/>
               </a:ext>
             </a:extLst>
           </p:cNvPr>
@@ -4599,7 +4598,7 @@
           <p:cNvPr id="8" name="Slide Number Placeholder 7">
             <a:extLst>
               <a:ext uri="{FF2B5EF4-FFF2-40B4-BE49-F238E27FC236}">
-                <a16:creationId xmlns:a16="http://schemas.microsoft.com/office/drawing/2014/main" xmlns="" id="{86B08B7A-4219-4973-8C9B-BF5BCC64480F}"/>
+                <a16:creationId xmlns="" xmlns:a16="http://schemas.microsoft.com/office/drawing/2014/main" id="{86B08B7A-4219-4973-8C9B-BF5BCC64480F}"/>
               </a:ext>
             </a:extLst>
           </p:cNvPr>
@@ -4629,7 +4628,7 @@
           <p:cNvPr id="9" name="Freeform: Shape 8">
             <a:extLst>
               <a:ext uri="{FF2B5EF4-FFF2-40B4-BE49-F238E27FC236}">
-                <a16:creationId xmlns:a16="http://schemas.microsoft.com/office/drawing/2014/main" xmlns="" id="{C6E75A4B-2655-4B0E-8D3B-0068F57D3D9B}"/>
+                <a16:creationId xmlns="" xmlns:a16="http://schemas.microsoft.com/office/drawing/2014/main" id="{C6E75A4B-2655-4B0E-8D3B-0068F57D3D9B}"/>
               </a:ext>
             </a:extLst>
           </p:cNvPr>
@@ -4788,7 +4787,7 @@
           <p:cNvPr id="5" name="Text Placeholder 4">
             <a:extLst>
               <a:ext uri="{FF2B5EF4-FFF2-40B4-BE49-F238E27FC236}">
-                <a16:creationId xmlns:a16="http://schemas.microsoft.com/office/drawing/2014/main" xmlns="" id="{49F266E5-40A6-4643-B9AC-B38F27256371}"/>
+                <a16:creationId xmlns="" xmlns:a16="http://schemas.microsoft.com/office/drawing/2014/main" id="{49F266E5-40A6-4643-B9AC-B38F27256371}"/>
               </a:ext>
             </a:extLst>
           </p:cNvPr>
@@ -4869,7 +4868,7 @@
           <p:cNvPr id="11" name="Text Placeholder 10">
             <a:extLst>
               <a:ext uri="{FF2B5EF4-FFF2-40B4-BE49-F238E27FC236}">
-                <a16:creationId xmlns:a16="http://schemas.microsoft.com/office/drawing/2014/main" xmlns="" id="{1CB790CB-E4F5-4B61-A03E-1CA0C32E3F17}"/>
+                <a16:creationId xmlns="" xmlns:a16="http://schemas.microsoft.com/office/drawing/2014/main" id="{1CB790CB-E4F5-4B61-A03E-1CA0C32E3F17}"/>
               </a:ext>
             </a:extLst>
           </p:cNvPr>
@@ -4944,7 +4943,7 @@
           <p:cNvPr id="12" name="Text Placeholder 4">
             <a:extLst>
               <a:ext uri="{FF2B5EF4-FFF2-40B4-BE49-F238E27FC236}">
-                <a16:creationId xmlns:a16="http://schemas.microsoft.com/office/drawing/2014/main" xmlns="" id="{B570684C-B743-402E-8778-A65199577106}"/>
+                <a16:creationId xmlns="" xmlns:a16="http://schemas.microsoft.com/office/drawing/2014/main" id="{B570684C-B743-402E-8778-A65199577106}"/>
               </a:ext>
             </a:extLst>
           </p:cNvPr>
@@ -5025,7 +5024,7 @@
           <p:cNvPr id="13" name="Text Placeholder 10">
             <a:extLst>
               <a:ext uri="{FF2B5EF4-FFF2-40B4-BE49-F238E27FC236}">
-                <a16:creationId xmlns:a16="http://schemas.microsoft.com/office/drawing/2014/main" xmlns="" id="{FCEC7149-9A00-4CA4-B800-1BFD6EBEB88D}"/>
+                <a16:creationId xmlns="" xmlns:a16="http://schemas.microsoft.com/office/drawing/2014/main" id="{FCEC7149-9A00-4CA4-B800-1BFD6EBEB88D}"/>
               </a:ext>
             </a:extLst>
           </p:cNvPr>
@@ -5100,7 +5099,7 @@
           <p:cNvPr id="14" name="Text Placeholder 4">
             <a:extLst>
               <a:ext uri="{FF2B5EF4-FFF2-40B4-BE49-F238E27FC236}">
-                <a16:creationId xmlns:a16="http://schemas.microsoft.com/office/drawing/2014/main" xmlns="" id="{0374F0E2-36BA-43B5-8799-77AA3367DF47}"/>
+                <a16:creationId xmlns="" xmlns:a16="http://schemas.microsoft.com/office/drawing/2014/main" id="{0374F0E2-36BA-43B5-8799-77AA3367DF47}"/>
               </a:ext>
             </a:extLst>
           </p:cNvPr>
@@ -5181,7 +5180,7 @@
           <p:cNvPr id="15" name="Text Placeholder 10">
             <a:extLst>
               <a:ext uri="{FF2B5EF4-FFF2-40B4-BE49-F238E27FC236}">
-                <a16:creationId xmlns:a16="http://schemas.microsoft.com/office/drawing/2014/main" xmlns="" id="{1BA12174-6A24-4E61-8D58-B3B42C31BE1A}"/>
+                <a16:creationId xmlns="" xmlns:a16="http://schemas.microsoft.com/office/drawing/2014/main" id="{1BA12174-6A24-4E61-8D58-B3B42C31BE1A}"/>
               </a:ext>
             </a:extLst>
           </p:cNvPr>
@@ -5256,7 +5255,7 @@
           <p:cNvPr id="16" name="Text Placeholder 4">
             <a:extLst>
               <a:ext uri="{FF2B5EF4-FFF2-40B4-BE49-F238E27FC236}">
-                <a16:creationId xmlns:a16="http://schemas.microsoft.com/office/drawing/2014/main" xmlns="" id="{D3A67B21-0E8B-4922-94F9-20492309C4DA}"/>
+                <a16:creationId xmlns="" xmlns:a16="http://schemas.microsoft.com/office/drawing/2014/main" id="{D3A67B21-0E8B-4922-94F9-20492309C4DA}"/>
               </a:ext>
             </a:extLst>
           </p:cNvPr>
@@ -5337,7 +5336,7 @@
           <p:cNvPr id="17" name="Text Placeholder 10">
             <a:extLst>
               <a:ext uri="{FF2B5EF4-FFF2-40B4-BE49-F238E27FC236}">
-                <a16:creationId xmlns:a16="http://schemas.microsoft.com/office/drawing/2014/main" xmlns="" id="{D801C20C-82D2-465E-8D45-DF1A57E04525}"/>
+                <a16:creationId xmlns="" xmlns:a16="http://schemas.microsoft.com/office/drawing/2014/main" id="{D801C20C-82D2-465E-8D45-DF1A57E04525}"/>
               </a:ext>
             </a:extLst>
           </p:cNvPr>
@@ -5412,7 +5411,7 @@
           <p:cNvPr id="18" name="Text Placeholder 4">
             <a:extLst>
               <a:ext uri="{FF2B5EF4-FFF2-40B4-BE49-F238E27FC236}">
-                <a16:creationId xmlns:a16="http://schemas.microsoft.com/office/drawing/2014/main" xmlns="" id="{62BAD45E-2039-4F8D-9CFC-42BFA3756AD1}"/>
+                <a16:creationId xmlns="" xmlns:a16="http://schemas.microsoft.com/office/drawing/2014/main" id="{62BAD45E-2039-4F8D-9CFC-42BFA3756AD1}"/>
               </a:ext>
             </a:extLst>
           </p:cNvPr>
@@ -5493,7 +5492,7 @@
           <p:cNvPr id="19" name="Text Placeholder 10">
             <a:extLst>
               <a:ext uri="{FF2B5EF4-FFF2-40B4-BE49-F238E27FC236}">
-                <a16:creationId xmlns:a16="http://schemas.microsoft.com/office/drawing/2014/main" xmlns="" id="{64A78879-6338-4F3B-864E-8FF4E08C0066}"/>
+                <a16:creationId xmlns="" xmlns:a16="http://schemas.microsoft.com/office/drawing/2014/main" id="{64A78879-6338-4F3B-864E-8FF4E08C0066}"/>
               </a:ext>
             </a:extLst>
           </p:cNvPr>
@@ -5568,7 +5567,7 @@
           <p:cNvPr id="22" name="Subtitle 2">
             <a:extLst>
               <a:ext uri="{FF2B5EF4-FFF2-40B4-BE49-F238E27FC236}">
-                <a16:creationId xmlns:a16="http://schemas.microsoft.com/office/drawing/2014/main" xmlns="" id="{80118439-B306-4F20-9200-1C429EADC7EE}"/>
+                <a16:creationId xmlns="" xmlns:a16="http://schemas.microsoft.com/office/drawing/2014/main" id="{80118439-B306-4F20-9200-1C429EADC7EE}"/>
               </a:ext>
             </a:extLst>
           </p:cNvPr>
@@ -5653,7 +5652,7 @@
           <p:cNvPr id="26" name="Picture Placeholder 25">
             <a:extLst>
               <a:ext uri="{FF2B5EF4-FFF2-40B4-BE49-F238E27FC236}">
-                <a16:creationId xmlns:a16="http://schemas.microsoft.com/office/drawing/2014/main" xmlns="" id="{99B7E7F2-DF6B-4441-B0B1-7E87E29BA3A7}"/>
+                <a16:creationId xmlns="" xmlns:a16="http://schemas.microsoft.com/office/drawing/2014/main" id="{99B7E7F2-DF6B-4441-B0B1-7E87E29BA3A7}"/>
               </a:ext>
             </a:extLst>
           </p:cNvPr>
@@ -5695,7 +5694,7 @@
           <p:cNvPr id="27" name="Picture Placeholder 25">
             <a:extLst>
               <a:ext uri="{FF2B5EF4-FFF2-40B4-BE49-F238E27FC236}">
-                <a16:creationId xmlns:a16="http://schemas.microsoft.com/office/drawing/2014/main" xmlns="" id="{ED41522A-FBAF-4E5D-B592-F13855964E8B}"/>
+                <a16:creationId xmlns="" xmlns:a16="http://schemas.microsoft.com/office/drawing/2014/main" id="{ED41522A-FBAF-4E5D-B592-F13855964E8B}"/>
               </a:ext>
             </a:extLst>
           </p:cNvPr>
@@ -5737,7 +5736,7 @@
           <p:cNvPr id="28" name="Picture Placeholder 25">
             <a:extLst>
               <a:ext uri="{FF2B5EF4-FFF2-40B4-BE49-F238E27FC236}">
-                <a16:creationId xmlns:a16="http://schemas.microsoft.com/office/drawing/2014/main" xmlns="" id="{AA51069C-E1DC-44A0-A6A0-2A4AB0DD4D70}"/>
+                <a16:creationId xmlns="" xmlns:a16="http://schemas.microsoft.com/office/drawing/2014/main" id="{AA51069C-E1DC-44A0-A6A0-2A4AB0DD4D70}"/>
               </a:ext>
             </a:extLst>
           </p:cNvPr>
@@ -5779,7 +5778,7 @@
           <p:cNvPr id="29" name="Picture Placeholder 25">
             <a:extLst>
               <a:ext uri="{FF2B5EF4-FFF2-40B4-BE49-F238E27FC236}">
-                <a16:creationId xmlns:a16="http://schemas.microsoft.com/office/drawing/2014/main" xmlns="" id="{42F6437E-5478-451F-9BE3-E8160EA43516}"/>
+                <a16:creationId xmlns="" xmlns:a16="http://schemas.microsoft.com/office/drawing/2014/main" id="{42F6437E-5478-451F-9BE3-E8160EA43516}"/>
               </a:ext>
             </a:extLst>
           </p:cNvPr>
@@ -5821,7 +5820,7 @@
           <p:cNvPr id="30" name="Picture Placeholder 25">
             <a:extLst>
               <a:ext uri="{FF2B5EF4-FFF2-40B4-BE49-F238E27FC236}">
-                <a16:creationId xmlns:a16="http://schemas.microsoft.com/office/drawing/2014/main" xmlns="" id="{25127DFD-53A7-41A8-B591-AEEC12038026}"/>
+                <a16:creationId xmlns="" xmlns:a16="http://schemas.microsoft.com/office/drawing/2014/main" id="{25127DFD-53A7-41A8-B591-AEEC12038026}"/>
               </a:ext>
             </a:extLst>
           </p:cNvPr>
@@ -5893,10 +5892,10 @@
           <p:cNvPr id="9" name="Rectangle 8">
             <a:extLst>
               <a:ext uri="{FF2B5EF4-FFF2-40B4-BE49-F238E27FC236}">
-                <a16:creationId xmlns:a16="http://schemas.microsoft.com/office/drawing/2014/main" xmlns="" id="{6F76D43D-0DDD-4BAD-8213-BDBF75C30A0C}"/>
+                <a16:creationId xmlns="" xmlns:a16="http://schemas.microsoft.com/office/drawing/2014/main" id="{6F76D43D-0DDD-4BAD-8213-BDBF75C30A0C}"/>
               </a:ext>
               <a:ext uri="{C183D7F6-B498-43B3-948B-1728B52AA6E4}">
-                <adec:decorative xmlns:adec="http://schemas.microsoft.com/office/drawing/2017/decorative" xmlns="" val="1"/>
+                <adec:decorative xmlns="" xmlns:adec="http://schemas.microsoft.com/office/drawing/2017/decorative" val="1"/>
               </a:ext>
             </a:extLst>
           </p:cNvPr>
@@ -5950,7 +5949,7 @@
           <p:cNvPr id="8" name="Text Placeholder 3">
             <a:extLst>
               <a:ext uri="{FF2B5EF4-FFF2-40B4-BE49-F238E27FC236}">
-                <a16:creationId xmlns:a16="http://schemas.microsoft.com/office/drawing/2014/main" xmlns="" id="{A6D3ACF3-E1F5-4332-9836-C8E6C46591BB}"/>
+                <a16:creationId xmlns="" xmlns:a16="http://schemas.microsoft.com/office/drawing/2014/main" id="{A6D3ACF3-E1F5-4332-9836-C8E6C46591BB}"/>
               </a:ext>
             </a:extLst>
           </p:cNvPr>
@@ -6189,7 +6188,7 @@
           <p:cNvPr id="2" name="Title 1">
             <a:extLst>
               <a:ext uri="{FF2B5EF4-FFF2-40B4-BE49-F238E27FC236}">
-                <a16:creationId xmlns:a16="http://schemas.microsoft.com/office/drawing/2014/main" xmlns="" id="{0BDF8FE7-66F4-4586-B49B-61E115ED291E}"/>
+                <a16:creationId xmlns="" xmlns:a16="http://schemas.microsoft.com/office/drawing/2014/main" id="{0BDF8FE7-66F4-4586-B49B-61E115ED291E}"/>
               </a:ext>
             </a:extLst>
           </p:cNvPr>
@@ -6226,7 +6225,7 @@
           <p:cNvPr id="6" name="Footer Placeholder 5">
             <a:extLst>
               <a:ext uri="{FF2B5EF4-FFF2-40B4-BE49-F238E27FC236}">
-                <a16:creationId xmlns:a16="http://schemas.microsoft.com/office/drawing/2014/main" xmlns="" id="{AEB5B890-F885-418C-9812-59970CAC6BCD}"/>
+                <a16:creationId xmlns="" xmlns:a16="http://schemas.microsoft.com/office/drawing/2014/main" id="{AEB5B890-F885-418C-9812-59970CAC6BCD}"/>
               </a:ext>
             </a:extLst>
           </p:cNvPr>
@@ -6251,7 +6250,7 @@
           <p:cNvPr id="7" name="Slide Number Placeholder 6">
             <a:extLst>
               <a:ext uri="{FF2B5EF4-FFF2-40B4-BE49-F238E27FC236}">
-                <a16:creationId xmlns:a16="http://schemas.microsoft.com/office/drawing/2014/main" xmlns="" id="{50521507-88DE-417D-8076-D9152E1E1409}"/>
+                <a16:creationId xmlns="" xmlns:a16="http://schemas.microsoft.com/office/drawing/2014/main" id="{50521507-88DE-417D-8076-D9152E1E1409}"/>
               </a:ext>
             </a:extLst>
           </p:cNvPr>
@@ -6281,7 +6280,7 @@
           <p:cNvPr id="4" name="Text Placeholder 3">
             <a:extLst>
               <a:ext uri="{FF2B5EF4-FFF2-40B4-BE49-F238E27FC236}">
-                <a16:creationId xmlns:a16="http://schemas.microsoft.com/office/drawing/2014/main" xmlns="" id="{1DFC7DDD-6F93-45F8-AFD6-95AA051FE809}"/>
+                <a16:creationId xmlns="" xmlns:a16="http://schemas.microsoft.com/office/drawing/2014/main" id="{1DFC7DDD-6F93-45F8-AFD6-95AA051FE809}"/>
               </a:ext>
             </a:extLst>
           </p:cNvPr>
@@ -6325,7 +6324,7 @@
           <p:cNvPr id="21" name="Freeform: Shape 20">
             <a:extLst>
               <a:ext uri="{FF2B5EF4-FFF2-40B4-BE49-F238E27FC236}">
-                <a16:creationId xmlns:a16="http://schemas.microsoft.com/office/drawing/2014/main" xmlns="" id="{D1CD6042-5DF4-4624-BC32-25F68745304A}"/>
+                <a16:creationId xmlns="" xmlns:a16="http://schemas.microsoft.com/office/drawing/2014/main" id="{D1CD6042-5DF4-4624-BC32-25F68745304A}"/>
               </a:ext>
             </a:extLst>
           </p:cNvPr>
@@ -6458,7 +6457,7 @@
           <p:cNvPr id="19" name="Freeform: Shape 18">
             <a:extLst>
               <a:ext uri="{FF2B5EF4-FFF2-40B4-BE49-F238E27FC236}">
-                <a16:creationId xmlns:a16="http://schemas.microsoft.com/office/drawing/2014/main" xmlns="" id="{6294759C-286C-4281-B194-581C766EEF28}"/>
+                <a16:creationId xmlns="" xmlns:a16="http://schemas.microsoft.com/office/drawing/2014/main" id="{6294759C-286C-4281-B194-581C766EEF28}"/>
               </a:ext>
             </a:extLst>
           </p:cNvPr>
@@ -6621,7 +6620,7 @@
           <p:cNvPr id="6" name="Picture Placeholder 23">
             <a:extLst>
               <a:ext uri="{FF2B5EF4-FFF2-40B4-BE49-F238E27FC236}">
-                <a16:creationId xmlns:a16="http://schemas.microsoft.com/office/drawing/2014/main" xmlns="" id="{E6622698-E93D-4214-8C21-38DBE58C2E3F}"/>
+                <a16:creationId xmlns="" xmlns:a16="http://schemas.microsoft.com/office/drawing/2014/main" id="{E6622698-E93D-4214-8C21-38DBE58C2E3F}"/>
               </a:ext>
             </a:extLst>
           </p:cNvPr>
@@ -6759,7 +6758,7 @@
           <p:cNvPr id="9" name="Freeform: Shape 8">
             <a:extLst>
               <a:ext uri="{FF2B5EF4-FFF2-40B4-BE49-F238E27FC236}">
-                <a16:creationId xmlns:a16="http://schemas.microsoft.com/office/drawing/2014/main" xmlns="" id="{1706BC54-FE11-4237-96CC-8DA267DB5D7C}"/>
+                <a16:creationId xmlns="" xmlns:a16="http://schemas.microsoft.com/office/drawing/2014/main" id="{1706BC54-FE11-4237-96CC-8DA267DB5D7C}"/>
               </a:ext>
             </a:extLst>
           </p:cNvPr>
@@ -6918,7 +6917,7 @@
           <p:cNvPr id="2" name="Title 1">
             <a:extLst>
               <a:ext uri="{FF2B5EF4-FFF2-40B4-BE49-F238E27FC236}">
-                <a16:creationId xmlns:a16="http://schemas.microsoft.com/office/drawing/2014/main" xmlns="" id="{DF797B74-E645-46F4-8F77-49AF7F0D443F}"/>
+                <a16:creationId xmlns="" xmlns:a16="http://schemas.microsoft.com/office/drawing/2014/main" id="{DF797B74-E645-46F4-8F77-49AF7F0D443F}"/>
               </a:ext>
             </a:extLst>
           </p:cNvPr>
@@ -6960,7 +6959,7 @@
           <p:cNvPr id="7" name="Footer Placeholder 6">
             <a:extLst>
               <a:ext uri="{FF2B5EF4-FFF2-40B4-BE49-F238E27FC236}">
-                <a16:creationId xmlns:a16="http://schemas.microsoft.com/office/drawing/2014/main" xmlns="" id="{A557D1A2-E2DD-4CD8-B7DB-2864D4A97E02}"/>
+                <a16:creationId xmlns="" xmlns:a16="http://schemas.microsoft.com/office/drawing/2014/main" id="{A557D1A2-E2DD-4CD8-B7DB-2864D4A97E02}"/>
               </a:ext>
             </a:extLst>
           </p:cNvPr>
@@ -6985,7 +6984,7 @@
           <p:cNvPr id="8" name="Slide Number Placeholder 7">
             <a:extLst>
               <a:ext uri="{FF2B5EF4-FFF2-40B4-BE49-F238E27FC236}">
-                <a16:creationId xmlns:a16="http://schemas.microsoft.com/office/drawing/2014/main" xmlns="" id="{86B08B7A-4219-4973-8C9B-BF5BCC64480F}"/>
+                <a16:creationId xmlns="" xmlns:a16="http://schemas.microsoft.com/office/drawing/2014/main" id="{86B08B7A-4219-4973-8C9B-BF5BCC64480F}"/>
               </a:ext>
             </a:extLst>
           </p:cNvPr>
@@ -7015,7 +7014,7 @@
           <p:cNvPr id="5" name="Text Placeholder 4">
             <a:extLst>
               <a:ext uri="{FF2B5EF4-FFF2-40B4-BE49-F238E27FC236}">
-                <a16:creationId xmlns:a16="http://schemas.microsoft.com/office/drawing/2014/main" xmlns="" id="{C430C70C-09F9-40EE-9A89-ED9A5DCFD98D}"/>
+                <a16:creationId xmlns="" xmlns:a16="http://schemas.microsoft.com/office/drawing/2014/main" id="{C430C70C-09F9-40EE-9A89-ED9A5DCFD98D}"/>
               </a:ext>
             </a:extLst>
           </p:cNvPr>
@@ -7090,7 +7089,7 @@
           <p:cNvPr id="13" name="Text Placeholder 12">
             <a:extLst>
               <a:ext uri="{FF2B5EF4-FFF2-40B4-BE49-F238E27FC236}">
-                <a16:creationId xmlns:a16="http://schemas.microsoft.com/office/drawing/2014/main" xmlns="" id="{278D9ACA-AB64-4D04-A5E0-23AC8B81EC2C}"/>
+                <a16:creationId xmlns="" xmlns:a16="http://schemas.microsoft.com/office/drawing/2014/main" id="{278D9ACA-AB64-4D04-A5E0-23AC8B81EC2C}"/>
               </a:ext>
             </a:extLst>
           </p:cNvPr>
@@ -7166,7 +7165,7 @@
           <p:cNvPr id="15" name="Text Placeholder 4">
             <a:extLst>
               <a:ext uri="{FF2B5EF4-FFF2-40B4-BE49-F238E27FC236}">
-                <a16:creationId xmlns:a16="http://schemas.microsoft.com/office/drawing/2014/main" xmlns="" id="{F3B4EB62-0A18-46F9-98F0-E8FC5EBAF37E}"/>
+                <a16:creationId xmlns="" xmlns:a16="http://schemas.microsoft.com/office/drawing/2014/main" id="{F3B4EB62-0A18-46F9-98F0-E8FC5EBAF37E}"/>
               </a:ext>
             </a:extLst>
           </p:cNvPr>
@@ -7241,7 +7240,7 @@
           <p:cNvPr id="16" name="Text Placeholder 12">
             <a:extLst>
               <a:ext uri="{FF2B5EF4-FFF2-40B4-BE49-F238E27FC236}">
-                <a16:creationId xmlns:a16="http://schemas.microsoft.com/office/drawing/2014/main" xmlns="" id="{A3B2D4DF-9952-49C7-B850-559AD0DF27D5}"/>
+                <a16:creationId xmlns="" xmlns:a16="http://schemas.microsoft.com/office/drawing/2014/main" id="{A3B2D4DF-9952-49C7-B850-559AD0DF27D5}"/>
               </a:ext>
             </a:extLst>
           </p:cNvPr>
@@ -7317,7 +7316,7 @@
           <p:cNvPr id="17" name="Text Placeholder 4">
             <a:extLst>
               <a:ext uri="{FF2B5EF4-FFF2-40B4-BE49-F238E27FC236}">
-                <a16:creationId xmlns:a16="http://schemas.microsoft.com/office/drawing/2014/main" xmlns="" id="{BCE373B8-7ADE-4DC4-9900-59147BFA16E7}"/>
+                <a16:creationId xmlns="" xmlns:a16="http://schemas.microsoft.com/office/drawing/2014/main" id="{BCE373B8-7ADE-4DC4-9900-59147BFA16E7}"/>
               </a:ext>
             </a:extLst>
           </p:cNvPr>
@@ -7392,7 +7391,7 @@
           <p:cNvPr id="18" name="Text Placeholder 12">
             <a:extLst>
               <a:ext uri="{FF2B5EF4-FFF2-40B4-BE49-F238E27FC236}">
-                <a16:creationId xmlns:a16="http://schemas.microsoft.com/office/drawing/2014/main" xmlns="" id="{28F027FF-E9AF-4E49-AC44-48D21AD761AA}"/>
+                <a16:creationId xmlns="" xmlns:a16="http://schemas.microsoft.com/office/drawing/2014/main" id="{28F027FF-E9AF-4E49-AC44-48D21AD761AA}"/>
               </a:ext>
             </a:extLst>
           </p:cNvPr>
@@ -7468,7 +7467,7 @@
           <p:cNvPr id="19" name="Text Placeholder 4">
             <a:extLst>
               <a:ext uri="{FF2B5EF4-FFF2-40B4-BE49-F238E27FC236}">
-                <a16:creationId xmlns:a16="http://schemas.microsoft.com/office/drawing/2014/main" xmlns="" id="{3E6D854C-C76F-49BA-9E74-F438CA8EA9E2}"/>
+                <a16:creationId xmlns="" xmlns:a16="http://schemas.microsoft.com/office/drawing/2014/main" id="{3E6D854C-C76F-49BA-9E74-F438CA8EA9E2}"/>
               </a:ext>
             </a:extLst>
           </p:cNvPr>
@@ -7543,7 +7542,7 @@
           <p:cNvPr id="20" name="Text Placeholder 12">
             <a:extLst>
               <a:ext uri="{FF2B5EF4-FFF2-40B4-BE49-F238E27FC236}">
-                <a16:creationId xmlns:a16="http://schemas.microsoft.com/office/drawing/2014/main" xmlns="" id="{AD447D7D-C1F4-4AD4-AE22-EB8E7F1C419E}"/>
+                <a16:creationId xmlns="" xmlns:a16="http://schemas.microsoft.com/office/drawing/2014/main" id="{AD447D7D-C1F4-4AD4-AE22-EB8E7F1C419E}"/>
               </a:ext>
             </a:extLst>
           </p:cNvPr>
@@ -7619,7 +7618,7 @@
           <p:cNvPr id="21" name="Text Placeholder 4">
             <a:extLst>
               <a:ext uri="{FF2B5EF4-FFF2-40B4-BE49-F238E27FC236}">
-                <a16:creationId xmlns:a16="http://schemas.microsoft.com/office/drawing/2014/main" xmlns="" id="{849DF703-38D0-4214-9432-83570E10EFED}"/>
+                <a16:creationId xmlns="" xmlns:a16="http://schemas.microsoft.com/office/drawing/2014/main" id="{849DF703-38D0-4214-9432-83570E10EFED}"/>
               </a:ext>
             </a:extLst>
           </p:cNvPr>
@@ -7694,7 +7693,7 @@
           <p:cNvPr id="22" name="Text Placeholder 12">
             <a:extLst>
               <a:ext uri="{FF2B5EF4-FFF2-40B4-BE49-F238E27FC236}">
-                <a16:creationId xmlns:a16="http://schemas.microsoft.com/office/drawing/2014/main" xmlns="" id="{F9EB6572-1A9F-4672-8E42-A4E15451CA20}"/>
+                <a16:creationId xmlns="" xmlns:a16="http://schemas.microsoft.com/office/drawing/2014/main" id="{F9EB6572-1A9F-4672-8E42-A4E15451CA20}"/>
               </a:ext>
             </a:extLst>
           </p:cNvPr>
@@ -7770,7 +7769,7 @@
           <p:cNvPr id="23" name="Text Placeholder 4">
             <a:extLst>
               <a:ext uri="{FF2B5EF4-FFF2-40B4-BE49-F238E27FC236}">
-                <a16:creationId xmlns:a16="http://schemas.microsoft.com/office/drawing/2014/main" xmlns="" id="{0740EB70-455C-47FF-9A9A-0D78D202ED03}"/>
+                <a16:creationId xmlns="" xmlns:a16="http://schemas.microsoft.com/office/drawing/2014/main" id="{0740EB70-455C-47FF-9A9A-0D78D202ED03}"/>
               </a:ext>
             </a:extLst>
           </p:cNvPr>
@@ -7845,7 +7844,7 @@
           <p:cNvPr id="24" name="Text Placeholder 12">
             <a:extLst>
               <a:ext uri="{FF2B5EF4-FFF2-40B4-BE49-F238E27FC236}">
-                <a16:creationId xmlns:a16="http://schemas.microsoft.com/office/drawing/2014/main" xmlns="" id="{CD9A5773-4F50-4631-9B7A-0A2D83E5DC28}"/>
+                <a16:creationId xmlns="" xmlns:a16="http://schemas.microsoft.com/office/drawing/2014/main" id="{CD9A5773-4F50-4631-9B7A-0A2D83E5DC28}"/>
               </a:ext>
             </a:extLst>
           </p:cNvPr>
@@ -7951,7 +7950,7 @@
           <p:cNvPr id="25" name="Freeform: Shape 24">
             <a:extLst>
               <a:ext uri="{FF2B5EF4-FFF2-40B4-BE49-F238E27FC236}">
-                <a16:creationId xmlns:a16="http://schemas.microsoft.com/office/drawing/2014/main" xmlns="" id="{45350A6A-6F84-47F4-AE00-8295D96D08C8}"/>
+                <a16:creationId xmlns="" xmlns:a16="http://schemas.microsoft.com/office/drawing/2014/main" id="{45350A6A-6F84-47F4-AE00-8295D96D08C8}"/>
               </a:ext>
             </a:extLst>
           </p:cNvPr>
@@ -8084,7 +8083,7 @@
           <p:cNvPr id="20" name="Text Placeholder 3">
             <a:extLst>
               <a:ext uri="{FF2B5EF4-FFF2-40B4-BE49-F238E27FC236}">
-                <a16:creationId xmlns:a16="http://schemas.microsoft.com/office/drawing/2014/main" xmlns="" id="{6A395197-9758-40F0-B747-F8B134C175EB}"/>
+                <a16:creationId xmlns="" xmlns:a16="http://schemas.microsoft.com/office/drawing/2014/main" id="{6A395197-9758-40F0-B747-F8B134C175EB}"/>
               </a:ext>
             </a:extLst>
           </p:cNvPr>
@@ -8323,7 +8322,7 @@
           <p:cNvPr id="2" name="Title 1">
             <a:extLst>
               <a:ext uri="{FF2B5EF4-FFF2-40B4-BE49-F238E27FC236}">
-                <a16:creationId xmlns:a16="http://schemas.microsoft.com/office/drawing/2014/main" xmlns="" id="{DF797B74-E645-46F4-8F77-49AF7F0D443F}"/>
+                <a16:creationId xmlns="" xmlns:a16="http://schemas.microsoft.com/office/drawing/2014/main" id="{DF797B74-E645-46F4-8F77-49AF7F0D443F}"/>
               </a:ext>
             </a:extLst>
           </p:cNvPr>
@@ -8365,7 +8364,7 @@
           <p:cNvPr id="7" name="Footer Placeholder 6">
             <a:extLst>
               <a:ext uri="{FF2B5EF4-FFF2-40B4-BE49-F238E27FC236}">
-                <a16:creationId xmlns:a16="http://schemas.microsoft.com/office/drawing/2014/main" xmlns="" id="{A557D1A2-E2DD-4CD8-B7DB-2864D4A97E02}"/>
+                <a16:creationId xmlns="" xmlns:a16="http://schemas.microsoft.com/office/drawing/2014/main" id="{A557D1A2-E2DD-4CD8-B7DB-2864D4A97E02}"/>
               </a:ext>
             </a:extLst>
           </p:cNvPr>
@@ -8390,7 +8389,7 @@
           <p:cNvPr id="8" name="Slide Number Placeholder 7">
             <a:extLst>
               <a:ext uri="{FF2B5EF4-FFF2-40B4-BE49-F238E27FC236}">
-                <a16:creationId xmlns:a16="http://schemas.microsoft.com/office/drawing/2014/main" xmlns="" id="{86B08B7A-4219-4973-8C9B-BF5BCC64480F}"/>
+                <a16:creationId xmlns="" xmlns:a16="http://schemas.microsoft.com/office/drawing/2014/main" id="{86B08B7A-4219-4973-8C9B-BF5BCC64480F}"/>
               </a:ext>
             </a:extLst>
           </p:cNvPr>
@@ -8420,7 +8419,7 @@
           <p:cNvPr id="5" name="Text Placeholder 4">
             <a:extLst>
               <a:ext uri="{FF2B5EF4-FFF2-40B4-BE49-F238E27FC236}">
-                <a16:creationId xmlns:a16="http://schemas.microsoft.com/office/drawing/2014/main" xmlns="" id="{C430C70C-09F9-40EE-9A89-ED9A5DCFD98D}"/>
+                <a16:creationId xmlns="" xmlns:a16="http://schemas.microsoft.com/office/drawing/2014/main" id="{C430C70C-09F9-40EE-9A89-ED9A5DCFD98D}"/>
               </a:ext>
             </a:extLst>
           </p:cNvPr>
@@ -8499,7 +8498,7 @@
           <p:cNvPr id="13" name="Text Placeholder 12">
             <a:extLst>
               <a:ext uri="{FF2B5EF4-FFF2-40B4-BE49-F238E27FC236}">
-                <a16:creationId xmlns:a16="http://schemas.microsoft.com/office/drawing/2014/main" xmlns="" id="{278D9ACA-AB64-4D04-A5E0-23AC8B81EC2C}"/>
+                <a16:creationId xmlns="" xmlns:a16="http://schemas.microsoft.com/office/drawing/2014/main" id="{278D9ACA-AB64-4D04-A5E0-23AC8B81EC2C}"/>
               </a:ext>
             </a:extLst>
           </p:cNvPr>
@@ -8578,7 +8577,7 @@
           <p:cNvPr id="15" name="Text Placeholder 4">
             <a:extLst>
               <a:ext uri="{FF2B5EF4-FFF2-40B4-BE49-F238E27FC236}">
-                <a16:creationId xmlns:a16="http://schemas.microsoft.com/office/drawing/2014/main" xmlns="" id="{F3B4EB62-0A18-46F9-98F0-E8FC5EBAF37E}"/>
+                <a16:creationId xmlns="" xmlns:a16="http://schemas.microsoft.com/office/drawing/2014/main" id="{F3B4EB62-0A18-46F9-98F0-E8FC5EBAF37E}"/>
               </a:ext>
             </a:extLst>
           </p:cNvPr>
@@ -8657,7 +8656,7 @@
           <p:cNvPr id="16" name="Text Placeholder 12">
             <a:extLst>
               <a:ext uri="{FF2B5EF4-FFF2-40B4-BE49-F238E27FC236}">
-                <a16:creationId xmlns:a16="http://schemas.microsoft.com/office/drawing/2014/main" xmlns="" id="{A3B2D4DF-9952-49C7-B850-559AD0DF27D5}"/>
+                <a16:creationId xmlns="" xmlns:a16="http://schemas.microsoft.com/office/drawing/2014/main" id="{A3B2D4DF-9952-49C7-B850-559AD0DF27D5}"/>
               </a:ext>
             </a:extLst>
           </p:cNvPr>
@@ -8736,7 +8735,7 @@
           <p:cNvPr id="17" name="Text Placeholder 4">
             <a:extLst>
               <a:ext uri="{FF2B5EF4-FFF2-40B4-BE49-F238E27FC236}">
-                <a16:creationId xmlns:a16="http://schemas.microsoft.com/office/drawing/2014/main" xmlns="" id="{BCE373B8-7ADE-4DC4-9900-59147BFA16E7}"/>
+                <a16:creationId xmlns="" xmlns:a16="http://schemas.microsoft.com/office/drawing/2014/main" id="{BCE373B8-7ADE-4DC4-9900-59147BFA16E7}"/>
               </a:ext>
             </a:extLst>
           </p:cNvPr>
@@ -8815,7 +8814,7 @@
           <p:cNvPr id="18" name="Text Placeholder 12">
             <a:extLst>
               <a:ext uri="{FF2B5EF4-FFF2-40B4-BE49-F238E27FC236}">
-                <a16:creationId xmlns:a16="http://schemas.microsoft.com/office/drawing/2014/main" xmlns="" id="{28F027FF-E9AF-4E49-AC44-48D21AD761AA}"/>
+                <a16:creationId xmlns="" xmlns:a16="http://schemas.microsoft.com/office/drawing/2014/main" id="{28F027FF-E9AF-4E49-AC44-48D21AD761AA}"/>
               </a:ext>
             </a:extLst>
           </p:cNvPr>
@@ -8894,7 +8893,7 @@
           <p:cNvPr id="29" name="Picture Placeholder 25">
             <a:extLst>
               <a:ext uri="{FF2B5EF4-FFF2-40B4-BE49-F238E27FC236}">
-                <a16:creationId xmlns:a16="http://schemas.microsoft.com/office/drawing/2014/main" xmlns="" id="{8989EC4C-4E3F-457F-8CF6-8A88DE68A930}"/>
+                <a16:creationId xmlns="" xmlns:a16="http://schemas.microsoft.com/office/drawing/2014/main" id="{8989EC4C-4E3F-457F-8CF6-8A88DE68A930}"/>
               </a:ext>
             </a:extLst>
           </p:cNvPr>
@@ -8936,7 +8935,7 @@
           <p:cNvPr id="30" name="Picture Placeholder 25">
             <a:extLst>
               <a:ext uri="{FF2B5EF4-FFF2-40B4-BE49-F238E27FC236}">
-                <a16:creationId xmlns:a16="http://schemas.microsoft.com/office/drawing/2014/main" xmlns="" id="{67FB2730-3D12-4D72-AE64-AC3955C5CD99}"/>
+                <a16:creationId xmlns="" xmlns:a16="http://schemas.microsoft.com/office/drawing/2014/main" id="{67FB2730-3D12-4D72-AE64-AC3955C5CD99}"/>
               </a:ext>
             </a:extLst>
           </p:cNvPr>
@@ -8978,7 +8977,7 @@
           <p:cNvPr id="31" name="Picture Placeholder 25">
             <a:extLst>
               <a:ext uri="{FF2B5EF4-FFF2-40B4-BE49-F238E27FC236}">
-                <a16:creationId xmlns:a16="http://schemas.microsoft.com/office/drawing/2014/main" xmlns="" id="{4F2BB90C-4866-4DB3-B05C-0BB7DBFF8EA3}"/>
+                <a16:creationId xmlns="" xmlns:a16="http://schemas.microsoft.com/office/drawing/2014/main" id="{4F2BB90C-4866-4DB3-B05C-0BB7DBFF8EA3}"/>
               </a:ext>
             </a:extLst>
           </p:cNvPr>
@@ -9020,7 +9019,7 @@
           <p:cNvPr id="21" name="Text Placeholder 3">
             <a:extLst>
               <a:ext uri="{FF2B5EF4-FFF2-40B4-BE49-F238E27FC236}">
-                <a16:creationId xmlns:a16="http://schemas.microsoft.com/office/drawing/2014/main" xmlns="" id="{7A3E4BF3-C44A-4FB6-B64A-05FB5AEC7577}"/>
+                <a16:creationId xmlns="" xmlns:a16="http://schemas.microsoft.com/office/drawing/2014/main" id="{7A3E4BF3-C44A-4FB6-B64A-05FB5AEC7577}"/>
               </a:ext>
             </a:extLst>
           </p:cNvPr>
@@ -9064,7 +9063,7 @@
           <p:cNvPr id="26" name="Freeform: Shape 25">
             <a:extLst>
               <a:ext uri="{FF2B5EF4-FFF2-40B4-BE49-F238E27FC236}">
-                <a16:creationId xmlns:a16="http://schemas.microsoft.com/office/drawing/2014/main" xmlns="" id="{AEA98CFA-B2A7-4BCC-B1DC-01CFAD2DD65E}"/>
+                <a16:creationId xmlns="" xmlns:a16="http://schemas.microsoft.com/office/drawing/2014/main" id="{AEA98CFA-B2A7-4BCC-B1DC-01CFAD2DD65E}"/>
               </a:ext>
             </a:extLst>
           </p:cNvPr>
@@ -9227,7 +9226,7 @@
           <p:cNvPr id="25" name="Freeform: Shape 24">
             <a:extLst>
               <a:ext uri="{FF2B5EF4-FFF2-40B4-BE49-F238E27FC236}">
-                <a16:creationId xmlns:a16="http://schemas.microsoft.com/office/drawing/2014/main" xmlns="" id="{E752CBEE-7696-40FC-AB0E-8790B179D18C}"/>
+                <a16:creationId xmlns="" xmlns:a16="http://schemas.microsoft.com/office/drawing/2014/main" id="{E752CBEE-7696-40FC-AB0E-8790B179D18C}"/>
               </a:ext>
             </a:extLst>
           </p:cNvPr>
@@ -9360,7 +9359,7 @@
           <p:cNvPr id="20" name="Text Placeholder 3">
             <a:extLst>
               <a:ext uri="{FF2B5EF4-FFF2-40B4-BE49-F238E27FC236}">
-                <a16:creationId xmlns:a16="http://schemas.microsoft.com/office/drawing/2014/main" xmlns="" id="{6A395197-9758-40F0-B747-F8B134C175EB}"/>
+                <a16:creationId xmlns="" xmlns:a16="http://schemas.microsoft.com/office/drawing/2014/main" id="{6A395197-9758-40F0-B747-F8B134C175EB}"/>
               </a:ext>
             </a:extLst>
           </p:cNvPr>
@@ -9599,7 +9598,7 @@
           <p:cNvPr id="2" name="Title 1">
             <a:extLst>
               <a:ext uri="{FF2B5EF4-FFF2-40B4-BE49-F238E27FC236}">
-                <a16:creationId xmlns:a16="http://schemas.microsoft.com/office/drawing/2014/main" xmlns="" id="{DF797B74-E645-46F4-8F77-49AF7F0D443F}"/>
+                <a16:creationId xmlns="" xmlns:a16="http://schemas.microsoft.com/office/drawing/2014/main" id="{DF797B74-E645-46F4-8F77-49AF7F0D443F}"/>
               </a:ext>
             </a:extLst>
           </p:cNvPr>
@@ -9641,7 +9640,7 @@
           <p:cNvPr id="21" name="Text Placeholder 3">
             <a:extLst>
               <a:ext uri="{FF2B5EF4-FFF2-40B4-BE49-F238E27FC236}">
-                <a16:creationId xmlns:a16="http://schemas.microsoft.com/office/drawing/2014/main" xmlns="" id="{7A3E4BF3-C44A-4FB6-B64A-05FB5AEC7577}"/>
+                <a16:creationId xmlns="" xmlns:a16="http://schemas.microsoft.com/office/drawing/2014/main" id="{7A3E4BF3-C44A-4FB6-B64A-05FB5AEC7577}"/>
               </a:ext>
             </a:extLst>
           </p:cNvPr>
@@ -9685,7 +9684,7 @@
           <p:cNvPr id="7" name="Footer Placeholder 6">
             <a:extLst>
               <a:ext uri="{FF2B5EF4-FFF2-40B4-BE49-F238E27FC236}">
-                <a16:creationId xmlns:a16="http://schemas.microsoft.com/office/drawing/2014/main" xmlns="" id="{A557D1A2-E2DD-4CD8-B7DB-2864D4A97E02}"/>
+                <a16:creationId xmlns="" xmlns:a16="http://schemas.microsoft.com/office/drawing/2014/main" id="{A557D1A2-E2DD-4CD8-B7DB-2864D4A97E02}"/>
               </a:ext>
             </a:extLst>
           </p:cNvPr>
@@ -9710,7 +9709,7 @@
           <p:cNvPr id="8" name="Slide Number Placeholder 7">
             <a:extLst>
               <a:ext uri="{FF2B5EF4-FFF2-40B4-BE49-F238E27FC236}">
-                <a16:creationId xmlns:a16="http://schemas.microsoft.com/office/drawing/2014/main" xmlns="" id="{86B08B7A-4219-4973-8C9B-BF5BCC64480F}"/>
+                <a16:creationId xmlns="" xmlns:a16="http://schemas.microsoft.com/office/drawing/2014/main" id="{86B08B7A-4219-4973-8C9B-BF5BCC64480F}"/>
               </a:ext>
             </a:extLst>
           </p:cNvPr>
@@ -9740,7 +9739,7 @@
           <p:cNvPr id="26" name="Freeform: Shape 25">
             <a:extLst>
               <a:ext uri="{FF2B5EF4-FFF2-40B4-BE49-F238E27FC236}">
-                <a16:creationId xmlns:a16="http://schemas.microsoft.com/office/drawing/2014/main" xmlns="" id="{89445125-53D2-43B3-8ABC-C88E463BE7DD}"/>
+                <a16:creationId xmlns="" xmlns:a16="http://schemas.microsoft.com/office/drawing/2014/main" id="{89445125-53D2-43B3-8ABC-C88E463BE7DD}"/>
               </a:ext>
             </a:extLst>
           </p:cNvPr>
@@ -9911,7 +9910,7 @@
           <p:cNvPr id="24" name="Picture Placeholder 23">
             <a:extLst>
               <a:ext uri="{FF2B5EF4-FFF2-40B4-BE49-F238E27FC236}">
-                <a16:creationId xmlns:a16="http://schemas.microsoft.com/office/drawing/2014/main" xmlns="" id="{767CE6DD-011B-4E2D-9E8A-EFF414E39EEA}"/>
+                <a16:creationId xmlns="" xmlns:a16="http://schemas.microsoft.com/office/drawing/2014/main" id="{767CE6DD-011B-4E2D-9E8A-EFF414E39EEA}"/>
               </a:ext>
             </a:extLst>
           </p:cNvPr>
@@ -10049,7 +10048,7 @@
           <p:cNvPr id="2" name="Title 1">
             <a:extLst>
               <a:ext uri="{FF2B5EF4-FFF2-40B4-BE49-F238E27FC236}">
-                <a16:creationId xmlns:a16="http://schemas.microsoft.com/office/drawing/2014/main" xmlns="" id="{DF797B74-E645-46F4-8F77-49AF7F0D443F}"/>
+                <a16:creationId xmlns="" xmlns:a16="http://schemas.microsoft.com/office/drawing/2014/main" id="{DF797B74-E645-46F4-8F77-49AF7F0D443F}"/>
               </a:ext>
             </a:extLst>
           </p:cNvPr>
@@ -10091,7 +10090,7 @@
           <p:cNvPr id="7" name="Footer Placeholder 6">
             <a:extLst>
               <a:ext uri="{FF2B5EF4-FFF2-40B4-BE49-F238E27FC236}">
-                <a16:creationId xmlns:a16="http://schemas.microsoft.com/office/drawing/2014/main" xmlns="" id="{A557D1A2-E2DD-4CD8-B7DB-2864D4A97E02}"/>
+                <a16:creationId xmlns="" xmlns:a16="http://schemas.microsoft.com/office/drawing/2014/main" id="{A557D1A2-E2DD-4CD8-B7DB-2864D4A97E02}"/>
               </a:ext>
             </a:extLst>
           </p:cNvPr>
@@ -10124,7 +10123,7 @@
           <p:cNvPr id="8" name="Slide Number Placeholder 7">
             <a:extLst>
               <a:ext uri="{FF2B5EF4-FFF2-40B4-BE49-F238E27FC236}">
-                <a16:creationId xmlns:a16="http://schemas.microsoft.com/office/drawing/2014/main" xmlns="" id="{86B08B7A-4219-4973-8C9B-BF5BCC64480F}"/>
+                <a16:creationId xmlns="" xmlns:a16="http://schemas.microsoft.com/office/drawing/2014/main" id="{86B08B7A-4219-4973-8C9B-BF5BCC64480F}"/>
               </a:ext>
             </a:extLst>
           </p:cNvPr>
@@ -10154,7 +10153,7 @@
           <p:cNvPr id="9" name="Freeform: Shape 8">
             <a:extLst>
               <a:ext uri="{FF2B5EF4-FFF2-40B4-BE49-F238E27FC236}">
-                <a16:creationId xmlns:a16="http://schemas.microsoft.com/office/drawing/2014/main" xmlns="" id="{C6E75A4B-2655-4B0E-8D3B-0068F57D3D9B}"/>
+                <a16:creationId xmlns="" xmlns:a16="http://schemas.microsoft.com/office/drawing/2014/main" id="{C6E75A4B-2655-4B0E-8D3B-0068F57D3D9B}"/>
               </a:ext>
             </a:extLst>
           </p:cNvPr>
@@ -10313,7 +10312,7 @@
           <p:cNvPr id="23" name="Text Placeholder 3">
             <a:extLst>
               <a:ext uri="{FF2B5EF4-FFF2-40B4-BE49-F238E27FC236}">
-                <a16:creationId xmlns:a16="http://schemas.microsoft.com/office/drawing/2014/main" xmlns="" id="{0A18EF7D-14D0-4362-B8BD-722D3D54D429}"/>
+                <a16:creationId xmlns="" xmlns:a16="http://schemas.microsoft.com/office/drawing/2014/main" id="{0A18EF7D-14D0-4362-B8BD-722D3D54D429}"/>
               </a:ext>
             </a:extLst>
           </p:cNvPr>
@@ -10387,7 +10386,7 @@
           <p:cNvPr id="11" name="Rectangle 10">
             <a:extLst>
               <a:ext uri="{FF2B5EF4-FFF2-40B4-BE49-F238E27FC236}">
-                <a16:creationId xmlns:a16="http://schemas.microsoft.com/office/drawing/2014/main" xmlns="" id="{567FF01B-795B-4F5D-87AF-6CAA8DD5D48A}"/>
+                <a16:creationId xmlns="" xmlns:a16="http://schemas.microsoft.com/office/drawing/2014/main" id="{567FF01B-795B-4F5D-87AF-6CAA8DD5D48A}"/>
               </a:ext>
             </a:extLst>
           </p:cNvPr>
@@ -10441,7 +10440,7 @@
           <p:cNvPr id="21" name="Text Placeholder 3">
             <a:extLst>
               <a:ext uri="{FF2B5EF4-FFF2-40B4-BE49-F238E27FC236}">
-                <a16:creationId xmlns:a16="http://schemas.microsoft.com/office/drawing/2014/main" xmlns="" id="{7A3E4BF3-C44A-4FB6-B64A-05FB5AEC7577}"/>
+                <a16:creationId xmlns="" xmlns:a16="http://schemas.microsoft.com/office/drawing/2014/main" id="{7A3E4BF3-C44A-4FB6-B64A-05FB5AEC7577}"/>
               </a:ext>
             </a:extLst>
           </p:cNvPr>
@@ -10485,7 +10484,7 @@
           <p:cNvPr id="7" name="Footer Placeholder 6">
             <a:extLst>
               <a:ext uri="{FF2B5EF4-FFF2-40B4-BE49-F238E27FC236}">
-                <a16:creationId xmlns:a16="http://schemas.microsoft.com/office/drawing/2014/main" xmlns="" id="{A557D1A2-E2DD-4CD8-B7DB-2864D4A97E02}"/>
+                <a16:creationId xmlns="" xmlns:a16="http://schemas.microsoft.com/office/drawing/2014/main" id="{A557D1A2-E2DD-4CD8-B7DB-2864D4A97E02}"/>
               </a:ext>
             </a:extLst>
           </p:cNvPr>
@@ -10510,7 +10509,7 @@
           <p:cNvPr id="8" name="Slide Number Placeholder 7">
             <a:extLst>
               <a:ext uri="{FF2B5EF4-FFF2-40B4-BE49-F238E27FC236}">
-                <a16:creationId xmlns:a16="http://schemas.microsoft.com/office/drawing/2014/main" xmlns="" id="{86B08B7A-4219-4973-8C9B-BF5BCC64480F}"/>
+                <a16:creationId xmlns="" xmlns:a16="http://schemas.microsoft.com/office/drawing/2014/main" id="{86B08B7A-4219-4973-8C9B-BF5BCC64480F}"/>
               </a:ext>
             </a:extLst>
           </p:cNvPr>
@@ -10540,7 +10539,7 @@
           <p:cNvPr id="3" name="Title 2">
             <a:extLst>
               <a:ext uri="{FF2B5EF4-FFF2-40B4-BE49-F238E27FC236}">
-                <a16:creationId xmlns:a16="http://schemas.microsoft.com/office/drawing/2014/main" xmlns="" id="{72F32FC1-1FF6-4874-9835-EB1A90F7E9F5}"/>
+                <a16:creationId xmlns="" xmlns:a16="http://schemas.microsoft.com/office/drawing/2014/main" id="{72F32FC1-1FF6-4874-9835-EB1A90F7E9F5}"/>
               </a:ext>
             </a:extLst>
           </p:cNvPr>
@@ -10569,7 +10568,7 @@
           <p:cNvPr id="10" name="Freeform: Shape 9">
             <a:extLst>
               <a:ext uri="{FF2B5EF4-FFF2-40B4-BE49-F238E27FC236}">
-                <a16:creationId xmlns:a16="http://schemas.microsoft.com/office/drawing/2014/main" xmlns="" id="{83039E70-36A3-46C1-B30E-CA4CC0B36C5D}"/>
+                <a16:creationId xmlns="" xmlns:a16="http://schemas.microsoft.com/office/drawing/2014/main" id="{83039E70-36A3-46C1-B30E-CA4CC0B36C5D}"/>
               </a:ext>
             </a:extLst>
           </p:cNvPr>
@@ -10766,7 +10765,7 @@
           <p:cNvPr id="2" name="Title Placeholder 1">
             <a:extLst>
               <a:ext uri="{FF2B5EF4-FFF2-40B4-BE49-F238E27FC236}">
-                <a16:creationId xmlns:a16="http://schemas.microsoft.com/office/drawing/2014/main" xmlns="" id="{59A5246D-ECE9-473C-953D-D56C3F7B32F8}"/>
+                <a16:creationId xmlns="" xmlns:a16="http://schemas.microsoft.com/office/drawing/2014/main" id="{59A5246D-ECE9-473C-953D-D56C3F7B32F8}"/>
               </a:ext>
             </a:extLst>
           </p:cNvPr>
@@ -10805,7 +10804,7 @@
           <p:cNvPr id="3" name="Text Placeholder 2">
             <a:extLst>
               <a:ext uri="{FF2B5EF4-FFF2-40B4-BE49-F238E27FC236}">
-                <a16:creationId xmlns:a16="http://schemas.microsoft.com/office/drawing/2014/main" xmlns="" id="{65D946F0-677D-45B4-83B9-FD3BD3FFCA3C}"/>
+                <a16:creationId xmlns="" xmlns:a16="http://schemas.microsoft.com/office/drawing/2014/main" id="{65D946F0-677D-45B4-83B9-FD3BD3FFCA3C}"/>
               </a:ext>
             </a:extLst>
           </p:cNvPr>
@@ -10872,7 +10871,7 @@
           <p:cNvPr id="5" name="Footer Placeholder 4">
             <a:extLst>
               <a:ext uri="{FF2B5EF4-FFF2-40B4-BE49-F238E27FC236}">
-                <a16:creationId xmlns:a16="http://schemas.microsoft.com/office/drawing/2014/main" xmlns="" id="{1445BE21-FA72-48F5-9A53-134902BF63DC}"/>
+                <a16:creationId xmlns="" xmlns:a16="http://schemas.microsoft.com/office/drawing/2014/main" id="{1445BE21-FA72-48F5-9A53-134902BF63DC}"/>
               </a:ext>
             </a:extLst>
           </p:cNvPr>
@@ -10915,7 +10914,7 @@
           <p:cNvPr id="6" name="Slide Number Placeholder 5">
             <a:extLst>
               <a:ext uri="{FF2B5EF4-FFF2-40B4-BE49-F238E27FC236}">
-                <a16:creationId xmlns:a16="http://schemas.microsoft.com/office/drawing/2014/main" xmlns="" id="{70F79B29-5421-49A7-A511-D916B66A8890}"/>
+                <a16:creationId xmlns="" xmlns:a16="http://schemas.microsoft.com/office/drawing/2014/main" id="{70F79B29-5421-49A7-A511-D916B66A8890}"/>
               </a:ext>
             </a:extLst>
           </p:cNvPr>
@@ -11334,7 +11333,7 @@
           <p:cNvPr id="14" name="Picture Placeholder 13" descr="Doctor pointing on a large display">
             <a:extLst>
               <a:ext uri="{FF2B5EF4-FFF2-40B4-BE49-F238E27FC236}">
-                <a16:creationId xmlns:a16="http://schemas.microsoft.com/office/drawing/2014/main" xmlns="" id="{8F02F647-7DBC-4618-AFF3-8CED69C5CDEF}"/>
+                <a16:creationId xmlns="" xmlns:a16="http://schemas.microsoft.com/office/drawing/2014/main" id="{8F02F647-7DBC-4618-AFF3-8CED69C5CDEF}"/>
               </a:ext>
             </a:extLst>
           </p:cNvPr>
@@ -11370,7 +11369,7 @@
           <p:cNvPr id="3" name="Title 2">
             <a:extLst>
               <a:ext uri="{FF2B5EF4-FFF2-40B4-BE49-F238E27FC236}">
-                <a16:creationId xmlns:a16="http://schemas.microsoft.com/office/drawing/2014/main" xmlns="" id="{B8D8E648-93B0-47FF-A306-492EFF7FC499}"/>
+                <a16:creationId xmlns="" xmlns:a16="http://schemas.microsoft.com/office/drawing/2014/main" id="{B8D8E648-93B0-47FF-A306-492EFF7FC499}"/>
               </a:ext>
             </a:extLst>
           </p:cNvPr>
@@ -11404,122 +11403,6 @@
           </a:p>
         </p:txBody>
       </p:sp>
-      <p:sp>
-        <p:nvSpPr>
-          <p:cNvPr id="4" name="Subtitle 3">
-            <a:extLst>
-              <a:ext uri="{FF2B5EF4-FFF2-40B4-BE49-F238E27FC236}">
-                <a16:creationId xmlns:a16="http://schemas.microsoft.com/office/drawing/2014/main" xmlns="" id="{64857D70-F12B-4E1B-99F8-92DAD4349846}"/>
-              </a:ext>
-            </a:extLst>
-          </p:cNvPr>
-          <p:cNvSpPr>
-            <a:spLocks noGrp="1"/>
-          </p:cNvSpPr>
-          <p:nvPr>
-            <p:ph type="subTitle" idx="1"/>
-          </p:nvPr>
-        </p:nvSpPr>
-        <p:spPr>
-          <a:xfrm>
-            <a:off x="2562896" y="5215944"/>
-            <a:ext cx="4529103" cy="1181164"/>
-          </a:xfrm>
-          <a:gradFill>
-            <a:gsLst>
-              <a:gs pos="8000">
-                <a:schemeClr val="tx2"/>
-              </a:gs>
-              <a:gs pos="100000">
-                <a:schemeClr val="accent2"/>
-              </a:gs>
-            </a:gsLst>
-            <a:lin ang="14400000" scaled="0"/>
-          </a:gradFill>
-        </p:spPr>
-        <p:txBody>
-          <a:bodyPr/>
-          <a:lstStyle/>
-          <a:p>
-            <a:r>
-              <a:rPr lang="en-US" i="0" dirty="0" err="1" smtClean="0">
-                <a:solidFill>
-                  <a:schemeClr val="accent4">
-                    <a:lumMod val="20000"/>
-                    <a:lumOff val="80000"/>
-                  </a:schemeClr>
-                </a:solidFill>
-              </a:rPr>
-              <a:t>Sakshi</a:t>
-            </a:r>
-            <a:r>
-              <a:rPr lang="en-US" i="0" dirty="0" smtClean="0">
-                <a:solidFill>
-                  <a:schemeClr val="accent4">
-                    <a:lumMod val="20000"/>
-                    <a:lumOff val="80000"/>
-                  </a:schemeClr>
-                </a:solidFill>
-              </a:rPr>
-              <a:t> Yadav - 711</a:t>
-            </a:r>
-          </a:p>
-          <a:p>
-            <a:r>
-              <a:rPr lang="en-US" i="0" dirty="0" err="1" smtClean="0">
-                <a:solidFill>
-                  <a:schemeClr val="accent4">
-                    <a:lumMod val="20000"/>
-                    <a:lumOff val="80000"/>
-                  </a:schemeClr>
-                </a:solidFill>
-              </a:rPr>
-              <a:t>Anushka</a:t>
-            </a:r>
-            <a:r>
-              <a:rPr lang="en-US" i="0" dirty="0" smtClean="0">
-                <a:solidFill>
-                  <a:schemeClr val="accent4">
-                    <a:lumMod val="20000"/>
-                    <a:lumOff val="80000"/>
-                  </a:schemeClr>
-                </a:solidFill>
-              </a:rPr>
-              <a:t> </a:t>
-            </a:r>
-            <a:r>
-              <a:rPr lang="en-US" i="0" dirty="0" err="1" smtClean="0">
-                <a:solidFill>
-                  <a:schemeClr val="accent4">
-                    <a:lumMod val="20000"/>
-                    <a:lumOff val="80000"/>
-                  </a:schemeClr>
-                </a:solidFill>
-              </a:rPr>
-              <a:t>Tawde</a:t>
-            </a:r>
-            <a:r>
-              <a:rPr lang="en-US" i="0" dirty="0" smtClean="0">
-                <a:solidFill>
-                  <a:schemeClr val="accent4">
-                    <a:lumMod val="20000"/>
-                    <a:lumOff val="80000"/>
-                  </a:schemeClr>
-                </a:solidFill>
-              </a:rPr>
-              <a:t> - 748</a:t>
-            </a:r>
-            <a:endParaRPr lang="en-US" i="0" dirty="0">
-              <a:solidFill>
-                <a:schemeClr val="accent4">
-                  <a:lumMod val="20000"/>
-                  <a:lumOff val="80000"/>
-                </a:schemeClr>
-              </a:solidFill>
-            </a:endParaRPr>
-          </a:p>
-        </p:txBody>
-      </p:sp>
     </p:spTree>
     <p:extLst>
       <p:ext uri="{BB962C8B-B14F-4D97-AF65-F5344CB8AC3E}">
@@ -11530,10 +11413,1630 @@
   <p:clrMapOvr>
     <a:masterClrMapping/>
   </p:clrMapOvr>
+  <p:timing>
+    <p:tnLst>
+      <p:par>
+        <p:cTn id="1" dur="indefinite" restart="never" nodeType="tmRoot"/>
+      </p:par>
+    </p:tnLst>
+  </p:timing>
 </p:sld>
 </file>
 
 <file path=ppt/slides/slide10.xml><?xml version="1.0" encoding="utf-8"?>
+<p:sld xmlns:a="http://schemas.openxmlformats.org/drawingml/2006/main" xmlns:r="http://schemas.openxmlformats.org/officeDocument/2006/relationships" xmlns:p="http://schemas.openxmlformats.org/presentationml/2006/main">
+  <p:cSld>
+    <p:spTree>
+      <p:nvGrpSpPr>
+        <p:cNvPr id="1" name=""/>
+        <p:cNvGrpSpPr/>
+        <p:nvPr/>
+      </p:nvGrpSpPr>
+      <p:grpSpPr>
+        <a:xfrm>
+          <a:off x="0" y="0"/>
+          <a:ext cx="0" cy="0"/>
+          <a:chOff x="0" y="0"/>
+          <a:chExt cx="0" cy="0"/>
+        </a:xfrm>
+      </p:grpSpPr>
+      <p:sp>
+        <p:nvSpPr>
+          <p:cNvPr id="15" name="Title 14">
+            <a:extLst>
+              <a:ext uri="{FF2B5EF4-FFF2-40B4-BE49-F238E27FC236}">
+                <a16:creationId xmlns="" xmlns:a16="http://schemas.microsoft.com/office/drawing/2014/main" id="{11123242-1802-4890-85C8-48524FEB9010}"/>
+              </a:ext>
+            </a:extLst>
+          </p:cNvPr>
+          <p:cNvSpPr>
+            <a:spLocks noGrp="1"/>
+          </p:cNvSpPr>
+          <p:nvPr>
+            <p:ph type="title"/>
+          </p:nvPr>
+        </p:nvSpPr>
+        <p:spPr/>
+        <p:txBody>
+          <a:bodyPr/>
+          <a:lstStyle/>
+          <a:p>
+            <a:r>
+              <a:rPr lang="en-US" dirty="0" smtClean="0"/>
+              <a:t>Conclusion:</a:t>
+            </a:r>
+            <a:endParaRPr lang="en-US" dirty="0"/>
+          </a:p>
+        </p:txBody>
+      </p:sp>
+      <p:sp>
+        <p:nvSpPr>
+          <p:cNvPr id="4" name="Slide Number Placeholder 3">
+            <a:extLst>
+              <a:ext uri="{FF2B5EF4-FFF2-40B4-BE49-F238E27FC236}">
+                <a16:creationId xmlns="" xmlns:a16="http://schemas.microsoft.com/office/drawing/2014/main" id="{65A32E52-1B70-4F84-B381-E9D9871504C5}"/>
+              </a:ext>
+            </a:extLst>
+          </p:cNvPr>
+          <p:cNvSpPr>
+            <a:spLocks noGrp="1"/>
+          </p:cNvSpPr>
+          <p:nvPr>
+            <p:ph type="sldNum" sz="quarter" idx="11"/>
+          </p:nvPr>
+        </p:nvSpPr>
+        <p:spPr/>
+        <p:txBody>
+          <a:bodyPr/>
+          <a:lstStyle/>
+          <a:p>
+            <a:fld id="{EECC7194-A4D0-457B-9D3E-53681723AFF7}" type="slidenum">
+              <a:rPr lang="en-US" smtClean="0"/>
+              <a:pPr/>
+              <a:t>10</a:t>
+            </a:fld>
+            <a:endParaRPr lang="en-US" dirty="0"/>
+          </a:p>
+        </p:txBody>
+      </p:sp>
+      <p:sp>
+        <p:nvSpPr>
+          <p:cNvPr id="17" name="Text Placeholder 16">
+            <a:extLst>
+              <a:ext uri="{FF2B5EF4-FFF2-40B4-BE49-F238E27FC236}">
+                <a16:creationId xmlns="" xmlns:a16="http://schemas.microsoft.com/office/drawing/2014/main" id="{7ED86B65-490B-4A46-9A35-518F306514E2}"/>
+              </a:ext>
+            </a:extLst>
+          </p:cNvPr>
+          <p:cNvSpPr>
+            <a:spLocks noGrp="1"/>
+          </p:cNvSpPr>
+          <p:nvPr>
+            <p:ph type="body" sz="quarter" idx="13"/>
+          </p:nvPr>
+        </p:nvSpPr>
+        <p:spPr>
+          <a:xfrm>
+            <a:off x="749276" y="3660021"/>
+            <a:ext cx="10315696" cy="2852217"/>
+          </a:xfrm>
+        </p:spPr>
+        <p:txBody>
+          <a:bodyPr/>
+          <a:lstStyle/>
+          <a:p>
+            <a:pPr lvl="0"/>
+            <a:r>
+              <a:rPr lang="en-US" sz="1800" dirty="0"/>
+              <a:t>Most of the data points were in objects.</a:t>
+            </a:r>
+          </a:p>
+          <a:p>
+            <a:pPr lvl="0"/>
+            <a:r>
+              <a:rPr lang="en-US" sz="1800" dirty="0"/>
+              <a:t>Two of them were of float type.</a:t>
+            </a:r>
+          </a:p>
+          <a:p>
+            <a:pPr lvl="0"/>
+            <a:r>
+              <a:rPr lang="en-US" sz="1800" dirty="0"/>
+              <a:t>There were more males than females in our dataset.</a:t>
+            </a:r>
+          </a:p>
+          <a:p>
+            <a:pPr lvl="0"/>
+            <a:r>
+              <a:rPr lang="en-US" sz="1800" dirty="0"/>
+              <a:t>Highest prevalence of Hepatitis is from 30-40 followed by 40-50.</a:t>
+            </a:r>
+          </a:p>
+          <a:p>
+            <a:pPr lvl="0"/>
+            <a:r>
+              <a:rPr lang="en-US" sz="1800" dirty="0"/>
+              <a:t>The least are the individuals under 10, and elderly above 70.</a:t>
+            </a:r>
+          </a:p>
+          <a:p>
+            <a:pPr lvl="0"/>
+            <a:r>
+              <a:rPr lang="en-US" sz="1800" dirty="0"/>
+              <a:t>All the methods gave us almost the same features to use i.e. all the features are important.</a:t>
+            </a:r>
+          </a:p>
+          <a:p>
+            <a:endParaRPr lang="en-US" sz="1800" noProof="1"/>
+          </a:p>
+        </p:txBody>
+      </p:sp>
+      <p:pic>
+        <p:nvPicPr>
+          <p:cNvPr id="43" name="Picture Placeholder 42" descr="Stethoscope">
+            <a:extLst>
+              <a:ext uri="{FF2B5EF4-FFF2-40B4-BE49-F238E27FC236}">
+                <a16:creationId xmlns="" xmlns:a16="http://schemas.microsoft.com/office/drawing/2014/main" id="{0FBA55E0-FE96-4C72-9699-C2E4A4D64309}"/>
+              </a:ext>
+            </a:extLst>
+          </p:cNvPr>
+          <p:cNvPicPr>
+            <a:picLocks noGrp="1" noChangeAspect="1"/>
+          </p:cNvPicPr>
+          <p:nvPr>
+            <p:ph type="pic" sz="quarter" idx="23"/>
+          </p:nvPr>
+        </p:nvPicPr>
+        <p:blipFill>
+          <a:blip r:embed="rId2" cstate="screen">
+            <a:extLst>
+              <a:ext uri="{28A0092B-C50C-407E-A947-70E740481C1C}">
+                <a14:useLocalDpi xmlns:a14="http://schemas.microsoft.com/office/drawing/2010/main"/>
+              </a:ext>
+              <a:ext uri="{96DAC541-7B7A-43D3-8B79-37D633B846F1}">
+                <asvg:svgBlip xmlns="" xmlns:asvg="http://schemas.microsoft.com/office/drawing/2016/SVG/main" r:embed="rId3"/>
+              </a:ext>
+            </a:extLst>
+          </a:blip>
+          <a:srcRect/>
+          <a:stretch>
+            <a:fillRect/>
+          </a:stretch>
+        </p:blipFill>
+        <p:spPr>
+          <a:xfrm>
+            <a:off x="2065071" y="2008906"/>
+            <a:ext cx="511585" cy="511585"/>
+          </a:xfrm>
+        </p:spPr>
+      </p:pic>
+      <p:pic>
+        <p:nvPicPr>
+          <p:cNvPr id="45" name="Picture Placeholder 44" descr="DNA">
+            <a:extLst>
+              <a:ext uri="{FF2B5EF4-FFF2-40B4-BE49-F238E27FC236}">
+                <a16:creationId xmlns="" xmlns:a16="http://schemas.microsoft.com/office/drawing/2014/main" id="{59BC955A-4F46-42BB-AE8B-64B294B4094A}"/>
+              </a:ext>
+            </a:extLst>
+          </p:cNvPr>
+          <p:cNvPicPr>
+            <a:picLocks noGrp="1" noChangeAspect="1"/>
+          </p:cNvPicPr>
+          <p:nvPr>
+            <p:ph type="pic" sz="quarter" idx="24"/>
+          </p:nvPr>
+        </p:nvPicPr>
+        <p:blipFill>
+          <a:blip r:embed="rId4" cstate="screen">
+            <a:extLst>
+              <a:ext uri="{28A0092B-C50C-407E-A947-70E740481C1C}">
+                <a14:useLocalDpi xmlns:a14="http://schemas.microsoft.com/office/drawing/2010/main"/>
+              </a:ext>
+              <a:ext uri="{96DAC541-7B7A-43D3-8B79-37D633B846F1}">
+                <asvg:svgBlip xmlns="" xmlns:asvg="http://schemas.microsoft.com/office/drawing/2016/SVG/main" r:embed="rId5"/>
+              </a:ext>
+            </a:extLst>
+          </a:blip>
+          <a:srcRect/>
+          <a:stretch>
+            <a:fillRect/>
+          </a:stretch>
+        </p:blipFill>
+        <p:spPr>
+          <a:xfrm>
+            <a:off x="5827640" y="1951669"/>
+            <a:ext cx="511585" cy="511585"/>
+          </a:xfrm>
+        </p:spPr>
+      </p:pic>
+      <p:pic>
+        <p:nvPicPr>
+          <p:cNvPr id="47" name="Picture Placeholder 46" descr="Heartbeat">
+            <a:extLst>
+              <a:ext uri="{FF2B5EF4-FFF2-40B4-BE49-F238E27FC236}">
+                <a16:creationId xmlns="" xmlns:a16="http://schemas.microsoft.com/office/drawing/2014/main" id="{CF3CF4DD-4D31-4118-BEC8-48E0CFB07422}"/>
+              </a:ext>
+            </a:extLst>
+          </p:cNvPr>
+          <p:cNvPicPr>
+            <a:picLocks noGrp="1" noChangeAspect="1"/>
+          </p:cNvPicPr>
+          <p:nvPr>
+            <p:ph type="pic" sz="quarter" idx="25"/>
+          </p:nvPr>
+        </p:nvPicPr>
+        <p:blipFill>
+          <a:blip r:embed="rId6" cstate="screen">
+            <a:extLst>
+              <a:ext uri="{28A0092B-C50C-407E-A947-70E740481C1C}">
+                <a14:useLocalDpi xmlns:a14="http://schemas.microsoft.com/office/drawing/2010/main"/>
+              </a:ext>
+              <a:ext uri="{96DAC541-7B7A-43D3-8B79-37D633B846F1}">
+                <asvg:svgBlip xmlns="" xmlns:asvg="http://schemas.microsoft.com/office/drawing/2016/SVG/main" r:embed="rId7"/>
+              </a:ext>
+            </a:extLst>
+          </a:blip>
+          <a:srcRect/>
+          <a:stretch>
+            <a:fillRect/>
+          </a:stretch>
+        </p:blipFill>
+        <p:spPr>
+          <a:xfrm>
+            <a:off x="9590208" y="2008906"/>
+            <a:ext cx="511585" cy="511585"/>
+          </a:xfrm>
+        </p:spPr>
+      </p:pic>
+      <p:sp>
+        <p:nvSpPr>
+          <p:cNvPr id="30" name="object 7" descr="Beige rectangle">
+            <a:extLst>
+              <a:ext uri="{FF2B5EF4-FFF2-40B4-BE49-F238E27FC236}">
+                <a16:creationId xmlns="" xmlns:a16="http://schemas.microsoft.com/office/drawing/2014/main" id="{1E04C292-AE6A-4666-9EA6-9D87F84CB793}"/>
+              </a:ext>
+            </a:extLst>
+          </p:cNvPr>
+          <p:cNvSpPr/>
+          <p:nvPr/>
+        </p:nvSpPr>
+        <p:spPr bwMode="white">
+          <a:xfrm flipV="1">
+            <a:off x="722099" y="1277068"/>
+            <a:ext cx="3470764" cy="45719"/>
+          </a:xfrm>
+          <a:custGeom>
+            <a:avLst/>
+            <a:gdLst/>
+            <a:ahLst/>
+            <a:cxnLst/>
+            <a:rect l="l" t="t" r="r" b="b"/>
+            <a:pathLst>
+              <a:path w="3935729">
+                <a:moveTo>
+                  <a:pt x="0" y="0"/>
+                </a:moveTo>
+                <a:lnTo>
+                  <a:pt x="3935349" y="0"/>
+                </a:lnTo>
+              </a:path>
+            </a:pathLst>
+          </a:custGeom>
+          <a:ln w="54863">
+            <a:solidFill>
+              <a:schemeClr val="accent1"/>
+            </a:solidFill>
+          </a:ln>
+        </p:spPr>
+        <p:txBody>
+          <a:bodyPr wrap="square" lIns="0" tIns="0" rIns="0" bIns="0" rtlCol="0"/>
+          <a:lstStyle/>
+          <a:p>
+            <a:endParaRPr lang="en-US" dirty="0"/>
+          </a:p>
+        </p:txBody>
+      </p:sp>
+      <p:grpSp>
+        <p:nvGrpSpPr>
+          <p:cNvPr id="5" name="Group 4">
+            <a:extLst>
+              <a:ext uri="{FF2B5EF4-FFF2-40B4-BE49-F238E27FC236}">
+                <a16:creationId xmlns="" xmlns:a16="http://schemas.microsoft.com/office/drawing/2014/main" id="{25EE06CE-237F-44E6-BF7E-72B27BB6A6DB}"/>
+              </a:ext>
+              <a:ext uri="{C183D7F6-B498-43B3-948B-1728B52AA6E4}">
+                <adec:decorative xmlns="" xmlns:adec="http://schemas.microsoft.com/office/drawing/2017/decorative" val="1"/>
+              </a:ext>
+            </a:extLst>
+          </p:cNvPr>
+          <p:cNvGrpSpPr/>
+          <p:nvPr/>
+        </p:nvGrpSpPr>
+        <p:grpSpPr>
+          <a:xfrm>
+            <a:off x="9164878" y="1733550"/>
+            <a:ext cx="1177348" cy="992451"/>
+            <a:chOff x="9164878" y="1733550"/>
+            <a:chExt cx="1177348" cy="992451"/>
+          </a:xfrm>
+        </p:grpSpPr>
+        <p:sp>
+          <p:nvSpPr>
+            <p:cNvPr id="85" name="Rectangle 84">
+              <a:extLst>
+                <a:ext uri="{FF2B5EF4-FFF2-40B4-BE49-F238E27FC236}">
+                  <a16:creationId xmlns="" xmlns:a16="http://schemas.microsoft.com/office/drawing/2014/main" id="{2183E070-F2AC-4FAC-84B2-3622CF377DCE}"/>
+                </a:ext>
+                <a:ext uri="{C183D7F6-B498-43B3-948B-1728B52AA6E4}">
+                  <adec:decorative xmlns="" xmlns:adec="http://schemas.microsoft.com/office/drawing/2017/decorative" val="1"/>
+                </a:ext>
+              </a:extLst>
+            </p:cNvPr>
+            <p:cNvSpPr/>
+            <p:nvPr/>
+          </p:nvSpPr>
+          <p:spPr>
+            <a:xfrm>
+              <a:off x="9349775" y="1733550"/>
+              <a:ext cx="992451" cy="992451"/>
+            </a:xfrm>
+            <a:prstGeom prst="rect">
+              <a:avLst/>
+            </a:prstGeom>
+            <a:noFill/>
+            <a:ln w="6350">
+              <a:solidFill>
+                <a:schemeClr val="bg1">
+                  <a:alpha val="20000"/>
+                </a:schemeClr>
+              </a:solidFill>
+            </a:ln>
+          </p:spPr>
+          <p:style>
+            <a:lnRef idx="2">
+              <a:schemeClr val="accent1">
+                <a:shade val="50000"/>
+              </a:schemeClr>
+            </a:lnRef>
+            <a:fillRef idx="1">
+              <a:schemeClr val="accent1"/>
+            </a:fillRef>
+            <a:effectRef idx="0">
+              <a:schemeClr val="accent1"/>
+            </a:effectRef>
+            <a:fontRef idx="minor">
+              <a:schemeClr val="lt1"/>
+            </a:fontRef>
+          </p:style>
+          <p:txBody>
+            <a:bodyPr rtlCol="0" anchor="ctr"/>
+            <a:lstStyle/>
+            <a:p>
+              <a:pPr algn="ctr"/>
+              <a:endParaRPr lang="en-US" dirty="0"/>
+            </a:p>
+          </p:txBody>
+        </p:sp>
+        <p:sp>
+          <p:nvSpPr>
+            <p:cNvPr id="86" name="Rectangle 85">
+              <a:extLst>
+                <a:ext uri="{FF2B5EF4-FFF2-40B4-BE49-F238E27FC236}">
+                  <a16:creationId xmlns="" xmlns:a16="http://schemas.microsoft.com/office/drawing/2014/main" id="{C35680A2-0542-4B12-830D-8B2A95324F4C}"/>
+                </a:ext>
+              </a:extLst>
+            </p:cNvPr>
+            <p:cNvSpPr/>
+            <p:nvPr/>
+          </p:nvSpPr>
+          <p:spPr>
+            <a:xfrm>
+              <a:off x="9164878" y="1819672"/>
+              <a:ext cx="1091696" cy="820207"/>
+            </a:xfrm>
+            <a:prstGeom prst="rect">
+              <a:avLst/>
+            </a:prstGeom>
+            <a:noFill/>
+            <a:ln w="6350">
+              <a:solidFill>
+                <a:schemeClr val="bg1">
+                  <a:alpha val="20000"/>
+                </a:schemeClr>
+              </a:solidFill>
+            </a:ln>
+          </p:spPr>
+          <p:style>
+            <a:lnRef idx="2">
+              <a:schemeClr val="accent1">
+                <a:shade val="50000"/>
+              </a:schemeClr>
+            </a:lnRef>
+            <a:fillRef idx="1">
+              <a:schemeClr val="accent1"/>
+            </a:fillRef>
+            <a:effectRef idx="0">
+              <a:schemeClr val="accent1"/>
+            </a:effectRef>
+            <a:fontRef idx="minor">
+              <a:schemeClr val="lt1"/>
+            </a:fontRef>
+          </p:style>
+          <p:txBody>
+            <a:bodyPr rtlCol="0" anchor="ctr"/>
+            <a:lstStyle/>
+            <a:p>
+              <a:pPr algn="ctr"/>
+              <a:endParaRPr lang="en-US" dirty="0"/>
+            </a:p>
+          </p:txBody>
+        </p:sp>
+      </p:grpSp>
+      <p:grpSp>
+        <p:nvGrpSpPr>
+          <p:cNvPr id="2" name="Group 1">
+            <a:extLst>
+              <a:ext uri="{FF2B5EF4-FFF2-40B4-BE49-F238E27FC236}">
+                <a16:creationId xmlns="" xmlns:a16="http://schemas.microsoft.com/office/drawing/2014/main" id="{3C6003A3-849D-4BA1-BF85-B6F50F872808}"/>
+              </a:ext>
+              <a:ext uri="{C183D7F6-B498-43B3-948B-1728B52AA6E4}">
+                <adec:decorative xmlns="" xmlns:adec="http://schemas.microsoft.com/office/drawing/2017/decorative" val="1"/>
+              </a:ext>
+            </a:extLst>
+          </p:cNvPr>
+          <p:cNvGrpSpPr/>
+          <p:nvPr/>
+        </p:nvGrpSpPr>
+        <p:grpSpPr>
+          <a:xfrm>
+            <a:off x="1824638" y="1733550"/>
+            <a:ext cx="1192959" cy="992451"/>
+            <a:chOff x="1824638" y="1733550"/>
+            <a:chExt cx="1192959" cy="992451"/>
+          </a:xfrm>
+        </p:grpSpPr>
+        <p:sp>
+          <p:nvSpPr>
+            <p:cNvPr id="83" name="Rectangle 82">
+              <a:extLst>
+                <a:ext uri="{FF2B5EF4-FFF2-40B4-BE49-F238E27FC236}">
+                  <a16:creationId xmlns="" xmlns:a16="http://schemas.microsoft.com/office/drawing/2014/main" id="{C65C63E4-7456-4EA3-AB9B-0BC0EEF50323}"/>
+                </a:ext>
+              </a:extLst>
+            </p:cNvPr>
+            <p:cNvSpPr/>
+            <p:nvPr/>
+          </p:nvSpPr>
+          <p:spPr>
+            <a:xfrm>
+              <a:off x="1824638" y="1733550"/>
+              <a:ext cx="992451" cy="992451"/>
+            </a:xfrm>
+            <a:prstGeom prst="rect">
+              <a:avLst/>
+            </a:prstGeom>
+            <a:noFill/>
+            <a:ln w="6350">
+              <a:solidFill>
+                <a:schemeClr val="bg1">
+                  <a:alpha val="20000"/>
+                </a:schemeClr>
+              </a:solidFill>
+            </a:ln>
+          </p:spPr>
+          <p:style>
+            <a:lnRef idx="2">
+              <a:schemeClr val="accent1">
+                <a:shade val="50000"/>
+              </a:schemeClr>
+            </a:lnRef>
+            <a:fillRef idx="1">
+              <a:schemeClr val="accent1"/>
+            </a:fillRef>
+            <a:effectRef idx="0">
+              <a:schemeClr val="accent1"/>
+            </a:effectRef>
+            <a:fontRef idx="minor">
+              <a:schemeClr val="lt1"/>
+            </a:fontRef>
+          </p:style>
+          <p:txBody>
+            <a:bodyPr rtlCol="0" anchor="ctr"/>
+            <a:lstStyle/>
+            <a:p>
+              <a:pPr algn="ctr"/>
+              <a:endParaRPr lang="en-US" dirty="0"/>
+            </a:p>
+          </p:txBody>
+        </p:sp>
+        <p:sp>
+          <p:nvSpPr>
+            <p:cNvPr id="89" name="Rectangle 88">
+              <a:extLst>
+                <a:ext uri="{FF2B5EF4-FFF2-40B4-BE49-F238E27FC236}">
+                  <a16:creationId xmlns="" xmlns:a16="http://schemas.microsoft.com/office/drawing/2014/main" id="{9E3F9864-B075-4CC7-B167-7CE1FB0314D7}"/>
+                </a:ext>
+              </a:extLst>
+            </p:cNvPr>
+            <p:cNvSpPr/>
+            <p:nvPr/>
+          </p:nvSpPr>
+          <p:spPr>
+            <a:xfrm>
+              <a:off x="1925901" y="1819672"/>
+              <a:ext cx="1091696" cy="820207"/>
+            </a:xfrm>
+            <a:prstGeom prst="rect">
+              <a:avLst/>
+            </a:prstGeom>
+            <a:noFill/>
+            <a:ln w="6350">
+              <a:solidFill>
+                <a:schemeClr val="bg1">
+                  <a:alpha val="20000"/>
+                </a:schemeClr>
+              </a:solidFill>
+            </a:ln>
+          </p:spPr>
+          <p:style>
+            <a:lnRef idx="2">
+              <a:schemeClr val="accent1">
+                <a:shade val="50000"/>
+              </a:schemeClr>
+            </a:lnRef>
+            <a:fillRef idx="1">
+              <a:schemeClr val="accent1"/>
+            </a:fillRef>
+            <a:effectRef idx="0">
+              <a:schemeClr val="accent1"/>
+            </a:effectRef>
+            <a:fontRef idx="minor">
+              <a:schemeClr val="lt1"/>
+            </a:fontRef>
+          </p:style>
+          <p:txBody>
+            <a:bodyPr rtlCol="0" anchor="ctr"/>
+            <a:lstStyle/>
+            <a:p>
+              <a:pPr algn="ctr"/>
+              <a:endParaRPr lang="en-US" dirty="0"/>
+            </a:p>
+          </p:txBody>
+        </p:sp>
+      </p:grpSp>
+      <p:grpSp>
+        <p:nvGrpSpPr>
+          <p:cNvPr id="3" name="Group 2">
+            <a:extLst>
+              <a:ext uri="{FF2B5EF4-FFF2-40B4-BE49-F238E27FC236}">
+                <a16:creationId xmlns="" xmlns:a16="http://schemas.microsoft.com/office/drawing/2014/main" id="{EC26C130-0A78-4033-83C0-068066B19375}"/>
+              </a:ext>
+              <a:ext uri="{C183D7F6-B498-43B3-948B-1728B52AA6E4}">
+                <adec:decorative xmlns="" xmlns:adec="http://schemas.microsoft.com/office/drawing/2017/decorative" val="1"/>
+              </a:ext>
+            </a:extLst>
+          </p:cNvPr>
+          <p:cNvGrpSpPr/>
+          <p:nvPr/>
+        </p:nvGrpSpPr>
+        <p:grpSpPr>
+          <a:xfrm>
+            <a:off x="5482999" y="1607028"/>
+            <a:ext cx="1200866" cy="1200866"/>
+            <a:chOff x="5482999" y="1607028"/>
+            <a:chExt cx="1200866" cy="1200866"/>
+          </a:xfrm>
+        </p:grpSpPr>
+        <p:sp>
+          <p:nvSpPr>
+            <p:cNvPr id="84" name="Rectangle 83">
+              <a:extLst>
+                <a:ext uri="{FF2B5EF4-FFF2-40B4-BE49-F238E27FC236}">
+                  <a16:creationId xmlns="" xmlns:a16="http://schemas.microsoft.com/office/drawing/2014/main" id="{97FF1BC4-6B01-43E0-9719-53942A96A464}"/>
+                </a:ext>
+              </a:extLst>
+            </p:cNvPr>
+            <p:cNvSpPr/>
+            <p:nvPr/>
+          </p:nvSpPr>
+          <p:spPr>
+            <a:xfrm>
+              <a:off x="5587207" y="1711236"/>
+              <a:ext cx="992451" cy="992451"/>
+            </a:xfrm>
+            <a:prstGeom prst="rect">
+              <a:avLst/>
+            </a:prstGeom>
+            <a:noFill/>
+            <a:ln w="6350">
+              <a:solidFill>
+                <a:schemeClr val="bg1">
+                  <a:alpha val="20000"/>
+                </a:schemeClr>
+              </a:solidFill>
+            </a:ln>
+          </p:spPr>
+          <p:style>
+            <a:lnRef idx="2">
+              <a:schemeClr val="accent1">
+                <a:shade val="50000"/>
+              </a:schemeClr>
+            </a:lnRef>
+            <a:fillRef idx="1">
+              <a:schemeClr val="accent1"/>
+            </a:fillRef>
+            <a:effectRef idx="0">
+              <a:schemeClr val="accent1"/>
+            </a:effectRef>
+            <a:fontRef idx="minor">
+              <a:schemeClr val="lt1"/>
+            </a:fontRef>
+          </p:style>
+          <p:txBody>
+            <a:bodyPr rtlCol="0" anchor="ctr"/>
+            <a:lstStyle/>
+            <a:p>
+              <a:pPr algn="ctr"/>
+              <a:endParaRPr lang="en-US" dirty="0"/>
+            </a:p>
+          </p:txBody>
+        </p:sp>
+        <p:sp>
+          <p:nvSpPr>
+            <p:cNvPr id="91" name="Rectangle 90">
+              <a:extLst>
+                <a:ext uri="{FF2B5EF4-FFF2-40B4-BE49-F238E27FC236}">
+                  <a16:creationId xmlns="" xmlns:a16="http://schemas.microsoft.com/office/drawing/2014/main" id="{E9E8DB26-A207-4225-BABF-5E16AD0A8A72}"/>
+                </a:ext>
+              </a:extLst>
+            </p:cNvPr>
+            <p:cNvSpPr/>
+            <p:nvPr/>
+          </p:nvSpPr>
+          <p:spPr>
+            <a:xfrm>
+              <a:off x="5482999" y="1607028"/>
+              <a:ext cx="1200866" cy="1200866"/>
+            </a:xfrm>
+            <a:prstGeom prst="rect">
+              <a:avLst/>
+            </a:prstGeom>
+            <a:noFill/>
+            <a:ln w="6350">
+              <a:solidFill>
+                <a:schemeClr val="bg1">
+                  <a:alpha val="20000"/>
+                </a:schemeClr>
+              </a:solidFill>
+            </a:ln>
+          </p:spPr>
+          <p:style>
+            <a:lnRef idx="2">
+              <a:schemeClr val="accent1">
+                <a:shade val="50000"/>
+              </a:schemeClr>
+            </a:lnRef>
+            <a:fillRef idx="1">
+              <a:schemeClr val="accent1"/>
+            </a:fillRef>
+            <a:effectRef idx="0">
+              <a:schemeClr val="accent1"/>
+            </a:effectRef>
+            <a:fontRef idx="minor">
+              <a:schemeClr val="lt1"/>
+            </a:fontRef>
+          </p:style>
+          <p:txBody>
+            <a:bodyPr rtlCol="0" anchor="ctr"/>
+            <a:lstStyle/>
+            <a:p>
+              <a:pPr algn="ctr"/>
+              <a:endParaRPr lang="en-US" dirty="0"/>
+            </a:p>
+          </p:txBody>
+        </p:sp>
+      </p:grpSp>
+    </p:spTree>
+    <p:extLst>
+      <p:ext uri="{BB962C8B-B14F-4D97-AF65-F5344CB8AC3E}">
+        <p14:creationId xmlns:p14="http://schemas.microsoft.com/office/powerpoint/2010/main" val="1299719508"/>
+      </p:ext>
+    </p:extLst>
+  </p:cSld>
+  <p:clrMapOvr>
+    <a:masterClrMapping/>
+  </p:clrMapOvr>
+  <p:timing>
+    <p:tnLst>
+      <p:par>
+        <p:cTn id="1" dur="indefinite" restart="never" nodeType="tmRoot"/>
+      </p:par>
+    </p:tnLst>
+  </p:timing>
+</p:sld>
+</file>
+
+<file path=ppt/slides/slide11.xml><?xml version="1.0" encoding="utf-8"?>
+<p:sld xmlns:a="http://schemas.openxmlformats.org/drawingml/2006/main" xmlns:r="http://schemas.openxmlformats.org/officeDocument/2006/relationships" xmlns:p="http://schemas.openxmlformats.org/presentationml/2006/main">
+  <p:cSld>
+    <p:spTree>
+      <p:nvGrpSpPr>
+        <p:cNvPr id="1" name=""/>
+        <p:cNvGrpSpPr/>
+        <p:nvPr/>
+      </p:nvGrpSpPr>
+      <p:grpSpPr>
+        <a:xfrm>
+          <a:off x="0" y="0"/>
+          <a:ext cx="0" cy="0"/>
+          <a:chOff x="0" y="0"/>
+          <a:chExt cx="0" cy="0"/>
+        </a:xfrm>
+      </p:grpSpPr>
+      <p:pic>
+        <p:nvPicPr>
+          <p:cNvPr id="17" name="Picture Placeholder 16" descr="Scientist looking at test tube">
+            <a:extLst>
+              <a:ext uri="{FF2B5EF4-FFF2-40B4-BE49-F238E27FC236}">
+                <a16:creationId xmlns="" xmlns:a16="http://schemas.microsoft.com/office/drawing/2014/main" id="{F923CFB6-5709-405C-8762-B310D3F21953}"/>
+              </a:ext>
+            </a:extLst>
+          </p:cNvPr>
+          <p:cNvPicPr>
+            <a:picLocks noGrp="1" noChangeAspect="1"/>
+          </p:cNvPicPr>
+          <p:nvPr>
+            <p:ph type="pic" sz="quarter" idx="12"/>
+          </p:nvPr>
+        </p:nvPicPr>
+        <p:blipFill>
+          <a:blip r:embed="rId2" cstate="screen">
+            <a:extLst>
+              <a:ext uri="{28A0092B-C50C-407E-A947-70E740481C1C}">
+                <a14:useLocalDpi xmlns:a14="http://schemas.microsoft.com/office/drawing/2010/main"/>
+              </a:ext>
+            </a:extLst>
+          </a:blip>
+          <a:srcRect/>
+          <a:stretch>
+            <a:fillRect/>
+          </a:stretch>
+        </p:blipFill>
+        <p:spPr/>
+      </p:pic>
+      <p:sp>
+        <p:nvSpPr>
+          <p:cNvPr id="5" name="Text Placeholder 4">
+            <a:extLst>
+              <a:ext uri="{FF2B5EF4-FFF2-40B4-BE49-F238E27FC236}">
+                <a16:creationId xmlns="" xmlns:a16="http://schemas.microsoft.com/office/drawing/2014/main" id="{045FEE4F-333C-40EF-B46D-8D25C79C05D2}"/>
+              </a:ext>
+            </a:extLst>
+          </p:cNvPr>
+          <p:cNvSpPr>
+            <a:spLocks noGrp="1"/>
+          </p:cNvSpPr>
+          <p:nvPr>
+            <p:ph type="body" sz="quarter" idx="14"/>
+          </p:nvPr>
+        </p:nvSpPr>
+        <p:spPr/>
+        <p:txBody>
+          <a:bodyPr/>
+          <a:lstStyle/>
+          <a:p>
+            <a:r>
+              <a:rPr lang="en-US" dirty="0"/>
+              <a:t>nilsson@example.com</a:t>
+            </a:r>
+          </a:p>
+        </p:txBody>
+      </p:sp>
+      <p:sp>
+        <p:nvSpPr>
+          <p:cNvPr id="6" name="Text Placeholder 5">
+            <a:extLst>
+              <a:ext uri="{FF2B5EF4-FFF2-40B4-BE49-F238E27FC236}">
+                <a16:creationId xmlns="" xmlns:a16="http://schemas.microsoft.com/office/drawing/2014/main" id="{05F44DEB-FABF-4ADE-B7EB-29DFAFA3DFF6}"/>
+              </a:ext>
+            </a:extLst>
+          </p:cNvPr>
+          <p:cNvSpPr>
+            <a:spLocks noGrp="1"/>
+          </p:cNvSpPr>
+          <p:nvPr>
+            <p:ph type="body" sz="quarter" idx="15"/>
+          </p:nvPr>
+        </p:nvSpPr>
+        <p:spPr/>
+        <p:txBody>
+          <a:bodyPr/>
+          <a:lstStyle/>
+          <a:p>
+            <a:r>
+              <a:rPr lang="en-US" dirty="0"/>
+              <a:t>678-555-0100</a:t>
+            </a:r>
+          </a:p>
+        </p:txBody>
+      </p:sp>
+      <p:sp>
+        <p:nvSpPr>
+          <p:cNvPr id="18" name="Rectangle 17">
+            <a:extLst>
+              <a:ext uri="{FF2B5EF4-FFF2-40B4-BE49-F238E27FC236}">
+                <a16:creationId xmlns="" xmlns:a16="http://schemas.microsoft.com/office/drawing/2014/main" id="{AAF39051-1049-4508-8373-6A289966AA59}"/>
+              </a:ext>
+              <a:ext uri="{C183D7F6-B498-43B3-948B-1728B52AA6E4}">
+                <adec:decorative xmlns="" xmlns:adec="http://schemas.microsoft.com/office/drawing/2017/decorative" val="1"/>
+              </a:ext>
+            </a:extLst>
+          </p:cNvPr>
+          <p:cNvSpPr/>
+          <p:nvPr/>
+        </p:nvSpPr>
+        <p:spPr>
+          <a:xfrm>
+            <a:off x="781399" y="2238573"/>
+            <a:ext cx="10629202" cy="1190427"/>
+          </a:xfrm>
+          <a:prstGeom prst="rect">
+            <a:avLst/>
+          </a:prstGeom>
+          <a:noFill/>
+          <a:ln w="6350">
+            <a:solidFill>
+              <a:schemeClr val="bg1">
+                <a:alpha val="20000"/>
+              </a:schemeClr>
+            </a:solidFill>
+          </a:ln>
+        </p:spPr>
+        <p:style>
+          <a:lnRef idx="2">
+            <a:schemeClr val="accent1">
+              <a:shade val="50000"/>
+            </a:schemeClr>
+          </a:lnRef>
+          <a:fillRef idx="1">
+            <a:schemeClr val="accent1"/>
+          </a:fillRef>
+          <a:effectRef idx="0">
+            <a:schemeClr val="accent1"/>
+          </a:effectRef>
+          <a:fontRef idx="minor">
+            <a:schemeClr val="lt1"/>
+          </a:fontRef>
+        </p:style>
+        <p:txBody>
+          <a:bodyPr rtlCol="0" anchor="ctr"/>
+          <a:lstStyle/>
+          <a:p>
+            <a:pPr algn="ctr"/>
+            <a:endParaRPr lang="en-US" dirty="0"/>
+          </a:p>
+        </p:txBody>
+      </p:sp>
+      <p:sp>
+        <p:nvSpPr>
+          <p:cNvPr id="19" name="object 7" descr="Beige rectangle">
+            <a:extLst>
+              <a:ext uri="{FF2B5EF4-FFF2-40B4-BE49-F238E27FC236}">
+                <a16:creationId xmlns="" xmlns:a16="http://schemas.microsoft.com/office/drawing/2014/main" id="{2D7851E8-1907-4C8A-A16F-E461B5BFA940}"/>
+              </a:ext>
+            </a:extLst>
+          </p:cNvPr>
+          <p:cNvSpPr/>
+          <p:nvPr/>
+        </p:nvSpPr>
+        <p:spPr bwMode="white">
+          <a:xfrm flipV="1">
+            <a:off x="1204699" y="3791668"/>
+            <a:ext cx="3470764" cy="45719"/>
+          </a:xfrm>
+          <a:custGeom>
+            <a:avLst/>
+            <a:gdLst/>
+            <a:ahLst/>
+            <a:cxnLst/>
+            <a:rect l="l" t="t" r="r" b="b"/>
+            <a:pathLst>
+              <a:path w="3935729">
+                <a:moveTo>
+                  <a:pt x="0" y="0"/>
+                </a:moveTo>
+                <a:lnTo>
+                  <a:pt x="3935349" y="0"/>
+                </a:lnTo>
+              </a:path>
+            </a:pathLst>
+          </a:custGeom>
+          <a:ln w="54863">
+            <a:solidFill>
+              <a:schemeClr val="accent1"/>
+            </a:solidFill>
+          </a:ln>
+        </p:spPr>
+        <p:txBody>
+          <a:bodyPr wrap="square" lIns="0" tIns="0" rIns="0" bIns="0" rtlCol="0"/>
+          <a:lstStyle/>
+          <a:p>
+            <a:endParaRPr dirty="0"/>
+          </a:p>
+        </p:txBody>
+      </p:sp>
+      <p:grpSp>
+        <p:nvGrpSpPr>
+          <p:cNvPr id="46" name="Group 45" descr="Icon Phone">
+            <a:extLst>
+              <a:ext uri="{FF2B5EF4-FFF2-40B4-BE49-F238E27FC236}">
+                <a16:creationId xmlns="" xmlns:a16="http://schemas.microsoft.com/office/drawing/2014/main" id="{4BB2D73A-DB1F-47D9-9BDA-D6F01A0EDC06}"/>
+              </a:ext>
+            </a:extLst>
+          </p:cNvPr>
+          <p:cNvGrpSpPr/>
+          <p:nvPr/>
+        </p:nvGrpSpPr>
+        <p:grpSpPr>
+          <a:xfrm>
+            <a:off x="1365937" y="5637315"/>
+            <a:ext cx="297521" cy="297521"/>
+            <a:chOff x="1334697" y="5606075"/>
+            <a:chExt cx="360000" cy="360000"/>
+          </a:xfrm>
+        </p:grpSpPr>
+        <p:sp>
+          <p:nvSpPr>
+            <p:cNvPr id="47" name="Freeform: Shape 46">
+              <a:extLst>
+                <a:ext uri="{FF2B5EF4-FFF2-40B4-BE49-F238E27FC236}">
+                  <a16:creationId xmlns="" xmlns:a16="http://schemas.microsoft.com/office/drawing/2014/main" id="{3C40AF29-F294-4B60-B5B4-56011134948E}"/>
+                </a:ext>
+              </a:extLst>
+            </p:cNvPr>
+            <p:cNvSpPr/>
+            <p:nvPr/>
+          </p:nvSpPr>
+          <p:spPr>
+            <a:xfrm>
+              <a:off x="1423220" y="5624464"/>
+              <a:ext cx="257175" cy="257175"/>
+            </a:xfrm>
+            <a:custGeom>
+              <a:avLst/>
+              <a:gdLst>
+                <a:gd name="connsiteX0" fmla="*/ 0 w 257175"/>
+                <a:gd name="connsiteY0" fmla="*/ 163664 h 257175"/>
+                <a:gd name="connsiteX1" fmla="*/ 163664 w 257175"/>
+                <a:gd name="connsiteY1" fmla="*/ 0 h 257175"/>
+                <a:gd name="connsiteX2" fmla="*/ 261323 w 257175"/>
+                <a:gd name="connsiteY2" fmla="*/ 97659 h 257175"/>
+                <a:gd name="connsiteX3" fmla="*/ 97659 w 257175"/>
+                <a:gd name="connsiteY3" fmla="*/ 261323 h 257175"/>
+              </a:gdLst>
+              <a:ahLst/>
+              <a:cxnLst>
+                <a:cxn ang="0">
+                  <a:pos x="connsiteX0" y="connsiteY0"/>
+                </a:cxn>
+                <a:cxn ang="0">
+                  <a:pos x="connsiteX1" y="connsiteY1"/>
+                </a:cxn>
+                <a:cxn ang="0">
+                  <a:pos x="connsiteX2" y="connsiteY2"/>
+                </a:cxn>
+                <a:cxn ang="0">
+                  <a:pos x="connsiteX3" y="connsiteY3"/>
+                </a:cxn>
+              </a:cxnLst>
+              <a:rect l="l" t="t" r="r" b="b"/>
+              <a:pathLst>
+                <a:path w="257175" h="257175">
+                  <a:moveTo>
+                    <a:pt x="0" y="163664"/>
+                  </a:moveTo>
+                  <a:lnTo>
+                    <a:pt x="163664" y="0"/>
+                  </a:lnTo>
+                  <a:lnTo>
+                    <a:pt x="261323" y="97659"/>
+                  </a:lnTo>
+                  <a:lnTo>
+                    <a:pt x="97659" y="261323"/>
+                  </a:lnTo>
+                  <a:close/>
+                </a:path>
+              </a:pathLst>
+            </a:custGeom>
+            <a:noFill/>
+            <a:ln w="23813" cap="flat">
+              <a:solidFill>
+                <a:schemeClr val="accent1"/>
+              </a:solidFill>
+              <a:prstDash val="solid"/>
+              <a:round/>
+            </a:ln>
+          </p:spPr>
+          <p:txBody>
+            <a:bodyPr rtlCol="0" anchor="ctr"/>
+            <a:lstStyle/>
+            <a:p>
+              <a:endParaRPr lang="en-US" dirty="0"/>
+            </a:p>
+          </p:txBody>
+        </p:sp>
+        <p:sp>
+          <p:nvSpPr>
+            <p:cNvPr id="48" name="Freeform: Shape 47">
+              <a:extLst>
+                <a:ext uri="{FF2B5EF4-FFF2-40B4-BE49-F238E27FC236}">
+                  <a16:creationId xmlns="" xmlns:a16="http://schemas.microsoft.com/office/drawing/2014/main" id="{82F5782C-5E0E-47EA-861C-88990A8D95DF}"/>
+                </a:ext>
+              </a:extLst>
+            </p:cNvPr>
+            <p:cNvSpPr/>
+            <p:nvPr/>
+          </p:nvSpPr>
+          <p:spPr>
+            <a:xfrm>
+              <a:off x="1491815" y="5800385"/>
+              <a:ext cx="9525" cy="9525"/>
+            </a:xfrm>
+            <a:custGeom>
+              <a:avLst/>
+              <a:gdLst>
+                <a:gd name="connsiteX0" fmla="*/ 0 w 9525"/>
+                <a:gd name="connsiteY0" fmla="*/ 0 h 9525"/>
+                <a:gd name="connsiteX1" fmla="*/ 17145 w 9525"/>
+                <a:gd name="connsiteY1" fmla="*/ 18098 h 9525"/>
+              </a:gdLst>
+              <a:ahLst/>
+              <a:cxnLst>
+                <a:cxn ang="0">
+                  <a:pos x="connsiteX0" y="connsiteY0"/>
+                </a:cxn>
+                <a:cxn ang="0">
+                  <a:pos x="connsiteX1" y="connsiteY1"/>
+                </a:cxn>
+              </a:cxnLst>
+              <a:rect l="l" t="t" r="r" b="b"/>
+              <a:pathLst>
+                <a:path w="9525" h="9525">
+                  <a:moveTo>
+                    <a:pt x="0" y="0"/>
+                  </a:moveTo>
+                  <a:lnTo>
+                    <a:pt x="17145" y="18098"/>
+                  </a:lnTo>
+                </a:path>
+              </a:pathLst>
+            </a:custGeom>
+            <a:ln w="23813" cap="flat">
+              <a:solidFill>
+                <a:schemeClr val="accent1"/>
+              </a:solidFill>
+              <a:prstDash val="solid"/>
+              <a:round/>
+            </a:ln>
+          </p:spPr>
+          <p:txBody>
+            <a:bodyPr rtlCol="0" anchor="ctr"/>
+            <a:lstStyle/>
+            <a:p>
+              <a:endParaRPr lang="en-US" dirty="0"/>
+            </a:p>
+          </p:txBody>
+        </p:sp>
+        <p:sp>
+          <p:nvSpPr>
+            <p:cNvPr id="49" name="Freeform: Shape 48">
+              <a:extLst>
+                <a:ext uri="{FF2B5EF4-FFF2-40B4-BE49-F238E27FC236}">
+                  <a16:creationId xmlns="" xmlns:a16="http://schemas.microsoft.com/office/drawing/2014/main" id="{0ACDDF69-03CD-491C-A9E4-08E5726C5BD3}"/>
+                </a:ext>
+              </a:extLst>
+            </p:cNvPr>
+            <p:cNvSpPr/>
+            <p:nvPr/>
+          </p:nvSpPr>
+          <p:spPr>
+            <a:xfrm>
+              <a:off x="1334697" y="5606075"/>
+              <a:ext cx="360000" cy="360000"/>
+            </a:xfrm>
+            <a:custGeom>
+              <a:avLst/>
+              <a:gdLst>
+                <a:gd name="connsiteX0" fmla="*/ 0 w 360000"/>
+                <a:gd name="connsiteY0" fmla="*/ 0 h 360000"/>
+                <a:gd name="connsiteX1" fmla="*/ 185104 w 360000"/>
+                <a:gd name="connsiteY1" fmla="*/ 0 h 360000"/>
+                <a:gd name="connsiteX2" fmla="*/ 185104 w 360000"/>
+                <a:gd name="connsiteY2" fmla="*/ 172694 h 360000"/>
+                <a:gd name="connsiteX3" fmla="*/ 360000 w 360000"/>
+                <a:gd name="connsiteY3" fmla="*/ 172694 h 360000"/>
+                <a:gd name="connsiteX4" fmla="*/ 360000 w 360000"/>
+                <a:gd name="connsiteY4" fmla="*/ 360000 h 360000"/>
+                <a:gd name="connsiteX5" fmla="*/ 0 w 360000"/>
+                <a:gd name="connsiteY5" fmla="*/ 360000 h 360000"/>
+                <a:gd name="connsiteX0" fmla="*/ 185104 w 360000"/>
+                <a:gd name="connsiteY0" fmla="*/ 172694 h 360000"/>
+                <a:gd name="connsiteX1" fmla="*/ 360000 w 360000"/>
+                <a:gd name="connsiteY1" fmla="*/ 172694 h 360000"/>
+                <a:gd name="connsiteX2" fmla="*/ 360000 w 360000"/>
+                <a:gd name="connsiteY2" fmla="*/ 360000 h 360000"/>
+                <a:gd name="connsiteX3" fmla="*/ 0 w 360000"/>
+                <a:gd name="connsiteY3" fmla="*/ 360000 h 360000"/>
+                <a:gd name="connsiteX4" fmla="*/ 0 w 360000"/>
+                <a:gd name="connsiteY4" fmla="*/ 0 h 360000"/>
+                <a:gd name="connsiteX5" fmla="*/ 185104 w 360000"/>
+                <a:gd name="connsiteY5" fmla="*/ 0 h 360000"/>
+                <a:gd name="connsiteX6" fmla="*/ 276544 w 360000"/>
+                <a:gd name="connsiteY6" fmla="*/ 264134 h 360000"/>
+                <a:gd name="connsiteX0" fmla="*/ 185104 w 360000"/>
+                <a:gd name="connsiteY0" fmla="*/ 172694 h 360000"/>
+                <a:gd name="connsiteX1" fmla="*/ 360000 w 360000"/>
+                <a:gd name="connsiteY1" fmla="*/ 172694 h 360000"/>
+                <a:gd name="connsiteX2" fmla="*/ 360000 w 360000"/>
+                <a:gd name="connsiteY2" fmla="*/ 360000 h 360000"/>
+                <a:gd name="connsiteX3" fmla="*/ 0 w 360000"/>
+                <a:gd name="connsiteY3" fmla="*/ 360000 h 360000"/>
+                <a:gd name="connsiteX4" fmla="*/ 0 w 360000"/>
+                <a:gd name="connsiteY4" fmla="*/ 0 h 360000"/>
+                <a:gd name="connsiteX5" fmla="*/ 185104 w 360000"/>
+                <a:gd name="connsiteY5" fmla="*/ 0 h 360000"/>
+                <a:gd name="connsiteX0" fmla="*/ 360000 w 360000"/>
+                <a:gd name="connsiteY0" fmla="*/ 172694 h 360000"/>
+                <a:gd name="connsiteX1" fmla="*/ 360000 w 360000"/>
+                <a:gd name="connsiteY1" fmla="*/ 360000 h 360000"/>
+                <a:gd name="connsiteX2" fmla="*/ 0 w 360000"/>
+                <a:gd name="connsiteY2" fmla="*/ 360000 h 360000"/>
+                <a:gd name="connsiteX3" fmla="*/ 0 w 360000"/>
+                <a:gd name="connsiteY3" fmla="*/ 0 h 360000"/>
+                <a:gd name="connsiteX4" fmla="*/ 185104 w 360000"/>
+                <a:gd name="connsiteY4" fmla="*/ 0 h 360000"/>
+              </a:gdLst>
+              <a:ahLst/>
+              <a:cxnLst>
+                <a:cxn ang="0">
+                  <a:pos x="connsiteX0" y="connsiteY0"/>
+                </a:cxn>
+                <a:cxn ang="0">
+                  <a:pos x="connsiteX1" y="connsiteY1"/>
+                </a:cxn>
+                <a:cxn ang="0">
+                  <a:pos x="connsiteX2" y="connsiteY2"/>
+                </a:cxn>
+                <a:cxn ang="0">
+                  <a:pos x="connsiteX3" y="connsiteY3"/>
+                </a:cxn>
+                <a:cxn ang="0">
+                  <a:pos x="connsiteX4" y="connsiteY4"/>
+                </a:cxn>
+              </a:cxnLst>
+              <a:rect l="l" t="t" r="r" b="b"/>
+              <a:pathLst>
+                <a:path w="360000" h="360000">
+                  <a:moveTo>
+                    <a:pt x="360000" y="172694"/>
+                  </a:moveTo>
+                  <a:lnTo>
+                    <a:pt x="360000" y="360000"/>
+                  </a:lnTo>
+                  <a:lnTo>
+                    <a:pt x="0" y="360000"/>
+                  </a:lnTo>
+                  <a:lnTo>
+                    <a:pt x="0" y="0"/>
+                  </a:lnTo>
+                  <a:lnTo>
+                    <a:pt x="185104" y="0"/>
+                  </a:lnTo>
+                </a:path>
+              </a:pathLst>
+            </a:custGeom>
+            <a:noFill/>
+            <a:ln w="9525" cap="flat">
+              <a:solidFill>
+                <a:schemeClr val="bg1">
+                  <a:lumMod val="75000"/>
+                </a:schemeClr>
+              </a:solidFill>
+              <a:prstDash val="solid"/>
+              <a:miter/>
+            </a:ln>
+          </p:spPr>
+          <p:txBody>
+            <a:bodyPr rtlCol="0" anchor="ctr"/>
+            <a:lstStyle/>
+            <a:p>
+              <a:endParaRPr lang="en-US" dirty="0"/>
+            </a:p>
+          </p:txBody>
+        </p:sp>
+      </p:grpSp>
+      <p:grpSp>
+        <p:nvGrpSpPr>
+          <p:cNvPr id="50" name="Group 49" descr="Icon Email">
+            <a:extLst>
+              <a:ext uri="{FF2B5EF4-FFF2-40B4-BE49-F238E27FC236}">
+                <a16:creationId xmlns="" xmlns:a16="http://schemas.microsoft.com/office/drawing/2014/main" id="{F7F47E31-EB9A-4529-BE0F-A1213B79FE07}"/>
+              </a:ext>
+            </a:extLst>
+          </p:cNvPr>
+          <p:cNvGrpSpPr/>
+          <p:nvPr/>
+        </p:nvGrpSpPr>
+        <p:grpSpPr>
+          <a:xfrm>
+            <a:off x="1365937" y="5133777"/>
+            <a:ext cx="297521" cy="297521"/>
+            <a:chOff x="1334697" y="5102537"/>
+            <a:chExt cx="360000" cy="360000"/>
+          </a:xfrm>
+        </p:grpSpPr>
+        <p:grpSp>
+          <p:nvGrpSpPr>
+            <p:cNvPr id="51" name="Group 50">
+              <a:extLst>
+                <a:ext uri="{FF2B5EF4-FFF2-40B4-BE49-F238E27FC236}">
+                  <a16:creationId xmlns="" xmlns:a16="http://schemas.microsoft.com/office/drawing/2014/main" id="{299C0ACA-AA85-4505-A8DF-0275634D7832}"/>
+                </a:ext>
+              </a:extLst>
+            </p:cNvPr>
+            <p:cNvGrpSpPr/>
+            <p:nvPr/>
+          </p:nvGrpSpPr>
+          <p:grpSpPr>
+            <a:xfrm>
+              <a:off x="1413695" y="5129259"/>
+              <a:ext cx="257175" cy="257175"/>
+              <a:chOff x="1423220" y="5138784"/>
+              <a:chExt cx="257175" cy="257175"/>
+            </a:xfrm>
+          </p:grpSpPr>
+          <p:sp>
+            <p:nvSpPr>
+              <p:cNvPr id="53" name="Freeform: Shape 52">
+                <a:extLst>
+                  <a:ext uri="{FF2B5EF4-FFF2-40B4-BE49-F238E27FC236}">
+                    <a16:creationId xmlns="" xmlns:a16="http://schemas.microsoft.com/office/drawing/2014/main" id="{85AA236B-9A92-4808-B7BB-0AEF3FD2754B}"/>
+                  </a:ext>
+                </a:extLst>
+              </p:cNvPr>
+              <p:cNvSpPr/>
+              <p:nvPr/>
+            </p:nvSpPr>
+            <p:spPr>
+              <a:xfrm>
+                <a:off x="1423220" y="5138784"/>
+                <a:ext cx="257175" cy="257175"/>
+              </a:xfrm>
+              <a:custGeom>
+                <a:avLst/>
+                <a:gdLst>
+                  <a:gd name="connsiteX0" fmla="*/ 0 w 257175"/>
+                  <a:gd name="connsiteY0" fmla="*/ 163664 h 257175"/>
+                  <a:gd name="connsiteX1" fmla="*/ 163664 w 257175"/>
+                  <a:gd name="connsiteY1" fmla="*/ 0 h 257175"/>
+                  <a:gd name="connsiteX2" fmla="*/ 261323 w 257175"/>
+                  <a:gd name="connsiteY2" fmla="*/ 97659 h 257175"/>
+                  <a:gd name="connsiteX3" fmla="*/ 97659 w 257175"/>
+                  <a:gd name="connsiteY3" fmla="*/ 261323 h 257175"/>
+                </a:gdLst>
+                <a:ahLst/>
+                <a:cxnLst>
+                  <a:cxn ang="0">
+                    <a:pos x="connsiteX0" y="connsiteY0"/>
+                  </a:cxn>
+                  <a:cxn ang="0">
+                    <a:pos x="connsiteX1" y="connsiteY1"/>
+                  </a:cxn>
+                  <a:cxn ang="0">
+                    <a:pos x="connsiteX2" y="connsiteY2"/>
+                  </a:cxn>
+                  <a:cxn ang="0">
+                    <a:pos x="connsiteX3" y="connsiteY3"/>
+                  </a:cxn>
+                </a:cxnLst>
+                <a:rect l="l" t="t" r="r" b="b"/>
+                <a:pathLst>
+                  <a:path w="257175" h="257175">
+                    <a:moveTo>
+                      <a:pt x="0" y="163664"/>
+                    </a:moveTo>
+                    <a:lnTo>
+                      <a:pt x="163664" y="0"/>
+                    </a:lnTo>
+                    <a:lnTo>
+                      <a:pt x="261323" y="97659"/>
+                    </a:lnTo>
+                    <a:lnTo>
+                      <a:pt x="97659" y="261323"/>
+                    </a:lnTo>
+                    <a:close/>
+                  </a:path>
+                </a:pathLst>
+              </a:custGeom>
+              <a:noFill/>
+              <a:ln w="23813" cap="flat">
+                <a:solidFill>
+                  <a:schemeClr val="accent1"/>
+                </a:solidFill>
+                <a:prstDash val="solid"/>
+                <a:round/>
+              </a:ln>
+            </p:spPr>
+            <p:txBody>
+              <a:bodyPr rtlCol="0" anchor="ctr"/>
+              <a:lstStyle/>
+              <a:p>
+                <a:endParaRPr lang="en-US" dirty="0"/>
+              </a:p>
+            </p:txBody>
+          </p:sp>
+          <p:sp>
+            <p:nvSpPr>
+              <p:cNvPr id="54" name="Freeform: Shape 53">
+                <a:extLst>
+                  <a:ext uri="{FF2B5EF4-FFF2-40B4-BE49-F238E27FC236}">
+                    <a16:creationId xmlns="" xmlns:a16="http://schemas.microsoft.com/office/drawing/2014/main" id="{94E72230-A0A3-4A80-AD64-FE14B4AA1A95}"/>
+                  </a:ext>
+                </a:extLst>
+              </p:cNvPr>
+              <p:cNvSpPr/>
+              <p:nvPr/>
+            </p:nvSpPr>
+            <p:spPr>
+              <a:xfrm>
+                <a:off x="1427045" y="5144212"/>
+                <a:ext cx="161925" cy="161925"/>
+              </a:xfrm>
+              <a:custGeom>
+                <a:avLst/>
+                <a:gdLst>
+                  <a:gd name="connsiteX0" fmla="*/ 0 w 161925"/>
+                  <a:gd name="connsiteY0" fmla="*/ 162878 h 161925"/>
+                  <a:gd name="connsiteX1" fmla="*/ 141923 w 161925"/>
+                  <a:gd name="connsiteY1" fmla="*/ 135255 h 161925"/>
+                  <a:gd name="connsiteX2" fmla="*/ 162878 w 161925"/>
+                  <a:gd name="connsiteY2" fmla="*/ 0 h 161925"/>
+                </a:gdLst>
+                <a:ahLst/>
+                <a:cxnLst>
+                  <a:cxn ang="0">
+                    <a:pos x="connsiteX0" y="connsiteY0"/>
+                  </a:cxn>
+                  <a:cxn ang="0">
+                    <a:pos x="connsiteX1" y="connsiteY1"/>
+                  </a:cxn>
+                  <a:cxn ang="0">
+                    <a:pos x="connsiteX2" y="connsiteY2"/>
+                  </a:cxn>
+                </a:cxnLst>
+                <a:rect l="l" t="t" r="r" b="b"/>
+                <a:pathLst>
+                  <a:path w="161925" h="161925">
+                    <a:moveTo>
+                      <a:pt x="0" y="162878"/>
+                    </a:moveTo>
+                    <a:lnTo>
+                      <a:pt x="141923" y="135255"/>
+                    </a:lnTo>
+                    <a:lnTo>
+                      <a:pt x="162878" y="0"/>
+                    </a:lnTo>
+                  </a:path>
+                </a:pathLst>
+              </a:custGeom>
+              <a:noFill/>
+              <a:ln w="23813" cap="flat">
+                <a:solidFill>
+                  <a:schemeClr val="accent1"/>
+                </a:solidFill>
+                <a:prstDash val="solid"/>
+                <a:round/>
+              </a:ln>
+            </p:spPr>
+            <p:txBody>
+              <a:bodyPr rtlCol="0" anchor="ctr"/>
+              <a:lstStyle/>
+              <a:p>
+                <a:endParaRPr lang="en-US" dirty="0"/>
+              </a:p>
+            </p:txBody>
+          </p:sp>
+        </p:grpSp>
+        <p:sp>
+          <p:nvSpPr>
+            <p:cNvPr id="52" name="Freeform: Shape 51">
+              <a:extLst>
+                <a:ext uri="{FF2B5EF4-FFF2-40B4-BE49-F238E27FC236}">
+                  <a16:creationId xmlns="" xmlns:a16="http://schemas.microsoft.com/office/drawing/2014/main" id="{D01D119F-74E1-4482-B664-AAD0BB5B651F}"/>
+                </a:ext>
+              </a:extLst>
+            </p:cNvPr>
+            <p:cNvSpPr/>
+            <p:nvPr/>
+          </p:nvSpPr>
+          <p:spPr>
+            <a:xfrm>
+              <a:off x="1334697" y="5102537"/>
+              <a:ext cx="360000" cy="360000"/>
+            </a:xfrm>
+            <a:custGeom>
+              <a:avLst/>
+              <a:gdLst>
+                <a:gd name="connsiteX0" fmla="*/ 0 w 360000"/>
+                <a:gd name="connsiteY0" fmla="*/ 0 h 360000"/>
+                <a:gd name="connsiteX1" fmla="*/ 185104 w 360000"/>
+                <a:gd name="connsiteY1" fmla="*/ 0 h 360000"/>
+                <a:gd name="connsiteX2" fmla="*/ 185104 w 360000"/>
+                <a:gd name="connsiteY2" fmla="*/ 172694 h 360000"/>
+                <a:gd name="connsiteX3" fmla="*/ 360000 w 360000"/>
+                <a:gd name="connsiteY3" fmla="*/ 172694 h 360000"/>
+                <a:gd name="connsiteX4" fmla="*/ 360000 w 360000"/>
+                <a:gd name="connsiteY4" fmla="*/ 360000 h 360000"/>
+                <a:gd name="connsiteX5" fmla="*/ 0 w 360000"/>
+                <a:gd name="connsiteY5" fmla="*/ 360000 h 360000"/>
+                <a:gd name="connsiteX0" fmla="*/ 185104 w 360000"/>
+                <a:gd name="connsiteY0" fmla="*/ 172694 h 360000"/>
+                <a:gd name="connsiteX1" fmla="*/ 360000 w 360000"/>
+                <a:gd name="connsiteY1" fmla="*/ 172694 h 360000"/>
+                <a:gd name="connsiteX2" fmla="*/ 360000 w 360000"/>
+                <a:gd name="connsiteY2" fmla="*/ 360000 h 360000"/>
+                <a:gd name="connsiteX3" fmla="*/ 0 w 360000"/>
+                <a:gd name="connsiteY3" fmla="*/ 360000 h 360000"/>
+                <a:gd name="connsiteX4" fmla="*/ 0 w 360000"/>
+                <a:gd name="connsiteY4" fmla="*/ 0 h 360000"/>
+                <a:gd name="connsiteX5" fmla="*/ 185104 w 360000"/>
+                <a:gd name="connsiteY5" fmla="*/ 0 h 360000"/>
+                <a:gd name="connsiteX6" fmla="*/ 276544 w 360000"/>
+                <a:gd name="connsiteY6" fmla="*/ 264134 h 360000"/>
+                <a:gd name="connsiteX0" fmla="*/ 185104 w 360000"/>
+                <a:gd name="connsiteY0" fmla="*/ 172694 h 360000"/>
+                <a:gd name="connsiteX1" fmla="*/ 360000 w 360000"/>
+                <a:gd name="connsiteY1" fmla="*/ 172694 h 360000"/>
+                <a:gd name="connsiteX2" fmla="*/ 360000 w 360000"/>
+                <a:gd name="connsiteY2" fmla="*/ 360000 h 360000"/>
+                <a:gd name="connsiteX3" fmla="*/ 0 w 360000"/>
+                <a:gd name="connsiteY3" fmla="*/ 360000 h 360000"/>
+                <a:gd name="connsiteX4" fmla="*/ 0 w 360000"/>
+                <a:gd name="connsiteY4" fmla="*/ 0 h 360000"/>
+                <a:gd name="connsiteX5" fmla="*/ 185104 w 360000"/>
+                <a:gd name="connsiteY5" fmla="*/ 0 h 360000"/>
+                <a:gd name="connsiteX0" fmla="*/ 360000 w 360000"/>
+                <a:gd name="connsiteY0" fmla="*/ 172694 h 360000"/>
+                <a:gd name="connsiteX1" fmla="*/ 360000 w 360000"/>
+                <a:gd name="connsiteY1" fmla="*/ 360000 h 360000"/>
+                <a:gd name="connsiteX2" fmla="*/ 0 w 360000"/>
+                <a:gd name="connsiteY2" fmla="*/ 360000 h 360000"/>
+                <a:gd name="connsiteX3" fmla="*/ 0 w 360000"/>
+                <a:gd name="connsiteY3" fmla="*/ 0 h 360000"/>
+                <a:gd name="connsiteX4" fmla="*/ 185104 w 360000"/>
+                <a:gd name="connsiteY4" fmla="*/ 0 h 360000"/>
+              </a:gdLst>
+              <a:ahLst/>
+              <a:cxnLst>
+                <a:cxn ang="0">
+                  <a:pos x="connsiteX0" y="connsiteY0"/>
+                </a:cxn>
+                <a:cxn ang="0">
+                  <a:pos x="connsiteX1" y="connsiteY1"/>
+                </a:cxn>
+                <a:cxn ang="0">
+                  <a:pos x="connsiteX2" y="connsiteY2"/>
+                </a:cxn>
+                <a:cxn ang="0">
+                  <a:pos x="connsiteX3" y="connsiteY3"/>
+                </a:cxn>
+                <a:cxn ang="0">
+                  <a:pos x="connsiteX4" y="connsiteY4"/>
+                </a:cxn>
+              </a:cxnLst>
+              <a:rect l="l" t="t" r="r" b="b"/>
+              <a:pathLst>
+                <a:path w="360000" h="360000">
+                  <a:moveTo>
+                    <a:pt x="360000" y="172694"/>
+                  </a:moveTo>
+                  <a:lnTo>
+                    <a:pt x="360000" y="360000"/>
+                  </a:lnTo>
+                  <a:lnTo>
+                    <a:pt x="0" y="360000"/>
+                  </a:lnTo>
+                  <a:lnTo>
+                    <a:pt x="0" y="0"/>
+                  </a:lnTo>
+                  <a:lnTo>
+                    <a:pt x="185104" y="0"/>
+                  </a:lnTo>
+                </a:path>
+              </a:pathLst>
+            </a:custGeom>
+            <a:noFill/>
+            <a:ln w="9525" cap="flat">
+              <a:solidFill>
+                <a:schemeClr val="bg1">
+                  <a:lumMod val="75000"/>
+                </a:schemeClr>
+              </a:solidFill>
+              <a:prstDash val="solid"/>
+              <a:miter/>
+            </a:ln>
+          </p:spPr>
+          <p:txBody>
+            <a:bodyPr rtlCol="0" anchor="ctr"/>
+            <a:lstStyle/>
+            <a:p>
+              <a:endParaRPr lang="en-US" dirty="0"/>
+            </a:p>
+          </p:txBody>
+        </p:sp>
+      </p:grpSp>
+      <p:sp>
+        <p:nvSpPr>
+          <p:cNvPr id="8" name="Text Placeholder 7"/>
+          <p:cNvSpPr>
+            <a:spLocks noGrp="1"/>
+          </p:cNvSpPr>
+          <p:nvPr>
+            <p:ph type="body" sz="quarter" idx="16"/>
+          </p:nvPr>
+        </p:nvSpPr>
+        <p:spPr/>
+        <p:txBody>
+          <a:bodyPr/>
+          <a:lstStyle/>
+          <a:p>
+            <a:endParaRPr lang="en-US" dirty="0"/>
+          </a:p>
+        </p:txBody>
+      </p:sp>
+      <p:sp>
+        <p:nvSpPr>
+          <p:cNvPr id="9" name="Title 8"/>
+          <p:cNvSpPr>
+            <a:spLocks noGrp="1"/>
+          </p:cNvSpPr>
+          <p:nvPr>
+            <p:ph type="ctrTitle"/>
+          </p:nvPr>
+        </p:nvSpPr>
+        <p:spPr/>
+        <p:txBody>
+          <a:bodyPr/>
+          <a:lstStyle/>
+          <a:p>
+            <a:r>
+              <a:rPr lang="en-US" sz="5400" dirty="0" smtClean="0"/>
+              <a:t>thankyou</a:t>
+            </a:r>
+            <a:endParaRPr lang="en-US" sz="5400" dirty="0"/>
+          </a:p>
+        </p:txBody>
+      </p:sp>
+    </p:spTree>
+    <p:extLst>
+      <p:ext uri="{BB962C8B-B14F-4D97-AF65-F5344CB8AC3E}">
+        <p14:creationId xmlns:p14="http://schemas.microsoft.com/office/powerpoint/2010/main" val="3476954114"/>
+      </p:ext>
+    </p:extLst>
+  </p:cSld>
+  <p:clrMapOvr>
+    <a:masterClrMapping/>
+  </p:clrMapOvr>
+  <p:timing>
+    <p:tnLst>
+      <p:par>
+        <p:cTn id="1" dur="indefinite" restart="never" nodeType="tmRoot"/>
+      </p:par>
+    </p:tnLst>
+  </p:timing>
+</p:sld>
+</file>
+
+<file path=ppt/slides/slide2.xml><?xml version="1.0" encoding="utf-8"?>
 <p:sld xmlns:a="http://schemas.openxmlformats.org/drawingml/2006/main" xmlns:r="http://schemas.openxmlformats.org/officeDocument/2006/relationships" xmlns:p="http://schemas.openxmlformats.org/presentationml/2006/main">
   <p:cSld>
     <p:bg>
@@ -11563,7 +13066,7 @@
           <p:cNvPr id="28" name="Picture Placeholder 27" descr="Woman walking through a door">
             <a:extLst>
               <a:ext uri="{FF2B5EF4-FFF2-40B4-BE49-F238E27FC236}">
-                <a16:creationId xmlns:a16="http://schemas.microsoft.com/office/drawing/2014/main" xmlns="" id="{86D7D4AC-BE7B-45B9-AF4A-E2AF1B6C796D}"/>
+                <a16:creationId xmlns="" xmlns:a16="http://schemas.microsoft.com/office/drawing/2014/main" id="{86D7D4AC-BE7B-45B9-AF4A-E2AF1B6C796D}"/>
               </a:ext>
             </a:extLst>
           </p:cNvPr>
@@ -11597,10 +13100,10 @@
           <p:cNvPr id="15" name="Rectangle 14">
             <a:extLst>
               <a:ext uri="{FF2B5EF4-FFF2-40B4-BE49-F238E27FC236}">
-                <a16:creationId xmlns:a16="http://schemas.microsoft.com/office/drawing/2014/main" xmlns="" id="{DD509E5E-F68C-4F2B-8EC7-4325958603E7}"/>
+                <a16:creationId xmlns="" xmlns:a16="http://schemas.microsoft.com/office/drawing/2014/main" id="{DD509E5E-F68C-4F2B-8EC7-4325958603E7}"/>
               </a:ext>
               <a:ext uri="{C183D7F6-B498-43B3-948B-1728B52AA6E4}">
-                <adec:decorative xmlns:adec="http://schemas.microsoft.com/office/drawing/2017/decorative" xmlns="" val="1"/>
+                <adec:decorative xmlns="" xmlns:adec="http://schemas.microsoft.com/office/drawing/2017/decorative" val="1"/>
               </a:ext>
             </a:extLst>
           </p:cNvPr>
@@ -11609,8 +13112,8 @@
         </p:nvSpPr>
         <p:spPr>
           <a:xfrm>
-            <a:off x="1468191" y="55727"/>
-            <a:ext cx="5863657" cy="6858000"/>
+            <a:off x="875763" y="55727"/>
+            <a:ext cx="6456086" cy="6858000"/>
           </a:xfrm>
           <a:prstGeom prst="rect">
             <a:avLst/>
@@ -11654,7 +13157,7 @@
           <p:cNvPr id="4" name="Text Placeholder 3">
             <a:extLst>
               <a:ext uri="{FF2B5EF4-FFF2-40B4-BE49-F238E27FC236}">
-                <a16:creationId xmlns:a16="http://schemas.microsoft.com/office/drawing/2014/main" xmlns="" id="{9AF7E39F-041F-4A45-A1CF-F8C269887D5A}"/>
+                <a16:creationId xmlns="" xmlns:a16="http://schemas.microsoft.com/office/drawing/2014/main" id="{9AF7E39F-041F-4A45-A1CF-F8C269887D5A}"/>
               </a:ext>
             </a:extLst>
           </p:cNvPr>
@@ -11667,8 +13170,8 @@
         </p:nvSpPr>
         <p:spPr>
           <a:xfrm>
-            <a:off x="3418967" y="55726"/>
-            <a:ext cx="8735058" cy="6802273"/>
+            <a:off x="2824955" y="55726"/>
+            <a:ext cx="9367045" cy="6802273"/>
           </a:xfrm>
           <a:gradFill>
             <a:gsLst>
@@ -11686,20 +13189,7 @@
           <a:bodyPr/>
           <a:lstStyle/>
           <a:p>
-            <a:pPr lvl="0"/>
-            <a:endParaRPr lang="en-US" dirty="0" smtClean="0"/>
-          </a:p>
-          <a:p>
-            <a:pPr lvl="0"/>
-            <a:r>
-              <a:rPr lang="en-US" dirty="0"/>
-              <a:t> </a:t>
-            </a:r>
-            <a:r>
-              <a:rPr lang="en-US" dirty="0" smtClean="0"/>
-              <a:t>                                                      </a:t>
-            </a:r>
-            <a:endParaRPr lang="en-US" dirty="0"/>
+            <a:endParaRPr lang="en-US" sz="1400" dirty="0"/>
           </a:p>
         </p:txBody>
       </p:sp>
@@ -11708,7 +13198,7 @@
           <p:cNvPr id="3" name="Title 2">
             <a:extLst>
               <a:ext uri="{FF2B5EF4-FFF2-40B4-BE49-F238E27FC236}">
-                <a16:creationId xmlns:a16="http://schemas.microsoft.com/office/drawing/2014/main" xmlns="" id="{E9BE4A06-2673-41EF-AF84-96B0EDEC0F01}"/>
+                <a16:creationId xmlns="" xmlns:a16="http://schemas.microsoft.com/office/drawing/2014/main" id="{E9BE4A06-2673-41EF-AF84-96B0EDEC0F01}"/>
               </a:ext>
             </a:extLst>
           </p:cNvPr>
@@ -11721,8 +13211,8 @@
         </p:nvSpPr>
         <p:spPr>
           <a:xfrm>
-            <a:off x="4724130" y="467755"/>
-            <a:ext cx="5705340" cy="695459"/>
+            <a:off x="3168202" y="425004"/>
+            <a:ext cx="8407561" cy="656822"/>
           </a:xfrm>
         </p:spPr>
         <p:txBody>
@@ -11731,9 +13221,21 @@
           <a:p>
             <a:r>
               <a:rPr lang="en-US" dirty="0" smtClean="0"/>
-              <a:t>Output images</a:t>
-            </a:r>
-            <a:endParaRPr lang="en-US" dirty="0"/>
+              <a:t> </a:t>
+            </a:r>
+            <a:r>
+              <a:rPr lang="en-US" sz="2800" i="1" u="sng" dirty="0"/>
+              <a:t>Disease Mortality Prediction: </a:t>
+            </a:r>
+            <a:r>
+              <a:rPr lang="en-US" sz="2800" i="1" u="sng" dirty="0" smtClean="0"/>
+              <a:t>  ‘Hepatitis </a:t>
+            </a:r>
+            <a:r>
+              <a:rPr lang="en-US" sz="2800" i="1" u="sng" dirty="0"/>
+              <a:t>B</a:t>
+            </a:r>
+            <a:endParaRPr lang="en-US" sz="2800" dirty="0"/>
           </a:p>
         </p:txBody>
       </p:sp>
@@ -11742,7 +13244,7 @@
           <p:cNvPr id="36" name="Group 35" descr="Icon Lightbulb">
             <a:extLst>
               <a:ext uri="{FF2B5EF4-FFF2-40B4-BE49-F238E27FC236}">
-                <a16:creationId xmlns:a16="http://schemas.microsoft.com/office/drawing/2014/main" xmlns="" id="{840CA54E-FBB9-4848-A45D-E086AA4A5012}"/>
+                <a16:creationId xmlns="" xmlns:a16="http://schemas.microsoft.com/office/drawing/2014/main" id="{840CA54E-FBB9-4848-A45D-E086AA4A5012}"/>
               </a:ext>
             </a:extLst>
           </p:cNvPr>
@@ -11764,7 +13266,7 @@
             <p:cNvPr id="32" name="Freeform: Shape 31">
               <a:extLst>
                 <a:ext uri="{FF2B5EF4-FFF2-40B4-BE49-F238E27FC236}">
-                  <a16:creationId xmlns:a16="http://schemas.microsoft.com/office/drawing/2014/main" xmlns="" id="{B8ABB65B-B8A5-4C0E-BE4C-E88A7BB3E8A2}"/>
+                  <a16:creationId xmlns="" xmlns:a16="http://schemas.microsoft.com/office/drawing/2014/main" id="{B8ABB65B-B8A5-4C0E-BE4C-E88A7BB3E8A2}"/>
                 </a:ext>
               </a:extLst>
             </p:cNvPr>
@@ -11876,7 +13378,7 @@
             <p:cNvPr id="33" name="Freeform: Shape 32">
               <a:extLst>
                 <a:ext uri="{FF2B5EF4-FFF2-40B4-BE49-F238E27FC236}">
-                  <a16:creationId xmlns:a16="http://schemas.microsoft.com/office/drawing/2014/main" xmlns="" id="{D71DD07A-CE80-41D5-AEEB-65192AD34639}"/>
+                  <a16:creationId xmlns="" xmlns:a16="http://schemas.microsoft.com/office/drawing/2014/main" id="{D71DD07A-CE80-41D5-AEEB-65192AD34639}"/>
                 </a:ext>
               </a:extLst>
             </p:cNvPr>
@@ -11988,7 +13490,7 @@
             <p:cNvPr id="34" name="Freeform: Shape 33">
               <a:extLst>
                 <a:ext uri="{FF2B5EF4-FFF2-40B4-BE49-F238E27FC236}">
-                  <a16:creationId xmlns:a16="http://schemas.microsoft.com/office/drawing/2014/main" xmlns="" id="{0522D638-DE3D-438D-8C73-954C32D8CB63}"/>
+                  <a16:creationId xmlns="" xmlns:a16="http://schemas.microsoft.com/office/drawing/2014/main" id="{0522D638-DE3D-438D-8C73-954C32D8CB63}"/>
                 </a:ext>
               </a:extLst>
             </p:cNvPr>
@@ -12072,7 +13574,7 @@
             <p:cNvPr id="35" name="Freeform: Shape 34">
               <a:extLst>
                 <a:ext uri="{FF2B5EF4-FFF2-40B4-BE49-F238E27FC236}">
-                  <a16:creationId xmlns:a16="http://schemas.microsoft.com/office/drawing/2014/main" xmlns="" id="{01AB190E-B14D-440E-9910-B22D8C998B54}"/>
+                  <a16:creationId xmlns="" xmlns:a16="http://schemas.microsoft.com/office/drawing/2014/main" id="{01AB190E-B14D-440E-9910-B22D8C998B54}"/>
                 </a:ext>
               </a:extLst>
             </p:cNvPr>
@@ -12446,7 +13948,7 @@
           <p:cNvPr id="52" name="Slide Number Placeholder 51">
             <a:extLst>
               <a:ext uri="{FF2B5EF4-FFF2-40B4-BE49-F238E27FC236}">
-                <a16:creationId xmlns:a16="http://schemas.microsoft.com/office/drawing/2014/main" xmlns="" id="{947A81F6-261F-44F4-B660-7BD323AE2991}"/>
+                <a16:creationId xmlns="" xmlns:a16="http://schemas.microsoft.com/office/drawing/2014/main" id="{947A81F6-261F-44F4-B660-7BD323AE2991}"/>
               </a:ext>
             </a:extLst>
           </p:cNvPr>
@@ -12465,7 +13967,7 @@
             <a:fld id="{EECC7194-A4D0-457B-9D3E-53681723AFF7}" type="slidenum">
               <a:rPr lang="en-US" smtClean="0"/>
               <a:pPr/>
-              <a:t>10</a:t>
+              <a:t>2</a:t>
             </a:fld>
             <a:endParaRPr lang="en-US" dirty="0"/>
           </a:p>
@@ -12476,10 +13978,10 @@
           <p:cNvPr id="14" name="Group 13">
             <a:extLst>
               <a:ext uri="{FF2B5EF4-FFF2-40B4-BE49-F238E27FC236}">
-                <a16:creationId xmlns:a16="http://schemas.microsoft.com/office/drawing/2014/main" xmlns="" id="{8CDC0198-E919-4071-9C4B-5B3D19A46785}"/>
+                <a16:creationId xmlns="" xmlns:a16="http://schemas.microsoft.com/office/drawing/2014/main" id="{8CDC0198-E919-4071-9C4B-5B3D19A46785}"/>
               </a:ext>
               <a:ext uri="{C183D7F6-B498-43B3-948B-1728B52AA6E4}">
-                <adec:decorative xmlns:adec="http://schemas.microsoft.com/office/drawing/2017/decorative" xmlns="" val="1"/>
+                <adec:decorative xmlns="" xmlns:adec="http://schemas.microsoft.com/office/drawing/2017/decorative" val="1"/>
               </a:ext>
             </a:extLst>
           </p:cNvPr>
@@ -12501,7 +14003,7 @@
             <p:cNvPr id="16" name="Rectangle 15">
               <a:extLst>
                 <a:ext uri="{FF2B5EF4-FFF2-40B4-BE49-F238E27FC236}">
-                  <a16:creationId xmlns:a16="http://schemas.microsoft.com/office/drawing/2014/main" xmlns="" id="{667DDF34-4085-4945-A320-585AC8EBAAF2}"/>
+                  <a16:creationId xmlns="" xmlns:a16="http://schemas.microsoft.com/office/drawing/2014/main" id="{667DDF34-4085-4945-A320-585AC8EBAAF2}"/>
                 </a:ext>
               </a:extLst>
             </p:cNvPr>
@@ -12555,7 +14057,7 @@
             <p:cNvPr id="17" name="Rectangle 16">
               <a:extLst>
                 <a:ext uri="{FF2B5EF4-FFF2-40B4-BE49-F238E27FC236}">
-                  <a16:creationId xmlns:a16="http://schemas.microsoft.com/office/drawing/2014/main" xmlns="" id="{ED521D40-9109-4214-B458-FAB53B1DA80D}"/>
+                  <a16:creationId xmlns="" xmlns:a16="http://schemas.microsoft.com/office/drawing/2014/main" id="{ED521D40-9109-4214-B458-FAB53B1DA80D}"/>
                 </a:ext>
               </a:extLst>
             </p:cNvPr>
@@ -12607,85 +14109,21 @@
       </p:grpSp>
       <p:pic>
         <p:nvPicPr>
-          <p:cNvPr id="23" name="image6.png"/>
+          <p:cNvPr id="19" name="image19.jpg"/>
           <p:cNvPicPr/>
           <p:nvPr/>
         </p:nvPicPr>
-        <p:blipFill rotWithShape="1">
+        <p:blipFill>
           <a:blip r:embed="rId3"/>
-          <a:srcRect r="5582"/>
-          <a:stretch/>
+          <a:srcRect/>
+          <a:stretch>
+            <a:fillRect/>
+          </a:stretch>
         </p:blipFill>
         <p:spPr>
           <a:xfrm>
-            <a:off x="1713143" y="1062356"/>
-            <a:ext cx="4832525" cy="2607095"/>
-          </a:xfrm>
-          <a:prstGeom prst="rect">
-            <a:avLst/>
-          </a:prstGeom>
-          <a:ln/>
-        </p:spPr>
-      </p:pic>
-      <p:pic>
-        <p:nvPicPr>
-          <p:cNvPr id="24" name="image7.png"/>
-          <p:cNvPicPr/>
-          <p:nvPr/>
-        </p:nvPicPr>
-        <p:blipFill rotWithShape="1">
-          <a:blip r:embed="rId4"/>
-          <a:srcRect r="4637"/>
-          <a:stretch/>
-        </p:blipFill>
-        <p:spPr>
-          <a:xfrm>
-            <a:off x="6726869" y="1106024"/>
-            <a:ext cx="5241701" cy="2599057"/>
-          </a:xfrm>
-          <a:prstGeom prst="rect">
-            <a:avLst/>
-          </a:prstGeom>
-          <a:ln/>
-        </p:spPr>
-      </p:pic>
-      <p:pic>
-        <p:nvPicPr>
-          <p:cNvPr id="25" name="image12.png"/>
-          <p:cNvPicPr/>
-          <p:nvPr/>
-        </p:nvPicPr>
-        <p:blipFill rotWithShape="1">
-          <a:blip r:embed="rId5"/>
-          <a:srcRect r="2952"/>
-          <a:stretch/>
-        </p:blipFill>
-        <p:spPr>
-          <a:xfrm>
-            <a:off x="1690431" y="3779754"/>
-            <a:ext cx="4852921" cy="2994409"/>
-          </a:xfrm>
-          <a:prstGeom prst="rect">
-            <a:avLst/>
-          </a:prstGeom>
-          <a:ln/>
-        </p:spPr>
-      </p:pic>
-      <p:pic>
-        <p:nvPicPr>
-          <p:cNvPr id="27" name="image9.png"/>
-          <p:cNvPicPr/>
-          <p:nvPr/>
-        </p:nvPicPr>
-        <p:blipFill rotWithShape="1">
-          <a:blip r:embed="rId6"/>
-          <a:srcRect r="5332"/>
-          <a:stretch/>
-        </p:blipFill>
-        <p:spPr>
-          <a:xfrm>
-            <a:off x="6626926" y="3906169"/>
-            <a:ext cx="5468648" cy="2686779"/>
+            <a:off x="3017212" y="1155785"/>
+            <a:ext cx="8829026" cy="5356453"/>
           </a:xfrm>
           <a:prstGeom prst="rect">
             <a:avLst/>
@@ -12696,1616 +14134,24 @@
     </p:spTree>
     <p:extLst>
       <p:ext uri="{BB962C8B-B14F-4D97-AF65-F5344CB8AC3E}">
-        <p14:creationId xmlns:p14="http://schemas.microsoft.com/office/powerpoint/2010/main" val="1275064873"/>
+        <p14:creationId xmlns:p14="http://schemas.microsoft.com/office/powerpoint/2010/main" val="1058488356"/>
       </p:ext>
     </p:extLst>
   </p:cSld>
   <p:clrMapOvr>
     <a:masterClrMapping/>
   </p:clrMapOvr>
+  <p:timing>
+    <p:tnLst>
+      <p:par>
+        <p:cTn id="1" dur="indefinite" restart="never" nodeType="tmRoot"/>
+      </p:par>
+    </p:tnLst>
+  </p:timing>
 </p:sld>
 </file>
 
-<file path=ppt/slides/slide11.xml><?xml version="1.0" encoding="utf-8"?>
-<p:sld xmlns:a="http://schemas.openxmlformats.org/drawingml/2006/main" xmlns:r="http://schemas.openxmlformats.org/officeDocument/2006/relationships" xmlns:p="http://schemas.openxmlformats.org/presentationml/2006/main">
-  <p:cSld>
-    <p:spTree>
-      <p:nvGrpSpPr>
-        <p:cNvPr id="1" name=""/>
-        <p:cNvGrpSpPr/>
-        <p:nvPr/>
-      </p:nvGrpSpPr>
-      <p:grpSpPr>
-        <a:xfrm>
-          <a:off x="0" y="0"/>
-          <a:ext cx="0" cy="0"/>
-          <a:chOff x="0" y="0"/>
-          <a:chExt cx="0" cy="0"/>
-        </a:xfrm>
-      </p:grpSpPr>
-      <p:sp>
-        <p:nvSpPr>
-          <p:cNvPr id="15" name="Title 14">
-            <a:extLst>
-              <a:ext uri="{FF2B5EF4-FFF2-40B4-BE49-F238E27FC236}">
-                <a16:creationId xmlns:a16="http://schemas.microsoft.com/office/drawing/2014/main" xmlns="" id="{11123242-1802-4890-85C8-48524FEB9010}"/>
-              </a:ext>
-            </a:extLst>
-          </p:cNvPr>
-          <p:cNvSpPr>
-            <a:spLocks noGrp="1"/>
-          </p:cNvSpPr>
-          <p:nvPr>
-            <p:ph type="title"/>
-          </p:nvPr>
-        </p:nvSpPr>
-        <p:spPr/>
-        <p:txBody>
-          <a:bodyPr/>
-          <a:lstStyle/>
-          <a:p>
-            <a:r>
-              <a:rPr lang="en-US" dirty="0" smtClean="0"/>
-              <a:t>Conclusion:</a:t>
-            </a:r>
-            <a:endParaRPr lang="en-US" dirty="0"/>
-          </a:p>
-        </p:txBody>
-      </p:sp>
-      <p:sp>
-        <p:nvSpPr>
-          <p:cNvPr id="4" name="Slide Number Placeholder 3">
-            <a:extLst>
-              <a:ext uri="{FF2B5EF4-FFF2-40B4-BE49-F238E27FC236}">
-                <a16:creationId xmlns:a16="http://schemas.microsoft.com/office/drawing/2014/main" xmlns="" id="{65A32E52-1B70-4F84-B381-E9D9871504C5}"/>
-              </a:ext>
-            </a:extLst>
-          </p:cNvPr>
-          <p:cNvSpPr>
-            <a:spLocks noGrp="1"/>
-          </p:cNvSpPr>
-          <p:nvPr>
-            <p:ph type="sldNum" sz="quarter" idx="11"/>
-          </p:nvPr>
-        </p:nvSpPr>
-        <p:spPr/>
-        <p:txBody>
-          <a:bodyPr/>
-          <a:lstStyle/>
-          <a:p>
-            <a:fld id="{EECC7194-A4D0-457B-9D3E-53681723AFF7}" type="slidenum">
-              <a:rPr lang="en-US" smtClean="0"/>
-              <a:pPr/>
-              <a:t>11</a:t>
-            </a:fld>
-            <a:endParaRPr lang="en-US" dirty="0"/>
-          </a:p>
-        </p:txBody>
-      </p:sp>
-      <p:sp>
-        <p:nvSpPr>
-          <p:cNvPr id="17" name="Text Placeholder 16">
-            <a:extLst>
-              <a:ext uri="{FF2B5EF4-FFF2-40B4-BE49-F238E27FC236}">
-                <a16:creationId xmlns:a16="http://schemas.microsoft.com/office/drawing/2014/main" xmlns="" id="{7ED86B65-490B-4A46-9A35-518F306514E2}"/>
-              </a:ext>
-            </a:extLst>
-          </p:cNvPr>
-          <p:cNvSpPr>
-            <a:spLocks noGrp="1"/>
-          </p:cNvSpPr>
-          <p:nvPr>
-            <p:ph type="body" sz="quarter" idx="13"/>
-          </p:nvPr>
-        </p:nvSpPr>
-        <p:spPr>
-          <a:xfrm>
-            <a:off x="749276" y="3660021"/>
-            <a:ext cx="10315696" cy="2852217"/>
-          </a:xfrm>
-        </p:spPr>
-        <p:txBody>
-          <a:bodyPr/>
-          <a:lstStyle/>
-          <a:p>
-            <a:pPr lvl="0"/>
-            <a:r>
-              <a:rPr lang="en-US" sz="1800" dirty="0"/>
-              <a:t>Most of the data points were in objects.</a:t>
-            </a:r>
-          </a:p>
-          <a:p>
-            <a:pPr lvl="0"/>
-            <a:r>
-              <a:rPr lang="en-US" sz="1800" dirty="0"/>
-              <a:t>Two of them were of float type.</a:t>
-            </a:r>
-          </a:p>
-          <a:p>
-            <a:pPr lvl="0"/>
-            <a:r>
-              <a:rPr lang="en-US" sz="1800" dirty="0"/>
-              <a:t>There were more males than females in our dataset.</a:t>
-            </a:r>
-          </a:p>
-          <a:p>
-            <a:pPr lvl="0"/>
-            <a:r>
-              <a:rPr lang="en-US" sz="1800" dirty="0"/>
-              <a:t>Highest prevalence of Hepatitis is from 30-40 followed by 40-50.</a:t>
-            </a:r>
-          </a:p>
-          <a:p>
-            <a:pPr lvl="0"/>
-            <a:r>
-              <a:rPr lang="en-US" sz="1800" dirty="0"/>
-              <a:t>The least are the individuals under 10, and elderly above 70.</a:t>
-            </a:r>
-          </a:p>
-          <a:p>
-            <a:pPr lvl="0"/>
-            <a:r>
-              <a:rPr lang="en-US" sz="1800" dirty="0"/>
-              <a:t>All the methods gave us almost the same features to use i.e. all the features are important.</a:t>
-            </a:r>
-          </a:p>
-          <a:p>
-            <a:endParaRPr lang="en-US" sz="1800" noProof="1"/>
-          </a:p>
-        </p:txBody>
-      </p:sp>
-      <p:pic>
-        <p:nvPicPr>
-          <p:cNvPr id="43" name="Picture Placeholder 42" descr="Stethoscope">
-            <a:extLst>
-              <a:ext uri="{FF2B5EF4-FFF2-40B4-BE49-F238E27FC236}">
-                <a16:creationId xmlns:a16="http://schemas.microsoft.com/office/drawing/2014/main" xmlns="" id="{0FBA55E0-FE96-4C72-9699-C2E4A4D64309}"/>
-              </a:ext>
-            </a:extLst>
-          </p:cNvPr>
-          <p:cNvPicPr>
-            <a:picLocks noGrp="1" noChangeAspect="1"/>
-          </p:cNvPicPr>
-          <p:nvPr>
-            <p:ph type="pic" sz="quarter" idx="23"/>
-          </p:nvPr>
-        </p:nvPicPr>
-        <p:blipFill>
-          <a:blip r:embed="rId2" cstate="screen">
-            <a:extLst>
-              <a:ext uri="{28A0092B-C50C-407E-A947-70E740481C1C}">
-                <a14:useLocalDpi xmlns:a14="http://schemas.microsoft.com/office/drawing/2010/main"/>
-              </a:ext>
-              <a:ext uri="{96DAC541-7B7A-43D3-8B79-37D633B846F1}">
-                <asvg:svgBlip xmlns:asvg="http://schemas.microsoft.com/office/drawing/2016/SVG/main" xmlns="" r:embed="rId3"/>
-              </a:ext>
-            </a:extLst>
-          </a:blip>
-          <a:srcRect/>
-          <a:stretch>
-            <a:fillRect/>
-          </a:stretch>
-        </p:blipFill>
-        <p:spPr>
-          <a:xfrm>
-            <a:off x="2065071" y="2008906"/>
-            <a:ext cx="511585" cy="511585"/>
-          </a:xfrm>
-        </p:spPr>
-      </p:pic>
-      <p:pic>
-        <p:nvPicPr>
-          <p:cNvPr id="45" name="Picture Placeholder 44" descr="DNA">
-            <a:extLst>
-              <a:ext uri="{FF2B5EF4-FFF2-40B4-BE49-F238E27FC236}">
-                <a16:creationId xmlns:a16="http://schemas.microsoft.com/office/drawing/2014/main" xmlns="" id="{59BC955A-4F46-42BB-AE8B-64B294B4094A}"/>
-              </a:ext>
-            </a:extLst>
-          </p:cNvPr>
-          <p:cNvPicPr>
-            <a:picLocks noGrp="1" noChangeAspect="1"/>
-          </p:cNvPicPr>
-          <p:nvPr>
-            <p:ph type="pic" sz="quarter" idx="24"/>
-          </p:nvPr>
-        </p:nvPicPr>
-        <p:blipFill>
-          <a:blip r:embed="rId4" cstate="screen">
-            <a:extLst>
-              <a:ext uri="{28A0092B-C50C-407E-A947-70E740481C1C}">
-                <a14:useLocalDpi xmlns:a14="http://schemas.microsoft.com/office/drawing/2010/main"/>
-              </a:ext>
-              <a:ext uri="{96DAC541-7B7A-43D3-8B79-37D633B846F1}">
-                <asvg:svgBlip xmlns:asvg="http://schemas.microsoft.com/office/drawing/2016/SVG/main" xmlns="" r:embed="rId5"/>
-              </a:ext>
-            </a:extLst>
-          </a:blip>
-          <a:srcRect/>
-          <a:stretch>
-            <a:fillRect/>
-          </a:stretch>
-        </p:blipFill>
-        <p:spPr>
-          <a:xfrm>
-            <a:off x="5827640" y="1951669"/>
-            <a:ext cx="511585" cy="511585"/>
-          </a:xfrm>
-        </p:spPr>
-      </p:pic>
-      <p:pic>
-        <p:nvPicPr>
-          <p:cNvPr id="47" name="Picture Placeholder 46" descr="Heartbeat">
-            <a:extLst>
-              <a:ext uri="{FF2B5EF4-FFF2-40B4-BE49-F238E27FC236}">
-                <a16:creationId xmlns:a16="http://schemas.microsoft.com/office/drawing/2014/main" xmlns="" id="{CF3CF4DD-4D31-4118-BEC8-48E0CFB07422}"/>
-              </a:ext>
-            </a:extLst>
-          </p:cNvPr>
-          <p:cNvPicPr>
-            <a:picLocks noGrp="1" noChangeAspect="1"/>
-          </p:cNvPicPr>
-          <p:nvPr>
-            <p:ph type="pic" sz="quarter" idx="25"/>
-          </p:nvPr>
-        </p:nvPicPr>
-        <p:blipFill>
-          <a:blip r:embed="rId6" cstate="screen">
-            <a:extLst>
-              <a:ext uri="{28A0092B-C50C-407E-A947-70E740481C1C}">
-                <a14:useLocalDpi xmlns:a14="http://schemas.microsoft.com/office/drawing/2010/main"/>
-              </a:ext>
-              <a:ext uri="{96DAC541-7B7A-43D3-8B79-37D633B846F1}">
-                <asvg:svgBlip xmlns:asvg="http://schemas.microsoft.com/office/drawing/2016/SVG/main" xmlns="" r:embed="rId7"/>
-              </a:ext>
-            </a:extLst>
-          </a:blip>
-          <a:srcRect/>
-          <a:stretch>
-            <a:fillRect/>
-          </a:stretch>
-        </p:blipFill>
-        <p:spPr>
-          <a:xfrm>
-            <a:off x="9590208" y="2008906"/>
-            <a:ext cx="511585" cy="511585"/>
-          </a:xfrm>
-        </p:spPr>
-      </p:pic>
-      <p:sp>
-        <p:nvSpPr>
-          <p:cNvPr id="30" name="object 7" descr="Beige rectangle">
-            <a:extLst>
-              <a:ext uri="{FF2B5EF4-FFF2-40B4-BE49-F238E27FC236}">
-                <a16:creationId xmlns:a16="http://schemas.microsoft.com/office/drawing/2014/main" xmlns="" id="{1E04C292-AE6A-4666-9EA6-9D87F84CB793}"/>
-              </a:ext>
-            </a:extLst>
-          </p:cNvPr>
-          <p:cNvSpPr/>
-          <p:nvPr/>
-        </p:nvSpPr>
-        <p:spPr bwMode="white">
-          <a:xfrm flipV="1">
-            <a:off x="722099" y="1277068"/>
-            <a:ext cx="3470764" cy="45719"/>
-          </a:xfrm>
-          <a:custGeom>
-            <a:avLst/>
-            <a:gdLst/>
-            <a:ahLst/>
-            <a:cxnLst/>
-            <a:rect l="l" t="t" r="r" b="b"/>
-            <a:pathLst>
-              <a:path w="3935729">
-                <a:moveTo>
-                  <a:pt x="0" y="0"/>
-                </a:moveTo>
-                <a:lnTo>
-                  <a:pt x="3935349" y="0"/>
-                </a:lnTo>
-              </a:path>
-            </a:pathLst>
-          </a:custGeom>
-          <a:ln w="54863">
-            <a:solidFill>
-              <a:schemeClr val="accent1"/>
-            </a:solidFill>
-          </a:ln>
-        </p:spPr>
-        <p:txBody>
-          <a:bodyPr wrap="square" lIns="0" tIns="0" rIns="0" bIns="0" rtlCol="0"/>
-          <a:lstStyle/>
-          <a:p>
-            <a:endParaRPr lang="en-US" dirty="0"/>
-          </a:p>
-        </p:txBody>
-      </p:sp>
-      <p:grpSp>
-        <p:nvGrpSpPr>
-          <p:cNvPr id="5" name="Group 4">
-            <a:extLst>
-              <a:ext uri="{FF2B5EF4-FFF2-40B4-BE49-F238E27FC236}">
-                <a16:creationId xmlns:a16="http://schemas.microsoft.com/office/drawing/2014/main" xmlns="" id="{25EE06CE-237F-44E6-BF7E-72B27BB6A6DB}"/>
-              </a:ext>
-              <a:ext uri="{C183D7F6-B498-43B3-948B-1728B52AA6E4}">
-                <adec:decorative xmlns:adec="http://schemas.microsoft.com/office/drawing/2017/decorative" xmlns="" val="1"/>
-              </a:ext>
-            </a:extLst>
-          </p:cNvPr>
-          <p:cNvGrpSpPr/>
-          <p:nvPr/>
-        </p:nvGrpSpPr>
-        <p:grpSpPr>
-          <a:xfrm>
-            <a:off x="9164878" y="1733550"/>
-            <a:ext cx="1177348" cy="992451"/>
-            <a:chOff x="9164878" y="1733550"/>
-            <a:chExt cx="1177348" cy="992451"/>
-          </a:xfrm>
-        </p:grpSpPr>
-        <p:sp>
-          <p:nvSpPr>
-            <p:cNvPr id="85" name="Rectangle 84">
-              <a:extLst>
-                <a:ext uri="{FF2B5EF4-FFF2-40B4-BE49-F238E27FC236}">
-                  <a16:creationId xmlns:a16="http://schemas.microsoft.com/office/drawing/2014/main" xmlns="" id="{2183E070-F2AC-4FAC-84B2-3622CF377DCE}"/>
-                </a:ext>
-                <a:ext uri="{C183D7F6-B498-43B3-948B-1728B52AA6E4}">
-                  <adec:decorative xmlns:adec="http://schemas.microsoft.com/office/drawing/2017/decorative" xmlns="" val="1"/>
-                </a:ext>
-              </a:extLst>
-            </p:cNvPr>
-            <p:cNvSpPr/>
-            <p:nvPr/>
-          </p:nvSpPr>
-          <p:spPr>
-            <a:xfrm>
-              <a:off x="9349775" y="1733550"/>
-              <a:ext cx="992451" cy="992451"/>
-            </a:xfrm>
-            <a:prstGeom prst="rect">
-              <a:avLst/>
-            </a:prstGeom>
-            <a:noFill/>
-            <a:ln w="6350">
-              <a:solidFill>
-                <a:schemeClr val="bg1">
-                  <a:alpha val="20000"/>
-                </a:schemeClr>
-              </a:solidFill>
-            </a:ln>
-          </p:spPr>
-          <p:style>
-            <a:lnRef idx="2">
-              <a:schemeClr val="accent1">
-                <a:shade val="50000"/>
-              </a:schemeClr>
-            </a:lnRef>
-            <a:fillRef idx="1">
-              <a:schemeClr val="accent1"/>
-            </a:fillRef>
-            <a:effectRef idx="0">
-              <a:schemeClr val="accent1"/>
-            </a:effectRef>
-            <a:fontRef idx="minor">
-              <a:schemeClr val="lt1"/>
-            </a:fontRef>
-          </p:style>
-          <p:txBody>
-            <a:bodyPr rtlCol="0" anchor="ctr"/>
-            <a:lstStyle/>
-            <a:p>
-              <a:pPr algn="ctr"/>
-              <a:endParaRPr lang="en-US" dirty="0"/>
-            </a:p>
-          </p:txBody>
-        </p:sp>
-        <p:sp>
-          <p:nvSpPr>
-            <p:cNvPr id="86" name="Rectangle 85">
-              <a:extLst>
-                <a:ext uri="{FF2B5EF4-FFF2-40B4-BE49-F238E27FC236}">
-                  <a16:creationId xmlns:a16="http://schemas.microsoft.com/office/drawing/2014/main" xmlns="" id="{C35680A2-0542-4B12-830D-8B2A95324F4C}"/>
-                </a:ext>
-              </a:extLst>
-            </p:cNvPr>
-            <p:cNvSpPr/>
-            <p:nvPr/>
-          </p:nvSpPr>
-          <p:spPr>
-            <a:xfrm>
-              <a:off x="9164878" y="1819672"/>
-              <a:ext cx="1091696" cy="820207"/>
-            </a:xfrm>
-            <a:prstGeom prst="rect">
-              <a:avLst/>
-            </a:prstGeom>
-            <a:noFill/>
-            <a:ln w="6350">
-              <a:solidFill>
-                <a:schemeClr val="bg1">
-                  <a:alpha val="20000"/>
-                </a:schemeClr>
-              </a:solidFill>
-            </a:ln>
-          </p:spPr>
-          <p:style>
-            <a:lnRef idx="2">
-              <a:schemeClr val="accent1">
-                <a:shade val="50000"/>
-              </a:schemeClr>
-            </a:lnRef>
-            <a:fillRef idx="1">
-              <a:schemeClr val="accent1"/>
-            </a:fillRef>
-            <a:effectRef idx="0">
-              <a:schemeClr val="accent1"/>
-            </a:effectRef>
-            <a:fontRef idx="minor">
-              <a:schemeClr val="lt1"/>
-            </a:fontRef>
-          </p:style>
-          <p:txBody>
-            <a:bodyPr rtlCol="0" anchor="ctr"/>
-            <a:lstStyle/>
-            <a:p>
-              <a:pPr algn="ctr"/>
-              <a:endParaRPr lang="en-US" dirty="0"/>
-            </a:p>
-          </p:txBody>
-        </p:sp>
-      </p:grpSp>
-      <p:grpSp>
-        <p:nvGrpSpPr>
-          <p:cNvPr id="2" name="Group 1">
-            <a:extLst>
-              <a:ext uri="{FF2B5EF4-FFF2-40B4-BE49-F238E27FC236}">
-                <a16:creationId xmlns:a16="http://schemas.microsoft.com/office/drawing/2014/main" xmlns="" id="{3C6003A3-849D-4BA1-BF85-B6F50F872808}"/>
-              </a:ext>
-              <a:ext uri="{C183D7F6-B498-43B3-948B-1728B52AA6E4}">
-                <adec:decorative xmlns:adec="http://schemas.microsoft.com/office/drawing/2017/decorative" xmlns="" val="1"/>
-              </a:ext>
-            </a:extLst>
-          </p:cNvPr>
-          <p:cNvGrpSpPr/>
-          <p:nvPr/>
-        </p:nvGrpSpPr>
-        <p:grpSpPr>
-          <a:xfrm>
-            <a:off x="1824638" y="1733550"/>
-            <a:ext cx="1192959" cy="992451"/>
-            <a:chOff x="1824638" y="1733550"/>
-            <a:chExt cx="1192959" cy="992451"/>
-          </a:xfrm>
-        </p:grpSpPr>
-        <p:sp>
-          <p:nvSpPr>
-            <p:cNvPr id="83" name="Rectangle 82">
-              <a:extLst>
-                <a:ext uri="{FF2B5EF4-FFF2-40B4-BE49-F238E27FC236}">
-                  <a16:creationId xmlns:a16="http://schemas.microsoft.com/office/drawing/2014/main" xmlns="" id="{C65C63E4-7456-4EA3-AB9B-0BC0EEF50323}"/>
-                </a:ext>
-              </a:extLst>
-            </p:cNvPr>
-            <p:cNvSpPr/>
-            <p:nvPr/>
-          </p:nvSpPr>
-          <p:spPr>
-            <a:xfrm>
-              <a:off x="1824638" y="1733550"/>
-              <a:ext cx="992451" cy="992451"/>
-            </a:xfrm>
-            <a:prstGeom prst="rect">
-              <a:avLst/>
-            </a:prstGeom>
-            <a:noFill/>
-            <a:ln w="6350">
-              <a:solidFill>
-                <a:schemeClr val="bg1">
-                  <a:alpha val="20000"/>
-                </a:schemeClr>
-              </a:solidFill>
-            </a:ln>
-          </p:spPr>
-          <p:style>
-            <a:lnRef idx="2">
-              <a:schemeClr val="accent1">
-                <a:shade val="50000"/>
-              </a:schemeClr>
-            </a:lnRef>
-            <a:fillRef idx="1">
-              <a:schemeClr val="accent1"/>
-            </a:fillRef>
-            <a:effectRef idx="0">
-              <a:schemeClr val="accent1"/>
-            </a:effectRef>
-            <a:fontRef idx="minor">
-              <a:schemeClr val="lt1"/>
-            </a:fontRef>
-          </p:style>
-          <p:txBody>
-            <a:bodyPr rtlCol="0" anchor="ctr"/>
-            <a:lstStyle/>
-            <a:p>
-              <a:pPr algn="ctr"/>
-              <a:endParaRPr lang="en-US" dirty="0"/>
-            </a:p>
-          </p:txBody>
-        </p:sp>
-        <p:sp>
-          <p:nvSpPr>
-            <p:cNvPr id="89" name="Rectangle 88">
-              <a:extLst>
-                <a:ext uri="{FF2B5EF4-FFF2-40B4-BE49-F238E27FC236}">
-                  <a16:creationId xmlns:a16="http://schemas.microsoft.com/office/drawing/2014/main" xmlns="" id="{9E3F9864-B075-4CC7-B167-7CE1FB0314D7}"/>
-                </a:ext>
-              </a:extLst>
-            </p:cNvPr>
-            <p:cNvSpPr/>
-            <p:nvPr/>
-          </p:nvSpPr>
-          <p:spPr>
-            <a:xfrm>
-              <a:off x="1925901" y="1819672"/>
-              <a:ext cx="1091696" cy="820207"/>
-            </a:xfrm>
-            <a:prstGeom prst="rect">
-              <a:avLst/>
-            </a:prstGeom>
-            <a:noFill/>
-            <a:ln w="6350">
-              <a:solidFill>
-                <a:schemeClr val="bg1">
-                  <a:alpha val="20000"/>
-                </a:schemeClr>
-              </a:solidFill>
-            </a:ln>
-          </p:spPr>
-          <p:style>
-            <a:lnRef idx="2">
-              <a:schemeClr val="accent1">
-                <a:shade val="50000"/>
-              </a:schemeClr>
-            </a:lnRef>
-            <a:fillRef idx="1">
-              <a:schemeClr val="accent1"/>
-            </a:fillRef>
-            <a:effectRef idx="0">
-              <a:schemeClr val="accent1"/>
-            </a:effectRef>
-            <a:fontRef idx="minor">
-              <a:schemeClr val="lt1"/>
-            </a:fontRef>
-          </p:style>
-          <p:txBody>
-            <a:bodyPr rtlCol="0" anchor="ctr"/>
-            <a:lstStyle/>
-            <a:p>
-              <a:pPr algn="ctr"/>
-              <a:endParaRPr lang="en-US" dirty="0"/>
-            </a:p>
-          </p:txBody>
-        </p:sp>
-      </p:grpSp>
-      <p:grpSp>
-        <p:nvGrpSpPr>
-          <p:cNvPr id="3" name="Group 2">
-            <a:extLst>
-              <a:ext uri="{FF2B5EF4-FFF2-40B4-BE49-F238E27FC236}">
-                <a16:creationId xmlns:a16="http://schemas.microsoft.com/office/drawing/2014/main" xmlns="" id="{EC26C130-0A78-4033-83C0-068066B19375}"/>
-              </a:ext>
-              <a:ext uri="{C183D7F6-B498-43B3-948B-1728B52AA6E4}">
-                <adec:decorative xmlns:adec="http://schemas.microsoft.com/office/drawing/2017/decorative" xmlns="" val="1"/>
-              </a:ext>
-            </a:extLst>
-          </p:cNvPr>
-          <p:cNvGrpSpPr/>
-          <p:nvPr/>
-        </p:nvGrpSpPr>
-        <p:grpSpPr>
-          <a:xfrm>
-            <a:off x="5482999" y="1607028"/>
-            <a:ext cx="1200866" cy="1200866"/>
-            <a:chOff x="5482999" y="1607028"/>
-            <a:chExt cx="1200866" cy="1200866"/>
-          </a:xfrm>
-        </p:grpSpPr>
-        <p:sp>
-          <p:nvSpPr>
-            <p:cNvPr id="84" name="Rectangle 83">
-              <a:extLst>
-                <a:ext uri="{FF2B5EF4-FFF2-40B4-BE49-F238E27FC236}">
-                  <a16:creationId xmlns:a16="http://schemas.microsoft.com/office/drawing/2014/main" xmlns="" id="{97FF1BC4-6B01-43E0-9719-53942A96A464}"/>
-                </a:ext>
-              </a:extLst>
-            </p:cNvPr>
-            <p:cNvSpPr/>
-            <p:nvPr/>
-          </p:nvSpPr>
-          <p:spPr>
-            <a:xfrm>
-              <a:off x="5587207" y="1711236"/>
-              <a:ext cx="992451" cy="992451"/>
-            </a:xfrm>
-            <a:prstGeom prst="rect">
-              <a:avLst/>
-            </a:prstGeom>
-            <a:noFill/>
-            <a:ln w="6350">
-              <a:solidFill>
-                <a:schemeClr val="bg1">
-                  <a:alpha val="20000"/>
-                </a:schemeClr>
-              </a:solidFill>
-            </a:ln>
-          </p:spPr>
-          <p:style>
-            <a:lnRef idx="2">
-              <a:schemeClr val="accent1">
-                <a:shade val="50000"/>
-              </a:schemeClr>
-            </a:lnRef>
-            <a:fillRef idx="1">
-              <a:schemeClr val="accent1"/>
-            </a:fillRef>
-            <a:effectRef idx="0">
-              <a:schemeClr val="accent1"/>
-            </a:effectRef>
-            <a:fontRef idx="minor">
-              <a:schemeClr val="lt1"/>
-            </a:fontRef>
-          </p:style>
-          <p:txBody>
-            <a:bodyPr rtlCol="0" anchor="ctr"/>
-            <a:lstStyle/>
-            <a:p>
-              <a:pPr algn="ctr"/>
-              <a:endParaRPr lang="en-US" dirty="0"/>
-            </a:p>
-          </p:txBody>
-        </p:sp>
-        <p:sp>
-          <p:nvSpPr>
-            <p:cNvPr id="91" name="Rectangle 90">
-              <a:extLst>
-                <a:ext uri="{FF2B5EF4-FFF2-40B4-BE49-F238E27FC236}">
-                  <a16:creationId xmlns:a16="http://schemas.microsoft.com/office/drawing/2014/main" xmlns="" id="{E9E8DB26-A207-4225-BABF-5E16AD0A8A72}"/>
-                </a:ext>
-              </a:extLst>
-            </p:cNvPr>
-            <p:cNvSpPr/>
-            <p:nvPr/>
-          </p:nvSpPr>
-          <p:spPr>
-            <a:xfrm>
-              <a:off x="5482999" y="1607028"/>
-              <a:ext cx="1200866" cy="1200866"/>
-            </a:xfrm>
-            <a:prstGeom prst="rect">
-              <a:avLst/>
-            </a:prstGeom>
-            <a:noFill/>
-            <a:ln w="6350">
-              <a:solidFill>
-                <a:schemeClr val="bg1">
-                  <a:alpha val="20000"/>
-                </a:schemeClr>
-              </a:solidFill>
-            </a:ln>
-          </p:spPr>
-          <p:style>
-            <a:lnRef idx="2">
-              <a:schemeClr val="accent1">
-                <a:shade val="50000"/>
-              </a:schemeClr>
-            </a:lnRef>
-            <a:fillRef idx="1">
-              <a:schemeClr val="accent1"/>
-            </a:fillRef>
-            <a:effectRef idx="0">
-              <a:schemeClr val="accent1"/>
-            </a:effectRef>
-            <a:fontRef idx="minor">
-              <a:schemeClr val="lt1"/>
-            </a:fontRef>
-          </p:style>
-          <p:txBody>
-            <a:bodyPr rtlCol="0" anchor="ctr"/>
-            <a:lstStyle/>
-            <a:p>
-              <a:pPr algn="ctr"/>
-              <a:endParaRPr lang="en-US" dirty="0"/>
-            </a:p>
-          </p:txBody>
-        </p:sp>
-      </p:grpSp>
-    </p:spTree>
-    <p:extLst>
-      <p:ext uri="{BB962C8B-B14F-4D97-AF65-F5344CB8AC3E}">
-        <p14:creationId xmlns:p14="http://schemas.microsoft.com/office/powerpoint/2010/main" val="1299719508"/>
-      </p:ext>
-    </p:extLst>
-  </p:cSld>
-  <p:clrMapOvr>
-    <a:masterClrMapping/>
-  </p:clrMapOvr>
-</p:sld>
-</file>
-
-<file path=ppt/slides/slide12.xml><?xml version="1.0" encoding="utf-8"?>
-<p:sld xmlns:a="http://schemas.openxmlformats.org/drawingml/2006/main" xmlns:r="http://schemas.openxmlformats.org/officeDocument/2006/relationships" xmlns:p="http://schemas.openxmlformats.org/presentationml/2006/main">
-  <p:cSld>
-    <p:spTree>
-      <p:nvGrpSpPr>
-        <p:cNvPr id="1" name=""/>
-        <p:cNvGrpSpPr/>
-        <p:nvPr/>
-      </p:nvGrpSpPr>
-      <p:grpSpPr>
-        <a:xfrm>
-          <a:off x="0" y="0"/>
-          <a:ext cx="0" cy="0"/>
-          <a:chOff x="0" y="0"/>
-          <a:chExt cx="0" cy="0"/>
-        </a:xfrm>
-      </p:grpSpPr>
-      <p:pic>
-        <p:nvPicPr>
-          <p:cNvPr id="17" name="Picture Placeholder 16" descr="Scientist looking at test tube">
-            <a:extLst>
-              <a:ext uri="{FF2B5EF4-FFF2-40B4-BE49-F238E27FC236}">
-                <a16:creationId xmlns:a16="http://schemas.microsoft.com/office/drawing/2014/main" xmlns="" id="{F923CFB6-5709-405C-8762-B310D3F21953}"/>
-              </a:ext>
-            </a:extLst>
-          </p:cNvPr>
-          <p:cNvPicPr>
-            <a:picLocks noGrp="1" noChangeAspect="1"/>
-          </p:cNvPicPr>
-          <p:nvPr>
-            <p:ph type="pic" sz="quarter" idx="12"/>
-          </p:nvPr>
-        </p:nvPicPr>
-        <p:blipFill>
-          <a:blip r:embed="rId2" cstate="screen">
-            <a:extLst>
-              <a:ext uri="{28A0092B-C50C-407E-A947-70E740481C1C}">
-                <a14:useLocalDpi xmlns:a14="http://schemas.microsoft.com/office/drawing/2010/main"/>
-              </a:ext>
-            </a:extLst>
-          </a:blip>
-          <a:srcRect/>
-          <a:stretch>
-            <a:fillRect/>
-          </a:stretch>
-        </p:blipFill>
-        <p:spPr/>
-      </p:pic>
-      <p:sp>
-        <p:nvSpPr>
-          <p:cNvPr id="5" name="Text Placeholder 4">
-            <a:extLst>
-              <a:ext uri="{FF2B5EF4-FFF2-40B4-BE49-F238E27FC236}">
-                <a16:creationId xmlns:a16="http://schemas.microsoft.com/office/drawing/2014/main" xmlns="" id="{045FEE4F-333C-40EF-B46D-8D25C79C05D2}"/>
-              </a:ext>
-            </a:extLst>
-          </p:cNvPr>
-          <p:cNvSpPr>
-            <a:spLocks noGrp="1"/>
-          </p:cNvSpPr>
-          <p:nvPr>
-            <p:ph type="body" sz="quarter" idx="14"/>
-          </p:nvPr>
-        </p:nvSpPr>
-        <p:spPr/>
-        <p:txBody>
-          <a:bodyPr/>
-          <a:lstStyle/>
-          <a:p>
-            <a:r>
-              <a:rPr lang="en-US" dirty="0"/>
-              <a:t>nilsson@example.com</a:t>
-            </a:r>
-          </a:p>
-        </p:txBody>
-      </p:sp>
-      <p:sp>
-        <p:nvSpPr>
-          <p:cNvPr id="6" name="Text Placeholder 5">
-            <a:extLst>
-              <a:ext uri="{FF2B5EF4-FFF2-40B4-BE49-F238E27FC236}">
-                <a16:creationId xmlns:a16="http://schemas.microsoft.com/office/drawing/2014/main" xmlns="" id="{05F44DEB-FABF-4ADE-B7EB-29DFAFA3DFF6}"/>
-              </a:ext>
-            </a:extLst>
-          </p:cNvPr>
-          <p:cNvSpPr>
-            <a:spLocks noGrp="1"/>
-          </p:cNvSpPr>
-          <p:nvPr>
-            <p:ph type="body" sz="quarter" idx="15"/>
-          </p:nvPr>
-        </p:nvSpPr>
-        <p:spPr/>
-        <p:txBody>
-          <a:bodyPr/>
-          <a:lstStyle/>
-          <a:p>
-            <a:r>
-              <a:rPr lang="en-US" dirty="0"/>
-              <a:t>678-555-0100</a:t>
-            </a:r>
-          </a:p>
-        </p:txBody>
-      </p:sp>
-      <p:sp>
-        <p:nvSpPr>
-          <p:cNvPr id="18" name="Rectangle 17">
-            <a:extLst>
-              <a:ext uri="{FF2B5EF4-FFF2-40B4-BE49-F238E27FC236}">
-                <a16:creationId xmlns:a16="http://schemas.microsoft.com/office/drawing/2014/main" xmlns="" id="{AAF39051-1049-4508-8373-6A289966AA59}"/>
-              </a:ext>
-              <a:ext uri="{C183D7F6-B498-43B3-948B-1728B52AA6E4}">
-                <adec:decorative xmlns:adec="http://schemas.microsoft.com/office/drawing/2017/decorative" xmlns="" val="1"/>
-              </a:ext>
-            </a:extLst>
-          </p:cNvPr>
-          <p:cNvSpPr/>
-          <p:nvPr/>
-        </p:nvSpPr>
-        <p:spPr>
-          <a:xfrm>
-            <a:off x="781399" y="2238573"/>
-            <a:ext cx="10629202" cy="1190427"/>
-          </a:xfrm>
-          <a:prstGeom prst="rect">
-            <a:avLst/>
-          </a:prstGeom>
-          <a:noFill/>
-          <a:ln w="6350">
-            <a:solidFill>
-              <a:schemeClr val="bg1">
-                <a:alpha val="20000"/>
-              </a:schemeClr>
-            </a:solidFill>
-          </a:ln>
-        </p:spPr>
-        <p:style>
-          <a:lnRef idx="2">
-            <a:schemeClr val="accent1">
-              <a:shade val="50000"/>
-            </a:schemeClr>
-          </a:lnRef>
-          <a:fillRef idx="1">
-            <a:schemeClr val="accent1"/>
-          </a:fillRef>
-          <a:effectRef idx="0">
-            <a:schemeClr val="accent1"/>
-          </a:effectRef>
-          <a:fontRef idx="minor">
-            <a:schemeClr val="lt1"/>
-          </a:fontRef>
-        </p:style>
-        <p:txBody>
-          <a:bodyPr rtlCol="0" anchor="ctr"/>
-          <a:lstStyle/>
-          <a:p>
-            <a:pPr algn="ctr"/>
-            <a:endParaRPr lang="en-US" dirty="0"/>
-          </a:p>
-        </p:txBody>
-      </p:sp>
-      <p:sp>
-        <p:nvSpPr>
-          <p:cNvPr id="19" name="object 7" descr="Beige rectangle">
-            <a:extLst>
-              <a:ext uri="{FF2B5EF4-FFF2-40B4-BE49-F238E27FC236}">
-                <a16:creationId xmlns:a16="http://schemas.microsoft.com/office/drawing/2014/main" xmlns="" id="{2D7851E8-1907-4C8A-A16F-E461B5BFA940}"/>
-              </a:ext>
-            </a:extLst>
-          </p:cNvPr>
-          <p:cNvSpPr/>
-          <p:nvPr/>
-        </p:nvSpPr>
-        <p:spPr bwMode="white">
-          <a:xfrm flipV="1">
-            <a:off x="1204699" y="3791668"/>
-            <a:ext cx="3470764" cy="45719"/>
-          </a:xfrm>
-          <a:custGeom>
-            <a:avLst/>
-            <a:gdLst/>
-            <a:ahLst/>
-            <a:cxnLst/>
-            <a:rect l="l" t="t" r="r" b="b"/>
-            <a:pathLst>
-              <a:path w="3935729">
-                <a:moveTo>
-                  <a:pt x="0" y="0"/>
-                </a:moveTo>
-                <a:lnTo>
-                  <a:pt x="3935349" y="0"/>
-                </a:lnTo>
-              </a:path>
-            </a:pathLst>
-          </a:custGeom>
-          <a:ln w="54863">
-            <a:solidFill>
-              <a:schemeClr val="accent1"/>
-            </a:solidFill>
-          </a:ln>
-        </p:spPr>
-        <p:txBody>
-          <a:bodyPr wrap="square" lIns="0" tIns="0" rIns="0" bIns="0" rtlCol="0"/>
-          <a:lstStyle/>
-          <a:p>
-            <a:endParaRPr dirty="0"/>
-          </a:p>
-        </p:txBody>
-      </p:sp>
-      <p:grpSp>
-        <p:nvGrpSpPr>
-          <p:cNvPr id="46" name="Group 45" descr="Icon Phone">
-            <a:extLst>
-              <a:ext uri="{FF2B5EF4-FFF2-40B4-BE49-F238E27FC236}">
-                <a16:creationId xmlns:a16="http://schemas.microsoft.com/office/drawing/2014/main" xmlns="" id="{4BB2D73A-DB1F-47D9-9BDA-D6F01A0EDC06}"/>
-              </a:ext>
-            </a:extLst>
-          </p:cNvPr>
-          <p:cNvGrpSpPr/>
-          <p:nvPr/>
-        </p:nvGrpSpPr>
-        <p:grpSpPr>
-          <a:xfrm>
-            <a:off x="1365937" y="5637315"/>
-            <a:ext cx="297521" cy="297521"/>
-            <a:chOff x="1334697" y="5606075"/>
-            <a:chExt cx="360000" cy="360000"/>
-          </a:xfrm>
-        </p:grpSpPr>
-        <p:sp>
-          <p:nvSpPr>
-            <p:cNvPr id="47" name="Freeform: Shape 46">
-              <a:extLst>
-                <a:ext uri="{FF2B5EF4-FFF2-40B4-BE49-F238E27FC236}">
-                  <a16:creationId xmlns:a16="http://schemas.microsoft.com/office/drawing/2014/main" xmlns="" id="{3C40AF29-F294-4B60-B5B4-56011134948E}"/>
-                </a:ext>
-              </a:extLst>
-            </p:cNvPr>
-            <p:cNvSpPr/>
-            <p:nvPr/>
-          </p:nvSpPr>
-          <p:spPr>
-            <a:xfrm>
-              <a:off x="1423220" y="5624464"/>
-              <a:ext cx="257175" cy="257175"/>
-            </a:xfrm>
-            <a:custGeom>
-              <a:avLst/>
-              <a:gdLst>
-                <a:gd name="connsiteX0" fmla="*/ 0 w 257175"/>
-                <a:gd name="connsiteY0" fmla="*/ 163664 h 257175"/>
-                <a:gd name="connsiteX1" fmla="*/ 163664 w 257175"/>
-                <a:gd name="connsiteY1" fmla="*/ 0 h 257175"/>
-                <a:gd name="connsiteX2" fmla="*/ 261323 w 257175"/>
-                <a:gd name="connsiteY2" fmla="*/ 97659 h 257175"/>
-                <a:gd name="connsiteX3" fmla="*/ 97659 w 257175"/>
-                <a:gd name="connsiteY3" fmla="*/ 261323 h 257175"/>
-              </a:gdLst>
-              <a:ahLst/>
-              <a:cxnLst>
-                <a:cxn ang="0">
-                  <a:pos x="connsiteX0" y="connsiteY0"/>
-                </a:cxn>
-                <a:cxn ang="0">
-                  <a:pos x="connsiteX1" y="connsiteY1"/>
-                </a:cxn>
-                <a:cxn ang="0">
-                  <a:pos x="connsiteX2" y="connsiteY2"/>
-                </a:cxn>
-                <a:cxn ang="0">
-                  <a:pos x="connsiteX3" y="connsiteY3"/>
-                </a:cxn>
-              </a:cxnLst>
-              <a:rect l="l" t="t" r="r" b="b"/>
-              <a:pathLst>
-                <a:path w="257175" h="257175">
-                  <a:moveTo>
-                    <a:pt x="0" y="163664"/>
-                  </a:moveTo>
-                  <a:lnTo>
-                    <a:pt x="163664" y="0"/>
-                  </a:lnTo>
-                  <a:lnTo>
-                    <a:pt x="261323" y="97659"/>
-                  </a:lnTo>
-                  <a:lnTo>
-                    <a:pt x="97659" y="261323"/>
-                  </a:lnTo>
-                  <a:close/>
-                </a:path>
-              </a:pathLst>
-            </a:custGeom>
-            <a:noFill/>
-            <a:ln w="23813" cap="flat">
-              <a:solidFill>
-                <a:schemeClr val="accent1"/>
-              </a:solidFill>
-              <a:prstDash val="solid"/>
-              <a:round/>
-            </a:ln>
-          </p:spPr>
-          <p:txBody>
-            <a:bodyPr rtlCol="0" anchor="ctr"/>
-            <a:lstStyle/>
-            <a:p>
-              <a:endParaRPr lang="en-US" dirty="0"/>
-            </a:p>
-          </p:txBody>
-        </p:sp>
-        <p:sp>
-          <p:nvSpPr>
-            <p:cNvPr id="48" name="Freeform: Shape 47">
-              <a:extLst>
-                <a:ext uri="{FF2B5EF4-FFF2-40B4-BE49-F238E27FC236}">
-                  <a16:creationId xmlns:a16="http://schemas.microsoft.com/office/drawing/2014/main" xmlns="" id="{82F5782C-5E0E-47EA-861C-88990A8D95DF}"/>
-                </a:ext>
-              </a:extLst>
-            </p:cNvPr>
-            <p:cNvSpPr/>
-            <p:nvPr/>
-          </p:nvSpPr>
-          <p:spPr>
-            <a:xfrm>
-              <a:off x="1491815" y="5800385"/>
-              <a:ext cx="9525" cy="9525"/>
-            </a:xfrm>
-            <a:custGeom>
-              <a:avLst/>
-              <a:gdLst>
-                <a:gd name="connsiteX0" fmla="*/ 0 w 9525"/>
-                <a:gd name="connsiteY0" fmla="*/ 0 h 9525"/>
-                <a:gd name="connsiteX1" fmla="*/ 17145 w 9525"/>
-                <a:gd name="connsiteY1" fmla="*/ 18098 h 9525"/>
-              </a:gdLst>
-              <a:ahLst/>
-              <a:cxnLst>
-                <a:cxn ang="0">
-                  <a:pos x="connsiteX0" y="connsiteY0"/>
-                </a:cxn>
-                <a:cxn ang="0">
-                  <a:pos x="connsiteX1" y="connsiteY1"/>
-                </a:cxn>
-              </a:cxnLst>
-              <a:rect l="l" t="t" r="r" b="b"/>
-              <a:pathLst>
-                <a:path w="9525" h="9525">
-                  <a:moveTo>
-                    <a:pt x="0" y="0"/>
-                  </a:moveTo>
-                  <a:lnTo>
-                    <a:pt x="17145" y="18098"/>
-                  </a:lnTo>
-                </a:path>
-              </a:pathLst>
-            </a:custGeom>
-            <a:ln w="23813" cap="flat">
-              <a:solidFill>
-                <a:schemeClr val="accent1"/>
-              </a:solidFill>
-              <a:prstDash val="solid"/>
-              <a:round/>
-            </a:ln>
-          </p:spPr>
-          <p:txBody>
-            <a:bodyPr rtlCol="0" anchor="ctr"/>
-            <a:lstStyle/>
-            <a:p>
-              <a:endParaRPr lang="en-US" dirty="0"/>
-            </a:p>
-          </p:txBody>
-        </p:sp>
-        <p:sp>
-          <p:nvSpPr>
-            <p:cNvPr id="49" name="Freeform: Shape 48">
-              <a:extLst>
-                <a:ext uri="{FF2B5EF4-FFF2-40B4-BE49-F238E27FC236}">
-                  <a16:creationId xmlns:a16="http://schemas.microsoft.com/office/drawing/2014/main" xmlns="" id="{0ACDDF69-03CD-491C-A9E4-08E5726C5BD3}"/>
-                </a:ext>
-              </a:extLst>
-            </p:cNvPr>
-            <p:cNvSpPr/>
-            <p:nvPr/>
-          </p:nvSpPr>
-          <p:spPr>
-            <a:xfrm>
-              <a:off x="1334697" y="5606075"/>
-              <a:ext cx="360000" cy="360000"/>
-            </a:xfrm>
-            <a:custGeom>
-              <a:avLst/>
-              <a:gdLst>
-                <a:gd name="connsiteX0" fmla="*/ 0 w 360000"/>
-                <a:gd name="connsiteY0" fmla="*/ 0 h 360000"/>
-                <a:gd name="connsiteX1" fmla="*/ 185104 w 360000"/>
-                <a:gd name="connsiteY1" fmla="*/ 0 h 360000"/>
-                <a:gd name="connsiteX2" fmla="*/ 185104 w 360000"/>
-                <a:gd name="connsiteY2" fmla="*/ 172694 h 360000"/>
-                <a:gd name="connsiteX3" fmla="*/ 360000 w 360000"/>
-                <a:gd name="connsiteY3" fmla="*/ 172694 h 360000"/>
-                <a:gd name="connsiteX4" fmla="*/ 360000 w 360000"/>
-                <a:gd name="connsiteY4" fmla="*/ 360000 h 360000"/>
-                <a:gd name="connsiteX5" fmla="*/ 0 w 360000"/>
-                <a:gd name="connsiteY5" fmla="*/ 360000 h 360000"/>
-                <a:gd name="connsiteX0" fmla="*/ 185104 w 360000"/>
-                <a:gd name="connsiteY0" fmla="*/ 172694 h 360000"/>
-                <a:gd name="connsiteX1" fmla="*/ 360000 w 360000"/>
-                <a:gd name="connsiteY1" fmla="*/ 172694 h 360000"/>
-                <a:gd name="connsiteX2" fmla="*/ 360000 w 360000"/>
-                <a:gd name="connsiteY2" fmla="*/ 360000 h 360000"/>
-                <a:gd name="connsiteX3" fmla="*/ 0 w 360000"/>
-                <a:gd name="connsiteY3" fmla="*/ 360000 h 360000"/>
-                <a:gd name="connsiteX4" fmla="*/ 0 w 360000"/>
-                <a:gd name="connsiteY4" fmla="*/ 0 h 360000"/>
-                <a:gd name="connsiteX5" fmla="*/ 185104 w 360000"/>
-                <a:gd name="connsiteY5" fmla="*/ 0 h 360000"/>
-                <a:gd name="connsiteX6" fmla="*/ 276544 w 360000"/>
-                <a:gd name="connsiteY6" fmla="*/ 264134 h 360000"/>
-                <a:gd name="connsiteX0" fmla="*/ 185104 w 360000"/>
-                <a:gd name="connsiteY0" fmla="*/ 172694 h 360000"/>
-                <a:gd name="connsiteX1" fmla="*/ 360000 w 360000"/>
-                <a:gd name="connsiteY1" fmla="*/ 172694 h 360000"/>
-                <a:gd name="connsiteX2" fmla="*/ 360000 w 360000"/>
-                <a:gd name="connsiteY2" fmla="*/ 360000 h 360000"/>
-                <a:gd name="connsiteX3" fmla="*/ 0 w 360000"/>
-                <a:gd name="connsiteY3" fmla="*/ 360000 h 360000"/>
-                <a:gd name="connsiteX4" fmla="*/ 0 w 360000"/>
-                <a:gd name="connsiteY4" fmla="*/ 0 h 360000"/>
-                <a:gd name="connsiteX5" fmla="*/ 185104 w 360000"/>
-                <a:gd name="connsiteY5" fmla="*/ 0 h 360000"/>
-                <a:gd name="connsiteX0" fmla="*/ 360000 w 360000"/>
-                <a:gd name="connsiteY0" fmla="*/ 172694 h 360000"/>
-                <a:gd name="connsiteX1" fmla="*/ 360000 w 360000"/>
-                <a:gd name="connsiteY1" fmla="*/ 360000 h 360000"/>
-                <a:gd name="connsiteX2" fmla="*/ 0 w 360000"/>
-                <a:gd name="connsiteY2" fmla="*/ 360000 h 360000"/>
-                <a:gd name="connsiteX3" fmla="*/ 0 w 360000"/>
-                <a:gd name="connsiteY3" fmla="*/ 0 h 360000"/>
-                <a:gd name="connsiteX4" fmla="*/ 185104 w 360000"/>
-                <a:gd name="connsiteY4" fmla="*/ 0 h 360000"/>
-              </a:gdLst>
-              <a:ahLst/>
-              <a:cxnLst>
-                <a:cxn ang="0">
-                  <a:pos x="connsiteX0" y="connsiteY0"/>
-                </a:cxn>
-                <a:cxn ang="0">
-                  <a:pos x="connsiteX1" y="connsiteY1"/>
-                </a:cxn>
-                <a:cxn ang="0">
-                  <a:pos x="connsiteX2" y="connsiteY2"/>
-                </a:cxn>
-                <a:cxn ang="0">
-                  <a:pos x="connsiteX3" y="connsiteY3"/>
-                </a:cxn>
-                <a:cxn ang="0">
-                  <a:pos x="connsiteX4" y="connsiteY4"/>
-                </a:cxn>
-              </a:cxnLst>
-              <a:rect l="l" t="t" r="r" b="b"/>
-              <a:pathLst>
-                <a:path w="360000" h="360000">
-                  <a:moveTo>
-                    <a:pt x="360000" y="172694"/>
-                  </a:moveTo>
-                  <a:lnTo>
-                    <a:pt x="360000" y="360000"/>
-                  </a:lnTo>
-                  <a:lnTo>
-                    <a:pt x="0" y="360000"/>
-                  </a:lnTo>
-                  <a:lnTo>
-                    <a:pt x="0" y="0"/>
-                  </a:lnTo>
-                  <a:lnTo>
-                    <a:pt x="185104" y="0"/>
-                  </a:lnTo>
-                </a:path>
-              </a:pathLst>
-            </a:custGeom>
-            <a:noFill/>
-            <a:ln w="9525" cap="flat">
-              <a:solidFill>
-                <a:schemeClr val="bg1">
-                  <a:lumMod val="75000"/>
-                </a:schemeClr>
-              </a:solidFill>
-              <a:prstDash val="solid"/>
-              <a:miter/>
-            </a:ln>
-          </p:spPr>
-          <p:txBody>
-            <a:bodyPr rtlCol="0" anchor="ctr"/>
-            <a:lstStyle/>
-            <a:p>
-              <a:endParaRPr lang="en-US" dirty="0"/>
-            </a:p>
-          </p:txBody>
-        </p:sp>
-      </p:grpSp>
-      <p:grpSp>
-        <p:nvGrpSpPr>
-          <p:cNvPr id="50" name="Group 49" descr="Icon Email">
-            <a:extLst>
-              <a:ext uri="{FF2B5EF4-FFF2-40B4-BE49-F238E27FC236}">
-                <a16:creationId xmlns:a16="http://schemas.microsoft.com/office/drawing/2014/main" xmlns="" id="{F7F47E31-EB9A-4529-BE0F-A1213B79FE07}"/>
-              </a:ext>
-            </a:extLst>
-          </p:cNvPr>
-          <p:cNvGrpSpPr/>
-          <p:nvPr/>
-        </p:nvGrpSpPr>
-        <p:grpSpPr>
-          <a:xfrm>
-            <a:off x="1365937" y="5133777"/>
-            <a:ext cx="297521" cy="297521"/>
-            <a:chOff x="1334697" y="5102537"/>
-            <a:chExt cx="360000" cy="360000"/>
-          </a:xfrm>
-        </p:grpSpPr>
-        <p:grpSp>
-          <p:nvGrpSpPr>
-            <p:cNvPr id="51" name="Group 50">
-              <a:extLst>
-                <a:ext uri="{FF2B5EF4-FFF2-40B4-BE49-F238E27FC236}">
-                  <a16:creationId xmlns:a16="http://schemas.microsoft.com/office/drawing/2014/main" xmlns="" id="{299C0ACA-AA85-4505-A8DF-0275634D7832}"/>
-                </a:ext>
-              </a:extLst>
-            </p:cNvPr>
-            <p:cNvGrpSpPr/>
-            <p:nvPr/>
-          </p:nvGrpSpPr>
-          <p:grpSpPr>
-            <a:xfrm>
-              <a:off x="1413695" y="5129259"/>
-              <a:ext cx="257175" cy="257175"/>
-              <a:chOff x="1423220" y="5138784"/>
-              <a:chExt cx="257175" cy="257175"/>
-            </a:xfrm>
-          </p:grpSpPr>
-          <p:sp>
-            <p:nvSpPr>
-              <p:cNvPr id="53" name="Freeform: Shape 52">
-                <a:extLst>
-                  <a:ext uri="{FF2B5EF4-FFF2-40B4-BE49-F238E27FC236}">
-                    <a16:creationId xmlns:a16="http://schemas.microsoft.com/office/drawing/2014/main" xmlns="" id="{85AA236B-9A92-4808-B7BB-0AEF3FD2754B}"/>
-                  </a:ext>
-                </a:extLst>
-              </p:cNvPr>
-              <p:cNvSpPr/>
-              <p:nvPr/>
-            </p:nvSpPr>
-            <p:spPr>
-              <a:xfrm>
-                <a:off x="1423220" y="5138784"/>
-                <a:ext cx="257175" cy="257175"/>
-              </a:xfrm>
-              <a:custGeom>
-                <a:avLst/>
-                <a:gdLst>
-                  <a:gd name="connsiteX0" fmla="*/ 0 w 257175"/>
-                  <a:gd name="connsiteY0" fmla="*/ 163664 h 257175"/>
-                  <a:gd name="connsiteX1" fmla="*/ 163664 w 257175"/>
-                  <a:gd name="connsiteY1" fmla="*/ 0 h 257175"/>
-                  <a:gd name="connsiteX2" fmla="*/ 261323 w 257175"/>
-                  <a:gd name="connsiteY2" fmla="*/ 97659 h 257175"/>
-                  <a:gd name="connsiteX3" fmla="*/ 97659 w 257175"/>
-                  <a:gd name="connsiteY3" fmla="*/ 261323 h 257175"/>
-                </a:gdLst>
-                <a:ahLst/>
-                <a:cxnLst>
-                  <a:cxn ang="0">
-                    <a:pos x="connsiteX0" y="connsiteY0"/>
-                  </a:cxn>
-                  <a:cxn ang="0">
-                    <a:pos x="connsiteX1" y="connsiteY1"/>
-                  </a:cxn>
-                  <a:cxn ang="0">
-                    <a:pos x="connsiteX2" y="connsiteY2"/>
-                  </a:cxn>
-                  <a:cxn ang="0">
-                    <a:pos x="connsiteX3" y="connsiteY3"/>
-                  </a:cxn>
-                </a:cxnLst>
-                <a:rect l="l" t="t" r="r" b="b"/>
-                <a:pathLst>
-                  <a:path w="257175" h="257175">
-                    <a:moveTo>
-                      <a:pt x="0" y="163664"/>
-                    </a:moveTo>
-                    <a:lnTo>
-                      <a:pt x="163664" y="0"/>
-                    </a:lnTo>
-                    <a:lnTo>
-                      <a:pt x="261323" y="97659"/>
-                    </a:lnTo>
-                    <a:lnTo>
-                      <a:pt x="97659" y="261323"/>
-                    </a:lnTo>
-                    <a:close/>
-                  </a:path>
-                </a:pathLst>
-              </a:custGeom>
-              <a:noFill/>
-              <a:ln w="23813" cap="flat">
-                <a:solidFill>
-                  <a:schemeClr val="accent1"/>
-                </a:solidFill>
-                <a:prstDash val="solid"/>
-                <a:round/>
-              </a:ln>
-            </p:spPr>
-            <p:txBody>
-              <a:bodyPr rtlCol="0" anchor="ctr"/>
-              <a:lstStyle/>
-              <a:p>
-                <a:endParaRPr lang="en-US" dirty="0"/>
-              </a:p>
-            </p:txBody>
-          </p:sp>
-          <p:sp>
-            <p:nvSpPr>
-              <p:cNvPr id="54" name="Freeform: Shape 53">
-                <a:extLst>
-                  <a:ext uri="{FF2B5EF4-FFF2-40B4-BE49-F238E27FC236}">
-                    <a16:creationId xmlns:a16="http://schemas.microsoft.com/office/drawing/2014/main" xmlns="" id="{94E72230-A0A3-4A80-AD64-FE14B4AA1A95}"/>
-                  </a:ext>
-                </a:extLst>
-              </p:cNvPr>
-              <p:cNvSpPr/>
-              <p:nvPr/>
-            </p:nvSpPr>
-            <p:spPr>
-              <a:xfrm>
-                <a:off x="1427045" y="5144212"/>
-                <a:ext cx="161925" cy="161925"/>
-              </a:xfrm>
-              <a:custGeom>
-                <a:avLst/>
-                <a:gdLst>
-                  <a:gd name="connsiteX0" fmla="*/ 0 w 161925"/>
-                  <a:gd name="connsiteY0" fmla="*/ 162878 h 161925"/>
-                  <a:gd name="connsiteX1" fmla="*/ 141923 w 161925"/>
-                  <a:gd name="connsiteY1" fmla="*/ 135255 h 161925"/>
-                  <a:gd name="connsiteX2" fmla="*/ 162878 w 161925"/>
-                  <a:gd name="connsiteY2" fmla="*/ 0 h 161925"/>
-                </a:gdLst>
-                <a:ahLst/>
-                <a:cxnLst>
-                  <a:cxn ang="0">
-                    <a:pos x="connsiteX0" y="connsiteY0"/>
-                  </a:cxn>
-                  <a:cxn ang="0">
-                    <a:pos x="connsiteX1" y="connsiteY1"/>
-                  </a:cxn>
-                  <a:cxn ang="0">
-                    <a:pos x="connsiteX2" y="connsiteY2"/>
-                  </a:cxn>
-                </a:cxnLst>
-                <a:rect l="l" t="t" r="r" b="b"/>
-                <a:pathLst>
-                  <a:path w="161925" h="161925">
-                    <a:moveTo>
-                      <a:pt x="0" y="162878"/>
-                    </a:moveTo>
-                    <a:lnTo>
-                      <a:pt x="141923" y="135255"/>
-                    </a:lnTo>
-                    <a:lnTo>
-                      <a:pt x="162878" y="0"/>
-                    </a:lnTo>
-                  </a:path>
-                </a:pathLst>
-              </a:custGeom>
-              <a:noFill/>
-              <a:ln w="23813" cap="flat">
-                <a:solidFill>
-                  <a:schemeClr val="accent1"/>
-                </a:solidFill>
-                <a:prstDash val="solid"/>
-                <a:round/>
-              </a:ln>
-            </p:spPr>
-            <p:txBody>
-              <a:bodyPr rtlCol="0" anchor="ctr"/>
-              <a:lstStyle/>
-              <a:p>
-                <a:endParaRPr lang="en-US" dirty="0"/>
-              </a:p>
-            </p:txBody>
-          </p:sp>
-        </p:grpSp>
-        <p:sp>
-          <p:nvSpPr>
-            <p:cNvPr id="52" name="Freeform: Shape 51">
-              <a:extLst>
-                <a:ext uri="{FF2B5EF4-FFF2-40B4-BE49-F238E27FC236}">
-                  <a16:creationId xmlns:a16="http://schemas.microsoft.com/office/drawing/2014/main" xmlns="" id="{D01D119F-74E1-4482-B664-AAD0BB5B651F}"/>
-                </a:ext>
-              </a:extLst>
-            </p:cNvPr>
-            <p:cNvSpPr/>
-            <p:nvPr/>
-          </p:nvSpPr>
-          <p:spPr>
-            <a:xfrm>
-              <a:off x="1334697" y="5102537"/>
-              <a:ext cx="360000" cy="360000"/>
-            </a:xfrm>
-            <a:custGeom>
-              <a:avLst/>
-              <a:gdLst>
-                <a:gd name="connsiteX0" fmla="*/ 0 w 360000"/>
-                <a:gd name="connsiteY0" fmla="*/ 0 h 360000"/>
-                <a:gd name="connsiteX1" fmla="*/ 185104 w 360000"/>
-                <a:gd name="connsiteY1" fmla="*/ 0 h 360000"/>
-                <a:gd name="connsiteX2" fmla="*/ 185104 w 360000"/>
-                <a:gd name="connsiteY2" fmla="*/ 172694 h 360000"/>
-                <a:gd name="connsiteX3" fmla="*/ 360000 w 360000"/>
-                <a:gd name="connsiteY3" fmla="*/ 172694 h 360000"/>
-                <a:gd name="connsiteX4" fmla="*/ 360000 w 360000"/>
-                <a:gd name="connsiteY4" fmla="*/ 360000 h 360000"/>
-                <a:gd name="connsiteX5" fmla="*/ 0 w 360000"/>
-                <a:gd name="connsiteY5" fmla="*/ 360000 h 360000"/>
-                <a:gd name="connsiteX0" fmla="*/ 185104 w 360000"/>
-                <a:gd name="connsiteY0" fmla="*/ 172694 h 360000"/>
-                <a:gd name="connsiteX1" fmla="*/ 360000 w 360000"/>
-                <a:gd name="connsiteY1" fmla="*/ 172694 h 360000"/>
-                <a:gd name="connsiteX2" fmla="*/ 360000 w 360000"/>
-                <a:gd name="connsiteY2" fmla="*/ 360000 h 360000"/>
-                <a:gd name="connsiteX3" fmla="*/ 0 w 360000"/>
-                <a:gd name="connsiteY3" fmla="*/ 360000 h 360000"/>
-                <a:gd name="connsiteX4" fmla="*/ 0 w 360000"/>
-                <a:gd name="connsiteY4" fmla="*/ 0 h 360000"/>
-                <a:gd name="connsiteX5" fmla="*/ 185104 w 360000"/>
-                <a:gd name="connsiteY5" fmla="*/ 0 h 360000"/>
-                <a:gd name="connsiteX6" fmla="*/ 276544 w 360000"/>
-                <a:gd name="connsiteY6" fmla="*/ 264134 h 360000"/>
-                <a:gd name="connsiteX0" fmla="*/ 185104 w 360000"/>
-                <a:gd name="connsiteY0" fmla="*/ 172694 h 360000"/>
-                <a:gd name="connsiteX1" fmla="*/ 360000 w 360000"/>
-                <a:gd name="connsiteY1" fmla="*/ 172694 h 360000"/>
-                <a:gd name="connsiteX2" fmla="*/ 360000 w 360000"/>
-                <a:gd name="connsiteY2" fmla="*/ 360000 h 360000"/>
-                <a:gd name="connsiteX3" fmla="*/ 0 w 360000"/>
-                <a:gd name="connsiteY3" fmla="*/ 360000 h 360000"/>
-                <a:gd name="connsiteX4" fmla="*/ 0 w 360000"/>
-                <a:gd name="connsiteY4" fmla="*/ 0 h 360000"/>
-                <a:gd name="connsiteX5" fmla="*/ 185104 w 360000"/>
-                <a:gd name="connsiteY5" fmla="*/ 0 h 360000"/>
-                <a:gd name="connsiteX0" fmla="*/ 360000 w 360000"/>
-                <a:gd name="connsiteY0" fmla="*/ 172694 h 360000"/>
-                <a:gd name="connsiteX1" fmla="*/ 360000 w 360000"/>
-                <a:gd name="connsiteY1" fmla="*/ 360000 h 360000"/>
-                <a:gd name="connsiteX2" fmla="*/ 0 w 360000"/>
-                <a:gd name="connsiteY2" fmla="*/ 360000 h 360000"/>
-                <a:gd name="connsiteX3" fmla="*/ 0 w 360000"/>
-                <a:gd name="connsiteY3" fmla="*/ 0 h 360000"/>
-                <a:gd name="connsiteX4" fmla="*/ 185104 w 360000"/>
-                <a:gd name="connsiteY4" fmla="*/ 0 h 360000"/>
-              </a:gdLst>
-              <a:ahLst/>
-              <a:cxnLst>
-                <a:cxn ang="0">
-                  <a:pos x="connsiteX0" y="connsiteY0"/>
-                </a:cxn>
-                <a:cxn ang="0">
-                  <a:pos x="connsiteX1" y="connsiteY1"/>
-                </a:cxn>
-                <a:cxn ang="0">
-                  <a:pos x="connsiteX2" y="connsiteY2"/>
-                </a:cxn>
-                <a:cxn ang="0">
-                  <a:pos x="connsiteX3" y="connsiteY3"/>
-                </a:cxn>
-                <a:cxn ang="0">
-                  <a:pos x="connsiteX4" y="connsiteY4"/>
-                </a:cxn>
-              </a:cxnLst>
-              <a:rect l="l" t="t" r="r" b="b"/>
-              <a:pathLst>
-                <a:path w="360000" h="360000">
-                  <a:moveTo>
-                    <a:pt x="360000" y="172694"/>
-                  </a:moveTo>
-                  <a:lnTo>
-                    <a:pt x="360000" y="360000"/>
-                  </a:lnTo>
-                  <a:lnTo>
-                    <a:pt x="0" y="360000"/>
-                  </a:lnTo>
-                  <a:lnTo>
-                    <a:pt x="0" y="0"/>
-                  </a:lnTo>
-                  <a:lnTo>
-                    <a:pt x="185104" y="0"/>
-                  </a:lnTo>
-                </a:path>
-              </a:pathLst>
-            </a:custGeom>
-            <a:noFill/>
-            <a:ln w="9525" cap="flat">
-              <a:solidFill>
-                <a:schemeClr val="bg1">
-                  <a:lumMod val="75000"/>
-                </a:schemeClr>
-              </a:solidFill>
-              <a:prstDash val="solid"/>
-              <a:miter/>
-            </a:ln>
-          </p:spPr>
-          <p:txBody>
-            <a:bodyPr rtlCol="0" anchor="ctr"/>
-            <a:lstStyle/>
-            <a:p>
-              <a:endParaRPr lang="en-US" dirty="0"/>
-            </a:p>
-          </p:txBody>
-        </p:sp>
-      </p:grpSp>
-      <p:sp>
-        <p:nvSpPr>
-          <p:cNvPr id="8" name="Text Placeholder 7"/>
-          <p:cNvSpPr>
-            <a:spLocks noGrp="1"/>
-          </p:cNvSpPr>
-          <p:nvPr>
-            <p:ph type="body" sz="quarter" idx="16"/>
-          </p:nvPr>
-        </p:nvSpPr>
-        <p:spPr/>
-        <p:txBody>
-          <a:bodyPr/>
-          <a:lstStyle/>
-          <a:p>
-            <a:endParaRPr lang="en-US" dirty="0"/>
-          </a:p>
-        </p:txBody>
-      </p:sp>
-      <p:sp>
-        <p:nvSpPr>
-          <p:cNvPr id="9" name="Title 8"/>
-          <p:cNvSpPr>
-            <a:spLocks noGrp="1"/>
-          </p:cNvSpPr>
-          <p:nvPr>
-            <p:ph type="ctrTitle"/>
-          </p:nvPr>
-        </p:nvSpPr>
-        <p:spPr/>
-        <p:txBody>
-          <a:bodyPr/>
-          <a:lstStyle/>
-          <a:p>
-            <a:r>
-              <a:rPr lang="en-US" sz="5400" dirty="0" smtClean="0"/>
-              <a:t>thankyou</a:t>
-            </a:r>
-            <a:endParaRPr lang="en-US" sz="5400" dirty="0"/>
-          </a:p>
-        </p:txBody>
-      </p:sp>
-    </p:spTree>
-    <p:extLst>
-      <p:ext uri="{BB962C8B-B14F-4D97-AF65-F5344CB8AC3E}">
-        <p14:creationId xmlns:p14="http://schemas.microsoft.com/office/powerpoint/2010/main" val="3476954114"/>
-      </p:ext>
-    </p:extLst>
-  </p:cSld>
-  <p:clrMapOvr>
-    <a:masterClrMapping/>
-  </p:clrMapOvr>
-</p:sld>
-</file>
-
-<file path=ppt/slides/slide2.xml><?xml version="1.0" encoding="utf-8"?>
+<file path=ppt/slides/slide3.xml><?xml version="1.0" encoding="utf-8"?>
 <p:sld xmlns:a="http://schemas.openxmlformats.org/drawingml/2006/main" xmlns:r="http://schemas.openxmlformats.org/officeDocument/2006/relationships" xmlns:p="http://schemas.openxmlformats.org/presentationml/2006/main">
   <p:cSld>
     <p:bg>
@@ -14335,7 +14181,7 @@
           <p:cNvPr id="28" name="Picture Placeholder 27" descr="Woman walking through a door">
             <a:extLst>
               <a:ext uri="{FF2B5EF4-FFF2-40B4-BE49-F238E27FC236}">
-                <a16:creationId xmlns:a16="http://schemas.microsoft.com/office/drawing/2014/main" xmlns="" id="{86D7D4AC-BE7B-45B9-AF4A-E2AF1B6C796D}"/>
+                <a16:creationId xmlns="" xmlns:a16="http://schemas.microsoft.com/office/drawing/2014/main" id="{86D7D4AC-BE7B-45B9-AF4A-E2AF1B6C796D}"/>
               </a:ext>
             </a:extLst>
           </p:cNvPr>
@@ -14347,7 +14193,7 @@
           </p:nvPr>
         </p:nvPicPr>
         <p:blipFill rotWithShape="1">
-          <a:blip r:embed="rId2" cstate="screen">
+          <a:blip r:embed="rId3" cstate="screen">
             <a:extLst>
               <a:ext uri="{28A0092B-C50C-407E-A947-70E740481C1C}">
                 <a14:useLocalDpi xmlns:a14="http://schemas.microsoft.com/office/drawing/2010/main"/>
@@ -14369,10 +14215,10 @@
           <p:cNvPr id="15" name="Rectangle 14">
             <a:extLst>
               <a:ext uri="{FF2B5EF4-FFF2-40B4-BE49-F238E27FC236}">
-                <a16:creationId xmlns:a16="http://schemas.microsoft.com/office/drawing/2014/main" xmlns="" id="{DD509E5E-F68C-4F2B-8EC7-4325958603E7}"/>
+                <a16:creationId xmlns="" xmlns:a16="http://schemas.microsoft.com/office/drawing/2014/main" id="{DD509E5E-F68C-4F2B-8EC7-4325958603E7}"/>
               </a:ext>
               <a:ext uri="{C183D7F6-B498-43B3-948B-1728B52AA6E4}">
-                <adec:decorative xmlns:adec="http://schemas.microsoft.com/office/drawing/2017/decorative" xmlns="" val="1"/>
+                <adec:decorative xmlns="" xmlns:adec="http://schemas.microsoft.com/office/drawing/2017/decorative" val="1"/>
               </a:ext>
             </a:extLst>
           </p:cNvPr>
@@ -14426,7 +14272,7 @@
           <p:cNvPr id="4" name="Text Placeholder 3">
             <a:extLst>
               <a:ext uri="{FF2B5EF4-FFF2-40B4-BE49-F238E27FC236}">
-                <a16:creationId xmlns:a16="http://schemas.microsoft.com/office/drawing/2014/main" xmlns="" id="{9AF7E39F-041F-4A45-A1CF-F8C269887D5A}"/>
+                <a16:creationId xmlns="" xmlns:a16="http://schemas.microsoft.com/office/drawing/2014/main" id="{9AF7E39F-041F-4A45-A1CF-F8C269887D5A}"/>
               </a:ext>
             </a:extLst>
           </p:cNvPr>
@@ -14458,6 +14304,113 @@
           <a:bodyPr/>
           <a:lstStyle/>
           <a:p>
+            <a:r>
+              <a:rPr lang="en-US" sz="1400" dirty="0" smtClean="0"/>
+              <a:t>&gt; Hepatitis </a:t>
+            </a:r>
+            <a:r>
+              <a:rPr lang="en-US" sz="1400" dirty="0"/>
+              <a:t>B is a viral infection that attacks the liver and can cause both acute and chronic disease </a:t>
+            </a:r>
+            <a:r>
+              <a:rPr lang="en-US" sz="1400" dirty="0" smtClean="0"/>
+              <a:t>                  Hepatitis </a:t>
+            </a:r>
+            <a:r>
+              <a:rPr lang="en-US" sz="1400" dirty="0"/>
+              <a:t>B can range from a mild illness, lasting a few weeks, to a serious, life-long (chronic) condition</a:t>
+            </a:r>
+            <a:r>
+              <a:rPr lang="en-US" sz="1400" dirty="0" smtClean="0"/>
+              <a:t>.</a:t>
+            </a:r>
+          </a:p>
+          <a:p>
+            <a:r>
+              <a:rPr lang="en-US" sz="1400" dirty="0" smtClean="0"/>
+              <a:t>&gt; Hepatitis </a:t>
+            </a:r>
+            <a:r>
+              <a:rPr lang="en-US" sz="1400" dirty="0"/>
+              <a:t>B is primarily spread when blood, semen, or certain other body fluids – even in microscopic amounts – from a person infected with the hepatitis B virus enters the body of someone who is not infected. </a:t>
+            </a:r>
+            <a:endParaRPr lang="en-US" sz="1400" dirty="0" smtClean="0"/>
+          </a:p>
+          <a:p>
+            <a:r>
+              <a:rPr lang="en-US" sz="1400" dirty="0" smtClean="0"/>
+              <a:t>&gt; Acute </a:t>
+            </a:r>
+            <a:r>
+              <a:rPr lang="en-US" sz="1400" dirty="0"/>
+              <a:t>hepatitis B is a short-term illness that occurs within the first 6 months after someone is exposed to the hepatitis B virus. Some people with acute hepatitis B have no symptoms at all or only mild illness. For others, acute hepatitis B causes a more severe illness that requires hospitalization.</a:t>
+            </a:r>
+            <a:br>
+              <a:rPr lang="en-US" sz="1400" dirty="0"/>
+            </a:br>
+            <a:r>
+              <a:rPr lang="en-US" sz="1400" dirty="0"/>
+              <a:t/>
+            </a:r>
+            <a:br>
+              <a:rPr lang="en-US" sz="1400" dirty="0"/>
+            </a:br>
+            <a:r>
+              <a:rPr lang="en-US" sz="1400" dirty="0"/>
+              <a:t>The hepatitis B virus can also be transmitted by :-</a:t>
+            </a:r>
+          </a:p>
+          <a:p>
+            <a:r>
+              <a:rPr lang="en-US" sz="1400" dirty="0" smtClean="0"/>
+              <a:t>1) Birth </a:t>
+            </a:r>
+            <a:r>
+              <a:rPr lang="en-US" sz="1400" dirty="0"/>
+              <a:t>to an infected pregnant person.</a:t>
+            </a:r>
+          </a:p>
+          <a:p>
+            <a:r>
+              <a:rPr lang="en-US" sz="1400" dirty="0" smtClean="0"/>
+              <a:t>2) Sex </a:t>
+            </a:r>
+            <a:r>
+              <a:rPr lang="en-US" sz="1400" dirty="0"/>
+              <a:t>with an infected person.</a:t>
+            </a:r>
+          </a:p>
+          <a:p>
+            <a:r>
+              <a:rPr lang="en-US" sz="1400" dirty="0" smtClean="0"/>
+              <a:t>3) Sharing </a:t>
+            </a:r>
+            <a:r>
+              <a:rPr lang="en-US" sz="1400" dirty="0"/>
+              <a:t>personal items such as toothbrushes or razors, but is less common.</a:t>
+            </a:r>
+          </a:p>
+          <a:p>
+            <a:r>
+              <a:rPr lang="en-US" sz="1400" dirty="0" smtClean="0"/>
+              <a:t>4) Poor </a:t>
+            </a:r>
+            <a:r>
+              <a:rPr lang="en-US" sz="1400" dirty="0"/>
+              <a:t>infection control in health care facilities.</a:t>
+            </a:r>
+          </a:p>
+          <a:p>
+            <a:r>
+              <a:rPr lang="en-US" sz="1400" dirty="0" smtClean="0"/>
+              <a:t>5) Direct </a:t>
+            </a:r>
+            <a:r>
+              <a:rPr lang="en-US" sz="1400" dirty="0"/>
+              <a:t>contact with the blood or open sores of a person who has hepatitis B, etc.</a:t>
+            </a:r>
+          </a:p>
+          <a:p>
             <a:endParaRPr lang="en-US" sz="1400" dirty="0"/>
           </a:p>
         </p:txBody>
@@ -14467,7 +14420,7 @@
           <p:cNvPr id="3" name="Title 2">
             <a:extLst>
               <a:ext uri="{FF2B5EF4-FFF2-40B4-BE49-F238E27FC236}">
-                <a16:creationId xmlns:a16="http://schemas.microsoft.com/office/drawing/2014/main" xmlns="" id="{E9BE4A06-2673-41EF-AF84-96B0EDEC0F01}"/>
+                <a16:creationId xmlns="" xmlns:a16="http://schemas.microsoft.com/office/drawing/2014/main" id="{E9BE4A06-2673-41EF-AF84-96B0EDEC0F01}"/>
               </a:ext>
             </a:extLst>
           </p:cNvPr>
@@ -14480,8 +14433,8 @@
         </p:nvSpPr>
         <p:spPr>
           <a:xfrm>
-            <a:off x="3168202" y="425004"/>
-            <a:ext cx="8407561" cy="656822"/>
+            <a:off x="5125793" y="1100500"/>
+            <a:ext cx="5151548" cy="612390"/>
           </a:xfrm>
         </p:spPr>
         <p:txBody>
@@ -14490,21 +14443,9 @@
           <a:p>
             <a:r>
               <a:rPr lang="en-US" dirty="0" smtClean="0"/>
-              <a:t> </a:t>
-            </a:r>
-            <a:r>
-              <a:rPr lang="en-US" sz="2800" i="1" u="sng" dirty="0"/>
-              <a:t>Disease Mortality Prediction: </a:t>
-            </a:r>
-            <a:r>
-              <a:rPr lang="en-US" sz="2800" i="1" u="sng" dirty="0" smtClean="0"/>
-              <a:t>  ‘Hepatitis </a:t>
-            </a:r>
-            <a:r>
-              <a:rPr lang="en-US" sz="2800" i="1" u="sng" dirty="0"/>
-              <a:t>B</a:t>
-            </a:r>
-            <a:endParaRPr lang="en-US" sz="2800" dirty="0"/>
+              <a:t> Introduction</a:t>
+            </a:r>
+            <a:endParaRPr lang="en-US" dirty="0"/>
           </a:p>
         </p:txBody>
       </p:sp>
@@ -14513,7 +14454,7 @@
           <p:cNvPr id="36" name="Group 35" descr="Icon Lightbulb">
             <a:extLst>
               <a:ext uri="{FF2B5EF4-FFF2-40B4-BE49-F238E27FC236}">
-                <a16:creationId xmlns:a16="http://schemas.microsoft.com/office/drawing/2014/main" xmlns="" id="{840CA54E-FBB9-4848-A45D-E086AA4A5012}"/>
+                <a16:creationId xmlns="" xmlns:a16="http://schemas.microsoft.com/office/drawing/2014/main" id="{840CA54E-FBB9-4848-A45D-E086AA4A5012}"/>
               </a:ext>
             </a:extLst>
           </p:cNvPr>
@@ -14535,7 +14476,7 @@
             <p:cNvPr id="32" name="Freeform: Shape 31">
               <a:extLst>
                 <a:ext uri="{FF2B5EF4-FFF2-40B4-BE49-F238E27FC236}">
-                  <a16:creationId xmlns:a16="http://schemas.microsoft.com/office/drawing/2014/main" xmlns="" id="{B8ABB65B-B8A5-4C0E-BE4C-E88A7BB3E8A2}"/>
+                  <a16:creationId xmlns="" xmlns:a16="http://schemas.microsoft.com/office/drawing/2014/main" id="{B8ABB65B-B8A5-4C0E-BE4C-E88A7BB3E8A2}"/>
                 </a:ext>
               </a:extLst>
             </p:cNvPr>
@@ -14647,7 +14588,7 @@
             <p:cNvPr id="33" name="Freeform: Shape 32">
               <a:extLst>
                 <a:ext uri="{FF2B5EF4-FFF2-40B4-BE49-F238E27FC236}">
-                  <a16:creationId xmlns:a16="http://schemas.microsoft.com/office/drawing/2014/main" xmlns="" id="{D71DD07A-CE80-41D5-AEEB-65192AD34639}"/>
+                  <a16:creationId xmlns="" xmlns:a16="http://schemas.microsoft.com/office/drawing/2014/main" id="{D71DD07A-CE80-41D5-AEEB-65192AD34639}"/>
                 </a:ext>
               </a:extLst>
             </p:cNvPr>
@@ -14759,7 +14700,7 @@
             <p:cNvPr id="34" name="Freeform: Shape 33">
               <a:extLst>
                 <a:ext uri="{FF2B5EF4-FFF2-40B4-BE49-F238E27FC236}">
-                  <a16:creationId xmlns:a16="http://schemas.microsoft.com/office/drawing/2014/main" xmlns="" id="{0522D638-DE3D-438D-8C73-954C32D8CB63}"/>
+                  <a16:creationId xmlns="" xmlns:a16="http://schemas.microsoft.com/office/drawing/2014/main" id="{0522D638-DE3D-438D-8C73-954C32D8CB63}"/>
                 </a:ext>
               </a:extLst>
             </p:cNvPr>
@@ -14843,7 +14784,7 @@
             <p:cNvPr id="35" name="Freeform: Shape 34">
               <a:extLst>
                 <a:ext uri="{FF2B5EF4-FFF2-40B4-BE49-F238E27FC236}">
-                  <a16:creationId xmlns:a16="http://schemas.microsoft.com/office/drawing/2014/main" xmlns="" id="{01AB190E-B14D-440E-9910-B22D8C998B54}"/>
+                  <a16:creationId xmlns="" xmlns:a16="http://schemas.microsoft.com/office/drawing/2014/main" id="{01AB190E-B14D-440E-9910-B22D8C998B54}"/>
                 </a:ext>
               </a:extLst>
             </p:cNvPr>
@@ -15217,7 +15158,7 @@
           <p:cNvPr id="52" name="Slide Number Placeholder 51">
             <a:extLst>
               <a:ext uri="{FF2B5EF4-FFF2-40B4-BE49-F238E27FC236}">
-                <a16:creationId xmlns:a16="http://schemas.microsoft.com/office/drawing/2014/main" xmlns="" id="{947A81F6-261F-44F4-B660-7BD323AE2991}"/>
+                <a16:creationId xmlns="" xmlns:a16="http://schemas.microsoft.com/office/drawing/2014/main" id="{947A81F6-261F-44F4-B660-7BD323AE2991}"/>
               </a:ext>
             </a:extLst>
           </p:cNvPr>
@@ -15236,7 +15177,7 @@
             <a:fld id="{EECC7194-A4D0-457B-9D3E-53681723AFF7}" type="slidenum">
               <a:rPr lang="en-US" smtClean="0"/>
               <a:pPr/>
-              <a:t>2</a:t>
+              <a:t>3</a:t>
             </a:fld>
             <a:endParaRPr lang="en-US" dirty="0"/>
           </a:p>
@@ -15247,10 +15188,10 @@
           <p:cNvPr id="14" name="Group 13">
             <a:extLst>
               <a:ext uri="{FF2B5EF4-FFF2-40B4-BE49-F238E27FC236}">
-                <a16:creationId xmlns:a16="http://schemas.microsoft.com/office/drawing/2014/main" xmlns="" id="{8CDC0198-E919-4071-9C4B-5B3D19A46785}"/>
+                <a16:creationId xmlns="" xmlns:a16="http://schemas.microsoft.com/office/drawing/2014/main" id="{8CDC0198-E919-4071-9C4B-5B3D19A46785}"/>
               </a:ext>
               <a:ext uri="{C183D7F6-B498-43B3-948B-1728B52AA6E4}">
-                <adec:decorative xmlns:adec="http://schemas.microsoft.com/office/drawing/2017/decorative" xmlns="" val="1"/>
+                <adec:decorative xmlns="" xmlns:adec="http://schemas.microsoft.com/office/drawing/2017/decorative" val="1"/>
               </a:ext>
             </a:extLst>
           </p:cNvPr>
@@ -15272,7 +15213,7 @@
             <p:cNvPr id="16" name="Rectangle 15">
               <a:extLst>
                 <a:ext uri="{FF2B5EF4-FFF2-40B4-BE49-F238E27FC236}">
-                  <a16:creationId xmlns:a16="http://schemas.microsoft.com/office/drawing/2014/main" xmlns="" id="{667DDF34-4085-4945-A320-585AC8EBAAF2}"/>
+                  <a16:creationId xmlns="" xmlns:a16="http://schemas.microsoft.com/office/drawing/2014/main" id="{667DDF34-4085-4945-A320-585AC8EBAAF2}"/>
                 </a:ext>
               </a:extLst>
             </p:cNvPr>
@@ -15326,7 +15267,7 @@
             <p:cNvPr id="17" name="Rectangle 16">
               <a:extLst>
                 <a:ext uri="{FF2B5EF4-FFF2-40B4-BE49-F238E27FC236}">
-                  <a16:creationId xmlns:a16="http://schemas.microsoft.com/office/drawing/2014/main" xmlns="" id="{ED521D40-9109-4214-B458-FAB53B1DA80D}"/>
+                  <a16:creationId xmlns="" xmlns:a16="http://schemas.microsoft.com/office/drawing/2014/main" id="{ED521D40-9109-4214-B458-FAB53B1DA80D}"/>
                 </a:ext>
               </a:extLst>
             </p:cNvPr>
@@ -15378,12 +15319,12 @@
       </p:grpSp>
       <p:pic>
         <p:nvPicPr>
-          <p:cNvPr id="19" name="image19.jpg"/>
+          <p:cNvPr id="18" name="image11.gif"/>
           <p:cNvPicPr/>
           <p:nvPr/>
         </p:nvPicPr>
         <p:blipFill>
-          <a:blip r:embed="rId3"/>
+          <a:blip r:embed="rId4"/>
           <a:srcRect/>
           <a:stretch>
             <a:fillRect/>
@@ -15391,8 +15332,8 @@
         </p:blipFill>
         <p:spPr>
           <a:xfrm>
-            <a:off x="3017212" y="1155785"/>
-            <a:ext cx="8829026" cy="5356453"/>
+            <a:off x="7331849" y="4296196"/>
+            <a:ext cx="4113359" cy="1321810"/>
           </a:xfrm>
           <a:prstGeom prst="rect">
             <a:avLst/>
@@ -15403,17 +15344,24 @@
     </p:spTree>
     <p:extLst>
       <p:ext uri="{BB962C8B-B14F-4D97-AF65-F5344CB8AC3E}">
-        <p14:creationId xmlns:p14="http://schemas.microsoft.com/office/powerpoint/2010/main" val="1058488356"/>
+        <p14:creationId xmlns:p14="http://schemas.microsoft.com/office/powerpoint/2010/main" val="3043203464"/>
       </p:ext>
     </p:extLst>
   </p:cSld>
   <p:clrMapOvr>
     <a:masterClrMapping/>
   </p:clrMapOvr>
+  <p:timing>
+    <p:tnLst>
+      <p:par>
+        <p:cTn id="1" dur="indefinite" restart="never" nodeType="tmRoot"/>
+      </p:par>
+    </p:tnLst>
+  </p:timing>
 </p:sld>
 </file>
 
-<file path=ppt/slides/slide3.xml><?xml version="1.0" encoding="utf-8"?>
+<file path=ppt/slides/slide4.xml><?xml version="1.0" encoding="utf-8"?>
 <p:sld xmlns:a="http://schemas.openxmlformats.org/drawingml/2006/main" xmlns:r="http://schemas.openxmlformats.org/officeDocument/2006/relationships" xmlns:p="http://schemas.openxmlformats.org/presentationml/2006/main">
   <p:cSld>
     <p:bg>
@@ -15443,7 +15391,7 @@
           <p:cNvPr id="28" name="Picture Placeholder 27" descr="Woman walking through a door">
             <a:extLst>
               <a:ext uri="{FF2B5EF4-FFF2-40B4-BE49-F238E27FC236}">
-                <a16:creationId xmlns:a16="http://schemas.microsoft.com/office/drawing/2014/main" xmlns="" id="{86D7D4AC-BE7B-45B9-AF4A-E2AF1B6C796D}"/>
+                <a16:creationId xmlns="" xmlns:a16="http://schemas.microsoft.com/office/drawing/2014/main" id="{86D7D4AC-BE7B-45B9-AF4A-E2AF1B6C796D}"/>
               </a:ext>
             </a:extLst>
           </p:cNvPr>
@@ -15455,7 +15403,7 @@
           </p:nvPr>
         </p:nvPicPr>
         <p:blipFill rotWithShape="1">
-          <a:blip r:embed="rId3" cstate="screen">
+          <a:blip r:embed="rId2" cstate="screen">
             <a:extLst>
               <a:ext uri="{28A0092B-C50C-407E-A947-70E740481C1C}">
                 <a14:useLocalDpi xmlns:a14="http://schemas.microsoft.com/office/drawing/2010/main"/>
@@ -15477,10 +15425,10 @@
           <p:cNvPr id="15" name="Rectangle 14">
             <a:extLst>
               <a:ext uri="{FF2B5EF4-FFF2-40B4-BE49-F238E27FC236}">
-                <a16:creationId xmlns:a16="http://schemas.microsoft.com/office/drawing/2014/main" xmlns="" id="{DD509E5E-F68C-4F2B-8EC7-4325958603E7}"/>
+                <a16:creationId xmlns="" xmlns:a16="http://schemas.microsoft.com/office/drawing/2014/main" id="{DD509E5E-F68C-4F2B-8EC7-4325958603E7}"/>
               </a:ext>
               <a:ext uri="{C183D7F6-B498-43B3-948B-1728B52AA6E4}">
-                <adec:decorative xmlns:adec="http://schemas.microsoft.com/office/drawing/2017/decorative" xmlns="" val="1"/>
+                <adec:decorative xmlns="" xmlns:adec="http://schemas.microsoft.com/office/drawing/2017/decorative" val="1"/>
               </a:ext>
             </a:extLst>
           </p:cNvPr>
@@ -15534,7 +15482,7 @@
           <p:cNvPr id="4" name="Text Placeholder 3">
             <a:extLst>
               <a:ext uri="{FF2B5EF4-FFF2-40B4-BE49-F238E27FC236}">
-                <a16:creationId xmlns:a16="http://schemas.microsoft.com/office/drawing/2014/main" xmlns="" id="{9AF7E39F-041F-4A45-A1CF-F8C269887D5A}"/>
+                <a16:creationId xmlns="" xmlns:a16="http://schemas.microsoft.com/office/drawing/2014/main" id="{9AF7E39F-041F-4A45-A1CF-F8C269887D5A}"/>
               </a:ext>
             </a:extLst>
           </p:cNvPr>
@@ -15547,8 +15495,8 @@
         </p:nvSpPr>
         <p:spPr>
           <a:xfrm>
-            <a:off x="2824955" y="55726"/>
-            <a:ext cx="9367045" cy="6802273"/>
+            <a:off x="3456943" y="425003"/>
+            <a:ext cx="8735058" cy="5816761"/>
           </a:xfrm>
           <a:gradFill>
             <a:gsLst>
@@ -15567,113 +15515,95 @@
           <a:lstStyle/>
           <a:p>
             <a:r>
-              <a:rPr lang="en-US" sz="1400" dirty="0" smtClean="0"/>
-              <a:t>&gt; Hepatitis </a:t>
-            </a:r>
-            <a:r>
-              <a:rPr lang="en-US" sz="1400" dirty="0"/>
-              <a:t>B is a viral infection that attacks the liver and can cause both acute and chronic disease </a:t>
-            </a:r>
-            <a:r>
-              <a:rPr lang="en-US" sz="1400" dirty="0" smtClean="0"/>
-              <a:t>                  Hepatitis </a:t>
-            </a:r>
-            <a:r>
-              <a:rPr lang="en-US" sz="1400" dirty="0"/>
-              <a:t>B can range from a mild illness, lasting a few weeks, to a serious, life-long (chronic) condition</a:t>
-            </a:r>
-            <a:r>
-              <a:rPr lang="en-US" sz="1400" dirty="0" smtClean="0"/>
-              <a:t>.</a:t>
-            </a:r>
-          </a:p>
-          <a:p>
-            <a:r>
-              <a:rPr lang="en-US" sz="1400" dirty="0" smtClean="0"/>
-              <a:t>&gt; Hepatitis </a:t>
-            </a:r>
-            <a:r>
-              <a:rPr lang="en-US" sz="1400" dirty="0"/>
-              <a:t>B is primarily spread when blood, semen, or certain other body fluids – even in microscopic amounts – from a person infected with the hepatitis B virus enters the body of someone who is not infected. </a:t>
-            </a:r>
-            <a:endParaRPr lang="en-US" sz="1400" dirty="0" smtClean="0"/>
-          </a:p>
-          <a:p>
-            <a:r>
-              <a:rPr lang="en-US" sz="1400" dirty="0" smtClean="0"/>
-              <a:t>&gt; Acute </a:t>
-            </a:r>
-            <a:r>
-              <a:rPr lang="en-US" sz="1400" dirty="0"/>
-              <a:t>hepatitis B is a short-term illness that occurs within the first 6 months after someone is exposed to the hepatitis B virus. Some people with acute hepatitis B have no symptoms at all or only mild illness. For others, acute hepatitis B causes a more severe illness that requires hospitalization.</a:t>
-            </a:r>
-            <a:br>
-              <a:rPr lang="en-US" sz="1400" dirty="0"/>
-            </a:br>
-            <a:r>
-              <a:rPr lang="en-US" sz="1400" dirty="0"/>
-              <a:t/>
-            </a:r>
-            <a:br>
-              <a:rPr lang="en-US" sz="1400" dirty="0"/>
-            </a:br>
-            <a:r>
-              <a:rPr lang="en-US" sz="1400" dirty="0"/>
-              <a:t>The hepatitis B virus can also be transmitted by :-</a:t>
-            </a:r>
-          </a:p>
-          <a:p>
-            <a:r>
-              <a:rPr lang="en-US" sz="1400" dirty="0" smtClean="0"/>
-              <a:t>1) Birth </a:t>
-            </a:r>
-            <a:r>
-              <a:rPr lang="en-US" sz="1400" dirty="0"/>
-              <a:t>to an infected pregnant person.</a:t>
-            </a:r>
-          </a:p>
-          <a:p>
-            <a:r>
-              <a:rPr lang="en-US" sz="1400" dirty="0" smtClean="0"/>
-              <a:t>2) Sex </a:t>
-            </a:r>
-            <a:r>
-              <a:rPr lang="en-US" sz="1400" dirty="0"/>
-              <a:t>with an infected person.</a:t>
-            </a:r>
-          </a:p>
-          <a:p>
-            <a:r>
-              <a:rPr lang="en-US" sz="1400" dirty="0" smtClean="0"/>
-              <a:t>3) Sharing </a:t>
-            </a:r>
-            <a:r>
-              <a:rPr lang="en-US" sz="1400" dirty="0"/>
-              <a:t>personal items such as toothbrushes or razors, but is less common.</a:t>
-            </a:r>
-          </a:p>
-          <a:p>
-            <a:r>
-              <a:rPr lang="en-US" sz="1400" dirty="0" smtClean="0"/>
-              <a:t>4) Poor </a:t>
-            </a:r>
-            <a:r>
-              <a:rPr lang="en-US" sz="1400" dirty="0"/>
-              <a:t>infection control in health care facilities.</a:t>
-            </a:r>
-          </a:p>
-          <a:p>
-            <a:r>
-              <a:rPr lang="en-US" sz="1400" dirty="0" smtClean="0"/>
-              <a:t>5) Direct </a:t>
-            </a:r>
-            <a:r>
-              <a:rPr lang="en-US" sz="1400" dirty="0"/>
-              <a:t>contact with the blood or open sores of a person who has hepatitis B, etc.</a:t>
-            </a:r>
-          </a:p>
-          <a:p>
-            <a:endParaRPr lang="en-US" sz="1400" dirty="0"/>
+              <a:rPr lang="en-US" sz="2000" b="1" dirty="0"/>
+              <a:t>The main objectives of our project is :</a:t>
+            </a:r>
+          </a:p>
+          <a:p>
+            <a:r>
+              <a:rPr lang="en-US" b="1" dirty="0">
+                <a:solidFill>
+                  <a:schemeClr val="accent5">
+                    <a:lumMod val="60000"/>
+                    <a:lumOff val="40000"/>
+                  </a:schemeClr>
+                </a:solidFill>
+              </a:rPr>
+              <a:t>“To predict if a patient will </a:t>
+            </a:r>
+            <a:r>
+              <a:rPr lang="en-US" b="1" i="1" dirty="0">
+                <a:solidFill>
+                  <a:schemeClr val="accent5">
+                    <a:lumMod val="60000"/>
+                    <a:lumOff val="40000"/>
+                  </a:schemeClr>
+                </a:solidFill>
+              </a:rPr>
+              <a:t>live</a:t>
+            </a:r>
+            <a:r>
+              <a:rPr lang="en-US" b="1" dirty="0">
+                <a:solidFill>
+                  <a:schemeClr val="accent5">
+                    <a:lumMod val="60000"/>
+                    <a:lumOff val="40000"/>
+                  </a:schemeClr>
+                </a:solidFill>
+              </a:rPr>
+              <a:t> or </a:t>
+            </a:r>
+            <a:r>
+              <a:rPr lang="en-US" b="1" i="1" dirty="0">
+                <a:solidFill>
+                  <a:schemeClr val="accent5">
+                    <a:lumMod val="60000"/>
+                    <a:lumOff val="40000"/>
+                  </a:schemeClr>
+                </a:solidFill>
+              </a:rPr>
+              <a:t>die</a:t>
+            </a:r>
+            <a:r>
+              <a:rPr lang="en-US" b="1" dirty="0">
+                <a:solidFill>
+                  <a:schemeClr val="accent5">
+                    <a:lumMod val="60000"/>
+                    <a:lumOff val="40000"/>
+                  </a:schemeClr>
+                </a:solidFill>
+              </a:rPr>
+              <a:t> based on the parameters using Machine Learning.” </a:t>
+            </a:r>
+          </a:p>
+          <a:p>
+            <a:pPr marL="171450" indent="-171450" fontAlgn="base">
+              <a:buFont typeface="Wingdings" panose="05000000000000000000" pitchFamily="2" charset="2"/>
+              <a:buChar char="Ø"/>
+            </a:pPr>
+            <a:r>
+              <a:rPr lang="en-US" b="1" i="1" dirty="0"/>
+              <a:t>Parameters</a:t>
+            </a:r>
+            <a:r>
+              <a:rPr lang="en-US" b="1" i="1" dirty="0" smtClean="0"/>
+              <a:t>:</a:t>
+            </a:r>
+          </a:p>
+          <a:p>
+            <a:pPr fontAlgn="base"/>
+            <a:r>
+              <a:rPr lang="en-US" sz="1200" b="1" i="1" dirty="0"/>
+              <a:t>Class, AGE, SEX, STEROID, ANTIVIRALS, FATIGUE, MALAISE, ANOREXIA , LIVER BIG, LIVER FIRM, SPLEEN </a:t>
+            </a:r>
+            <a:r>
+              <a:rPr lang="en-US" sz="1200" b="1" i="1" dirty="0" smtClean="0"/>
+              <a:t>PALPABLE, </a:t>
+            </a:r>
+            <a:r>
+              <a:rPr lang="en-US" sz="1200" b="1" i="1" dirty="0"/>
+              <a:t>SPIDERS, ASCITES, VARICES, BILIRUBIN, ALK PHOSPHATASE, SGOT, ALBUMIN, PROTIME, HISTOLOGY</a:t>
+            </a:r>
           </a:p>
         </p:txBody>
       </p:sp>
@@ -15682,7 +15612,7 @@
           <p:cNvPr id="3" name="Title 2">
             <a:extLst>
               <a:ext uri="{FF2B5EF4-FFF2-40B4-BE49-F238E27FC236}">
-                <a16:creationId xmlns:a16="http://schemas.microsoft.com/office/drawing/2014/main" xmlns="" id="{E9BE4A06-2673-41EF-AF84-96B0EDEC0F01}"/>
+                <a16:creationId xmlns="" xmlns:a16="http://schemas.microsoft.com/office/drawing/2014/main" id="{E9BE4A06-2673-41EF-AF84-96B0EDEC0F01}"/>
               </a:ext>
             </a:extLst>
           </p:cNvPr>
@@ -15695,8 +15625,8 @@
         </p:nvSpPr>
         <p:spPr>
           <a:xfrm>
-            <a:off x="5125793" y="1100500"/>
-            <a:ext cx="5151548" cy="612390"/>
+            <a:off x="5898524" y="425003"/>
+            <a:ext cx="4327300" cy="605307"/>
           </a:xfrm>
         </p:spPr>
         <p:txBody>
@@ -15704,8 +15634,8 @@
           <a:lstStyle/>
           <a:p>
             <a:r>
-              <a:rPr lang="en-US" dirty="0" smtClean="0"/>
-              <a:t> Introduction</a:t>
+              <a:rPr lang="en-US" dirty="0" err="1" smtClean="0"/>
+              <a:t>OBJECTive</a:t>
             </a:r>
             <a:endParaRPr lang="en-US" dirty="0"/>
           </a:p>
@@ -15716,7 +15646,7 @@
           <p:cNvPr id="36" name="Group 35" descr="Icon Lightbulb">
             <a:extLst>
               <a:ext uri="{FF2B5EF4-FFF2-40B4-BE49-F238E27FC236}">
-                <a16:creationId xmlns:a16="http://schemas.microsoft.com/office/drawing/2014/main" xmlns="" id="{840CA54E-FBB9-4848-A45D-E086AA4A5012}"/>
+                <a16:creationId xmlns="" xmlns:a16="http://schemas.microsoft.com/office/drawing/2014/main" id="{840CA54E-FBB9-4848-A45D-E086AA4A5012}"/>
               </a:ext>
             </a:extLst>
           </p:cNvPr>
@@ -15738,7 +15668,7 @@
             <p:cNvPr id="32" name="Freeform: Shape 31">
               <a:extLst>
                 <a:ext uri="{FF2B5EF4-FFF2-40B4-BE49-F238E27FC236}">
-                  <a16:creationId xmlns:a16="http://schemas.microsoft.com/office/drawing/2014/main" xmlns="" id="{B8ABB65B-B8A5-4C0E-BE4C-E88A7BB3E8A2}"/>
+                  <a16:creationId xmlns="" xmlns:a16="http://schemas.microsoft.com/office/drawing/2014/main" id="{B8ABB65B-B8A5-4C0E-BE4C-E88A7BB3E8A2}"/>
                 </a:ext>
               </a:extLst>
             </p:cNvPr>
@@ -15850,7 +15780,7 @@
             <p:cNvPr id="33" name="Freeform: Shape 32">
               <a:extLst>
                 <a:ext uri="{FF2B5EF4-FFF2-40B4-BE49-F238E27FC236}">
-                  <a16:creationId xmlns:a16="http://schemas.microsoft.com/office/drawing/2014/main" xmlns="" id="{D71DD07A-CE80-41D5-AEEB-65192AD34639}"/>
+                  <a16:creationId xmlns="" xmlns:a16="http://schemas.microsoft.com/office/drawing/2014/main" id="{D71DD07A-CE80-41D5-AEEB-65192AD34639}"/>
                 </a:ext>
               </a:extLst>
             </p:cNvPr>
@@ -15962,7 +15892,7 @@
             <p:cNvPr id="34" name="Freeform: Shape 33">
               <a:extLst>
                 <a:ext uri="{FF2B5EF4-FFF2-40B4-BE49-F238E27FC236}">
-                  <a16:creationId xmlns:a16="http://schemas.microsoft.com/office/drawing/2014/main" xmlns="" id="{0522D638-DE3D-438D-8C73-954C32D8CB63}"/>
+                  <a16:creationId xmlns="" xmlns:a16="http://schemas.microsoft.com/office/drawing/2014/main" id="{0522D638-DE3D-438D-8C73-954C32D8CB63}"/>
                 </a:ext>
               </a:extLst>
             </p:cNvPr>
@@ -16046,7 +15976,7 @@
             <p:cNvPr id="35" name="Freeform: Shape 34">
               <a:extLst>
                 <a:ext uri="{FF2B5EF4-FFF2-40B4-BE49-F238E27FC236}">
-                  <a16:creationId xmlns:a16="http://schemas.microsoft.com/office/drawing/2014/main" xmlns="" id="{01AB190E-B14D-440E-9910-B22D8C998B54}"/>
+                  <a16:creationId xmlns="" xmlns:a16="http://schemas.microsoft.com/office/drawing/2014/main" id="{01AB190E-B14D-440E-9910-B22D8C998B54}"/>
                 </a:ext>
               </a:extLst>
             </p:cNvPr>
@@ -16420,7 +16350,7 @@
           <p:cNvPr id="52" name="Slide Number Placeholder 51">
             <a:extLst>
               <a:ext uri="{FF2B5EF4-FFF2-40B4-BE49-F238E27FC236}">
-                <a16:creationId xmlns:a16="http://schemas.microsoft.com/office/drawing/2014/main" xmlns="" id="{947A81F6-261F-44F4-B660-7BD323AE2991}"/>
+                <a16:creationId xmlns="" xmlns:a16="http://schemas.microsoft.com/office/drawing/2014/main" id="{947A81F6-261F-44F4-B660-7BD323AE2991}"/>
               </a:ext>
             </a:extLst>
           </p:cNvPr>
@@ -16439,7 +16369,7 @@
             <a:fld id="{EECC7194-A4D0-457B-9D3E-53681723AFF7}" type="slidenum">
               <a:rPr lang="en-US" smtClean="0"/>
               <a:pPr/>
-              <a:t>3</a:t>
+              <a:t>4</a:t>
             </a:fld>
             <a:endParaRPr lang="en-US" dirty="0"/>
           </a:p>
@@ -16450,10 +16380,10 @@
           <p:cNvPr id="14" name="Group 13">
             <a:extLst>
               <a:ext uri="{FF2B5EF4-FFF2-40B4-BE49-F238E27FC236}">
-                <a16:creationId xmlns:a16="http://schemas.microsoft.com/office/drawing/2014/main" xmlns="" id="{8CDC0198-E919-4071-9C4B-5B3D19A46785}"/>
+                <a16:creationId xmlns="" xmlns:a16="http://schemas.microsoft.com/office/drawing/2014/main" id="{8CDC0198-E919-4071-9C4B-5B3D19A46785}"/>
               </a:ext>
               <a:ext uri="{C183D7F6-B498-43B3-948B-1728B52AA6E4}">
-                <adec:decorative xmlns:adec="http://schemas.microsoft.com/office/drawing/2017/decorative" xmlns="" val="1"/>
+                <adec:decorative xmlns="" xmlns:adec="http://schemas.microsoft.com/office/drawing/2017/decorative" val="1"/>
               </a:ext>
             </a:extLst>
           </p:cNvPr>
@@ -16475,7 +16405,7 @@
             <p:cNvPr id="16" name="Rectangle 15">
               <a:extLst>
                 <a:ext uri="{FF2B5EF4-FFF2-40B4-BE49-F238E27FC236}">
-                  <a16:creationId xmlns:a16="http://schemas.microsoft.com/office/drawing/2014/main" xmlns="" id="{667DDF34-4085-4945-A320-585AC8EBAAF2}"/>
+                  <a16:creationId xmlns="" xmlns:a16="http://schemas.microsoft.com/office/drawing/2014/main" id="{667DDF34-4085-4945-A320-585AC8EBAAF2}"/>
                 </a:ext>
               </a:extLst>
             </p:cNvPr>
@@ -16529,7 +16459,7 @@
             <p:cNvPr id="17" name="Rectangle 16">
               <a:extLst>
                 <a:ext uri="{FF2B5EF4-FFF2-40B4-BE49-F238E27FC236}">
-                  <a16:creationId xmlns:a16="http://schemas.microsoft.com/office/drawing/2014/main" xmlns="" id="{ED521D40-9109-4214-B458-FAB53B1DA80D}"/>
+                  <a16:creationId xmlns="" xmlns:a16="http://schemas.microsoft.com/office/drawing/2014/main" id="{ED521D40-9109-4214-B458-FAB53B1DA80D}"/>
                 </a:ext>
               </a:extLst>
             </p:cNvPr>
@@ -16579,44 +16509,27 @@
           </p:txBody>
         </p:sp>
       </p:grpSp>
-      <p:pic>
-        <p:nvPicPr>
-          <p:cNvPr id="18" name="image11.gif"/>
-          <p:cNvPicPr/>
-          <p:nvPr/>
-        </p:nvPicPr>
-        <p:blipFill>
-          <a:blip r:embed="rId4"/>
-          <a:srcRect/>
-          <a:stretch>
-            <a:fillRect/>
-          </a:stretch>
-        </p:blipFill>
-        <p:spPr>
-          <a:xfrm>
-            <a:off x="7331849" y="4296196"/>
-            <a:ext cx="4113359" cy="1321810"/>
-          </a:xfrm>
-          <a:prstGeom prst="rect">
-            <a:avLst/>
-          </a:prstGeom>
-          <a:ln/>
-        </p:spPr>
-      </p:pic>
     </p:spTree>
     <p:extLst>
       <p:ext uri="{BB962C8B-B14F-4D97-AF65-F5344CB8AC3E}">
-        <p14:creationId xmlns:p14="http://schemas.microsoft.com/office/powerpoint/2010/main" val="3043203464"/>
+        <p14:creationId xmlns:p14="http://schemas.microsoft.com/office/powerpoint/2010/main" val="2940679143"/>
       </p:ext>
     </p:extLst>
   </p:cSld>
   <p:clrMapOvr>
     <a:masterClrMapping/>
   </p:clrMapOvr>
+  <p:timing>
+    <p:tnLst>
+      <p:par>
+        <p:cTn id="1" dur="indefinite" restart="never" nodeType="tmRoot"/>
+      </p:par>
+    </p:tnLst>
+  </p:timing>
 </p:sld>
 </file>
 
-<file path=ppt/slides/slide4.xml><?xml version="1.0" encoding="utf-8"?>
+<file path=ppt/slides/slide5.xml><?xml version="1.0" encoding="utf-8"?>
 <p:sld xmlns:a="http://schemas.openxmlformats.org/drawingml/2006/main" xmlns:r="http://schemas.openxmlformats.org/officeDocument/2006/relationships" xmlns:p="http://schemas.openxmlformats.org/presentationml/2006/main">
   <p:cSld>
     <p:bg>
@@ -16646,7 +16559,7 @@
           <p:cNvPr id="28" name="Picture Placeholder 27" descr="Woman walking through a door">
             <a:extLst>
               <a:ext uri="{FF2B5EF4-FFF2-40B4-BE49-F238E27FC236}">
-                <a16:creationId xmlns:a16="http://schemas.microsoft.com/office/drawing/2014/main" xmlns="" id="{86D7D4AC-BE7B-45B9-AF4A-E2AF1B6C796D}"/>
+                <a16:creationId xmlns="" xmlns:a16="http://schemas.microsoft.com/office/drawing/2014/main" id="{86D7D4AC-BE7B-45B9-AF4A-E2AF1B6C796D}"/>
               </a:ext>
             </a:extLst>
           </p:cNvPr>
@@ -16680,10 +16593,10 @@
           <p:cNvPr id="15" name="Rectangle 14">
             <a:extLst>
               <a:ext uri="{FF2B5EF4-FFF2-40B4-BE49-F238E27FC236}">
-                <a16:creationId xmlns:a16="http://schemas.microsoft.com/office/drawing/2014/main" xmlns="" id="{DD509E5E-F68C-4F2B-8EC7-4325958603E7}"/>
+                <a16:creationId xmlns="" xmlns:a16="http://schemas.microsoft.com/office/drawing/2014/main" id="{DD509E5E-F68C-4F2B-8EC7-4325958603E7}"/>
               </a:ext>
               <a:ext uri="{C183D7F6-B498-43B3-948B-1728B52AA6E4}">
-                <adec:decorative xmlns:adec="http://schemas.microsoft.com/office/drawing/2017/decorative" xmlns="" val="1"/>
+                <adec:decorative xmlns="" xmlns:adec="http://schemas.microsoft.com/office/drawing/2017/decorative" val="1"/>
               </a:ext>
             </a:extLst>
           </p:cNvPr>
@@ -16692,8 +16605,8 @@
         </p:nvSpPr>
         <p:spPr>
           <a:xfrm>
-            <a:off x="875763" y="55727"/>
-            <a:ext cx="6456086" cy="6858000"/>
+            <a:off x="1468191" y="55727"/>
+            <a:ext cx="5863657" cy="6858000"/>
           </a:xfrm>
           <a:prstGeom prst="rect">
             <a:avLst/>
@@ -16737,7 +16650,7 @@
           <p:cNvPr id="4" name="Text Placeholder 3">
             <a:extLst>
               <a:ext uri="{FF2B5EF4-FFF2-40B4-BE49-F238E27FC236}">
-                <a16:creationId xmlns:a16="http://schemas.microsoft.com/office/drawing/2014/main" xmlns="" id="{9AF7E39F-041F-4A45-A1CF-F8C269887D5A}"/>
+                <a16:creationId xmlns="" xmlns:a16="http://schemas.microsoft.com/office/drawing/2014/main" id="{9AF7E39F-041F-4A45-A1CF-F8C269887D5A}"/>
               </a:ext>
             </a:extLst>
           </p:cNvPr>
@@ -16750,8 +16663,8 @@
         </p:nvSpPr>
         <p:spPr>
           <a:xfrm>
-            <a:off x="3456943" y="425003"/>
-            <a:ext cx="8735058" cy="5816761"/>
+            <a:off x="3456943" y="55726"/>
+            <a:ext cx="8735058" cy="6913728"/>
           </a:xfrm>
           <a:gradFill>
             <a:gsLst>
@@ -16769,96 +16682,268 @@
           <a:bodyPr/>
           <a:lstStyle/>
           <a:p>
-            <a:r>
-              <a:rPr lang="en-US" sz="2000" b="1" dirty="0"/>
-              <a:t>The main objectives of our project is :</a:t>
-            </a:r>
-          </a:p>
-          <a:p>
-            <a:r>
-              <a:rPr lang="en-US" b="1" dirty="0">
-                <a:solidFill>
-                  <a:schemeClr val="accent5">
-                    <a:lumMod val="60000"/>
-                    <a:lumOff val="40000"/>
-                  </a:schemeClr>
-                </a:solidFill>
-              </a:rPr>
-              <a:t>“To predict if a patient will </a:t>
-            </a:r>
-            <a:r>
-              <a:rPr lang="en-US" b="1" i="1" dirty="0">
-                <a:solidFill>
-                  <a:schemeClr val="accent5">
-                    <a:lumMod val="60000"/>
-                    <a:lumOff val="40000"/>
-                  </a:schemeClr>
-                </a:solidFill>
-              </a:rPr>
-              <a:t>live</a:t>
-            </a:r>
-            <a:r>
-              <a:rPr lang="en-US" b="1" dirty="0">
-                <a:solidFill>
-                  <a:schemeClr val="accent5">
-                    <a:lumMod val="60000"/>
-                    <a:lumOff val="40000"/>
-                  </a:schemeClr>
-                </a:solidFill>
-              </a:rPr>
-              <a:t> or </a:t>
-            </a:r>
-            <a:r>
-              <a:rPr lang="en-US" b="1" i="1" dirty="0">
-                <a:solidFill>
-                  <a:schemeClr val="accent5">
-                    <a:lumMod val="60000"/>
-                    <a:lumOff val="40000"/>
-                  </a:schemeClr>
-                </a:solidFill>
-              </a:rPr>
-              <a:t>die</a:t>
-            </a:r>
-            <a:r>
-              <a:rPr lang="en-US" b="1" dirty="0">
-                <a:solidFill>
-                  <a:schemeClr val="accent5">
-                    <a:lumMod val="60000"/>
-                    <a:lumOff val="40000"/>
-                  </a:schemeClr>
-                </a:solidFill>
-              </a:rPr>
-              <a:t> based on the parameters using Machine Learning.” </a:t>
-            </a:r>
-          </a:p>
-          <a:p>
-            <a:pPr marL="171450" indent="-171450" fontAlgn="base">
-              <a:buFont typeface="Wingdings" panose="05000000000000000000" pitchFamily="2" charset="2"/>
-              <a:buChar char="Ø"/>
-            </a:pPr>
+            <a:pPr algn="ctr"/>
+            <a:r>
+              <a:rPr lang="en-US" sz="1800" dirty="0" smtClean="0"/>
+              <a:t>(rows, columns) = (155, 20)</a:t>
+            </a:r>
+          </a:p>
+          <a:p>
+            <a:r>
+              <a:rPr lang="en-US" dirty="0" smtClean="0"/>
+              <a:t>1</a:t>
+            </a:r>
+            <a:r>
+              <a:rPr lang="en-US" dirty="0"/>
+              <a:t>.</a:t>
+            </a:r>
+            <a:r>
+              <a:rPr lang="en-US" i="1" dirty="0"/>
+              <a:t> Class:</a:t>
+            </a:r>
+            <a:r>
+              <a:rPr lang="en-US" dirty="0"/>
+              <a:t> DIE, </a:t>
+            </a:r>
+            <a:r>
+              <a:rPr lang="en-US" dirty="0" smtClean="0"/>
+              <a:t>LIVE                                           2</a:t>
+            </a:r>
+            <a:r>
+              <a:rPr lang="en-US" dirty="0"/>
+              <a:t>. </a:t>
+            </a:r>
+            <a:r>
+              <a:rPr lang="en-US" i="1" dirty="0"/>
+              <a:t>AGE:</a:t>
+            </a:r>
+            <a:r>
+              <a:rPr lang="en-US" dirty="0"/>
+              <a:t> 10, 20, 30, 40, 50, 60, 70, </a:t>
+            </a:r>
+            <a:r>
+              <a:rPr lang="en-US" dirty="0" smtClean="0"/>
+              <a:t>80</a:t>
+            </a:r>
+          </a:p>
+          <a:p>
+            <a:r>
+              <a:rPr lang="en-US" dirty="0" smtClean="0"/>
+              <a:t>3. </a:t>
+            </a:r>
+            <a:r>
+              <a:rPr lang="en-US" i="1" dirty="0" smtClean="0"/>
+              <a:t>SEX:</a:t>
+            </a:r>
+            <a:r>
+              <a:rPr lang="en-US" dirty="0" smtClean="0"/>
+              <a:t> male, female                                        4</a:t>
+            </a:r>
+            <a:r>
+              <a:rPr lang="en-US" dirty="0"/>
+              <a:t>. </a:t>
+            </a:r>
             <a:r>
               <a:rPr lang="en-US" b="1" i="1" dirty="0"/>
-              <a:t>Parameters</a:t>
-            </a:r>
-            <a:r>
-              <a:rPr lang="en-US" b="1" i="1" dirty="0" smtClean="0"/>
-              <a:t>:</a:t>
-            </a:r>
-          </a:p>
-          <a:p>
-            <a:pPr fontAlgn="base"/>
-            <a:r>
-              <a:rPr lang="en-US" sz="1200" b="1" i="1" dirty="0"/>
-              <a:t>Class, AGE, SEX, STEROID, ANTIVIRALS, FATIGUE, MALAISE, ANOREXIA , LIVER BIG, LIVER FIRM, SPLEEN </a:t>
-            </a:r>
-            <a:r>
-              <a:rPr lang="en-US" sz="1200" b="1" i="1" dirty="0" smtClean="0"/>
-              <a:t>PALPABLE, </a:t>
-            </a:r>
-            <a:r>
-              <a:rPr lang="en-US" sz="1200" b="1" i="1" dirty="0"/>
-              <a:t>SPIDERS, ASCITES, VARICES, BILIRUBIN, ALK PHOSPHATASE, SGOT, ALBUMIN, PROTIME, HISTOLOGY</a:t>
-            </a:r>
+              <a:t>STEROID:</a:t>
+            </a:r>
+            <a:r>
+              <a:rPr lang="en-US" dirty="0"/>
+              <a:t> no, yes</a:t>
+            </a:r>
+          </a:p>
+          <a:p>
+            <a:r>
+              <a:rPr lang="en-US" dirty="0"/>
+              <a:t>5. </a:t>
+            </a:r>
+            <a:r>
+              <a:rPr lang="en-US" i="1" dirty="0"/>
+              <a:t>ANTIVIRALS:</a:t>
+            </a:r>
+            <a:r>
+              <a:rPr lang="en-US" dirty="0"/>
+              <a:t> no, </a:t>
+            </a:r>
+            <a:r>
+              <a:rPr lang="en-US" dirty="0" smtClean="0"/>
+              <a:t>yes                                   6</a:t>
+            </a:r>
+            <a:r>
+              <a:rPr lang="en-US" dirty="0"/>
+              <a:t>. </a:t>
+            </a:r>
+            <a:r>
+              <a:rPr lang="en-US" i="1" dirty="0"/>
+              <a:t>FATIGUE</a:t>
+            </a:r>
+            <a:r>
+              <a:rPr lang="en-US" dirty="0"/>
+              <a:t>: no, yes</a:t>
+            </a:r>
+          </a:p>
+          <a:p>
+            <a:r>
+              <a:rPr lang="en-US" dirty="0"/>
+              <a:t>7. </a:t>
+            </a:r>
+            <a:r>
+              <a:rPr lang="en-US" i="1" dirty="0"/>
+              <a:t>MALAISE:</a:t>
+            </a:r>
+            <a:r>
+              <a:rPr lang="en-US" dirty="0"/>
+              <a:t> no, </a:t>
+            </a:r>
+            <a:r>
+              <a:rPr lang="en-US" dirty="0" smtClean="0"/>
+              <a:t>yes                                        8</a:t>
+            </a:r>
+            <a:r>
+              <a:rPr lang="en-US" dirty="0"/>
+              <a:t>. </a:t>
+            </a:r>
+            <a:r>
+              <a:rPr lang="en-US" i="1" dirty="0"/>
+              <a:t>ANOREXIA:</a:t>
+            </a:r>
+            <a:r>
+              <a:rPr lang="en-US" dirty="0"/>
+              <a:t> no, yes</a:t>
+            </a:r>
+          </a:p>
+          <a:p>
+            <a:r>
+              <a:rPr lang="en-US" dirty="0"/>
+              <a:t>9.</a:t>
+            </a:r>
+            <a:r>
+              <a:rPr lang="en-US" i="1" dirty="0"/>
+              <a:t> LIVER BIG:</a:t>
+            </a:r>
+            <a:r>
+              <a:rPr lang="en-US" dirty="0"/>
+              <a:t> no, </a:t>
+            </a:r>
+            <a:r>
+              <a:rPr lang="en-US" dirty="0" smtClean="0"/>
+              <a:t>yes                                     10</a:t>
+            </a:r>
+            <a:r>
+              <a:rPr lang="en-US" dirty="0"/>
+              <a:t>. </a:t>
+            </a:r>
+            <a:r>
+              <a:rPr lang="en-US" i="1" dirty="0"/>
+              <a:t>LIVER FIRM:</a:t>
+            </a:r>
+            <a:r>
+              <a:rPr lang="en-US" dirty="0"/>
+              <a:t> no, yes</a:t>
+            </a:r>
+          </a:p>
+          <a:p>
+            <a:r>
+              <a:rPr lang="en-US" dirty="0"/>
+              <a:t>11. </a:t>
+            </a:r>
+            <a:r>
+              <a:rPr lang="en-US" i="1" dirty="0"/>
+              <a:t>SPLEEN PALPABLE:</a:t>
+            </a:r>
+            <a:r>
+              <a:rPr lang="en-US" dirty="0"/>
+              <a:t> no, </a:t>
+            </a:r>
+            <a:r>
+              <a:rPr lang="en-US" dirty="0" smtClean="0"/>
+              <a:t>yes                    12</a:t>
+            </a:r>
+            <a:r>
+              <a:rPr lang="en-US" dirty="0"/>
+              <a:t>.</a:t>
+            </a:r>
+            <a:r>
+              <a:rPr lang="en-US" i="1" dirty="0"/>
+              <a:t> SPIDERS:</a:t>
+            </a:r>
+            <a:r>
+              <a:rPr lang="en-US" dirty="0"/>
+              <a:t> no, yes</a:t>
+            </a:r>
+          </a:p>
+          <a:p>
+            <a:r>
+              <a:rPr lang="en-US" dirty="0"/>
+              <a:t>13. ASCITES: no, </a:t>
+            </a:r>
+            <a:r>
+              <a:rPr lang="en-US" dirty="0" smtClean="0"/>
+              <a:t>yes                                      14</a:t>
+            </a:r>
+            <a:r>
+              <a:rPr lang="en-US" dirty="0"/>
+              <a:t>. VARICES: no, yes</a:t>
+            </a:r>
+          </a:p>
+          <a:p>
+            <a:r>
+              <a:rPr lang="en-US" dirty="0"/>
+              <a:t>15. BILIRUBIN: 0.39, 0.80, 1.20, </a:t>
+            </a:r>
+            <a:r>
+              <a:rPr lang="en-US" dirty="0" smtClean="0"/>
+              <a:t>2.00             16</a:t>
+            </a:r>
+            <a:r>
+              <a:rPr lang="en-US" dirty="0"/>
+              <a:t>. ALK PHOSPHATE: 33, 80, 120, 160, 200, 250</a:t>
+            </a:r>
+          </a:p>
+          <a:p>
+            <a:r>
+              <a:rPr lang="en-US" dirty="0"/>
+              <a:t>17. SGOT: 13, 100, 200, 300, 400, </a:t>
+            </a:r>
+            <a:r>
+              <a:rPr lang="en-US" dirty="0" smtClean="0"/>
+              <a:t>500,          18</a:t>
+            </a:r>
+            <a:r>
+              <a:rPr lang="en-US" dirty="0"/>
+              <a:t>. ALBUMIN: 2.1, 3.0, 3.8, 4.5, 5.0, 6.0</a:t>
+            </a:r>
+          </a:p>
+          <a:p>
+            <a:r>
+              <a:rPr lang="en-US" dirty="0"/>
+              <a:t>19. PROTIME: 10, 20, 30, 40, 50, 60,  </a:t>
+            </a:r>
+            <a:r>
+              <a:rPr lang="en-US" dirty="0" smtClean="0"/>
+              <a:t>            20</a:t>
+            </a:r>
+            <a:r>
+              <a:rPr lang="en-US" dirty="0"/>
+              <a:t>. HISTOLOGY: no, yes</a:t>
+            </a:r>
+          </a:p>
+          <a:p>
+            <a:r>
+              <a:rPr lang="en-US" b="1" dirty="0"/>
+              <a:t> </a:t>
+            </a:r>
+            <a:endParaRPr lang="en-US" dirty="0"/>
+          </a:p>
+          <a:p>
+            <a:r>
+              <a:rPr lang="en-US" b="1" dirty="0"/>
+              <a:t/>
+            </a:r>
+            <a:br>
+              <a:rPr lang="en-US" b="1" dirty="0"/>
+            </a:br>
+            <a:endParaRPr lang="en-US" dirty="0"/>
           </a:p>
         </p:txBody>
       </p:sp>
@@ -16867,7 +16952,7 @@
           <p:cNvPr id="3" name="Title 2">
             <a:extLst>
               <a:ext uri="{FF2B5EF4-FFF2-40B4-BE49-F238E27FC236}">
-                <a16:creationId xmlns:a16="http://schemas.microsoft.com/office/drawing/2014/main" xmlns="" id="{E9BE4A06-2673-41EF-AF84-96B0EDEC0F01}"/>
+                <a16:creationId xmlns="" xmlns:a16="http://schemas.microsoft.com/office/drawing/2014/main" id="{E9BE4A06-2673-41EF-AF84-96B0EDEC0F01}"/>
               </a:ext>
             </a:extLst>
           </p:cNvPr>
@@ -16880,7 +16965,7 @@
         </p:nvSpPr>
         <p:spPr>
           <a:xfrm>
-            <a:off x="5898524" y="425003"/>
+            <a:off x="5950039" y="721217"/>
             <a:ext cx="4327300" cy="605307"/>
           </a:xfrm>
         </p:spPr>
@@ -16889,8 +16974,8 @@
           <a:lstStyle/>
           <a:p>
             <a:r>
-              <a:rPr lang="en-US" dirty="0" err="1" smtClean="0"/>
-              <a:t>OBJECTive</a:t>
+              <a:rPr lang="en-US" dirty="0" smtClean="0"/>
+              <a:t>   dataset</a:t>
             </a:r>
             <a:endParaRPr lang="en-US" dirty="0"/>
           </a:p>
@@ -16901,7 +16986,7 @@
           <p:cNvPr id="36" name="Group 35" descr="Icon Lightbulb">
             <a:extLst>
               <a:ext uri="{FF2B5EF4-FFF2-40B4-BE49-F238E27FC236}">
-                <a16:creationId xmlns:a16="http://schemas.microsoft.com/office/drawing/2014/main" xmlns="" id="{840CA54E-FBB9-4848-A45D-E086AA4A5012}"/>
+                <a16:creationId xmlns="" xmlns:a16="http://schemas.microsoft.com/office/drawing/2014/main" id="{840CA54E-FBB9-4848-A45D-E086AA4A5012}"/>
               </a:ext>
             </a:extLst>
           </p:cNvPr>
@@ -16923,7 +17008,7 @@
             <p:cNvPr id="32" name="Freeform: Shape 31">
               <a:extLst>
                 <a:ext uri="{FF2B5EF4-FFF2-40B4-BE49-F238E27FC236}">
-                  <a16:creationId xmlns:a16="http://schemas.microsoft.com/office/drawing/2014/main" xmlns="" id="{B8ABB65B-B8A5-4C0E-BE4C-E88A7BB3E8A2}"/>
+                  <a16:creationId xmlns="" xmlns:a16="http://schemas.microsoft.com/office/drawing/2014/main" id="{B8ABB65B-B8A5-4C0E-BE4C-E88A7BB3E8A2}"/>
                 </a:ext>
               </a:extLst>
             </p:cNvPr>
@@ -17035,7 +17120,7 @@
             <p:cNvPr id="33" name="Freeform: Shape 32">
               <a:extLst>
                 <a:ext uri="{FF2B5EF4-FFF2-40B4-BE49-F238E27FC236}">
-                  <a16:creationId xmlns:a16="http://schemas.microsoft.com/office/drawing/2014/main" xmlns="" id="{D71DD07A-CE80-41D5-AEEB-65192AD34639}"/>
+                  <a16:creationId xmlns="" xmlns:a16="http://schemas.microsoft.com/office/drawing/2014/main" id="{D71DD07A-CE80-41D5-AEEB-65192AD34639}"/>
                 </a:ext>
               </a:extLst>
             </p:cNvPr>
@@ -17147,7 +17232,7 @@
             <p:cNvPr id="34" name="Freeform: Shape 33">
               <a:extLst>
                 <a:ext uri="{FF2B5EF4-FFF2-40B4-BE49-F238E27FC236}">
-                  <a16:creationId xmlns:a16="http://schemas.microsoft.com/office/drawing/2014/main" xmlns="" id="{0522D638-DE3D-438D-8C73-954C32D8CB63}"/>
+                  <a16:creationId xmlns="" xmlns:a16="http://schemas.microsoft.com/office/drawing/2014/main" id="{0522D638-DE3D-438D-8C73-954C32D8CB63}"/>
                 </a:ext>
               </a:extLst>
             </p:cNvPr>
@@ -17231,7 +17316,7 @@
             <p:cNvPr id="35" name="Freeform: Shape 34">
               <a:extLst>
                 <a:ext uri="{FF2B5EF4-FFF2-40B4-BE49-F238E27FC236}">
-                  <a16:creationId xmlns:a16="http://schemas.microsoft.com/office/drawing/2014/main" xmlns="" id="{01AB190E-B14D-440E-9910-B22D8C998B54}"/>
+                  <a16:creationId xmlns="" xmlns:a16="http://schemas.microsoft.com/office/drawing/2014/main" id="{01AB190E-B14D-440E-9910-B22D8C998B54}"/>
                 </a:ext>
               </a:extLst>
             </p:cNvPr>
@@ -17605,7 +17690,7 @@
           <p:cNvPr id="52" name="Slide Number Placeholder 51">
             <a:extLst>
               <a:ext uri="{FF2B5EF4-FFF2-40B4-BE49-F238E27FC236}">
-                <a16:creationId xmlns:a16="http://schemas.microsoft.com/office/drawing/2014/main" xmlns="" id="{947A81F6-261F-44F4-B660-7BD323AE2991}"/>
+                <a16:creationId xmlns="" xmlns:a16="http://schemas.microsoft.com/office/drawing/2014/main" id="{947A81F6-261F-44F4-B660-7BD323AE2991}"/>
               </a:ext>
             </a:extLst>
           </p:cNvPr>
@@ -17624,7 +17709,7 @@
             <a:fld id="{EECC7194-A4D0-457B-9D3E-53681723AFF7}" type="slidenum">
               <a:rPr lang="en-US" smtClean="0"/>
               <a:pPr/>
-              <a:t>4</a:t>
+              <a:t>5</a:t>
             </a:fld>
             <a:endParaRPr lang="en-US" dirty="0"/>
           </a:p>
@@ -17635,10 +17720,10 @@
           <p:cNvPr id="14" name="Group 13">
             <a:extLst>
               <a:ext uri="{FF2B5EF4-FFF2-40B4-BE49-F238E27FC236}">
-                <a16:creationId xmlns:a16="http://schemas.microsoft.com/office/drawing/2014/main" xmlns="" id="{8CDC0198-E919-4071-9C4B-5B3D19A46785}"/>
+                <a16:creationId xmlns="" xmlns:a16="http://schemas.microsoft.com/office/drawing/2014/main" id="{8CDC0198-E919-4071-9C4B-5B3D19A46785}"/>
               </a:ext>
               <a:ext uri="{C183D7F6-B498-43B3-948B-1728B52AA6E4}">
-                <adec:decorative xmlns:adec="http://schemas.microsoft.com/office/drawing/2017/decorative" xmlns="" val="1"/>
+                <adec:decorative xmlns="" xmlns:adec="http://schemas.microsoft.com/office/drawing/2017/decorative" val="1"/>
               </a:ext>
             </a:extLst>
           </p:cNvPr>
@@ -17660,7 +17745,7 @@
             <p:cNvPr id="16" name="Rectangle 15">
               <a:extLst>
                 <a:ext uri="{FF2B5EF4-FFF2-40B4-BE49-F238E27FC236}">
-                  <a16:creationId xmlns:a16="http://schemas.microsoft.com/office/drawing/2014/main" xmlns="" id="{667DDF34-4085-4945-A320-585AC8EBAAF2}"/>
+                  <a16:creationId xmlns="" xmlns:a16="http://schemas.microsoft.com/office/drawing/2014/main" id="{667DDF34-4085-4945-A320-585AC8EBAAF2}"/>
                 </a:ext>
               </a:extLst>
             </p:cNvPr>
@@ -17714,7 +17799,7 @@
             <p:cNvPr id="17" name="Rectangle 16">
               <a:extLst>
                 <a:ext uri="{FF2B5EF4-FFF2-40B4-BE49-F238E27FC236}">
-                  <a16:creationId xmlns:a16="http://schemas.microsoft.com/office/drawing/2014/main" xmlns="" id="{ED521D40-9109-4214-B458-FAB53B1DA80D}"/>
+                  <a16:creationId xmlns="" xmlns:a16="http://schemas.microsoft.com/office/drawing/2014/main" id="{ED521D40-9109-4214-B458-FAB53B1DA80D}"/>
                 </a:ext>
               </a:extLst>
             </p:cNvPr>
@@ -17767,17 +17852,24 @@
     </p:spTree>
     <p:extLst>
       <p:ext uri="{BB962C8B-B14F-4D97-AF65-F5344CB8AC3E}">
-        <p14:creationId xmlns:p14="http://schemas.microsoft.com/office/powerpoint/2010/main" val="2940679143"/>
+        <p14:creationId xmlns:p14="http://schemas.microsoft.com/office/powerpoint/2010/main" val="165423484"/>
       </p:ext>
     </p:extLst>
   </p:cSld>
   <p:clrMapOvr>
     <a:masterClrMapping/>
   </p:clrMapOvr>
+  <p:timing>
+    <p:tnLst>
+      <p:par>
+        <p:cTn id="1" dur="indefinite" restart="never" nodeType="tmRoot"/>
+      </p:par>
+    </p:tnLst>
+  </p:timing>
 </p:sld>
 </file>
 
-<file path=ppt/slides/slide5.xml><?xml version="1.0" encoding="utf-8"?>
+<file path=ppt/slides/slide6.xml><?xml version="1.0" encoding="utf-8"?>
 <p:sld xmlns:a="http://schemas.openxmlformats.org/drawingml/2006/main" xmlns:r="http://schemas.openxmlformats.org/officeDocument/2006/relationships" xmlns:p="http://schemas.openxmlformats.org/presentationml/2006/main">
   <p:cSld>
     <p:bg>
@@ -17807,7 +17899,7 @@
           <p:cNvPr id="28" name="Picture Placeholder 27" descr="Woman walking through a door">
             <a:extLst>
               <a:ext uri="{FF2B5EF4-FFF2-40B4-BE49-F238E27FC236}">
-                <a16:creationId xmlns:a16="http://schemas.microsoft.com/office/drawing/2014/main" xmlns="" id="{86D7D4AC-BE7B-45B9-AF4A-E2AF1B6C796D}"/>
+                <a16:creationId xmlns="" xmlns:a16="http://schemas.microsoft.com/office/drawing/2014/main" id="{86D7D4AC-BE7B-45B9-AF4A-E2AF1B6C796D}"/>
               </a:ext>
             </a:extLst>
           </p:cNvPr>
@@ -17841,10 +17933,10 @@
           <p:cNvPr id="15" name="Rectangle 14">
             <a:extLst>
               <a:ext uri="{FF2B5EF4-FFF2-40B4-BE49-F238E27FC236}">
-                <a16:creationId xmlns:a16="http://schemas.microsoft.com/office/drawing/2014/main" xmlns="" id="{DD509E5E-F68C-4F2B-8EC7-4325958603E7}"/>
+                <a16:creationId xmlns="" xmlns:a16="http://schemas.microsoft.com/office/drawing/2014/main" id="{DD509E5E-F68C-4F2B-8EC7-4325958603E7}"/>
               </a:ext>
               <a:ext uri="{C183D7F6-B498-43B3-948B-1728B52AA6E4}">
-                <adec:decorative xmlns:adec="http://schemas.microsoft.com/office/drawing/2017/decorative" xmlns="" val="1"/>
+                <adec:decorative xmlns="" xmlns:adec="http://schemas.microsoft.com/office/drawing/2017/decorative" val="1"/>
               </a:ext>
             </a:extLst>
           </p:cNvPr>
@@ -17898,7 +17990,7 @@
           <p:cNvPr id="4" name="Text Placeholder 3">
             <a:extLst>
               <a:ext uri="{FF2B5EF4-FFF2-40B4-BE49-F238E27FC236}">
-                <a16:creationId xmlns:a16="http://schemas.microsoft.com/office/drawing/2014/main" xmlns="" id="{9AF7E39F-041F-4A45-A1CF-F8C269887D5A}"/>
+                <a16:creationId xmlns="" xmlns:a16="http://schemas.microsoft.com/office/drawing/2014/main" id="{9AF7E39F-041F-4A45-A1CF-F8C269887D5A}"/>
               </a:ext>
             </a:extLst>
           </p:cNvPr>
@@ -17911,8 +18003,8 @@
         </p:nvSpPr>
         <p:spPr>
           <a:xfrm>
-            <a:off x="3456943" y="55726"/>
-            <a:ext cx="8735058" cy="6913728"/>
+            <a:off x="3418967" y="55726"/>
+            <a:ext cx="8735058" cy="6802273"/>
           </a:xfrm>
           <a:gradFill>
             <a:gsLst>
@@ -17930,267 +18022,317 @@
           <a:bodyPr/>
           <a:lstStyle/>
           <a:p>
-            <a:pPr algn="ctr"/>
-            <a:r>
-              <a:rPr lang="en-US" sz="1800" dirty="0" smtClean="0"/>
-              <a:t>(rows, columns) = (155, 20)</a:t>
-            </a:r>
-          </a:p>
-          <a:p>
-            <a:r>
-              <a:rPr lang="en-US" dirty="0" smtClean="0"/>
-              <a:t>1</a:t>
-            </a:r>
+            <a:r>
+              <a:rPr lang="en-US" sz="1400" b="1" dirty="0">
+                <a:solidFill>
+                  <a:schemeClr val="accent6">
+                    <a:lumMod val="20000"/>
+                    <a:lumOff val="80000"/>
+                  </a:schemeClr>
+                </a:solidFill>
+              </a:rPr>
+              <a:t> </a:t>
+            </a:r>
+            <a:r>
+              <a:rPr lang="en-US" sz="1400" b="1" dirty="0" smtClean="0">
+                <a:solidFill>
+                  <a:schemeClr val="accent5">
+                    <a:lumMod val="40000"/>
+                    <a:lumOff val="60000"/>
+                  </a:schemeClr>
+                </a:solidFill>
+              </a:rPr>
+              <a:t>Data </a:t>
+            </a:r>
+            <a:r>
+              <a:rPr lang="en-US" sz="1400" b="1" dirty="0">
+                <a:solidFill>
+                  <a:schemeClr val="accent5">
+                    <a:lumMod val="40000"/>
+                    <a:lumOff val="60000"/>
+                  </a:schemeClr>
+                </a:solidFill>
+              </a:rPr>
+              <a:t>Preparation</a:t>
+            </a:r>
+            <a:r>
+              <a:rPr lang="en-US" sz="1400" b="1" dirty="0" smtClean="0">
+                <a:solidFill>
+                  <a:schemeClr val="accent6">
+                    <a:lumMod val="60000"/>
+                    <a:lumOff val="40000"/>
+                  </a:schemeClr>
+                </a:solidFill>
+              </a:rPr>
+              <a:t>: </a:t>
+            </a:r>
+            <a:r>
+              <a:rPr lang="en-US" sz="1400" dirty="0" smtClean="0"/>
+              <a:t>It</a:t>
+            </a:r>
+            <a:r>
+              <a:rPr lang="en-US" sz="1400" dirty="0" smtClean="0">
+                <a:solidFill>
+                  <a:schemeClr val="accent6">
+                    <a:lumMod val="60000"/>
+                    <a:lumOff val="40000"/>
+                  </a:schemeClr>
+                </a:solidFill>
+              </a:rPr>
+              <a:t> </a:t>
+            </a:r>
+            <a:r>
+              <a:rPr lang="en-US" sz="1400" dirty="0" smtClean="0"/>
+              <a:t>is</a:t>
+            </a:r>
+            <a:r>
+              <a:rPr lang="en-US" sz="1400" dirty="0" smtClean="0">
+                <a:solidFill>
+                  <a:schemeClr val="accent6">
+                    <a:lumMod val="60000"/>
+                    <a:lumOff val="40000"/>
+                  </a:schemeClr>
+                </a:solidFill>
+              </a:rPr>
+              <a:t> </a:t>
+            </a:r>
+            <a:r>
+              <a:rPr lang="en-US" sz="1400" dirty="0"/>
+              <a:t>the process of transforming raw data so that data scientists and analysts can run it through machine learning algorithms to uncover insights or make predictions</a:t>
+            </a:r>
+            <a:r>
+              <a:rPr lang="en-US" sz="1400" b="1" dirty="0"/>
+              <a:t>.</a:t>
+            </a:r>
+            <a:endParaRPr lang="en-US" sz="1400" dirty="0"/>
+          </a:p>
+          <a:p>
+            <a:r>
+              <a:rPr lang="en-US" sz="1400" dirty="0"/>
+              <a:t> </a:t>
+            </a:r>
+            <a:r>
+              <a:rPr lang="en-US" sz="1400" b="1" dirty="0" smtClean="0">
+                <a:solidFill>
+                  <a:schemeClr val="accent6">
+                    <a:lumMod val="40000"/>
+                    <a:lumOff val="60000"/>
+                  </a:schemeClr>
+                </a:solidFill>
+              </a:rPr>
+              <a:t>EDA</a:t>
+            </a:r>
+            <a:r>
+              <a:rPr lang="en-US" sz="1400" b="1" dirty="0" smtClean="0"/>
+              <a:t>: </a:t>
+            </a:r>
+            <a:r>
+              <a:rPr lang="en-US" sz="1400" dirty="0" smtClean="0"/>
+              <a:t>Exploratory </a:t>
+            </a:r>
+            <a:r>
+              <a:rPr lang="en-US" sz="1400" dirty="0"/>
+              <a:t>data analysis (EDA) is used by data scientists to analyze and investigate data sets and summarize their main characteristics, often employing data visualization methods.</a:t>
+            </a:r>
+          </a:p>
+          <a:p>
+            <a:r>
+              <a:rPr lang="en-US" sz="1400" b="1" dirty="0"/>
+              <a:t> </a:t>
+            </a:r>
+            <a:r>
+              <a:rPr lang="en-US" sz="1400" b="1" dirty="0" smtClean="0">
+                <a:solidFill>
+                  <a:schemeClr val="accent5">
+                    <a:lumMod val="40000"/>
+                    <a:lumOff val="60000"/>
+                  </a:schemeClr>
+                </a:solidFill>
+              </a:rPr>
+              <a:t>Feature </a:t>
+            </a:r>
+            <a:r>
+              <a:rPr lang="en-US" sz="1400" b="1" dirty="0">
+                <a:solidFill>
+                  <a:schemeClr val="accent5">
+                    <a:lumMod val="40000"/>
+                    <a:lumOff val="60000"/>
+                  </a:schemeClr>
+                </a:solidFill>
+              </a:rPr>
+              <a:t>Selection</a:t>
+            </a:r>
+            <a:r>
+              <a:rPr lang="en-US" sz="1400" b="1" dirty="0" smtClean="0"/>
+              <a:t>: </a:t>
+            </a:r>
+            <a:r>
+              <a:rPr lang="en-US" sz="1400" dirty="0"/>
+              <a:t>T</a:t>
+            </a:r>
+            <a:r>
+              <a:rPr lang="en-US" sz="1400" dirty="0" smtClean="0"/>
+              <a:t>he </a:t>
+            </a:r>
+            <a:r>
+              <a:rPr lang="en-US" sz="1400" dirty="0"/>
+              <a:t>method of reducing the input variable to your model by using only relevant data and getting rid of noise in data</a:t>
+            </a:r>
+            <a:r>
+              <a:rPr lang="en-US" sz="1400" dirty="0" smtClean="0"/>
+              <a:t>. It </a:t>
+            </a:r>
+            <a:r>
+              <a:rPr lang="en-US" sz="1400" dirty="0"/>
+              <a:t>is the process of automatically choosing relevant features for your machine learning model based on the type of problem you are trying to solve</a:t>
+            </a:r>
+          </a:p>
+          <a:p>
+            <a:r>
+              <a:rPr lang="en-US" sz="1400" dirty="0">
+                <a:solidFill>
+                  <a:schemeClr val="accent5">
+                    <a:lumMod val="40000"/>
+                    <a:lumOff val="60000"/>
+                  </a:schemeClr>
+                </a:solidFill>
+              </a:rPr>
+              <a:t> </a:t>
+            </a:r>
+            <a:r>
+              <a:rPr lang="en-US" sz="1400" b="1" dirty="0" smtClean="0">
+                <a:solidFill>
+                  <a:schemeClr val="accent5">
+                    <a:lumMod val="40000"/>
+                    <a:lumOff val="60000"/>
+                  </a:schemeClr>
+                </a:solidFill>
+              </a:rPr>
+              <a:t>Model </a:t>
+            </a:r>
+            <a:r>
+              <a:rPr lang="en-US" sz="1400" b="1" dirty="0">
+                <a:solidFill>
+                  <a:schemeClr val="accent5">
+                    <a:lumMod val="40000"/>
+                    <a:lumOff val="60000"/>
+                  </a:schemeClr>
+                </a:solidFill>
+              </a:rPr>
+              <a:t>Building</a:t>
+            </a:r>
+            <a:r>
+              <a:rPr lang="en-US" sz="1400" b="1" dirty="0" smtClean="0"/>
+              <a:t>: </a:t>
+            </a:r>
+            <a:r>
+              <a:rPr lang="en-US" sz="1400" dirty="0" smtClean="0"/>
+              <a:t>Building </a:t>
+            </a:r>
+            <a:r>
+              <a:rPr lang="en-US" sz="1400" dirty="0"/>
+              <a:t>a model in machine learning is creating a mathematical representation by generalizing and learning from training data. Then, the built machine learning model is applied to new data to make predictions and obtain results.</a:t>
+            </a:r>
+          </a:p>
+          <a:p>
+            <a:r>
+              <a:rPr lang="en-US" sz="1400" b="1" dirty="0"/>
+              <a:t> </a:t>
+            </a:r>
+            <a:r>
+              <a:rPr lang="en-US" sz="1400" b="1" dirty="0" smtClean="0">
+                <a:solidFill>
+                  <a:schemeClr val="accent5">
+                    <a:lumMod val="40000"/>
+                    <a:lumOff val="60000"/>
+                  </a:schemeClr>
+                </a:solidFill>
+              </a:rPr>
+              <a:t>Interpret </a:t>
+            </a:r>
+            <a:r>
+              <a:rPr lang="en-US" sz="1400" b="1" dirty="0">
+                <a:solidFill>
+                  <a:schemeClr val="accent5">
+                    <a:lumMod val="40000"/>
+                    <a:lumOff val="60000"/>
+                  </a:schemeClr>
+                </a:solidFill>
+              </a:rPr>
+              <a:t>Model</a:t>
+            </a:r>
+            <a:r>
+              <a:rPr lang="en-US" sz="1400" b="1" dirty="0" smtClean="0"/>
+              <a:t>: </a:t>
+            </a:r>
+            <a:r>
+              <a:rPr lang="en-US" sz="1400" dirty="0" smtClean="0"/>
+              <a:t>It</a:t>
+            </a:r>
+            <a:r>
+              <a:rPr lang="en-US" sz="1400" b="1" dirty="0" smtClean="0"/>
+              <a:t> </a:t>
+            </a:r>
+            <a:r>
+              <a:rPr lang="en-US" sz="1400" dirty="0" smtClean="0"/>
+              <a:t>is </a:t>
+            </a:r>
+            <a:r>
+              <a:rPr lang="en-US" sz="1400" dirty="0"/>
+              <a:t>used to find out ways to understand model decision making policies better. This is to enable fairness, accountability and transparency which will give humans enough confidence to use these models in real-world problems which have a lot of impact on business and society.</a:t>
+            </a:r>
+          </a:p>
+          <a:p>
+            <a:r>
+              <a:rPr lang="en-US" sz="1400" b="1" dirty="0"/>
+              <a:t> </a:t>
+            </a:r>
+            <a:r>
+              <a:rPr lang="en-US" sz="1400" b="1" dirty="0" smtClean="0">
+                <a:solidFill>
+                  <a:schemeClr val="accent5">
+                    <a:lumMod val="40000"/>
+                    <a:lumOff val="60000"/>
+                  </a:schemeClr>
+                </a:solidFill>
+              </a:rPr>
+              <a:t>Deployment</a:t>
+            </a:r>
+            <a:r>
+              <a:rPr lang="en-US" sz="1400" b="1" dirty="0" smtClean="0"/>
+              <a:t>: </a:t>
+            </a:r>
+            <a:r>
+              <a:rPr lang="en-US" sz="1400" dirty="0" smtClean="0"/>
+              <a:t>Model </a:t>
+            </a:r>
+            <a:r>
+              <a:rPr lang="en-US" sz="1400" dirty="0"/>
+              <a:t>deployment is the process of implementing a fully functioning machine learning model into production where it can make predictions based on data</a:t>
+            </a:r>
+            <a:r>
+              <a:rPr lang="en-US" sz="1200" dirty="0"/>
+              <a:t>.</a:t>
+            </a:r>
+          </a:p>
+          <a:p>
+            <a:r>
+              <a:rPr lang="en-US" sz="1200" dirty="0"/>
+              <a:t/>
+            </a:r>
+            <a:br>
+              <a:rPr lang="en-US" sz="1200" dirty="0"/>
+            </a:br>
+            <a:endParaRPr lang="en-US" sz="1200" dirty="0"/>
+          </a:p>
+          <a:p>
             <a:r>
               <a:rPr lang="en-US" dirty="0"/>
-              <a:t>.</a:t>
-            </a:r>
-            <a:r>
-              <a:rPr lang="en-US" i="1" dirty="0"/>
-              <a:t> Class:</a:t>
-            </a:r>
-            <a:r>
-              <a:rPr lang="en-US" dirty="0"/>
-              <a:t> DIE, </a:t>
-            </a:r>
-            <a:r>
-              <a:rPr lang="en-US" dirty="0" smtClean="0"/>
-              <a:t>LIVE                                           2</a:t>
-            </a:r>
-            <a:r>
-              <a:rPr lang="en-US" dirty="0"/>
-              <a:t>. </a:t>
-            </a:r>
-            <a:r>
-              <a:rPr lang="en-US" i="1" dirty="0"/>
-              <a:t>AGE:</a:t>
-            </a:r>
-            <a:r>
-              <a:rPr lang="en-US" dirty="0"/>
-              <a:t> 10, 20, 30, 40, 50, 60, 70, </a:t>
-            </a:r>
-            <a:r>
-              <a:rPr lang="en-US" dirty="0" smtClean="0"/>
-              <a:t>80</a:t>
-            </a:r>
-          </a:p>
-          <a:p>
-            <a:r>
-              <a:rPr lang="en-US" dirty="0" smtClean="0"/>
-              <a:t>3. </a:t>
-            </a:r>
-            <a:r>
-              <a:rPr lang="en-US" i="1" dirty="0" smtClean="0"/>
-              <a:t>SEX:</a:t>
-            </a:r>
-            <a:r>
-              <a:rPr lang="en-US" dirty="0" smtClean="0"/>
-              <a:t> male, female                                        4</a:t>
-            </a:r>
-            <a:r>
-              <a:rPr lang="en-US" dirty="0"/>
-              <a:t>. </a:t>
-            </a:r>
-            <a:r>
-              <a:rPr lang="en-US" b="1" i="1" dirty="0"/>
-              <a:t>STEROID:</a:t>
-            </a:r>
-            <a:r>
-              <a:rPr lang="en-US" dirty="0"/>
-              <a:t> no, yes</a:t>
-            </a:r>
-          </a:p>
-          <a:p>
-            <a:r>
-              <a:rPr lang="en-US" dirty="0"/>
-              <a:t>5. </a:t>
-            </a:r>
-            <a:r>
-              <a:rPr lang="en-US" i="1" dirty="0"/>
-              <a:t>ANTIVIRALS:</a:t>
-            </a:r>
-            <a:r>
-              <a:rPr lang="en-US" dirty="0"/>
-              <a:t> no, </a:t>
-            </a:r>
-            <a:r>
-              <a:rPr lang="en-US" dirty="0" smtClean="0"/>
-              <a:t>yes                                   6</a:t>
-            </a:r>
-            <a:r>
-              <a:rPr lang="en-US" dirty="0"/>
-              <a:t>. </a:t>
-            </a:r>
-            <a:r>
-              <a:rPr lang="en-US" i="1" dirty="0"/>
-              <a:t>FATIGUE</a:t>
-            </a:r>
-            <a:r>
-              <a:rPr lang="en-US" dirty="0"/>
-              <a:t>: no, yes</a:t>
-            </a:r>
-          </a:p>
-          <a:p>
-            <a:r>
-              <a:rPr lang="en-US" dirty="0"/>
-              <a:t>7. </a:t>
-            </a:r>
-            <a:r>
-              <a:rPr lang="en-US" i="1" dirty="0"/>
-              <a:t>MALAISE:</a:t>
-            </a:r>
-            <a:r>
-              <a:rPr lang="en-US" dirty="0"/>
-              <a:t> no, </a:t>
-            </a:r>
-            <a:r>
-              <a:rPr lang="en-US" dirty="0" smtClean="0"/>
-              <a:t>yes                                        8</a:t>
-            </a:r>
-            <a:r>
-              <a:rPr lang="en-US" dirty="0"/>
-              <a:t>. </a:t>
-            </a:r>
-            <a:r>
-              <a:rPr lang="en-US" i="1" dirty="0"/>
-              <a:t>ANOREXIA:</a:t>
-            </a:r>
-            <a:r>
-              <a:rPr lang="en-US" dirty="0"/>
-              <a:t> no, yes</a:t>
-            </a:r>
-          </a:p>
-          <a:p>
-            <a:r>
-              <a:rPr lang="en-US" dirty="0"/>
-              <a:t>9.</a:t>
-            </a:r>
-            <a:r>
-              <a:rPr lang="en-US" i="1" dirty="0"/>
-              <a:t> LIVER BIG:</a:t>
-            </a:r>
-            <a:r>
-              <a:rPr lang="en-US" dirty="0"/>
-              <a:t> no, </a:t>
-            </a:r>
-            <a:r>
-              <a:rPr lang="en-US" dirty="0" smtClean="0"/>
-              <a:t>yes                                     10</a:t>
-            </a:r>
-            <a:r>
-              <a:rPr lang="en-US" dirty="0"/>
-              <a:t>. </a:t>
-            </a:r>
-            <a:r>
-              <a:rPr lang="en-US" i="1" dirty="0"/>
-              <a:t>LIVER FIRM:</a:t>
-            </a:r>
-            <a:r>
-              <a:rPr lang="en-US" dirty="0"/>
-              <a:t> no, yes</a:t>
-            </a:r>
-          </a:p>
-          <a:p>
-            <a:r>
-              <a:rPr lang="en-US" dirty="0"/>
-              <a:t>11. </a:t>
-            </a:r>
-            <a:r>
-              <a:rPr lang="en-US" i="1" dirty="0"/>
-              <a:t>SPLEEN PALPABLE:</a:t>
-            </a:r>
-            <a:r>
-              <a:rPr lang="en-US" dirty="0"/>
-              <a:t> no, </a:t>
-            </a:r>
-            <a:r>
-              <a:rPr lang="en-US" dirty="0" smtClean="0"/>
-              <a:t>yes                    12</a:t>
-            </a:r>
-            <a:r>
-              <a:rPr lang="en-US" dirty="0"/>
-              <a:t>.</a:t>
-            </a:r>
-            <a:r>
-              <a:rPr lang="en-US" i="1" dirty="0"/>
-              <a:t> SPIDERS:</a:t>
-            </a:r>
-            <a:r>
-              <a:rPr lang="en-US" dirty="0"/>
-              <a:t> no, yes</a:t>
-            </a:r>
-          </a:p>
-          <a:p>
-            <a:r>
-              <a:rPr lang="en-US" dirty="0"/>
-              <a:t>13. ASCITES: no, </a:t>
-            </a:r>
-            <a:r>
-              <a:rPr lang="en-US" dirty="0" smtClean="0"/>
-              <a:t>yes                                      14</a:t>
-            </a:r>
-            <a:r>
-              <a:rPr lang="en-US" dirty="0"/>
-              <a:t>. VARICES: no, yes</a:t>
-            </a:r>
-          </a:p>
-          <a:p>
-            <a:r>
-              <a:rPr lang="en-US" dirty="0"/>
-              <a:t>15. BILIRUBIN: 0.39, 0.80, 1.20, </a:t>
-            </a:r>
-            <a:r>
-              <a:rPr lang="en-US" dirty="0" smtClean="0"/>
-              <a:t>2.00             16</a:t>
-            </a:r>
-            <a:r>
-              <a:rPr lang="en-US" dirty="0"/>
-              <a:t>. ALK PHOSPHATE: 33, 80, 120, 160, 200, 250</a:t>
-            </a:r>
-          </a:p>
-          <a:p>
-            <a:r>
-              <a:rPr lang="en-US" dirty="0"/>
-              <a:t>17. SGOT: 13, 100, 200, 300, 400, </a:t>
-            </a:r>
-            <a:r>
-              <a:rPr lang="en-US" dirty="0" smtClean="0"/>
-              <a:t>500,          18</a:t>
-            </a:r>
-            <a:r>
-              <a:rPr lang="en-US" dirty="0"/>
-              <a:t>. ALBUMIN: 2.1, 3.0, 3.8, 4.5, 5.0, 6.0</a:t>
-            </a:r>
-          </a:p>
-          <a:p>
-            <a:r>
-              <a:rPr lang="en-US" dirty="0"/>
-              <a:t>19. PROTIME: 10, 20, 30, 40, 50, 60,  </a:t>
-            </a:r>
-            <a:r>
-              <a:rPr lang="en-US" dirty="0" smtClean="0"/>
-              <a:t>            20</a:t>
-            </a:r>
-            <a:r>
-              <a:rPr lang="en-US" dirty="0"/>
-              <a:t>. HISTOLOGY: no, yes</a:t>
-            </a:r>
-          </a:p>
-          <a:p>
-            <a:r>
-              <a:rPr lang="en-US" b="1" dirty="0"/>
               <a:t> </a:t>
             </a:r>
-            <a:endParaRPr lang="en-US" dirty="0"/>
-          </a:p>
-          <a:p>
-            <a:r>
-              <a:rPr lang="en-US" b="1" dirty="0"/>
-              <a:t/>
-            </a:r>
-            <a:br>
-              <a:rPr lang="en-US" b="1" dirty="0"/>
-            </a:br>
+          </a:p>
+          <a:p>
+            <a:pPr lvl="0"/>
             <a:endParaRPr lang="en-US" dirty="0"/>
           </a:p>
         </p:txBody>
@@ -18200,7 +18342,7 @@
           <p:cNvPr id="3" name="Title 2">
             <a:extLst>
               <a:ext uri="{FF2B5EF4-FFF2-40B4-BE49-F238E27FC236}">
-                <a16:creationId xmlns:a16="http://schemas.microsoft.com/office/drawing/2014/main" xmlns="" id="{E9BE4A06-2673-41EF-AF84-96B0EDEC0F01}"/>
+                <a16:creationId xmlns="" xmlns:a16="http://schemas.microsoft.com/office/drawing/2014/main" id="{E9BE4A06-2673-41EF-AF84-96B0EDEC0F01}"/>
               </a:ext>
             </a:extLst>
           </p:cNvPr>
@@ -18213,8 +18355,8 @@
         </p:nvSpPr>
         <p:spPr>
           <a:xfrm>
-            <a:off x="5950039" y="721217"/>
-            <a:ext cx="4327300" cy="605307"/>
+            <a:off x="5254580" y="888641"/>
+            <a:ext cx="5769735" cy="721217"/>
           </a:xfrm>
         </p:spPr>
         <p:txBody>
@@ -18223,7 +18365,7 @@
           <a:p>
             <a:r>
               <a:rPr lang="en-US" dirty="0" smtClean="0"/>
-              <a:t>   dataset</a:t>
+              <a:t>   methodology</a:t>
             </a:r>
             <a:endParaRPr lang="en-US" dirty="0"/>
           </a:p>
@@ -18234,7 +18376,7 @@
           <p:cNvPr id="36" name="Group 35" descr="Icon Lightbulb">
             <a:extLst>
               <a:ext uri="{FF2B5EF4-FFF2-40B4-BE49-F238E27FC236}">
-                <a16:creationId xmlns:a16="http://schemas.microsoft.com/office/drawing/2014/main" xmlns="" id="{840CA54E-FBB9-4848-A45D-E086AA4A5012}"/>
+                <a16:creationId xmlns="" xmlns:a16="http://schemas.microsoft.com/office/drawing/2014/main" id="{840CA54E-FBB9-4848-A45D-E086AA4A5012}"/>
               </a:ext>
             </a:extLst>
           </p:cNvPr>
@@ -18256,7 +18398,7 @@
             <p:cNvPr id="32" name="Freeform: Shape 31">
               <a:extLst>
                 <a:ext uri="{FF2B5EF4-FFF2-40B4-BE49-F238E27FC236}">
-                  <a16:creationId xmlns:a16="http://schemas.microsoft.com/office/drawing/2014/main" xmlns="" id="{B8ABB65B-B8A5-4C0E-BE4C-E88A7BB3E8A2}"/>
+                  <a16:creationId xmlns="" xmlns:a16="http://schemas.microsoft.com/office/drawing/2014/main" id="{B8ABB65B-B8A5-4C0E-BE4C-E88A7BB3E8A2}"/>
                 </a:ext>
               </a:extLst>
             </p:cNvPr>
@@ -18368,7 +18510,7 @@
             <p:cNvPr id="33" name="Freeform: Shape 32">
               <a:extLst>
                 <a:ext uri="{FF2B5EF4-FFF2-40B4-BE49-F238E27FC236}">
-                  <a16:creationId xmlns:a16="http://schemas.microsoft.com/office/drawing/2014/main" xmlns="" id="{D71DD07A-CE80-41D5-AEEB-65192AD34639}"/>
+                  <a16:creationId xmlns="" xmlns:a16="http://schemas.microsoft.com/office/drawing/2014/main" id="{D71DD07A-CE80-41D5-AEEB-65192AD34639}"/>
                 </a:ext>
               </a:extLst>
             </p:cNvPr>
@@ -18480,7 +18622,7 @@
             <p:cNvPr id="34" name="Freeform: Shape 33">
               <a:extLst>
                 <a:ext uri="{FF2B5EF4-FFF2-40B4-BE49-F238E27FC236}">
-                  <a16:creationId xmlns:a16="http://schemas.microsoft.com/office/drawing/2014/main" xmlns="" id="{0522D638-DE3D-438D-8C73-954C32D8CB63}"/>
+                  <a16:creationId xmlns="" xmlns:a16="http://schemas.microsoft.com/office/drawing/2014/main" id="{0522D638-DE3D-438D-8C73-954C32D8CB63}"/>
                 </a:ext>
               </a:extLst>
             </p:cNvPr>
@@ -18564,7 +18706,7 @@
             <p:cNvPr id="35" name="Freeform: Shape 34">
               <a:extLst>
                 <a:ext uri="{FF2B5EF4-FFF2-40B4-BE49-F238E27FC236}">
-                  <a16:creationId xmlns:a16="http://schemas.microsoft.com/office/drawing/2014/main" xmlns="" id="{01AB190E-B14D-440E-9910-B22D8C998B54}"/>
+                  <a16:creationId xmlns="" xmlns:a16="http://schemas.microsoft.com/office/drawing/2014/main" id="{01AB190E-B14D-440E-9910-B22D8C998B54}"/>
                 </a:ext>
               </a:extLst>
             </p:cNvPr>
@@ -18938,7 +19080,7 @@
           <p:cNvPr id="52" name="Slide Number Placeholder 51">
             <a:extLst>
               <a:ext uri="{FF2B5EF4-FFF2-40B4-BE49-F238E27FC236}">
-                <a16:creationId xmlns:a16="http://schemas.microsoft.com/office/drawing/2014/main" xmlns="" id="{947A81F6-261F-44F4-B660-7BD323AE2991}"/>
+                <a16:creationId xmlns="" xmlns:a16="http://schemas.microsoft.com/office/drawing/2014/main" id="{947A81F6-261F-44F4-B660-7BD323AE2991}"/>
               </a:ext>
             </a:extLst>
           </p:cNvPr>
@@ -18957,7 +19099,7 @@
             <a:fld id="{EECC7194-A4D0-457B-9D3E-53681723AFF7}" type="slidenum">
               <a:rPr lang="en-US" smtClean="0"/>
               <a:pPr/>
-              <a:t>5</a:t>
+              <a:t>6</a:t>
             </a:fld>
             <a:endParaRPr lang="en-US" dirty="0"/>
           </a:p>
@@ -18968,10 +19110,10 @@
           <p:cNvPr id="14" name="Group 13">
             <a:extLst>
               <a:ext uri="{FF2B5EF4-FFF2-40B4-BE49-F238E27FC236}">
-                <a16:creationId xmlns:a16="http://schemas.microsoft.com/office/drawing/2014/main" xmlns="" id="{8CDC0198-E919-4071-9C4B-5B3D19A46785}"/>
+                <a16:creationId xmlns="" xmlns:a16="http://schemas.microsoft.com/office/drawing/2014/main" id="{8CDC0198-E919-4071-9C4B-5B3D19A46785}"/>
               </a:ext>
               <a:ext uri="{C183D7F6-B498-43B3-948B-1728B52AA6E4}">
-                <adec:decorative xmlns:adec="http://schemas.microsoft.com/office/drawing/2017/decorative" xmlns="" val="1"/>
+                <adec:decorative xmlns="" xmlns:adec="http://schemas.microsoft.com/office/drawing/2017/decorative" val="1"/>
               </a:ext>
             </a:extLst>
           </p:cNvPr>
@@ -18993,7 +19135,7 @@
             <p:cNvPr id="16" name="Rectangle 15">
               <a:extLst>
                 <a:ext uri="{FF2B5EF4-FFF2-40B4-BE49-F238E27FC236}">
-                  <a16:creationId xmlns:a16="http://schemas.microsoft.com/office/drawing/2014/main" xmlns="" id="{667DDF34-4085-4945-A320-585AC8EBAAF2}"/>
+                  <a16:creationId xmlns="" xmlns:a16="http://schemas.microsoft.com/office/drawing/2014/main" id="{667DDF34-4085-4945-A320-585AC8EBAAF2}"/>
                 </a:ext>
               </a:extLst>
             </p:cNvPr>
@@ -19047,7 +19189,7 @@
             <p:cNvPr id="17" name="Rectangle 16">
               <a:extLst>
                 <a:ext uri="{FF2B5EF4-FFF2-40B4-BE49-F238E27FC236}">
-                  <a16:creationId xmlns:a16="http://schemas.microsoft.com/office/drawing/2014/main" xmlns="" id="{ED521D40-9109-4214-B458-FAB53B1DA80D}"/>
+                  <a16:creationId xmlns="" xmlns:a16="http://schemas.microsoft.com/office/drawing/2014/main" id="{ED521D40-9109-4214-B458-FAB53B1DA80D}"/>
                 </a:ext>
               </a:extLst>
             </p:cNvPr>
@@ -19100,17 +19242,24 @@
     </p:spTree>
     <p:extLst>
       <p:ext uri="{BB962C8B-B14F-4D97-AF65-F5344CB8AC3E}">
-        <p14:creationId xmlns:p14="http://schemas.microsoft.com/office/powerpoint/2010/main" val="165423484"/>
+        <p14:creationId xmlns:p14="http://schemas.microsoft.com/office/powerpoint/2010/main" val="4077762719"/>
       </p:ext>
     </p:extLst>
   </p:cSld>
   <p:clrMapOvr>
     <a:masterClrMapping/>
   </p:clrMapOvr>
+  <p:timing>
+    <p:tnLst>
+      <p:par>
+        <p:cTn id="1" dur="indefinite" restart="never" nodeType="tmRoot"/>
+      </p:par>
+    </p:tnLst>
+  </p:timing>
 </p:sld>
 </file>
 
-<file path=ppt/slides/slide6.xml><?xml version="1.0" encoding="utf-8"?>
+<file path=ppt/slides/slide7.xml><?xml version="1.0" encoding="utf-8"?>
 <p:sld xmlns:a="http://schemas.openxmlformats.org/drawingml/2006/main" xmlns:r="http://schemas.openxmlformats.org/officeDocument/2006/relationships" xmlns:p="http://schemas.openxmlformats.org/presentationml/2006/main">
   <p:cSld>
     <p:bg>
@@ -19140,7 +19289,7 @@
           <p:cNvPr id="28" name="Picture Placeholder 27" descr="Woman walking through a door">
             <a:extLst>
               <a:ext uri="{FF2B5EF4-FFF2-40B4-BE49-F238E27FC236}">
-                <a16:creationId xmlns:a16="http://schemas.microsoft.com/office/drawing/2014/main" xmlns="" id="{86D7D4AC-BE7B-45B9-AF4A-E2AF1B6C796D}"/>
+                <a16:creationId xmlns="" xmlns:a16="http://schemas.microsoft.com/office/drawing/2014/main" id="{86D7D4AC-BE7B-45B9-AF4A-E2AF1B6C796D}"/>
               </a:ext>
             </a:extLst>
           </p:cNvPr>
@@ -19174,10 +19323,10 @@
           <p:cNvPr id="15" name="Rectangle 14">
             <a:extLst>
               <a:ext uri="{FF2B5EF4-FFF2-40B4-BE49-F238E27FC236}">
-                <a16:creationId xmlns:a16="http://schemas.microsoft.com/office/drawing/2014/main" xmlns="" id="{DD509E5E-F68C-4F2B-8EC7-4325958603E7}"/>
+                <a16:creationId xmlns="" xmlns:a16="http://schemas.microsoft.com/office/drawing/2014/main" id="{DD509E5E-F68C-4F2B-8EC7-4325958603E7}"/>
               </a:ext>
               <a:ext uri="{C183D7F6-B498-43B3-948B-1728B52AA6E4}">
-                <adec:decorative xmlns:adec="http://schemas.microsoft.com/office/drawing/2017/decorative" xmlns="" val="1"/>
+                <adec:decorative xmlns="" xmlns:adec="http://schemas.microsoft.com/office/drawing/2017/decorative" val="1"/>
               </a:ext>
             </a:extLst>
           </p:cNvPr>
@@ -19231,7 +19380,7 @@
           <p:cNvPr id="4" name="Text Placeholder 3">
             <a:extLst>
               <a:ext uri="{FF2B5EF4-FFF2-40B4-BE49-F238E27FC236}">
-                <a16:creationId xmlns:a16="http://schemas.microsoft.com/office/drawing/2014/main" xmlns="" id="{9AF7E39F-041F-4A45-A1CF-F8C269887D5A}"/>
+                <a16:creationId xmlns="" xmlns:a16="http://schemas.microsoft.com/office/drawing/2014/main" id="{9AF7E39F-041F-4A45-A1CF-F8C269887D5A}"/>
               </a:ext>
             </a:extLst>
           </p:cNvPr>
@@ -19264,307 +19413,191 @@
           <a:lstStyle/>
           <a:p>
             <a:r>
-              <a:rPr lang="en-US" sz="1400" b="1" dirty="0">
-                <a:solidFill>
-                  <a:schemeClr val="accent6">
-                    <a:lumMod val="20000"/>
-                    <a:lumOff val="80000"/>
+              <a:rPr lang="en-US" b="1" i="1" dirty="0">
+                <a:solidFill>
+                  <a:schemeClr val="tx2">
+                    <a:lumMod val="50000"/>
+                    <a:lumOff val="50000"/>
                   </a:schemeClr>
                 </a:solidFill>
               </a:rPr>
-              <a:t> </a:t>
-            </a:r>
-            <a:r>
-              <a:rPr lang="en-US" sz="1400" b="1" dirty="0" smtClean="0">
+              <a:t>Supervised Learning </a:t>
+            </a:r>
+            <a:r>
+              <a:rPr lang="en-US" b="1" i="1" dirty="0" smtClean="0">
+                <a:solidFill>
+                  <a:schemeClr val="tx2">
+                    <a:lumMod val="50000"/>
+                    <a:lumOff val="50000"/>
+                  </a:schemeClr>
+                </a:solidFill>
+              </a:rPr>
+              <a:t>Model: </a:t>
+            </a:r>
+            <a:r>
+              <a:rPr lang="en-US" dirty="0" smtClean="0"/>
+              <a:t>Supervised </a:t>
+            </a:r>
+            <a:r>
+              <a:rPr lang="en-US" dirty="0"/>
+              <a:t>learning is the type of machine learning in which machines are trained using well "labeled" training data, and on the basis of that data, machines predict the output. The labeled data means some input data is already tagged with the correct output</a:t>
+            </a:r>
+            <a:r>
+              <a:rPr lang="en-US" dirty="0" smtClean="0"/>
+              <a:t>.</a:t>
+            </a:r>
+          </a:p>
+          <a:p>
+            <a:r>
+              <a:rPr lang="en-US" b="1" i="1" dirty="0">
+                <a:solidFill>
+                  <a:schemeClr val="tx2">
+                    <a:lumMod val="50000"/>
+                    <a:lumOff val="50000"/>
+                  </a:schemeClr>
+                </a:solidFill>
+              </a:rPr>
+              <a:t>Classification model: </a:t>
+            </a:r>
+            <a:r>
+              <a:rPr lang="en-US" dirty="0" smtClean="0"/>
+              <a:t>A </a:t>
+            </a:r>
+            <a:r>
+              <a:rPr lang="en-US" dirty="0"/>
+              <a:t>classification model tries to draw some conclusion from the input values given for training. It will predict the class labels/categories for the new data</a:t>
+            </a:r>
+          </a:p>
+          <a:p>
+            <a:pPr lvl="0"/>
+            <a:r>
+              <a:rPr lang="en-US" dirty="0"/>
+              <a:t> </a:t>
+            </a:r>
+            <a:r>
+              <a:rPr lang="en-US" dirty="0" smtClean="0"/>
+              <a:t>1) </a:t>
+            </a:r>
+            <a:r>
+              <a:rPr lang="en-US" b="1" i="1" dirty="0" smtClean="0">
                 <a:solidFill>
                   <a:schemeClr val="accent5">
-                    <a:lumMod val="40000"/>
-                    <a:lumOff val="60000"/>
-                  </a:schemeClr>
-                </a:solidFill>
-              </a:rPr>
-              <a:t>Data </a:t>
-            </a:r>
-            <a:r>
-              <a:rPr lang="en-US" sz="1400" b="1" dirty="0">
-                <a:solidFill>
-                  <a:schemeClr val="accent5">
-                    <a:lumMod val="40000"/>
-                    <a:lumOff val="60000"/>
-                  </a:schemeClr>
-                </a:solidFill>
-              </a:rPr>
-              <a:t>Preparation</a:t>
-            </a:r>
-            <a:r>
-              <a:rPr lang="en-US" sz="1400" b="1" dirty="0" smtClean="0">
-                <a:solidFill>
-                  <a:schemeClr val="accent6">
                     <a:lumMod val="60000"/>
                     <a:lumOff val="40000"/>
                   </a:schemeClr>
                 </a:solidFill>
               </a:rPr>
-              <a:t>: </a:t>
-            </a:r>
-            <a:r>
-              <a:rPr lang="en-US" sz="1400" dirty="0" smtClean="0"/>
-              <a:t>It</a:t>
-            </a:r>
-            <a:r>
-              <a:rPr lang="en-US" sz="1400" dirty="0" smtClean="0">
-                <a:solidFill>
-                  <a:schemeClr val="accent6">
+              <a:t>K-Nearest Neighbors: </a:t>
+            </a:r>
+            <a:r>
+              <a:rPr lang="en-US" dirty="0" smtClean="0"/>
+              <a:t>Neighbors </a:t>
+            </a:r>
+            <a:r>
+              <a:rPr lang="en-US" dirty="0"/>
+              <a:t>based classification is a type of lazy learning as it does not attempt to construct a general internal model, but simply stores instances of the training </a:t>
+            </a:r>
+            <a:r>
+              <a:rPr lang="en-US" dirty="0" smtClean="0"/>
+              <a:t>data.</a:t>
+            </a:r>
+          </a:p>
+          <a:p>
+            <a:pPr lvl="0"/>
+            <a:r>
+              <a:rPr lang="en-US" dirty="0" smtClean="0"/>
+              <a:t> 2)</a:t>
+            </a:r>
+            <a:r>
+              <a:rPr lang="en-US" b="1" i="1" dirty="0"/>
+              <a:t> </a:t>
+            </a:r>
+            <a:r>
+              <a:rPr lang="en-US" b="1" i="1" dirty="0">
+                <a:solidFill>
+                  <a:schemeClr val="accent5">
                     <a:lumMod val="60000"/>
                     <a:lumOff val="40000"/>
                   </a:schemeClr>
                 </a:solidFill>
               </a:rPr>
-              <a:t> </a:t>
-            </a:r>
-            <a:r>
-              <a:rPr lang="en-US" sz="1400" dirty="0" smtClean="0"/>
-              <a:t>is</a:t>
-            </a:r>
-            <a:r>
-              <a:rPr lang="en-US" sz="1400" dirty="0" smtClean="0">
-                <a:solidFill>
-                  <a:schemeClr val="accent6">
+              <a:t>Decision </a:t>
+            </a:r>
+            <a:r>
+              <a:rPr lang="en-US" b="1" i="1" dirty="0" smtClean="0">
+                <a:solidFill>
+                  <a:schemeClr val="accent5">
                     <a:lumMod val="60000"/>
                     <a:lumOff val="40000"/>
                   </a:schemeClr>
                 </a:solidFill>
               </a:rPr>
+              <a:t>Tree: </a:t>
+            </a:r>
+            <a:r>
+              <a:rPr lang="en-US" dirty="0"/>
+              <a:t>g</a:t>
+            </a:r>
+            <a:r>
+              <a:rPr lang="en-US" dirty="0" smtClean="0"/>
+              <a:t>iven </a:t>
+            </a:r>
+            <a:r>
+              <a:rPr lang="en-US" dirty="0"/>
+              <a:t>a data of attributes together with its classes, a decision tree produces a sequence of rules that can be used to classify the data</a:t>
+            </a:r>
+            <a:r>
+              <a:rPr lang="en-US" dirty="0" smtClean="0"/>
+              <a:t>.</a:t>
+            </a:r>
+          </a:p>
+          <a:p>
+            <a:pPr lvl="0"/>
+            <a:r>
+              <a:rPr lang="en-US" dirty="0" smtClean="0"/>
+              <a:t> 3) </a:t>
+            </a:r>
+            <a:r>
+              <a:rPr lang="en-US" b="1" i="1" dirty="0">
+                <a:solidFill>
+                  <a:schemeClr val="accent5">
+                    <a:lumMod val="60000"/>
+                    <a:lumOff val="40000"/>
+                  </a:schemeClr>
+                </a:solidFill>
+              </a:rPr>
+              <a:t>Logistic </a:t>
+            </a:r>
+            <a:r>
+              <a:rPr lang="en-US" b="1" i="1" dirty="0" smtClean="0">
+                <a:solidFill>
+                  <a:schemeClr val="accent5">
+                    <a:lumMod val="60000"/>
+                    <a:lumOff val="40000"/>
+                  </a:schemeClr>
+                </a:solidFill>
+              </a:rPr>
+              <a:t>Regression:</a:t>
+            </a:r>
+            <a:r>
+              <a:rPr lang="en-US" dirty="0">
+                <a:solidFill>
+                  <a:schemeClr val="accent5">
+                    <a:lumMod val="60000"/>
+                    <a:lumOff val="40000"/>
+                  </a:schemeClr>
+                </a:solidFill>
+              </a:rPr>
               <a:t> </a:t>
             </a:r>
             <a:r>
-              <a:rPr lang="en-US" sz="1400" dirty="0"/>
-              <a:t>the process of transforming raw data so that data scientists and analysts can run it through machine learning algorithms to uncover insights or make predictions</a:t>
-            </a:r>
-            <a:r>
-              <a:rPr lang="en-US" sz="1400" b="1" dirty="0"/>
-              <a:t>.</a:t>
-            </a:r>
-            <a:endParaRPr lang="en-US" sz="1400" dirty="0"/>
-          </a:p>
-          <a:p>
-            <a:r>
-              <a:rPr lang="en-US" sz="1400" dirty="0"/>
-              <a:t> </a:t>
-            </a:r>
-            <a:r>
-              <a:rPr lang="en-US" sz="1400" b="1" dirty="0" smtClean="0">
-                <a:solidFill>
-                  <a:schemeClr val="accent6">
-                    <a:lumMod val="40000"/>
-                    <a:lumOff val="60000"/>
-                  </a:schemeClr>
-                </a:solidFill>
-              </a:rPr>
-              <a:t>EDA</a:t>
-            </a:r>
-            <a:r>
-              <a:rPr lang="en-US" sz="1400" b="1" dirty="0" smtClean="0"/>
-              <a:t>: </a:t>
-            </a:r>
-            <a:r>
-              <a:rPr lang="en-US" sz="1400" dirty="0" smtClean="0"/>
-              <a:t>Exploratory </a:t>
-            </a:r>
-            <a:r>
-              <a:rPr lang="en-US" sz="1400" dirty="0"/>
-              <a:t>data analysis (EDA) is used by data scientists to analyze and investigate data sets and summarize their main characteristics, often employing data visualization methods.</a:t>
-            </a:r>
-          </a:p>
-          <a:p>
-            <a:r>
-              <a:rPr lang="en-US" sz="1400" b="1" dirty="0"/>
-              <a:t> </a:t>
-            </a:r>
-            <a:r>
-              <a:rPr lang="en-US" sz="1400" b="1" dirty="0" smtClean="0">
-                <a:solidFill>
-                  <a:schemeClr val="accent5">
-                    <a:lumMod val="40000"/>
-                    <a:lumOff val="60000"/>
-                  </a:schemeClr>
-                </a:solidFill>
-              </a:rPr>
-              <a:t>Feature </a:t>
-            </a:r>
-            <a:r>
-              <a:rPr lang="en-US" sz="1400" b="1" dirty="0">
-                <a:solidFill>
-                  <a:schemeClr val="accent5">
-                    <a:lumMod val="40000"/>
-                    <a:lumOff val="60000"/>
-                  </a:schemeClr>
-                </a:solidFill>
-              </a:rPr>
-              <a:t>Selection</a:t>
-            </a:r>
-            <a:r>
-              <a:rPr lang="en-US" sz="1400" b="1" dirty="0" smtClean="0"/>
-              <a:t>: </a:t>
-            </a:r>
-            <a:r>
-              <a:rPr lang="en-US" sz="1400" dirty="0"/>
-              <a:t>T</a:t>
-            </a:r>
-            <a:r>
-              <a:rPr lang="en-US" sz="1400" dirty="0" smtClean="0"/>
-              <a:t>he </a:t>
-            </a:r>
-            <a:r>
-              <a:rPr lang="en-US" sz="1400" dirty="0"/>
-              <a:t>method of reducing the input variable to your model by using only relevant data and getting rid of noise in data</a:t>
-            </a:r>
-            <a:r>
-              <a:rPr lang="en-US" sz="1400" dirty="0" smtClean="0"/>
-              <a:t>. It </a:t>
-            </a:r>
-            <a:r>
-              <a:rPr lang="en-US" sz="1400" dirty="0"/>
-              <a:t>is the process of automatically choosing relevant features for your machine learning model based on the type of problem you are trying to solve</a:t>
-            </a:r>
-          </a:p>
-          <a:p>
-            <a:r>
-              <a:rPr lang="en-US" sz="1400" dirty="0">
-                <a:solidFill>
-                  <a:schemeClr val="accent5">
-                    <a:lumMod val="40000"/>
-                    <a:lumOff val="60000"/>
-                  </a:schemeClr>
-                </a:solidFill>
-              </a:rPr>
-              <a:t> </a:t>
-            </a:r>
-            <a:r>
-              <a:rPr lang="en-US" sz="1400" b="1" dirty="0" smtClean="0">
-                <a:solidFill>
-                  <a:schemeClr val="accent5">
-                    <a:lumMod val="40000"/>
-                    <a:lumOff val="60000"/>
-                  </a:schemeClr>
-                </a:solidFill>
-              </a:rPr>
-              <a:t>Model </a:t>
-            </a:r>
-            <a:r>
-              <a:rPr lang="en-US" sz="1400" b="1" dirty="0">
-                <a:solidFill>
-                  <a:schemeClr val="accent5">
-                    <a:lumMod val="40000"/>
-                    <a:lumOff val="60000"/>
-                  </a:schemeClr>
-                </a:solidFill>
-              </a:rPr>
-              <a:t>Building</a:t>
-            </a:r>
-            <a:r>
-              <a:rPr lang="en-US" sz="1400" b="1" dirty="0" smtClean="0"/>
-              <a:t>: </a:t>
-            </a:r>
-            <a:r>
-              <a:rPr lang="en-US" sz="1400" dirty="0" smtClean="0"/>
-              <a:t>Building </a:t>
-            </a:r>
-            <a:r>
-              <a:rPr lang="en-US" sz="1400" dirty="0"/>
-              <a:t>a model in machine learning is creating a mathematical representation by generalizing and learning from training data. Then, the built machine learning model is applied to new data to make predictions and obtain results.</a:t>
-            </a:r>
-          </a:p>
-          <a:p>
-            <a:r>
-              <a:rPr lang="en-US" sz="1400" b="1" dirty="0"/>
-              <a:t> </a:t>
-            </a:r>
-            <a:r>
-              <a:rPr lang="en-US" sz="1400" b="1" dirty="0" smtClean="0">
-                <a:solidFill>
-                  <a:schemeClr val="accent5">
-                    <a:lumMod val="40000"/>
-                    <a:lumOff val="60000"/>
-                  </a:schemeClr>
-                </a:solidFill>
-              </a:rPr>
-              <a:t>Interpret </a:t>
-            </a:r>
-            <a:r>
-              <a:rPr lang="en-US" sz="1400" b="1" dirty="0">
-                <a:solidFill>
-                  <a:schemeClr val="accent5">
-                    <a:lumMod val="40000"/>
-                    <a:lumOff val="60000"/>
-                  </a:schemeClr>
-                </a:solidFill>
-              </a:rPr>
-              <a:t>Model</a:t>
-            </a:r>
-            <a:r>
-              <a:rPr lang="en-US" sz="1400" b="1" dirty="0" smtClean="0"/>
-              <a:t>: </a:t>
-            </a:r>
-            <a:r>
-              <a:rPr lang="en-US" sz="1400" dirty="0" smtClean="0"/>
-              <a:t>It</a:t>
-            </a:r>
-            <a:r>
-              <a:rPr lang="en-US" sz="1400" b="1" dirty="0" smtClean="0"/>
-              <a:t> </a:t>
-            </a:r>
-            <a:r>
-              <a:rPr lang="en-US" sz="1400" dirty="0" smtClean="0"/>
-              <a:t>is </a:t>
-            </a:r>
-            <a:r>
-              <a:rPr lang="en-US" sz="1400" dirty="0"/>
-              <a:t>used to find out ways to understand model decision making policies better. This is to enable fairness, accountability and transparency which will give humans enough confidence to use these models in real-world problems which have a lot of impact on business and society.</a:t>
-            </a:r>
-          </a:p>
-          <a:p>
-            <a:r>
-              <a:rPr lang="en-US" sz="1400" b="1" dirty="0"/>
-              <a:t> </a:t>
-            </a:r>
-            <a:r>
-              <a:rPr lang="en-US" sz="1400" b="1" dirty="0" smtClean="0">
-                <a:solidFill>
-                  <a:schemeClr val="accent5">
-                    <a:lumMod val="40000"/>
-                    <a:lumOff val="60000"/>
-                  </a:schemeClr>
-                </a:solidFill>
-              </a:rPr>
-              <a:t>Deployment</a:t>
-            </a:r>
-            <a:r>
-              <a:rPr lang="en-US" sz="1400" b="1" dirty="0" smtClean="0"/>
-              <a:t>: </a:t>
-            </a:r>
-            <a:r>
-              <a:rPr lang="en-US" sz="1400" dirty="0" smtClean="0"/>
-              <a:t>Model </a:t>
-            </a:r>
-            <a:r>
-              <a:rPr lang="en-US" sz="1400" dirty="0"/>
-              <a:t>deployment is the process of implementing a fully functioning machine learning model into production where it can make predictions based on data</a:t>
-            </a:r>
-            <a:r>
-              <a:rPr lang="en-US" sz="1200" dirty="0"/>
-              <a:t>.</a:t>
-            </a:r>
-          </a:p>
-          <a:p>
-            <a:r>
-              <a:rPr lang="en-US" sz="1200" dirty="0"/>
-              <a:t/>
-            </a:r>
-            <a:br>
-              <a:rPr lang="en-US" sz="1200" dirty="0"/>
-            </a:br>
-            <a:endParaRPr lang="en-US" sz="1200" dirty="0"/>
+              <a:rPr lang="en-US" dirty="0" smtClean="0"/>
+              <a:t>Logistic </a:t>
+            </a:r>
+            <a:r>
+              <a:rPr lang="en-US" dirty="0"/>
+              <a:t>regression is a machine learning algorithm for classification. In this algorithm, the probabilities describing the possible outcomes of a single trial are modeled using a logistic function</a:t>
+            </a:r>
           </a:p>
           <a:p>
             <a:r>
@@ -19583,7 +19616,7 @@
           <p:cNvPr id="3" name="Title 2">
             <a:extLst>
               <a:ext uri="{FF2B5EF4-FFF2-40B4-BE49-F238E27FC236}">
-                <a16:creationId xmlns:a16="http://schemas.microsoft.com/office/drawing/2014/main" xmlns="" id="{E9BE4A06-2673-41EF-AF84-96B0EDEC0F01}"/>
+                <a16:creationId xmlns="" xmlns:a16="http://schemas.microsoft.com/office/drawing/2014/main" id="{E9BE4A06-2673-41EF-AF84-96B0EDEC0F01}"/>
               </a:ext>
             </a:extLst>
           </p:cNvPr>
@@ -19596,8 +19629,8 @@
         </p:nvSpPr>
         <p:spPr>
           <a:xfrm>
-            <a:off x="5254580" y="888641"/>
-            <a:ext cx="5769735" cy="721217"/>
+            <a:off x="5087154" y="888641"/>
+            <a:ext cx="6065949" cy="721217"/>
           </a:xfrm>
         </p:spPr>
         <p:txBody>
@@ -19606,7 +19639,7 @@
           <a:p>
             <a:r>
               <a:rPr lang="en-US" dirty="0" smtClean="0"/>
-              <a:t>   methodology</a:t>
+              <a:t>   Model building</a:t>
             </a:r>
             <a:endParaRPr lang="en-US" dirty="0"/>
           </a:p>
@@ -19617,7 +19650,7 @@
           <p:cNvPr id="36" name="Group 35" descr="Icon Lightbulb">
             <a:extLst>
               <a:ext uri="{FF2B5EF4-FFF2-40B4-BE49-F238E27FC236}">
-                <a16:creationId xmlns:a16="http://schemas.microsoft.com/office/drawing/2014/main" xmlns="" id="{840CA54E-FBB9-4848-A45D-E086AA4A5012}"/>
+                <a16:creationId xmlns="" xmlns:a16="http://schemas.microsoft.com/office/drawing/2014/main" id="{840CA54E-FBB9-4848-A45D-E086AA4A5012}"/>
               </a:ext>
             </a:extLst>
           </p:cNvPr>
@@ -19639,7 +19672,7 @@
             <p:cNvPr id="32" name="Freeform: Shape 31">
               <a:extLst>
                 <a:ext uri="{FF2B5EF4-FFF2-40B4-BE49-F238E27FC236}">
-                  <a16:creationId xmlns:a16="http://schemas.microsoft.com/office/drawing/2014/main" xmlns="" id="{B8ABB65B-B8A5-4C0E-BE4C-E88A7BB3E8A2}"/>
+                  <a16:creationId xmlns="" xmlns:a16="http://schemas.microsoft.com/office/drawing/2014/main" id="{B8ABB65B-B8A5-4C0E-BE4C-E88A7BB3E8A2}"/>
                 </a:ext>
               </a:extLst>
             </p:cNvPr>
@@ -19751,7 +19784,7 @@
             <p:cNvPr id="33" name="Freeform: Shape 32">
               <a:extLst>
                 <a:ext uri="{FF2B5EF4-FFF2-40B4-BE49-F238E27FC236}">
-                  <a16:creationId xmlns:a16="http://schemas.microsoft.com/office/drawing/2014/main" xmlns="" id="{D71DD07A-CE80-41D5-AEEB-65192AD34639}"/>
+                  <a16:creationId xmlns="" xmlns:a16="http://schemas.microsoft.com/office/drawing/2014/main" id="{D71DD07A-CE80-41D5-AEEB-65192AD34639}"/>
                 </a:ext>
               </a:extLst>
             </p:cNvPr>
@@ -19863,7 +19896,7 @@
             <p:cNvPr id="34" name="Freeform: Shape 33">
               <a:extLst>
                 <a:ext uri="{FF2B5EF4-FFF2-40B4-BE49-F238E27FC236}">
-                  <a16:creationId xmlns:a16="http://schemas.microsoft.com/office/drawing/2014/main" xmlns="" id="{0522D638-DE3D-438D-8C73-954C32D8CB63}"/>
+                  <a16:creationId xmlns="" xmlns:a16="http://schemas.microsoft.com/office/drawing/2014/main" id="{0522D638-DE3D-438D-8C73-954C32D8CB63}"/>
                 </a:ext>
               </a:extLst>
             </p:cNvPr>
@@ -19947,7 +19980,7 @@
             <p:cNvPr id="35" name="Freeform: Shape 34">
               <a:extLst>
                 <a:ext uri="{FF2B5EF4-FFF2-40B4-BE49-F238E27FC236}">
-                  <a16:creationId xmlns:a16="http://schemas.microsoft.com/office/drawing/2014/main" xmlns="" id="{01AB190E-B14D-440E-9910-B22D8C998B54}"/>
+                  <a16:creationId xmlns="" xmlns:a16="http://schemas.microsoft.com/office/drawing/2014/main" id="{01AB190E-B14D-440E-9910-B22D8C998B54}"/>
                 </a:ext>
               </a:extLst>
             </p:cNvPr>
@@ -20321,7 +20354,7 @@
           <p:cNvPr id="52" name="Slide Number Placeholder 51">
             <a:extLst>
               <a:ext uri="{FF2B5EF4-FFF2-40B4-BE49-F238E27FC236}">
-                <a16:creationId xmlns:a16="http://schemas.microsoft.com/office/drawing/2014/main" xmlns="" id="{947A81F6-261F-44F4-B660-7BD323AE2991}"/>
+                <a16:creationId xmlns="" xmlns:a16="http://schemas.microsoft.com/office/drawing/2014/main" id="{947A81F6-261F-44F4-B660-7BD323AE2991}"/>
               </a:ext>
             </a:extLst>
           </p:cNvPr>
@@ -20340,7 +20373,7 @@
             <a:fld id="{EECC7194-A4D0-457B-9D3E-53681723AFF7}" type="slidenum">
               <a:rPr lang="en-US" smtClean="0"/>
               <a:pPr/>
-              <a:t>6</a:t>
+              <a:t>7</a:t>
             </a:fld>
             <a:endParaRPr lang="en-US" dirty="0"/>
           </a:p>
@@ -20351,10 +20384,10 @@
           <p:cNvPr id="14" name="Group 13">
             <a:extLst>
               <a:ext uri="{FF2B5EF4-FFF2-40B4-BE49-F238E27FC236}">
-                <a16:creationId xmlns:a16="http://schemas.microsoft.com/office/drawing/2014/main" xmlns="" id="{8CDC0198-E919-4071-9C4B-5B3D19A46785}"/>
+                <a16:creationId xmlns="" xmlns:a16="http://schemas.microsoft.com/office/drawing/2014/main" id="{8CDC0198-E919-4071-9C4B-5B3D19A46785}"/>
               </a:ext>
               <a:ext uri="{C183D7F6-B498-43B3-948B-1728B52AA6E4}">
-                <adec:decorative xmlns:adec="http://schemas.microsoft.com/office/drawing/2017/decorative" xmlns="" val="1"/>
+                <adec:decorative xmlns="" xmlns:adec="http://schemas.microsoft.com/office/drawing/2017/decorative" val="1"/>
               </a:ext>
             </a:extLst>
           </p:cNvPr>
@@ -20376,7 +20409,7 @@
             <p:cNvPr id="16" name="Rectangle 15">
               <a:extLst>
                 <a:ext uri="{FF2B5EF4-FFF2-40B4-BE49-F238E27FC236}">
-                  <a16:creationId xmlns:a16="http://schemas.microsoft.com/office/drawing/2014/main" xmlns="" id="{667DDF34-4085-4945-A320-585AC8EBAAF2}"/>
+                  <a16:creationId xmlns="" xmlns:a16="http://schemas.microsoft.com/office/drawing/2014/main" id="{667DDF34-4085-4945-A320-585AC8EBAAF2}"/>
                 </a:ext>
               </a:extLst>
             </p:cNvPr>
@@ -20430,7 +20463,7 @@
             <p:cNvPr id="17" name="Rectangle 16">
               <a:extLst>
                 <a:ext uri="{FF2B5EF4-FFF2-40B4-BE49-F238E27FC236}">
-                  <a16:creationId xmlns:a16="http://schemas.microsoft.com/office/drawing/2014/main" xmlns="" id="{ED521D40-9109-4214-B458-FAB53B1DA80D}"/>
+                  <a16:creationId xmlns="" xmlns:a16="http://schemas.microsoft.com/office/drawing/2014/main" id="{ED521D40-9109-4214-B458-FAB53B1DA80D}"/>
                 </a:ext>
               </a:extLst>
             </p:cNvPr>
@@ -20483,17 +20516,24 @@
     </p:spTree>
     <p:extLst>
       <p:ext uri="{BB962C8B-B14F-4D97-AF65-F5344CB8AC3E}">
-        <p14:creationId xmlns:p14="http://schemas.microsoft.com/office/powerpoint/2010/main" val="4077762719"/>
+        <p14:creationId xmlns:p14="http://schemas.microsoft.com/office/powerpoint/2010/main" val="3180747241"/>
       </p:ext>
     </p:extLst>
   </p:cSld>
   <p:clrMapOvr>
     <a:masterClrMapping/>
   </p:clrMapOvr>
+  <p:timing>
+    <p:tnLst>
+      <p:par>
+        <p:cTn id="1" dur="indefinite" restart="never" nodeType="tmRoot"/>
+      </p:par>
+    </p:tnLst>
+  </p:timing>
 </p:sld>
 </file>
 
-<file path=ppt/slides/slide7.xml><?xml version="1.0" encoding="utf-8"?>
+<file path=ppt/slides/slide8.xml><?xml version="1.0" encoding="utf-8"?>
 <p:sld xmlns:a="http://schemas.openxmlformats.org/drawingml/2006/main" xmlns:r="http://schemas.openxmlformats.org/officeDocument/2006/relationships" xmlns:p="http://schemas.openxmlformats.org/presentationml/2006/main">
   <p:cSld>
     <p:bg>
@@ -20523,7 +20563,7 @@
           <p:cNvPr id="28" name="Picture Placeholder 27" descr="Woman walking through a door">
             <a:extLst>
               <a:ext uri="{FF2B5EF4-FFF2-40B4-BE49-F238E27FC236}">
-                <a16:creationId xmlns:a16="http://schemas.microsoft.com/office/drawing/2014/main" xmlns="" id="{86D7D4AC-BE7B-45B9-AF4A-E2AF1B6C796D}"/>
+                <a16:creationId xmlns="" xmlns:a16="http://schemas.microsoft.com/office/drawing/2014/main" id="{86D7D4AC-BE7B-45B9-AF4A-E2AF1B6C796D}"/>
               </a:ext>
             </a:extLst>
           </p:cNvPr>
@@ -20557,10 +20597,10 @@
           <p:cNvPr id="15" name="Rectangle 14">
             <a:extLst>
               <a:ext uri="{FF2B5EF4-FFF2-40B4-BE49-F238E27FC236}">
-                <a16:creationId xmlns:a16="http://schemas.microsoft.com/office/drawing/2014/main" xmlns="" id="{DD509E5E-F68C-4F2B-8EC7-4325958603E7}"/>
+                <a16:creationId xmlns="" xmlns:a16="http://schemas.microsoft.com/office/drawing/2014/main" id="{DD509E5E-F68C-4F2B-8EC7-4325958603E7}"/>
               </a:ext>
               <a:ext uri="{C183D7F6-B498-43B3-948B-1728B52AA6E4}">
-                <adec:decorative xmlns:adec="http://schemas.microsoft.com/office/drawing/2017/decorative" xmlns="" val="1"/>
+                <adec:decorative xmlns="" xmlns:adec="http://schemas.microsoft.com/office/drawing/2017/decorative" val="1"/>
               </a:ext>
             </a:extLst>
           </p:cNvPr>
@@ -20614,7 +20654,7 @@
           <p:cNvPr id="4" name="Text Placeholder 3">
             <a:extLst>
               <a:ext uri="{FF2B5EF4-FFF2-40B4-BE49-F238E27FC236}">
-                <a16:creationId xmlns:a16="http://schemas.microsoft.com/office/drawing/2014/main" xmlns="" id="{9AF7E39F-041F-4A45-A1CF-F8C269887D5A}"/>
+                <a16:creationId xmlns="" xmlns:a16="http://schemas.microsoft.com/office/drawing/2014/main" id="{9AF7E39F-041F-4A45-A1CF-F8C269887D5A}"/>
               </a:ext>
             </a:extLst>
           </p:cNvPr>
@@ -20646,197 +20686,54 @@
           <a:bodyPr/>
           <a:lstStyle/>
           <a:p>
-            <a:r>
-              <a:rPr lang="en-US" b="1" i="1" dirty="0">
-                <a:solidFill>
-                  <a:schemeClr val="tx2">
-                    <a:lumMod val="50000"/>
-                    <a:lumOff val="50000"/>
-                  </a:schemeClr>
-                </a:solidFill>
-              </a:rPr>
-              <a:t>Supervised Learning </a:t>
-            </a:r>
-            <a:r>
-              <a:rPr lang="en-US" b="1" i="1" dirty="0" smtClean="0">
-                <a:solidFill>
-                  <a:schemeClr val="tx2">
-                    <a:lumMod val="50000"/>
-                    <a:lumOff val="50000"/>
-                  </a:schemeClr>
-                </a:solidFill>
-              </a:rPr>
-              <a:t>Model: </a:t>
-            </a:r>
+            <a:pPr lvl="0"/>
+            <a:endParaRPr lang="en-US" dirty="0" smtClean="0"/>
+          </a:p>
+          <a:p>
+            <a:pPr lvl="0"/>
+            <a:endParaRPr lang="en-US" dirty="0"/>
+          </a:p>
+          <a:p>
+            <a:pPr lvl="0"/>
+            <a:endParaRPr lang="en-US" dirty="0" smtClean="0"/>
+          </a:p>
+          <a:p>
+            <a:pPr lvl="0"/>
+            <a:endParaRPr lang="en-US" dirty="0"/>
+          </a:p>
+          <a:p>
+            <a:pPr lvl="0"/>
+            <a:endParaRPr lang="en-US" dirty="0" smtClean="0"/>
+          </a:p>
+          <a:p>
+            <a:pPr lvl="0"/>
+            <a:endParaRPr lang="en-US" dirty="0"/>
+          </a:p>
+          <a:p>
+            <a:pPr lvl="0"/>
+            <a:endParaRPr lang="en-US" dirty="0" smtClean="0"/>
+          </a:p>
+          <a:p>
+            <a:pPr lvl="0"/>
             <a:r>
               <a:rPr lang="en-US" dirty="0" smtClean="0"/>
-              <a:t>Supervised </a:t>
+              <a:t>Streamlit </a:t>
             </a:r>
             <a:r>
               <a:rPr lang="en-US" dirty="0"/>
-              <a:t>learning is the type of machine learning in which machines are trained using well "labeled" training data, and on the basis of that data, machines predict the output. The labeled data means some input data is already tagged with the correct output</a:t>
+              <a:t>is a free and open-source framework to rapidly build and share beautiful machine learning and data science web apps. It is a Python-based library specifically designed for machine learning engineers. Data scientists or machine learning engineers are not web developers and they're not interested in spending weeks learning to use these frameworks to build web apps. Instead, they want a tool that is easier to learn and to use, as long as it can display data and collect needed parameters for modeling. Streamlit allows you to create a </a:t>
+            </a:r>
+            <a:r>
+              <a:rPr lang="en-US" dirty="0" smtClean="0"/>
+              <a:t>stunning-looking application </a:t>
+            </a:r>
+            <a:r>
+              <a:rPr lang="en-US" dirty="0"/>
+              <a:t>with only a few lines of code</a:t>
             </a:r>
             <a:r>
               <a:rPr lang="en-US" dirty="0" smtClean="0"/>
               <a:t>.</a:t>
-            </a:r>
-          </a:p>
-          <a:p>
-            <a:r>
-              <a:rPr lang="en-US" b="1" i="1" dirty="0">
-                <a:solidFill>
-                  <a:schemeClr val="tx2">
-                    <a:lumMod val="50000"/>
-                    <a:lumOff val="50000"/>
-                  </a:schemeClr>
-                </a:solidFill>
-              </a:rPr>
-              <a:t>Classification model: </a:t>
-            </a:r>
-            <a:r>
-              <a:rPr lang="en-US" dirty="0" smtClean="0"/>
-              <a:t>A </a:t>
-            </a:r>
-            <a:r>
-              <a:rPr lang="en-US" dirty="0"/>
-              <a:t>classification model tries to draw some conclusion from the input values given for training. It will predict the class labels/categories for the new data</a:t>
-            </a:r>
-          </a:p>
-          <a:p>
-            <a:pPr lvl="0"/>
-            <a:r>
-              <a:rPr lang="en-US" dirty="0"/>
-              <a:t> </a:t>
-            </a:r>
-            <a:r>
-              <a:rPr lang="en-US" dirty="0" smtClean="0"/>
-              <a:t>1) </a:t>
-            </a:r>
-            <a:r>
-              <a:rPr lang="en-US" b="1" i="1" dirty="0" smtClean="0">
-                <a:solidFill>
-                  <a:schemeClr val="accent5">
-                    <a:lumMod val="60000"/>
-                    <a:lumOff val="40000"/>
-                  </a:schemeClr>
-                </a:solidFill>
-              </a:rPr>
-              <a:t>K-Nearest Neighbors: </a:t>
-            </a:r>
-            <a:r>
-              <a:rPr lang="en-US" dirty="0" smtClean="0"/>
-              <a:t>Neighbors </a:t>
-            </a:r>
-            <a:r>
-              <a:rPr lang="en-US" dirty="0"/>
-              <a:t>based classification is a type of lazy learning as it does not attempt to construct a general internal model, but simply stores instances of the training </a:t>
-            </a:r>
-            <a:r>
-              <a:rPr lang="en-US" dirty="0" smtClean="0"/>
-              <a:t>data.</a:t>
-            </a:r>
-          </a:p>
-          <a:p>
-            <a:pPr lvl="0"/>
-            <a:r>
-              <a:rPr lang="en-US" dirty="0" smtClean="0"/>
-              <a:t> 2)</a:t>
-            </a:r>
-            <a:r>
-              <a:rPr lang="en-US" b="1" i="1" dirty="0"/>
-              <a:t> </a:t>
-            </a:r>
-            <a:r>
-              <a:rPr lang="en-US" b="1" i="1" dirty="0">
-                <a:solidFill>
-                  <a:schemeClr val="accent5">
-                    <a:lumMod val="60000"/>
-                    <a:lumOff val="40000"/>
-                  </a:schemeClr>
-                </a:solidFill>
-              </a:rPr>
-              <a:t>Decision </a:t>
-            </a:r>
-            <a:r>
-              <a:rPr lang="en-US" b="1" i="1" dirty="0" smtClean="0">
-                <a:solidFill>
-                  <a:schemeClr val="accent5">
-                    <a:lumMod val="60000"/>
-                    <a:lumOff val="40000"/>
-                  </a:schemeClr>
-                </a:solidFill>
-              </a:rPr>
-              <a:t>Tree: </a:t>
-            </a:r>
-            <a:r>
-              <a:rPr lang="en-US" dirty="0"/>
-              <a:t>g</a:t>
-            </a:r>
-            <a:r>
-              <a:rPr lang="en-US" dirty="0" smtClean="0"/>
-              <a:t>iven </a:t>
-            </a:r>
-            <a:r>
-              <a:rPr lang="en-US" dirty="0"/>
-              <a:t>a data of attributes together with its classes, a decision tree produces a sequence of rules that can be used to classify the data</a:t>
-            </a:r>
-            <a:r>
-              <a:rPr lang="en-US" dirty="0" smtClean="0"/>
-              <a:t>.</a:t>
-            </a:r>
-          </a:p>
-          <a:p>
-            <a:pPr lvl="0"/>
-            <a:r>
-              <a:rPr lang="en-US" dirty="0" smtClean="0"/>
-              <a:t> 3) </a:t>
-            </a:r>
-            <a:r>
-              <a:rPr lang="en-US" b="1" i="1" dirty="0">
-                <a:solidFill>
-                  <a:schemeClr val="accent5">
-                    <a:lumMod val="60000"/>
-                    <a:lumOff val="40000"/>
-                  </a:schemeClr>
-                </a:solidFill>
-              </a:rPr>
-              <a:t>Logistic </a:t>
-            </a:r>
-            <a:r>
-              <a:rPr lang="en-US" b="1" i="1" dirty="0" smtClean="0">
-                <a:solidFill>
-                  <a:schemeClr val="accent5">
-                    <a:lumMod val="60000"/>
-                    <a:lumOff val="40000"/>
-                  </a:schemeClr>
-                </a:solidFill>
-              </a:rPr>
-              <a:t>Regression:</a:t>
-            </a:r>
-            <a:r>
-              <a:rPr lang="en-US" dirty="0">
-                <a:solidFill>
-                  <a:schemeClr val="accent5">
-                    <a:lumMod val="60000"/>
-                    <a:lumOff val="40000"/>
-                  </a:schemeClr>
-                </a:solidFill>
-              </a:rPr>
-              <a:t> </a:t>
-            </a:r>
-            <a:r>
-              <a:rPr lang="en-US" dirty="0" smtClean="0"/>
-              <a:t>Logistic </a:t>
-            </a:r>
-            <a:r>
-              <a:rPr lang="en-US" dirty="0"/>
-              <a:t>regression is a machine learning algorithm for classification. In this algorithm, the probabilities describing the possible outcomes of a single trial are modeled using a logistic function</a:t>
-            </a:r>
-          </a:p>
-          <a:p>
-            <a:r>
-              <a:rPr lang="en-US" dirty="0"/>
-              <a:t> </a:t>
             </a:r>
           </a:p>
           <a:p>
@@ -20850,7 +20747,7 @@
           <p:cNvPr id="3" name="Title 2">
             <a:extLst>
               <a:ext uri="{FF2B5EF4-FFF2-40B4-BE49-F238E27FC236}">
-                <a16:creationId xmlns:a16="http://schemas.microsoft.com/office/drawing/2014/main" xmlns="" id="{E9BE4A06-2673-41EF-AF84-96B0EDEC0F01}"/>
+                <a16:creationId xmlns="" xmlns:a16="http://schemas.microsoft.com/office/drawing/2014/main" id="{E9BE4A06-2673-41EF-AF84-96B0EDEC0F01}"/>
               </a:ext>
             </a:extLst>
           </p:cNvPr>
@@ -20863,8 +20760,8 @@
         </p:nvSpPr>
         <p:spPr>
           <a:xfrm>
-            <a:off x="5087154" y="888641"/>
-            <a:ext cx="6065949" cy="721217"/>
+            <a:off x="5640946" y="888641"/>
+            <a:ext cx="5512157" cy="721217"/>
           </a:xfrm>
         </p:spPr>
         <p:txBody>
@@ -20873,7 +20770,7 @@
           <a:p>
             <a:r>
               <a:rPr lang="en-US" dirty="0" smtClean="0"/>
-              <a:t>   Model building</a:t>
+              <a:t>deployment</a:t>
             </a:r>
             <a:endParaRPr lang="en-US" dirty="0"/>
           </a:p>
@@ -20884,7 +20781,7 @@
           <p:cNvPr id="36" name="Group 35" descr="Icon Lightbulb">
             <a:extLst>
               <a:ext uri="{FF2B5EF4-FFF2-40B4-BE49-F238E27FC236}">
-                <a16:creationId xmlns:a16="http://schemas.microsoft.com/office/drawing/2014/main" xmlns="" id="{840CA54E-FBB9-4848-A45D-E086AA4A5012}"/>
+                <a16:creationId xmlns="" xmlns:a16="http://schemas.microsoft.com/office/drawing/2014/main" id="{840CA54E-FBB9-4848-A45D-E086AA4A5012}"/>
               </a:ext>
             </a:extLst>
           </p:cNvPr>
@@ -20906,7 +20803,7 @@
             <p:cNvPr id="32" name="Freeform: Shape 31">
               <a:extLst>
                 <a:ext uri="{FF2B5EF4-FFF2-40B4-BE49-F238E27FC236}">
-                  <a16:creationId xmlns:a16="http://schemas.microsoft.com/office/drawing/2014/main" xmlns="" id="{B8ABB65B-B8A5-4C0E-BE4C-E88A7BB3E8A2}"/>
+                  <a16:creationId xmlns="" xmlns:a16="http://schemas.microsoft.com/office/drawing/2014/main" id="{B8ABB65B-B8A5-4C0E-BE4C-E88A7BB3E8A2}"/>
                 </a:ext>
               </a:extLst>
             </p:cNvPr>
@@ -21018,7 +20915,7 @@
             <p:cNvPr id="33" name="Freeform: Shape 32">
               <a:extLst>
                 <a:ext uri="{FF2B5EF4-FFF2-40B4-BE49-F238E27FC236}">
-                  <a16:creationId xmlns:a16="http://schemas.microsoft.com/office/drawing/2014/main" xmlns="" id="{D71DD07A-CE80-41D5-AEEB-65192AD34639}"/>
+                  <a16:creationId xmlns="" xmlns:a16="http://schemas.microsoft.com/office/drawing/2014/main" id="{D71DD07A-CE80-41D5-AEEB-65192AD34639}"/>
                 </a:ext>
               </a:extLst>
             </p:cNvPr>
@@ -21130,7 +21027,7 @@
             <p:cNvPr id="34" name="Freeform: Shape 33">
               <a:extLst>
                 <a:ext uri="{FF2B5EF4-FFF2-40B4-BE49-F238E27FC236}">
-                  <a16:creationId xmlns:a16="http://schemas.microsoft.com/office/drawing/2014/main" xmlns="" id="{0522D638-DE3D-438D-8C73-954C32D8CB63}"/>
+                  <a16:creationId xmlns="" xmlns:a16="http://schemas.microsoft.com/office/drawing/2014/main" id="{0522D638-DE3D-438D-8C73-954C32D8CB63}"/>
                 </a:ext>
               </a:extLst>
             </p:cNvPr>
@@ -21214,7 +21111,7 @@
             <p:cNvPr id="35" name="Freeform: Shape 34">
               <a:extLst>
                 <a:ext uri="{FF2B5EF4-FFF2-40B4-BE49-F238E27FC236}">
-                  <a16:creationId xmlns:a16="http://schemas.microsoft.com/office/drawing/2014/main" xmlns="" id="{01AB190E-B14D-440E-9910-B22D8C998B54}"/>
+                  <a16:creationId xmlns="" xmlns:a16="http://schemas.microsoft.com/office/drawing/2014/main" id="{01AB190E-B14D-440E-9910-B22D8C998B54}"/>
                 </a:ext>
               </a:extLst>
             </p:cNvPr>
@@ -21588,7 +21485,7 @@
           <p:cNvPr id="52" name="Slide Number Placeholder 51">
             <a:extLst>
               <a:ext uri="{FF2B5EF4-FFF2-40B4-BE49-F238E27FC236}">
-                <a16:creationId xmlns:a16="http://schemas.microsoft.com/office/drawing/2014/main" xmlns="" id="{947A81F6-261F-44F4-B660-7BD323AE2991}"/>
+                <a16:creationId xmlns="" xmlns:a16="http://schemas.microsoft.com/office/drawing/2014/main" id="{947A81F6-261F-44F4-B660-7BD323AE2991}"/>
               </a:ext>
             </a:extLst>
           </p:cNvPr>
@@ -21607,7 +21504,7 @@
             <a:fld id="{EECC7194-A4D0-457B-9D3E-53681723AFF7}" type="slidenum">
               <a:rPr lang="en-US" smtClean="0"/>
               <a:pPr/>
-              <a:t>7</a:t>
+              <a:t>8</a:t>
             </a:fld>
             <a:endParaRPr lang="en-US" dirty="0"/>
           </a:p>
@@ -21618,10 +21515,10 @@
           <p:cNvPr id="14" name="Group 13">
             <a:extLst>
               <a:ext uri="{FF2B5EF4-FFF2-40B4-BE49-F238E27FC236}">
-                <a16:creationId xmlns:a16="http://schemas.microsoft.com/office/drawing/2014/main" xmlns="" id="{8CDC0198-E919-4071-9C4B-5B3D19A46785}"/>
+                <a16:creationId xmlns="" xmlns:a16="http://schemas.microsoft.com/office/drawing/2014/main" id="{8CDC0198-E919-4071-9C4B-5B3D19A46785}"/>
               </a:ext>
               <a:ext uri="{C183D7F6-B498-43B3-948B-1728B52AA6E4}">
-                <adec:decorative xmlns:adec="http://schemas.microsoft.com/office/drawing/2017/decorative" xmlns="" val="1"/>
+                <adec:decorative xmlns="" xmlns:adec="http://schemas.microsoft.com/office/drawing/2017/decorative" val="1"/>
               </a:ext>
             </a:extLst>
           </p:cNvPr>
@@ -21643,7 +21540,7 @@
             <p:cNvPr id="16" name="Rectangle 15">
               <a:extLst>
                 <a:ext uri="{FF2B5EF4-FFF2-40B4-BE49-F238E27FC236}">
-                  <a16:creationId xmlns:a16="http://schemas.microsoft.com/office/drawing/2014/main" xmlns="" id="{667DDF34-4085-4945-A320-585AC8EBAAF2}"/>
+                  <a16:creationId xmlns="" xmlns:a16="http://schemas.microsoft.com/office/drawing/2014/main" id="{667DDF34-4085-4945-A320-585AC8EBAAF2}"/>
                 </a:ext>
               </a:extLst>
             </p:cNvPr>
@@ -21697,7 +21594,7 @@
             <p:cNvPr id="17" name="Rectangle 16">
               <a:extLst>
                 <a:ext uri="{FF2B5EF4-FFF2-40B4-BE49-F238E27FC236}">
-                  <a16:creationId xmlns:a16="http://schemas.microsoft.com/office/drawing/2014/main" xmlns="" id="{ED521D40-9109-4214-B458-FAB53B1DA80D}"/>
+                  <a16:creationId xmlns="" xmlns:a16="http://schemas.microsoft.com/office/drawing/2014/main" id="{ED521D40-9109-4214-B458-FAB53B1DA80D}"/>
                 </a:ext>
               </a:extLst>
             </p:cNvPr>
@@ -21747,20 +21644,51 @@
           </p:txBody>
         </p:sp>
       </p:grpSp>
+      <p:pic>
+        <p:nvPicPr>
+          <p:cNvPr id="18" name="image2.png"/>
+          <p:cNvPicPr/>
+          <p:nvPr/>
+        </p:nvPicPr>
+        <p:blipFill>
+          <a:blip r:embed="rId3"/>
+          <a:srcRect/>
+          <a:stretch>
+            <a:fillRect/>
+          </a:stretch>
+        </p:blipFill>
+        <p:spPr>
+          <a:xfrm>
+            <a:off x="5000271" y="1559226"/>
+            <a:ext cx="4820468" cy="2545867"/>
+          </a:xfrm>
+          <a:prstGeom prst="rect">
+            <a:avLst/>
+          </a:prstGeom>
+          <a:ln/>
+        </p:spPr>
+      </p:pic>
     </p:spTree>
     <p:extLst>
       <p:ext uri="{BB962C8B-B14F-4D97-AF65-F5344CB8AC3E}">
-        <p14:creationId xmlns:p14="http://schemas.microsoft.com/office/powerpoint/2010/main" val="3180747241"/>
+        <p14:creationId xmlns:p14="http://schemas.microsoft.com/office/powerpoint/2010/main" val="750871018"/>
       </p:ext>
     </p:extLst>
   </p:cSld>
   <p:clrMapOvr>
     <a:masterClrMapping/>
   </p:clrMapOvr>
+  <p:timing>
+    <p:tnLst>
+      <p:par>
+        <p:cTn id="1" dur="indefinite" restart="never" nodeType="tmRoot"/>
+      </p:par>
+    </p:tnLst>
+  </p:timing>
 </p:sld>
 </file>
 
-<file path=ppt/slides/slide8.xml><?xml version="1.0" encoding="utf-8"?>
+<file path=ppt/slides/slide9.xml><?xml version="1.0" encoding="utf-8"?>
 <p:sld xmlns:a="http://schemas.openxmlformats.org/drawingml/2006/main" xmlns:r="http://schemas.openxmlformats.org/officeDocument/2006/relationships" xmlns:p="http://schemas.openxmlformats.org/presentationml/2006/main">
   <p:cSld>
     <p:bg>
@@ -21790,7 +21718,7 @@
           <p:cNvPr id="28" name="Picture Placeholder 27" descr="Woman walking through a door">
             <a:extLst>
               <a:ext uri="{FF2B5EF4-FFF2-40B4-BE49-F238E27FC236}">
-                <a16:creationId xmlns:a16="http://schemas.microsoft.com/office/drawing/2014/main" xmlns="" id="{86D7D4AC-BE7B-45B9-AF4A-E2AF1B6C796D}"/>
+                <a16:creationId xmlns="" xmlns:a16="http://schemas.microsoft.com/office/drawing/2014/main" id="{86D7D4AC-BE7B-45B9-AF4A-E2AF1B6C796D}"/>
               </a:ext>
             </a:extLst>
           </p:cNvPr>
@@ -21824,10 +21752,10 @@
           <p:cNvPr id="15" name="Rectangle 14">
             <a:extLst>
               <a:ext uri="{FF2B5EF4-FFF2-40B4-BE49-F238E27FC236}">
-                <a16:creationId xmlns:a16="http://schemas.microsoft.com/office/drawing/2014/main" xmlns="" id="{DD509E5E-F68C-4F2B-8EC7-4325958603E7}"/>
+                <a16:creationId xmlns="" xmlns:a16="http://schemas.microsoft.com/office/drawing/2014/main" id="{DD509E5E-F68C-4F2B-8EC7-4325958603E7}"/>
               </a:ext>
               <a:ext uri="{C183D7F6-B498-43B3-948B-1728B52AA6E4}">
-                <adec:decorative xmlns:adec="http://schemas.microsoft.com/office/drawing/2017/decorative" xmlns="" val="1"/>
+                <adec:decorative xmlns="" xmlns:adec="http://schemas.microsoft.com/office/drawing/2017/decorative" val="1"/>
               </a:ext>
             </a:extLst>
           </p:cNvPr>
@@ -21881,7 +21809,7 @@
           <p:cNvPr id="4" name="Text Placeholder 3">
             <a:extLst>
               <a:ext uri="{FF2B5EF4-FFF2-40B4-BE49-F238E27FC236}">
-                <a16:creationId xmlns:a16="http://schemas.microsoft.com/office/drawing/2014/main" xmlns="" id="{9AF7E39F-041F-4A45-A1CF-F8C269887D5A}"/>
+                <a16:creationId xmlns="" xmlns:a16="http://schemas.microsoft.com/office/drawing/2014/main" id="{9AF7E39F-041F-4A45-A1CF-F8C269887D5A}"/>
               </a:ext>
             </a:extLst>
           </p:cNvPr>
@@ -21918,53 +21846,14 @@
           </a:p>
           <a:p>
             <a:pPr lvl="0"/>
-            <a:endParaRPr lang="en-US" dirty="0"/>
-          </a:p>
-          <a:p>
-            <a:pPr lvl="0"/>
-            <a:endParaRPr lang="en-US" dirty="0" smtClean="0"/>
-          </a:p>
-          <a:p>
-            <a:pPr lvl="0"/>
-            <a:endParaRPr lang="en-US" dirty="0"/>
-          </a:p>
-          <a:p>
-            <a:pPr lvl="0"/>
-            <a:endParaRPr lang="en-US" dirty="0" smtClean="0"/>
-          </a:p>
-          <a:p>
-            <a:pPr lvl="0"/>
-            <a:endParaRPr lang="en-US" dirty="0"/>
-          </a:p>
-          <a:p>
-            <a:pPr lvl="0"/>
-            <a:endParaRPr lang="en-US" dirty="0" smtClean="0"/>
-          </a:p>
-          <a:p>
-            <a:pPr lvl="0"/>
+            <a:r>
+              <a:rPr lang="en-US" dirty="0"/>
+              <a:t> </a:t>
+            </a:r>
             <a:r>
               <a:rPr lang="en-US" dirty="0" smtClean="0"/>
-              <a:t>Streamlit </a:t>
-            </a:r>
-            <a:r>
-              <a:rPr lang="en-US" dirty="0"/>
-              <a:t>is a free and open-source framework to rapidly build and share beautiful machine learning and data science web apps. It is a Python-based library specifically designed for machine learning engineers. Data scientists or machine learning engineers are not web developers and they're not interested in spending weeks learning to use these frameworks to build web apps. Instead, they want a tool that is easier to learn and to use, as long as it can display data and collect needed parameters for modeling. Streamlit allows you to create a </a:t>
-            </a:r>
-            <a:r>
-              <a:rPr lang="en-US" dirty="0" smtClean="0"/>
-              <a:t>stunning-looking application </a:t>
-            </a:r>
-            <a:r>
-              <a:rPr lang="en-US" dirty="0"/>
-              <a:t>with only a few lines of code</a:t>
-            </a:r>
-            <a:r>
-              <a:rPr lang="en-US" dirty="0" smtClean="0"/>
-              <a:t>.</a:t>
-            </a:r>
-          </a:p>
-          <a:p>
-            <a:pPr lvl="0"/>
+              <a:t>                                                      </a:t>
+            </a:r>
             <a:endParaRPr lang="en-US" dirty="0"/>
           </a:p>
         </p:txBody>
@@ -21974,7 +21863,7 @@
           <p:cNvPr id="3" name="Title 2">
             <a:extLst>
               <a:ext uri="{FF2B5EF4-FFF2-40B4-BE49-F238E27FC236}">
-                <a16:creationId xmlns:a16="http://schemas.microsoft.com/office/drawing/2014/main" xmlns="" id="{E9BE4A06-2673-41EF-AF84-96B0EDEC0F01}"/>
+                <a16:creationId xmlns="" xmlns:a16="http://schemas.microsoft.com/office/drawing/2014/main" id="{E9BE4A06-2673-41EF-AF84-96B0EDEC0F01}"/>
               </a:ext>
             </a:extLst>
           </p:cNvPr>
@@ -21987,8 +21876,8 @@
         </p:nvSpPr>
         <p:spPr>
           <a:xfrm>
-            <a:off x="5640946" y="888641"/>
-            <a:ext cx="5512157" cy="721217"/>
+            <a:off x="5447764" y="540913"/>
+            <a:ext cx="5705340" cy="695459"/>
           </a:xfrm>
         </p:spPr>
         <p:txBody>
@@ -21997,7 +21886,7 @@
           <a:p>
             <a:r>
               <a:rPr lang="en-US" dirty="0" smtClean="0"/>
-              <a:t>deployment</a:t>
+              <a:t>Output images</a:t>
             </a:r>
             <a:endParaRPr lang="en-US" dirty="0"/>
           </a:p>
@@ -22008,7 +21897,7 @@
           <p:cNvPr id="36" name="Group 35" descr="Icon Lightbulb">
             <a:extLst>
               <a:ext uri="{FF2B5EF4-FFF2-40B4-BE49-F238E27FC236}">
-                <a16:creationId xmlns:a16="http://schemas.microsoft.com/office/drawing/2014/main" xmlns="" id="{840CA54E-FBB9-4848-A45D-E086AA4A5012}"/>
+                <a16:creationId xmlns="" xmlns:a16="http://schemas.microsoft.com/office/drawing/2014/main" id="{840CA54E-FBB9-4848-A45D-E086AA4A5012}"/>
               </a:ext>
             </a:extLst>
           </p:cNvPr>
@@ -22030,7 +21919,7 @@
             <p:cNvPr id="32" name="Freeform: Shape 31">
               <a:extLst>
                 <a:ext uri="{FF2B5EF4-FFF2-40B4-BE49-F238E27FC236}">
-                  <a16:creationId xmlns:a16="http://schemas.microsoft.com/office/drawing/2014/main" xmlns="" id="{B8ABB65B-B8A5-4C0E-BE4C-E88A7BB3E8A2}"/>
+                  <a16:creationId xmlns="" xmlns:a16="http://schemas.microsoft.com/office/drawing/2014/main" id="{B8ABB65B-B8A5-4C0E-BE4C-E88A7BB3E8A2}"/>
                 </a:ext>
               </a:extLst>
             </p:cNvPr>
@@ -22142,7 +22031,7 @@
             <p:cNvPr id="33" name="Freeform: Shape 32">
               <a:extLst>
                 <a:ext uri="{FF2B5EF4-FFF2-40B4-BE49-F238E27FC236}">
-                  <a16:creationId xmlns:a16="http://schemas.microsoft.com/office/drawing/2014/main" xmlns="" id="{D71DD07A-CE80-41D5-AEEB-65192AD34639}"/>
+                  <a16:creationId xmlns="" xmlns:a16="http://schemas.microsoft.com/office/drawing/2014/main" id="{D71DD07A-CE80-41D5-AEEB-65192AD34639}"/>
                 </a:ext>
               </a:extLst>
             </p:cNvPr>
@@ -22254,7 +22143,7 @@
             <p:cNvPr id="34" name="Freeform: Shape 33">
               <a:extLst>
                 <a:ext uri="{FF2B5EF4-FFF2-40B4-BE49-F238E27FC236}">
-                  <a16:creationId xmlns:a16="http://schemas.microsoft.com/office/drawing/2014/main" xmlns="" id="{0522D638-DE3D-438D-8C73-954C32D8CB63}"/>
+                  <a16:creationId xmlns="" xmlns:a16="http://schemas.microsoft.com/office/drawing/2014/main" id="{0522D638-DE3D-438D-8C73-954C32D8CB63}"/>
                 </a:ext>
               </a:extLst>
             </p:cNvPr>
@@ -22338,7 +22227,7 @@
             <p:cNvPr id="35" name="Freeform: Shape 34">
               <a:extLst>
                 <a:ext uri="{FF2B5EF4-FFF2-40B4-BE49-F238E27FC236}">
-                  <a16:creationId xmlns:a16="http://schemas.microsoft.com/office/drawing/2014/main" xmlns="" id="{01AB190E-B14D-440E-9910-B22D8C998B54}"/>
+                  <a16:creationId xmlns="" xmlns:a16="http://schemas.microsoft.com/office/drawing/2014/main" id="{01AB190E-B14D-440E-9910-B22D8C998B54}"/>
                 </a:ext>
               </a:extLst>
             </p:cNvPr>
@@ -22712,7 +22601,7 @@
           <p:cNvPr id="52" name="Slide Number Placeholder 51">
             <a:extLst>
               <a:ext uri="{FF2B5EF4-FFF2-40B4-BE49-F238E27FC236}">
-                <a16:creationId xmlns:a16="http://schemas.microsoft.com/office/drawing/2014/main" xmlns="" id="{947A81F6-261F-44F4-B660-7BD323AE2991}"/>
+                <a16:creationId xmlns="" xmlns:a16="http://schemas.microsoft.com/office/drawing/2014/main" id="{947A81F6-261F-44F4-B660-7BD323AE2991}"/>
               </a:ext>
             </a:extLst>
           </p:cNvPr>
@@ -22731,7 +22620,7 @@
             <a:fld id="{EECC7194-A4D0-457B-9D3E-53681723AFF7}" type="slidenum">
               <a:rPr lang="en-US" smtClean="0"/>
               <a:pPr/>
-              <a:t>8</a:t>
+              <a:t>9</a:t>
             </a:fld>
             <a:endParaRPr lang="en-US" dirty="0"/>
           </a:p>
@@ -22742,10 +22631,10 @@
           <p:cNvPr id="14" name="Group 13">
             <a:extLst>
               <a:ext uri="{FF2B5EF4-FFF2-40B4-BE49-F238E27FC236}">
-                <a16:creationId xmlns:a16="http://schemas.microsoft.com/office/drawing/2014/main" xmlns="" id="{8CDC0198-E919-4071-9C4B-5B3D19A46785}"/>
+                <a16:creationId xmlns="" xmlns:a16="http://schemas.microsoft.com/office/drawing/2014/main" id="{8CDC0198-E919-4071-9C4B-5B3D19A46785}"/>
               </a:ext>
               <a:ext uri="{C183D7F6-B498-43B3-948B-1728B52AA6E4}">
-                <adec:decorative xmlns:adec="http://schemas.microsoft.com/office/drawing/2017/decorative" xmlns="" val="1"/>
+                <adec:decorative xmlns="" xmlns:adec="http://schemas.microsoft.com/office/drawing/2017/decorative" val="1"/>
               </a:ext>
             </a:extLst>
           </p:cNvPr>
@@ -22767,7 +22656,7 @@
             <p:cNvPr id="16" name="Rectangle 15">
               <a:extLst>
                 <a:ext uri="{FF2B5EF4-FFF2-40B4-BE49-F238E27FC236}">
-                  <a16:creationId xmlns:a16="http://schemas.microsoft.com/office/drawing/2014/main" xmlns="" id="{667DDF34-4085-4945-A320-585AC8EBAAF2}"/>
+                  <a16:creationId xmlns="" xmlns:a16="http://schemas.microsoft.com/office/drawing/2014/main" id="{667DDF34-4085-4945-A320-585AC8EBAAF2}"/>
                 </a:ext>
               </a:extLst>
             </p:cNvPr>
@@ -22821,1116 +22710,7 @@
             <p:cNvPr id="17" name="Rectangle 16">
               <a:extLst>
                 <a:ext uri="{FF2B5EF4-FFF2-40B4-BE49-F238E27FC236}">
-                  <a16:creationId xmlns:a16="http://schemas.microsoft.com/office/drawing/2014/main" xmlns="" id="{ED521D40-9109-4214-B458-FAB53B1DA80D}"/>
-                </a:ext>
-              </a:extLst>
-            </p:cNvPr>
-            <p:cNvSpPr/>
-            <p:nvPr/>
-          </p:nvSpPr>
-          <p:spPr>
-            <a:xfrm>
-              <a:off x="5482999" y="1607028"/>
-              <a:ext cx="1200866" cy="1200866"/>
-            </a:xfrm>
-            <a:prstGeom prst="rect">
-              <a:avLst/>
-            </a:prstGeom>
-            <a:noFill/>
-            <a:ln w="6350">
-              <a:solidFill>
-                <a:schemeClr val="bg1">
-                  <a:alpha val="20000"/>
-                </a:schemeClr>
-              </a:solidFill>
-            </a:ln>
-          </p:spPr>
-          <p:style>
-            <a:lnRef idx="2">
-              <a:schemeClr val="accent1">
-                <a:shade val="50000"/>
-              </a:schemeClr>
-            </a:lnRef>
-            <a:fillRef idx="1">
-              <a:schemeClr val="accent1"/>
-            </a:fillRef>
-            <a:effectRef idx="0">
-              <a:schemeClr val="accent1"/>
-            </a:effectRef>
-            <a:fontRef idx="minor">
-              <a:schemeClr val="lt1"/>
-            </a:fontRef>
-          </p:style>
-          <p:txBody>
-            <a:bodyPr rtlCol="0" anchor="ctr"/>
-            <a:lstStyle/>
-            <a:p>
-              <a:pPr algn="ctr"/>
-              <a:endParaRPr lang="en-US" dirty="0"/>
-            </a:p>
-          </p:txBody>
-        </p:sp>
-      </p:grpSp>
-      <p:pic>
-        <p:nvPicPr>
-          <p:cNvPr id="18" name="image2.png"/>
-          <p:cNvPicPr/>
-          <p:nvPr/>
-        </p:nvPicPr>
-        <p:blipFill>
-          <a:blip r:embed="rId3"/>
-          <a:srcRect/>
-          <a:stretch>
-            <a:fillRect/>
-          </a:stretch>
-        </p:blipFill>
-        <p:spPr>
-          <a:xfrm>
-            <a:off x="5000271" y="1559226"/>
-            <a:ext cx="4820468" cy="2545867"/>
-          </a:xfrm>
-          <a:prstGeom prst="rect">
-            <a:avLst/>
-          </a:prstGeom>
-          <a:ln/>
-        </p:spPr>
-      </p:pic>
-    </p:spTree>
-    <p:extLst>
-      <p:ext uri="{BB962C8B-B14F-4D97-AF65-F5344CB8AC3E}">
-        <p14:creationId xmlns:p14="http://schemas.microsoft.com/office/powerpoint/2010/main" val="750871018"/>
-      </p:ext>
-    </p:extLst>
-  </p:cSld>
-  <p:clrMapOvr>
-    <a:masterClrMapping/>
-  </p:clrMapOvr>
-</p:sld>
-</file>
-
-<file path=ppt/slides/slide9.xml><?xml version="1.0" encoding="utf-8"?>
-<p:sld xmlns:a="http://schemas.openxmlformats.org/drawingml/2006/main" xmlns:r="http://schemas.openxmlformats.org/officeDocument/2006/relationships" xmlns:p="http://schemas.openxmlformats.org/presentationml/2006/main">
-  <p:cSld>
-    <p:bg>
-      <p:bgPr>
-        <a:solidFill>
-          <a:schemeClr val="accent1"/>
-        </a:solidFill>
-        <a:effectLst/>
-      </p:bgPr>
-    </p:bg>
-    <p:spTree>
-      <p:nvGrpSpPr>
-        <p:cNvPr id="1" name=""/>
-        <p:cNvGrpSpPr/>
-        <p:nvPr/>
-      </p:nvGrpSpPr>
-      <p:grpSpPr>
-        <a:xfrm>
-          <a:off x="0" y="0"/>
-          <a:ext cx="0" cy="0"/>
-          <a:chOff x="0" y="0"/>
-          <a:chExt cx="0" cy="0"/>
-        </a:xfrm>
-      </p:grpSpPr>
-      <p:pic>
-        <p:nvPicPr>
-          <p:cNvPr id="28" name="Picture Placeholder 27" descr="Woman walking through a door">
-            <a:extLst>
-              <a:ext uri="{FF2B5EF4-FFF2-40B4-BE49-F238E27FC236}">
-                <a16:creationId xmlns:a16="http://schemas.microsoft.com/office/drawing/2014/main" xmlns="" id="{86D7D4AC-BE7B-45B9-AF4A-E2AF1B6C796D}"/>
-              </a:ext>
-            </a:extLst>
-          </p:cNvPr>
-          <p:cNvPicPr>
-            <a:picLocks noGrp="1" noChangeAspect="1"/>
-          </p:cNvPicPr>
-          <p:nvPr>
-            <p:ph type="pic" sz="quarter" idx="12"/>
-          </p:nvPr>
-        </p:nvPicPr>
-        <p:blipFill rotWithShape="1">
-          <a:blip r:embed="rId2" cstate="screen">
-            <a:extLst>
-              <a:ext uri="{28A0092B-C50C-407E-A947-70E740481C1C}">
-                <a14:useLocalDpi xmlns:a14="http://schemas.microsoft.com/office/drawing/2010/main"/>
-              </a:ext>
-            </a:extLst>
-          </a:blip>
-          <a:srcRect/>
-          <a:stretch/>
-        </p:blipFill>
-        <p:spPr>
-          <a:xfrm>
-            <a:off x="0" y="0"/>
-            <a:ext cx="12012000" cy="6858000"/>
-          </a:xfrm>
-        </p:spPr>
-      </p:pic>
-      <p:sp>
-        <p:nvSpPr>
-          <p:cNvPr id="15" name="Rectangle 14">
-            <a:extLst>
-              <a:ext uri="{FF2B5EF4-FFF2-40B4-BE49-F238E27FC236}">
-                <a16:creationId xmlns:a16="http://schemas.microsoft.com/office/drawing/2014/main" xmlns="" id="{DD509E5E-F68C-4F2B-8EC7-4325958603E7}"/>
-              </a:ext>
-              <a:ext uri="{C183D7F6-B498-43B3-948B-1728B52AA6E4}">
-                <adec:decorative xmlns:adec="http://schemas.microsoft.com/office/drawing/2017/decorative" xmlns="" val="1"/>
-              </a:ext>
-            </a:extLst>
-          </p:cNvPr>
-          <p:cNvSpPr/>
-          <p:nvPr/>
-        </p:nvSpPr>
-        <p:spPr>
-          <a:xfrm>
-            <a:off x="1468191" y="55727"/>
-            <a:ext cx="5863657" cy="6858000"/>
-          </a:xfrm>
-          <a:prstGeom prst="rect">
-            <a:avLst/>
-          </a:prstGeom>
-          <a:solidFill>
-            <a:schemeClr val="tx2">
-              <a:alpha val="80000"/>
-            </a:schemeClr>
-          </a:solidFill>
-          <a:ln>
-            <a:noFill/>
-          </a:ln>
-        </p:spPr>
-        <p:style>
-          <a:lnRef idx="2">
-            <a:schemeClr val="accent1">
-              <a:shade val="50000"/>
-            </a:schemeClr>
-          </a:lnRef>
-          <a:fillRef idx="1">
-            <a:schemeClr val="accent1"/>
-          </a:fillRef>
-          <a:effectRef idx="0">
-            <a:schemeClr val="accent1"/>
-          </a:effectRef>
-          <a:fontRef idx="minor">
-            <a:schemeClr val="lt1"/>
-          </a:fontRef>
-        </p:style>
-        <p:txBody>
-          <a:bodyPr rtlCol="0" anchor="ctr"/>
-          <a:lstStyle/>
-          <a:p>
-            <a:pPr algn="ctr"/>
-            <a:endParaRPr lang="en-US" dirty="0"/>
-          </a:p>
-        </p:txBody>
-      </p:sp>
-      <p:sp>
-        <p:nvSpPr>
-          <p:cNvPr id="4" name="Text Placeholder 3">
-            <a:extLst>
-              <a:ext uri="{FF2B5EF4-FFF2-40B4-BE49-F238E27FC236}">
-                <a16:creationId xmlns:a16="http://schemas.microsoft.com/office/drawing/2014/main" xmlns="" id="{9AF7E39F-041F-4A45-A1CF-F8C269887D5A}"/>
-              </a:ext>
-            </a:extLst>
-          </p:cNvPr>
-          <p:cNvSpPr>
-            <a:spLocks noGrp="1"/>
-          </p:cNvSpPr>
-          <p:nvPr>
-            <p:ph type="body" sz="quarter" idx="13"/>
-          </p:nvPr>
-        </p:nvSpPr>
-        <p:spPr>
-          <a:xfrm>
-            <a:off x="3418967" y="55726"/>
-            <a:ext cx="8735058" cy="6802273"/>
-          </a:xfrm>
-          <a:gradFill>
-            <a:gsLst>
-              <a:gs pos="0">
-                <a:schemeClr val="tx2"/>
-              </a:gs>
-              <a:gs pos="100000">
-                <a:schemeClr val="accent2"/>
-              </a:gs>
-            </a:gsLst>
-            <a:lin ang="14400000" scaled="0"/>
-          </a:gradFill>
-        </p:spPr>
-        <p:txBody>
-          <a:bodyPr/>
-          <a:lstStyle/>
-          <a:p>
-            <a:pPr lvl="0"/>
-            <a:endParaRPr lang="en-US" dirty="0" smtClean="0"/>
-          </a:p>
-          <a:p>
-            <a:pPr lvl="0"/>
-            <a:r>
-              <a:rPr lang="en-US" dirty="0"/>
-              <a:t> </a:t>
-            </a:r>
-            <a:r>
-              <a:rPr lang="en-US" dirty="0" smtClean="0"/>
-              <a:t>                                                      </a:t>
-            </a:r>
-            <a:endParaRPr lang="en-US" dirty="0"/>
-          </a:p>
-        </p:txBody>
-      </p:sp>
-      <p:sp>
-        <p:nvSpPr>
-          <p:cNvPr id="3" name="Title 2">
-            <a:extLst>
-              <a:ext uri="{FF2B5EF4-FFF2-40B4-BE49-F238E27FC236}">
-                <a16:creationId xmlns:a16="http://schemas.microsoft.com/office/drawing/2014/main" xmlns="" id="{E9BE4A06-2673-41EF-AF84-96B0EDEC0F01}"/>
-              </a:ext>
-            </a:extLst>
-          </p:cNvPr>
-          <p:cNvSpPr>
-            <a:spLocks noGrp="1"/>
-          </p:cNvSpPr>
-          <p:nvPr>
-            <p:ph type="title"/>
-          </p:nvPr>
-        </p:nvSpPr>
-        <p:spPr>
-          <a:xfrm>
-            <a:off x="5447764" y="540913"/>
-            <a:ext cx="5705340" cy="695459"/>
-          </a:xfrm>
-        </p:spPr>
-        <p:txBody>
-          <a:bodyPr/>
-          <a:lstStyle/>
-          <a:p>
-            <a:r>
-              <a:rPr lang="en-US" dirty="0" smtClean="0"/>
-              <a:t>Output images</a:t>
-            </a:r>
-            <a:endParaRPr lang="en-US" dirty="0"/>
-          </a:p>
-        </p:txBody>
-      </p:sp>
-      <p:grpSp>
-        <p:nvGrpSpPr>
-          <p:cNvPr id="36" name="Group 35" descr="Icon Lightbulb">
-            <a:extLst>
-              <a:ext uri="{FF2B5EF4-FFF2-40B4-BE49-F238E27FC236}">
-                <a16:creationId xmlns:a16="http://schemas.microsoft.com/office/drawing/2014/main" xmlns="" id="{840CA54E-FBB9-4848-A45D-E086AA4A5012}"/>
-              </a:ext>
-            </a:extLst>
-          </p:cNvPr>
-          <p:cNvGrpSpPr>
-            <a:grpSpLocks noChangeAspect="1"/>
-          </p:cNvGrpSpPr>
-          <p:nvPr/>
-        </p:nvGrpSpPr>
-        <p:grpSpPr>
-          <a:xfrm>
-            <a:off x="1985345" y="3363146"/>
-            <a:ext cx="362015" cy="584795"/>
-            <a:chOff x="1684741" y="3186732"/>
-            <a:chExt cx="530027" cy="856197"/>
-          </a:xfrm>
-        </p:grpSpPr>
-        <p:sp>
-          <p:nvSpPr>
-            <p:cNvPr id="32" name="Freeform: Shape 31">
-              <a:extLst>
-                <a:ext uri="{FF2B5EF4-FFF2-40B4-BE49-F238E27FC236}">
-                  <a16:creationId xmlns:a16="http://schemas.microsoft.com/office/drawing/2014/main" xmlns="" id="{B8ABB65B-B8A5-4C0E-BE4C-E88A7BB3E8A2}"/>
-                </a:ext>
-              </a:extLst>
-            </p:cNvPr>
-            <p:cNvSpPr/>
-            <p:nvPr/>
-          </p:nvSpPr>
-          <p:spPr>
-            <a:xfrm>
-              <a:off x="1817248" y="3777916"/>
-              <a:ext cx="265013" cy="61157"/>
-            </a:xfrm>
-            <a:custGeom>
-              <a:avLst/>
-              <a:gdLst>
-                <a:gd name="connsiteX0" fmla="*/ 30578 w 265013"/>
-                <a:gd name="connsiteY0" fmla="*/ 0 h 61156"/>
-                <a:gd name="connsiteX1" fmla="*/ 234435 w 265013"/>
-                <a:gd name="connsiteY1" fmla="*/ 0 h 61156"/>
-                <a:gd name="connsiteX2" fmla="*/ 265013 w 265013"/>
-                <a:gd name="connsiteY2" fmla="*/ 30578 h 61156"/>
-                <a:gd name="connsiteX3" fmla="*/ 234435 w 265013"/>
-                <a:gd name="connsiteY3" fmla="*/ 61157 h 61156"/>
-                <a:gd name="connsiteX4" fmla="*/ 30578 w 265013"/>
-                <a:gd name="connsiteY4" fmla="*/ 61157 h 61156"/>
-                <a:gd name="connsiteX5" fmla="*/ 0 w 265013"/>
-                <a:gd name="connsiteY5" fmla="*/ 30578 h 61156"/>
-                <a:gd name="connsiteX6" fmla="*/ 30578 w 265013"/>
-                <a:gd name="connsiteY6" fmla="*/ 0 h 61156"/>
-              </a:gdLst>
-              <a:ahLst/>
-              <a:cxnLst>
-                <a:cxn ang="0">
-                  <a:pos x="connsiteX0" y="connsiteY0"/>
-                </a:cxn>
-                <a:cxn ang="0">
-                  <a:pos x="connsiteX1" y="connsiteY1"/>
-                </a:cxn>
-                <a:cxn ang="0">
-                  <a:pos x="connsiteX2" y="connsiteY2"/>
-                </a:cxn>
-                <a:cxn ang="0">
-                  <a:pos x="connsiteX3" y="connsiteY3"/>
-                </a:cxn>
-                <a:cxn ang="0">
-                  <a:pos x="connsiteX4" y="connsiteY4"/>
-                </a:cxn>
-                <a:cxn ang="0">
-                  <a:pos x="connsiteX5" y="connsiteY5"/>
-                </a:cxn>
-                <a:cxn ang="0">
-                  <a:pos x="connsiteX6" y="connsiteY6"/>
-                </a:cxn>
-              </a:cxnLst>
-              <a:rect l="l" t="t" r="r" b="b"/>
-              <a:pathLst>
-                <a:path w="265013" h="61156">
-                  <a:moveTo>
-                    <a:pt x="30578" y="0"/>
-                  </a:moveTo>
-                  <a:lnTo>
-                    <a:pt x="234435" y="0"/>
-                  </a:lnTo>
-                  <a:cubicBezTo>
-                    <a:pt x="251763" y="0"/>
-                    <a:pt x="265013" y="13251"/>
-                    <a:pt x="265013" y="30578"/>
-                  </a:cubicBezTo>
-                  <a:cubicBezTo>
-                    <a:pt x="265013" y="47906"/>
-                    <a:pt x="251763" y="61157"/>
-                    <a:pt x="234435" y="61157"/>
-                  </a:cubicBezTo>
-                  <a:lnTo>
-                    <a:pt x="30578" y="61157"/>
-                  </a:lnTo>
-                  <a:cubicBezTo>
-                    <a:pt x="13251" y="61157"/>
-                    <a:pt x="0" y="47906"/>
-                    <a:pt x="0" y="30578"/>
-                  </a:cubicBezTo>
-                  <a:cubicBezTo>
-                    <a:pt x="0" y="13251"/>
-                    <a:pt x="13251" y="0"/>
-                    <a:pt x="30578" y="0"/>
-                  </a:cubicBezTo>
-                  <a:close/>
-                </a:path>
-              </a:pathLst>
-            </a:custGeom>
-            <a:solidFill>
-              <a:schemeClr val="accent1"/>
-            </a:solidFill>
-            <a:ln w="10120" cap="flat">
-              <a:noFill/>
-              <a:prstDash val="solid"/>
-              <a:miter/>
-            </a:ln>
-          </p:spPr>
-          <p:txBody>
-            <a:bodyPr rtlCol="0" anchor="ctr"/>
-            <a:lstStyle/>
-            <a:p>
-              <a:endParaRPr lang="en-US" dirty="0"/>
-            </a:p>
-          </p:txBody>
-        </p:sp>
-        <p:sp>
-          <p:nvSpPr>
-            <p:cNvPr id="33" name="Freeform: Shape 32">
-              <a:extLst>
-                <a:ext uri="{FF2B5EF4-FFF2-40B4-BE49-F238E27FC236}">
-                  <a16:creationId xmlns:a16="http://schemas.microsoft.com/office/drawing/2014/main" xmlns="" id="{D71DD07A-CE80-41D5-AEEB-65192AD34639}"/>
-                </a:ext>
-              </a:extLst>
-            </p:cNvPr>
-            <p:cNvSpPr/>
-            <p:nvPr/>
-          </p:nvSpPr>
-          <p:spPr>
-            <a:xfrm>
-              <a:off x="1817248" y="3879844"/>
-              <a:ext cx="265013" cy="61157"/>
-            </a:xfrm>
-            <a:custGeom>
-              <a:avLst/>
-              <a:gdLst>
-                <a:gd name="connsiteX0" fmla="*/ 30578 w 265013"/>
-                <a:gd name="connsiteY0" fmla="*/ 0 h 61156"/>
-                <a:gd name="connsiteX1" fmla="*/ 234435 w 265013"/>
-                <a:gd name="connsiteY1" fmla="*/ 0 h 61156"/>
-                <a:gd name="connsiteX2" fmla="*/ 265013 w 265013"/>
-                <a:gd name="connsiteY2" fmla="*/ 30578 h 61156"/>
-                <a:gd name="connsiteX3" fmla="*/ 234435 w 265013"/>
-                <a:gd name="connsiteY3" fmla="*/ 61157 h 61156"/>
-                <a:gd name="connsiteX4" fmla="*/ 30578 w 265013"/>
-                <a:gd name="connsiteY4" fmla="*/ 61157 h 61156"/>
-                <a:gd name="connsiteX5" fmla="*/ 0 w 265013"/>
-                <a:gd name="connsiteY5" fmla="*/ 30578 h 61156"/>
-                <a:gd name="connsiteX6" fmla="*/ 30578 w 265013"/>
-                <a:gd name="connsiteY6" fmla="*/ 0 h 61156"/>
-              </a:gdLst>
-              <a:ahLst/>
-              <a:cxnLst>
-                <a:cxn ang="0">
-                  <a:pos x="connsiteX0" y="connsiteY0"/>
-                </a:cxn>
-                <a:cxn ang="0">
-                  <a:pos x="connsiteX1" y="connsiteY1"/>
-                </a:cxn>
-                <a:cxn ang="0">
-                  <a:pos x="connsiteX2" y="connsiteY2"/>
-                </a:cxn>
-                <a:cxn ang="0">
-                  <a:pos x="connsiteX3" y="connsiteY3"/>
-                </a:cxn>
-                <a:cxn ang="0">
-                  <a:pos x="connsiteX4" y="connsiteY4"/>
-                </a:cxn>
-                <a:cxn ang="0">
-                  <a:pos x="connsiteX5" y="connsiteY5"/>
-                </a:cxn>
-                <a:cxn ang="0">
-                  <a:pos x="connsiteX6" y="connsiteY6"/>
-                </a:cxn>
-              </a:cxnLst>
-              <a:rect l="l" t="t" r="r" b="b"/>
-              <a:pathLst>
-                <a:path w="265013" h="61156">
-                  <a:moveTo>
-                    <a:pt x="30578" y="0"/>
-                  </a:moveTo>
-                  <a:lnTo>
-                    <a:pt x="234435" y="0"/>
-                  </a:lnTo>
-                  <a:cubicBezTo>
-                    <a:pt x="251763" y="0"/>
-                    <a:pt x="265013" y="13251"/>
-                    <a:pt x="265013" y="30578"/>
-                  </a:cubicBezTo>
-                  <a:cubicBezTo>
-                    <a:pt x="265013" y="47906"/>
-                    <a:pt x="251763" y="61157"/>
-                    <a:pt x="234435" y="61157"/>
-                  </a:cubicBezTo>
-                  <a:lnTo>
-                    <a:pt x="30578" y="61157"/>
-                  </a:lnTo>
-                  <a:cubicBezTo>
-                    <a:pt x="13251" y="61157"/>
-                    <a:pt x="0" y="47906"/>
-                    <a:pt x="0" y="30578"/>
-                  </a:cubicBezTo>
-                  <a:cubicBezTo>
-                    <a:pt x="0" y="13251"/>
-                    <a:pt x="13251" y="0"/>
-                    <a:pt x="30578" y="0"/>
-                  </a:cubicBezTo>
-                  <a:close/>
-                </a:path>
-              </a:pathLst>
-            </a:custGeom>
-            <a:solidFill>
-              <a:schemeClr val="accent1"/>
-            </a:solidFill>
-            <a:ln w="10120" cap="flat">
-              <a:noFill/>
-              <a:prstDash val="solid"/>
-              <a:miter/>
-            </a:ln>
-          </p:spPr>
-          <p:txBody>
-            <a:bodyPr rtlCol="0" anchor="ctr"/>
-            <a:lstStyle/>
-            <a:p>
-              <a:endParaRPr lang="en-US" dirty="0"/>
-            </a:p>
-          </p:txBody>
-        </p:sp>
-        <p:sp>
-          <p:nvSpPr>
-            <p:cNvPr id="34" name="Freeform: Shape 33">
-              <a:extLst>
-                <a:ext uri="{FF2B5EF4-FFF2-40B4-BE49-F238E27FC236}">
-                  <a16:creationId xmlns:a16="http://schemas.microsoft.com/office/drawing/2014/main" xmlns="" id="{0522D638-DE3D-438D-8C73-954C32D8CB63}"/>
-                </a:ext>
-              </a:extLst>
-            </p:cNvPr>
-            <p:cNvSpPr/>
-            <p:nvPr/>
-          </p:nvSpPr>
-          <p:spPr>
-            <a:xfrm>
-              <a:off x="1883501" y="3981772"/>
-              <a:ext cx="132507" cy="61157"/>
-            </a:xfrm>
-            <a:custGeom>
-              <a:avLst/>
-              <a:gdLst>
-                <a:gd name="connsiteX0" fmla="*/ 0 w 132506"/>
-                <a:gd name="connsiteY0" fmla="*/ 0 h 61156"/>
-                <a:gd name="connsiteX1" fmla="*/ 66253 w 132506"/>
-                <a:gd name="connsiteY1" fmla="*/ 61157 h 61156"/>
-                <a:gd name="connsiteX2" fmla="*/ 132507 w 132506"/>
-                <a:gd name="connsiteY2" fmla="*/ 0 h 61156"/>
-                <a:gd name="connsiteX3" fmla="*/ 0 w 132506"/>
-                <a:gd name="connsiteY3" fmla="*/ 0 h 61156"/>
-              </a:gdLst>
-              <a:ahLst/>
-              <a:cxnLst>
-                <a:cxn ang="0">
-                  <a:pos x="connsiteX0" y="connsiteY0"/>
-                </a:cxn>
-                <a:cxn ang="0">
-                  <a:pos x="connsiteX1" y="connsiteY1"/>
-                </a:cxn>
-                <a:cxn ang="0">
-                  <a:pos x="connsiteX2" y="connsiteY2"/>
-                </a:cxn>
-                <a:cxn ang="0">
-                  <a:pos x="connsiteX3" y="connsiteY3"/>
-                </a:cxn>
-              </a:cxnLst>
-              <a:rect l="l" t="t" r="r" b="b"/>
-              <a:pathLst>
-                <a:path w="132506" h="61156">
-                  <a:moveTo>
-                    <a:pt x="0" y="0"/>
-                  </a:moveTo>
-                  <a:cubicBezTo>
-                    <a:pt x="3058" y="34656"/>
-                    <a:pt x="31598" y="61157"/>
-                    <a:pt x="66253" y="61157"/>
-                  </a:cubicBezTo>
-                  <a:cubicBezTo>
-                    <a:pt x="100909" y="61157"/>
-                    <a:pt x="129449" y="34656"/>
-                    <a:pt x="132507" y="0"/>
-                  </a:cubicBezTo>
-                  <a:lnTo>
-                    <a:pt x="0" y="0"/>
-                  </a:lnTo>
-                  <a:close/>
-                </a:path>
-              </a:pathLst>
-            </a:custGeom>
-            <a:solidFill>
-              <a:schemeClr val="accent1"/>
-            </a:solidFill>
-            <a:ln w="10120" cap="flat">
-              <a:noFill/>
-              <a:prstDash val="solid"/>
-              <a:miter/>
-            </a:ln>
-          </p:spPr>
-          <p:txBody>
-            <a:bodyPr rtlCol="0" anchor="ctr"/>
-            <a:lstStyle/>
-            <a:p>
-              <a:endParaRPr lang="en-US" dirty="0"/>
-            </a:p>
-          </p:txBody>
-        </p:sp>
-        <p:sp>
-          <p:nvSpPr>
-            <p:cNvPr id="35" name="Freeform: Shape 34">
-              <a:extLst>
-                <a:ext uri="{FF2B5EF4-FFF2-40B4-BE49-F238E27FC236}">
-                  <a16:creationId xmlns:a16="http://schemas.microsoft.com/office/drawing/2014/main" xmlns="" id="{01AB190E-B14D-440E-9910-B22D8C998B54}"/>
-                </a:ext>
-              </a:extLst>
-            </p:cNvPr>
-            <p:cNvSpPr/>
-            <p:nvPr/>
-          </p:nvSpPr>
-          <p:spPr>
-            <a:xfrm>
-              <a:off x="1684741" y="3186732"/>
-              <a:ext cx="530027" cy="550412"/>
-            </a:xfrm>
-            <a:custGeom>
-              <a:avLst/>
-              <a:gdLst>
-                <a:gd name="connsiteX0" fmla="*/ 265013 w 530026"/>
-                <a:gd name="connsiteY0" fmla="*/ 0 h 550412"/>
-                <a:gd name="connsiteX1" fmla="*/ 265013 w 530026"/>
-                <a:gd name="connsiteY1" fmla="*/ 0 h 550412"/>
-                <a:gd name="connsiteX2" fmla="*/ 265013 w 530026"/>
-                <a:gd name="connsiteY2" fmla="*/ 0 h 550412"/>
-                <a:gd name="connsiteX3" fmla="*/ 0 w 530026"/>
-                <a:gd name="connsiteY3" fmla="*/ 261956 h 550412"/>
-                <a:gd name="connsiteX4" fmla="*/ 0 w 530026"/>
-                <a:gd name="connsiteY4" fmla="*/ 271129 h 550412"/>
-                <a:gd name="connsiteX5" fmla="*/ 18347 w 530026"/>
-                <a:gd name="connsiteY5" fmla="*/ 362864 h 550412"/>
-                <a:gd name="connsiteX6" fmla="*/ 64215 w 530026"/>
-                <a:gd name="connsiteY6" fmla="*/ 438291 h 550412"/>
-                <a:gd name="connsiteX7" fmla="*/ 126391 w 530026"/>
-                <a:gd name="connsiteY7" fmla="*/ 539200 h 550412"/>
-                <a:gd name="connsiteX8" fmla="*/ 144738 w 530026"/>
-                <a:gd name="connsiteY8" fmla="*/ 550412 h 550412"/>
-                <a:gd name="connsiteX9" fmla="*/ 385289 w 530026"/>
-                <a:gd name="connsiteY9" fmla="*/ 550412 h 550412"/>
-                <a:gd name="connsiteX10" fmla="*/ 403636 w 530026"/>
-                <a:gd name="connsiteY10" fmla="*/ 539200 h 550412"/>
-                <a:gd name="connsiteX11" fmla="*/ 465812 w 530026"/>
-                <a:gd name="connsiteY11" fmla="*/ 438291 h 550412"/>
-                <a:gd name="connsiteX12" fmla="*/ 511680 w 530026"/>
-                <a:gd name="connsiteY12" fmla="*/ 362864 h 550412"/>
-                <a:gd name="connsiteX13" fmla="*/ 530027 w 530026"/>
-                <a:gd name="connsiteY13" fmla="*/ 271129 h 550412"/>
-                <a:gd name="connsiteX14" fmla="*/ 530027 w 530026"/>
-                <a:gd name="connsiteY14" fmla="*/ 261956 h 550412"/>
-                <a:gd name="connsiteX15" fmla="*/ 265013 w 530026"/>
-                <a:gd name="connsiteY15" fmla="*/ 0 h 550412"/>
-                <a:gd name="connsiteX16" fmla="*/ 468870 w 530026"/>
-                <a:gd name="connsiteY16" fmla="*/ 270110 h 550412"/>
-                <a:gd name="connsiteX17" fmla="*/ 454600 w 530026"/>
-                <a:gd name="connsiteY17" fmla="*/ 341460 h 550412"/>
-                <a:gd name="connsiteX18" fmla="*/ 419944 w 530026"/>
-                <a:gd name="connsiteY18" fmla="*/ 397520 h 550412"/>
-                <a:gd name="connsiteX19" fmla="*/ 360826 w 530026"/>
-                <a:gd name="connsiteY19" fmla="*/ 489256 h 550412"/>
-                <a:gd name="connsiteX20" fmla="*/ 265013 w 530026"/>
-                <a:gd name="connsiteY20" fmla="*/ 489256 h 550412"/>
-                <a:gd name="connsiteX21" fmla="*/ 170220 w 530026"/>
-                <a:gd name="connsiteY21" fmla="*/ 489256 h 550412"/>
-                <a:gd name="connsiteX22" fmla="*/ 111102 w 530026"/>
-                <a:gd name="connsiteY22" fmla="*/ 397520 h 550412"/>
-                <a:gd name="connsiteX23" fmla="*/ 76446 w 530026"/>
-                <a:gd name="connsiteY23" fmla="*/ 341460 h 550412"/>
-                <a:gd name="connsiteX24" fmla="*/ 62176 w 530026"/>
-                <a:gd name="connsiteY24" fmla="*/ 270110 h 550412"/>
-                <a:gd name="connsiteX25" fmla="*/ 62176 w 530026"/>
-                <a:gd name="connsiteY25" fmla="*/ 261956 h 550412"/>
-                <a:gd name="connsiteX26" fmla="*/ 266033 w 530026"/>
-                <a:gd name="connsiteY26" fmla="*/ 60138 h 550412"/>
-                <a:gd name="connsiteX27" fmla="*/ 266033 w 530026"/>
-                <a:gd name="connsiteY27" fmla="*/ 60138 h 550412"/>
-                <a:gd name="connsiteX28" fmla="*/ 266033 w 530026"/>
-                <a:gd name="connsiteY28" fmla="*/ 60138 h 550412"/>
-                <a:gd name="connsiteX29" fmla="*/ 266033 w 530026"/>
-                <a:gd name="connsiteY29" fmla="*/ 60138 h 550412"/>
-                <a:gd name="connsiteX30" fmla="*/ 266033 w 530026"/>
-                <a:gd name="connsiteY30" fmla="*/ 60138 h 550412"/>
-                <a:gd name="connsiteX31" fmla="*/ 266033 w 530026"/>
-                <a:gd name="connsiteY31" fmla="*/ 60138 h 550412"/>
-                <a:gd name="connsiteX32" fmla="*/ 266033 w 530026"/>
-                <a:gd name="connsiteY32" fmla="*/ 60138 h 550412"/>
-                <a:gd name="connsiteX33" fmla="*/ 469889 w 530026"/>
-                <a:gd name="connsiteY33" fmla="*/ 261956 h 550412"/>
-                <a:gd name="connsiteX34" fmla="*/ 469889 w 530026"/>
-                <a:gd name="connsiteY34" fmla="*/ 270110 h 550412"/>
-              </a:gdLst>
-              <a:ahLst/>
-              <a:cxnLst>
-                <a:cxn ang="0">
-                  <a:pos x="connsiteX0" y="connsiteY0"/>
-                </a:cxn>
-                <a:cxn ang="0">
-                  <a:pos x="connsiteX1" y="connsiteY1"/>
-                </a:cxn>
-                <a:cxn ang="0">
-                  <a:pos x="connsiteX2" y="connsiteY2"/>
-                </a:cxn>
-                <a:cxn ang="0">
-                  <a:pos x="connsiteX3" y="connsiteY3"/>
-                </a:cxn>
-                <a:cxn ang="0">
-                  <a:pos x="connsiteX4" y="connsiteY4"/>
-                </a:cxn>
-                <a:cxn ang="0">
-                  <a:pos x="connsiteX5" y="connsiteY5"/>
-                </a:cxn>
-                <a:cxn ang="0">
-                  <a:pos x="connsiteX6" y="connsiteY6"/>
-                </a:cxn>
-                <a:cxn ang="0">
-                  <a:pos x="connsiteX7" y="connsiteY7"/>
-                </a:cxn>
-                <a:cxn ang="0">
-                  <a:pos x="connsiteX8" y="connsiteY8"/>
-                </a:cxn>
-                <a:cxn ang="0">
-                  <a:pos x="connsiteX9" y="connsiteY9"/>
-                </a:cxn>
-                <a:cxn ang="0">
-                  <a:pos x="connsiteX10" y="connsiteY10"/>
-                </a:cxn>
-                <a:cxn ang="0">
-                  <a:pos x="connsiteX11" y="connsiteY11"/>
-                </a:cxn>
-                <a:cxn ang="0">
-                  <a:pos x="connsiteX12" y="connsiteY12"/>
-                </a:cxn>
-                <a:cxn ang="0">
-                  <a:pos x="connsiteX13" y="connsiteY13"/>
-                </a:cxn>
-                <a:cxn ang="0">
-                  <a:pos x="connsiteX14" y="connsiteY14"/>
-                </a:cxn>
-                <a:cxn ang="0">
-                  <a:pos x="connsiteX15" y="connsiteY15"/>
-                </a:cxn>
-                <a:cxn ang="0">
-                  <a:pos x="connsiteX16" y="connsiteY16"/>
-                </a:cxn>
-                <a:cxn ang="0">
-                  <a:pos x="connsiteX17" y="connsiteY17"/>
-                </a:cxn>
-                <a:cxn ang="0">
-                  <a:pos x="connsiteX18" y="connsiteY18"/>
-                </a:cxn>
-                <a:cxn ang="0">
-                  <a:pos x="connsiteX19" y="connsiteY19"/>
-                </a:cxn>
-                <a:cxn ang="0">
-                  <a:pos x="connsiteX20" y="connsiteY20"/>
-                </a:cxn>
-                <a:cxn ang="0">
-                  <a:pos x="connsiteX21" y="connsiteY21"/>
-                </a:cxn>
-                <a:cxn ang="0">
-                  <a:pos x="connsiteX22" y="connsiteY22"/>
-                </a:cxn>
-                <a:cxn ang="0">
-                  <a:pos x="connsiteX23" y="connsiteY23"/>
-                </a:cxn>
-                <a:cxn ang="0">
-                  <a:pos x="connsiteX24" y="connsiteY24"/>
-                </a:cxn>
-                <a:cxn ang="0">
-                  <a:pos x="connsiteX25" y="connsiteY25"/>
-                </a:cxn>
-                <a:cxn ang="0">
-                  <a:pos x="connsiteX26" y="connsiteY26"/>
-                </a:cxn>
-                <a:cxn ang="0">
-                  <a:pos x="connsiteX27" y="connsiteY27"/>
-                </a:cxn>
-                <a:cxn ang="0">
-                  <a:pos x="connsiteX28" y="connsiteY28"/>
-                </a:cxn>
-                <a:cxn ang="0">
-                  <a:pos x="connsiteX29" y="connsiteY29"/>
-                </a:cxn>
-                <a:cxn ang="0">
-                  <a:pos x="connsiteX30" y="connsiteY30"/>
-                </a:cxn>
-                <a:cxn ang="0">
-                  <a:pos x="connsiteX31" y="connsiteY31"/>
-                </a:cxn>
-                <a:cxn ang="0">
-                  <a:pos x="connsiteX32" y="connsiteY32"/>
-                </a:cxn>
-                <a:cxn ang="0">
-                  <a:pos x="connsiteX33" y="connsiteY33"/>
-                </a:cxn>
-                <a:cxn ang="0">
-                  <a:pos x="connsiteX34" y="connsiteY34"/>
-                </a:cxn>
-              </a:cxnLst>
-              <a:rect l="l" t="t" r="r" b="b"/>
-              <a:pathLst>
-                <a:path w="530026" h="550412">
-                  <a:moveTo>
-                    <a:pt x="265013" y="0"/>
-                  </a:moveTo>
-                  <a:cubicBezTo>
-                    <a:pt x="265013" y="0"/>
-                    <a:pt x="265013" y="0"/>
-                    <a:pt x="265013" y="0"/>
-                  </a:cubicBezTo>
-                  <a:cubicBezTo>
-                    <a:pt x="265013" y="0"/>
-                    <a:pt x="265013" y="0"/>
-                    <a:pt x="265013" y="0"/>
-                  </a:cubicBezTo>
-                  <a:cubicBezTo>
-                    <a:pt x="120275" y="1019"/>
-                    <a:pt x="3058" y="117217"/>
-                    <a:pt x="0" y="261956"/>
-                  </a:cubicBezTo>
-                  <a:lnTo>
-                    <a:pt x="0" y="271129"/>
-                  </a:lnTo>
-                  <a:cubicBezTo>
-                    <a:pt x="1019" y="302727"/>
-                    <a:pt x="7135" y="333305"/>
-                    <a:pt x="18347" y="362864"/>
-                  </a:cubicBezTo>
-                  <a:cubicBezTo>
-                    <a:pt x="29559" y="390385"/>
-                    <a:pt x="44848" y="415867"/>
-                    <a:pt x="64215" y="438291"/>
-                  </a:cubicBezTo>
-                  <a:cubicBezTo>
-                    <a:pt x="88678" y="464793"/>
-                    <a:pt x="115179" y="516776"/>
-                    <a:pt x="126391" y="539200"/>
-                  </a:cubicBezTo>
-                  <a:cubicBezTo>
-                    <a:pt x="129449" y="546335"/>
-                    <a:pt x="136584" y="550412"/>
-                    <a:pt x="144738" y="550412"/>
-                  </a:cubicBezTo>
-                  <a:lnTo>
-                    <a:pt x="385289" y="550412"/>
-                  </a:lnTo>
-                  <a:cubicBezTo>
-                    <a:pt x="393443" y="550412"/>
-                    <a:pt x="400578" y="546335"/>
-                    <a:pt x="403636" y="539200"/>
-                  </a:cubicBezTo>
-                  <a:cubicBezTo>
-                    <a:pt x="414848" y="516776"/>
-                    <a:pt x="441349" y="464793"/>
-                    <a:pt x="465812" y="438291"/>
-                  </a:cubicBezTo>
-                  <a:cubicBezTo>
-                    <a:pt x="485178" y="415867"/>
-                    <a:pt x="501487" y="390385"/>
-                    <a:pt x="511680" y="362864"/>
-                  </a:cubicBezTo>
-                  <a:cubicBezTo>
-                    <a:pt x="522892" y="333305"/>
-                    <a:pt x="529008" y="302727"/>
-                    <a:pt x="530027" y="271129"/>
-                  </a:cubicBezTo>
-                  <a:lnTo>
-                    <a:pt x="530027" y="261956"/>
-                  </a:lnTo>
-                  <a:cubicBezTo>
-                    <a:pt x="526969" y="117217"/>
-                    <a:pt x="409752" y="1019"/>
-                    <a:pt x="265013" y="0"/>
-                  </a:cubicBezTo>
-                  <a:close/>
-                  <a:moveTo>
-                    <a:pt x="468870" y="270110"/>
-                  </a:moveTo>
-                  <a:cubicBezTo>
-                    <a:pt x="467851" y="294573"/>
-                    <a:pt x="462754" y="319035"/>
-                    <a:pt x="454600" y="341460"/>
-                  </a:cubicBezTo>
-                  <a:cubicBezTo>
-                    <a:pt x="446446" y="361845"/>
-                    <a:pt x="435234" y="381212"/>
-                    <a:pt x="419944" y="397520"/>
-                  </a:cubicBezTo>
-                  <a:cubicBezTo>
-                    <a:pt x="396501" y="426060"/>
-                    <a:pt x="376115" y="456638"/>
-                    <a:pt x="360826" y="489256"/>
-                  </a:cubicBezTo>
-                  <a:lnTo>
-                    <a:pt x="265013" y="489256"/>
-                  </a:lnTo>
-                  <a:lnTo>
-                    <a:pt x="170220" y="489256"/>
-                  </a:lnTo>
-                  <a:cubicBezTo>
-                    <a:pt x="153912" y="456638"/>
-                    <a:pt x="133526" y="426060"/>
-                    <a:pt x="111102" y="397520"/>
-                  </a:cubicBezTo>
-                  <a:cubicBezTo>
-                    <a:pt x="96832" y="381212"/>
-                    <a:pt x="84600" y="361845"/>
-                    <a:pt x="76446" y="341460"/>
-                  </a:cubicBezTo>
-                  <a:cubicBezTo>
-                    <a:pt x="67273" y="319035"/>
-                    <a:pt x="63196" y="294573"/>
-                    <a:pt x="62176" y="270110"/>
-                  </a:cubicBezTo>
-                  <a:lnTo>
-                    <a:pt x="62176" y="261956"/>
-                  </a:lnTo>
-                  <a:cubicBezTo>
-                    <a:pt x="64215" y="150854"/>
-                    <a:pt x="154931" y="61157"/>
-                    <a:pt x="266033" y="60138"/>
-                  </a:cubicBezTo>
-                  <a:lnTo>
-                    <a:pt x="266033" y="60138"/>
-                  </a:lnTo>
-                  <a:lnTo>
-                    <a:pt x="266033" y="60138"/>
-                  </a:lnTo>
-                  <a:cubicBezTo>
-                    <a:pt x="266033" y="60138"/>
-                    <a:pt x="266033" y="60138"/>
-                    <a:pt x="266033" y="60138"/>
-                  </a:cubicBezTo>
-                  <a:cubicBezTo>
-                    <a:pt x="266033" y="60138"/>
-                    <a:pt x="266033" y="60138"/>
-                    <a:pt x="266033" y="60138"/>
-                  </a:cubicBezTo>
-                  <a:lnTo>
-                    <a:pt x="266033" y="60138"/>
-                  </a:lnTo>
-                  <a:lnTo>
-                    <a:pt x="266033" y="60138"/>
-                  </a:lnTo>
-                  <a:cubicBezTo>
-                    <a:pt x="377134" y="61157"/>
-                    <a:pt x="467851" y="149835"/>
-                    <a:pt x="469889" y="261956"/>
-                  </a:cubicBezTo>
-                  <a:lnTo>
-                    <a:pt x="469889" y="270110"/>
-                  </a:lnTo>
-                  <a:close/>
-                </a:path>
-              </a:pathLst>
-            </a:custGeom>
-            <a:solidFill>
-              <a:schemeClr val="accent1"/>
-            </a:solidFill>
-            <a:ln w="10120" cap="flat">
-              <a:noFill/>
-              <a:prstDash val="solid"/>
-              <a:miter/>
-            </a:ln>
-          </p:spPr>
-          <p:txBody>
-            <a:bodyPr rtlCol="0" anchor="ctr"/>
-            <a:lstStyle/>
-            <a:p>
-              <a:endParaRPr lang="en-US" dirty="0"/>
-            </a:p>
-          </p:txBody>
-        </p:sp>
-      </p:grpSp>
-      <p:sp>
-        <p:nvSpPr>
-          <p:cNvPr id="52" name="Slide Number Placeholder 51">
-            <a:extLst>
-              <a:ext uri="{FF2B5EF4-FFF2-40B4-BE49-F238E27FC236}">
-                <a16:creationId xmlns:a16="http://schemas.microsoft.com/office/drawing/2014/main" xmlns="" id="{947A81F6-261F-44F4-B660-7BD323AE2991}"/>
-              </a:ext>
-            </a:extLst>
-          </p:cNvPr>
-          <p:cNvSpPr>
-            <a:spLocks noGrp="1"/>
-          </p:cNvSpPr>
-          <p:nvPr>
-            <p:ph type="sldNum" sz="quarter" idx="11"/>
-          </p:nvPr>
-        </p:nvSpPr>
-        <p:spPr/>
-        <p:txBody>
-          <a:bodyPr/>
-          <a:lstStyle/>
-          <a:p>
-            <a:fld id="{EECC7194-A4D0-457B-9D3E-53681723AFF7}" type="slidenum">
-              <a:rPr lang="en-US" smtClean="0"/>
-              <a:pPr/>
-              <a:t>9</a:t>
-            </a:fld>
-            <a:endParaRPr lang="en-US" dirty="0"/>
-          </a:p>
-        </p:txBody>
-      </p:sp>
-      <p:grpSp>
-        <p:nvGrpSpPr>
-          <p:cNvPr id="14" name="Group 13">
-            <a:extLst>
-              <a:ext uri="{FF2B5EF4-FFF2-40B4-BE49-F238E27FC236}">
-                <a16:creationId xmlns:a16="http://schemas.microsoft.com/office/drawing/2014/main" xmlns="" id="{8CDC0198-E919-4071-9C4B-5B3D19A46785}"/>
-              </a:ext>
-              <a:ext uri="{C183D7F6-B498-43B3-948B-1728B52AA6E4}">
-                <adec:decorative xmlns:adec="http://schemas.microsoft.com/office/drawing/2017/decorative" xmlns="" val="1"/>
-              </a:ext>
-            </a:extLst>
-          </p:cNvPr>
-          <p:cNvGrpSpPr>
-            <a:grpSpLocks noChangeAspect="1"/>
-          </p:cNvGrpSpPr>
-          <p:nvPr/>
-        </p:nvGrpSpPr>
-        <p:grpSpPr>
-          <a:xfrm>
-            <a:off x="1713143" y="3198674"/>
-            <a:ext cx="906419" cy="906419"/>
-            <a:chOff x="5482999" y="1607028"/>
-            <a:chExt cx="1200866" cy="1200866"/>
-          </a:xfrm>
-        </p:grpSpPr>
-        <p:sp>
-          <p:nvSpPr>
-            <p:cNvPr id="16" name="Rectangle 15">
-              <a:extLst>
-                <a:ext uri="{FF2B5EF4-FFF2-40B4-BE49-F238E27FC236}">
-                  <a16:creationId xmlns:a16="http://schemas.microsoft.com/office/drawing/2014/main" xmlns="" id="{667DDF34-4085-4945-A320-585AC8EBAAF2}"/>
-                </a:ext>
-              </a:extLst>
-            </p:cNvPr>
-            <p:cNvSpPr/>
-            <p:nvPr/>
-          </p:nvSpPr>
-          <p:spPr>
-            <a:xfrm>
-              <a:off x="5587207" y="1711236"/>
-              <a:ext cx="992451" cy="992451"/>
-            </a:xfrm>
-            <a:prstGeom prst="rect">
-              <a:avLst/>
-            </a:prstGeom>
-            <a:noFill/>
-            <a:ln w="6350">
-              <a:solidFill>
-                <a:schemeClr val="bg1">
-                  <a:alpha val="20000"/>
-                </a:schemeClr>
-              </a:solidFill>
-            </a:ln>
-          </p:spPr>
-          <p:style>
-            <a:lnRef idx="2">
-              <a:schemeClr val="accent1">
-                <a:shade val="50000"/>
-              </a:schemeClr>
-            </a:lnRef>
-            <a:fillRef idx="1">
-              <a:schemeClr val="accent1"/>
-            </a:fillRef>
-            <a:effectRef idx="0">
-              <a:schemeClr val="accent1"/>
-            </a:effectRef>
-            <a:fontRef idx="minor">
-              <a:schemeClr val="lt1"/>
-            </a:fontRef>
-          </p:style>
-          <p:txBody>
-            <a:bodyPr rtlCol="0" anchor="ctr"/>
-            <a:lstStyle/>
-            <a:p>
-              <a:pPr algn="ctr"/>
-              <a:endParaRPr lang="en-US" dirty="0"/>
-            </a:p>
-          </p:txBody>
-        </p:sp>
-        <p:sp>
-          <p:nvSpPr>
-            <p:cNvPr id="17" name="Rectangle 16">
-              <a:extLst>
-                <a:ext uri="{FF2B5EF4-FFF2-40B4-BE49-F238E27FC236}">
-                  <a16:creationId xmlns:a16="http://schemas.microsoft.com/office/drawing/2014/main" xmlns="" id="{ED521D40-9109-4214-B458-FAB53B1DA80D}"/>
+                  <a16:creationId xmlns="" xmlns:a16="http://schemas.microsoft.com/office/drawing/2014/main" id="{ED521D40-9109-4214-B458-FAB53B1DA80D}"/>
                 </a:ext>
               </a:extLst>
             </p:cNvPr>
@@ -24082,6 +22862,13 @@
   <p:clrMapOvr>
     <a:masterClrMapping/>
   </p:clrMapOvr>
+  <p:timing>
+    <p:tnLst>
+      <p:par>
+        <p:cTn id="1" dur="indefinite" restart="never" nodeType="tmRoot"/>
+      </p:par>
+    </p:tnLst>
+  </p:timing>
 </p:sld>
 </file>
 
@@ -24321,7 +23108,7 @@
   <a:extraClrSchemeLst/>
   <a:extLst>
     <a:ext uri="{05A4C25C-085E-4340-85A3-A5531E510DB2}">
-      <thm15:themeFamily xmlns:thm15="http://schemas.microsoft.com/office/thememl/2012/main" name="SMB Healthcare Pitch Deck SB_v3" id="{F20654C3-30CB-4A23-AE37-CA3918CCFD51}" vid="{71C4247B-9648-406B-9B0E-E71240279804}"/>
+      <thm15:themeFamily xmlns:thm15="http://schemas.microsoft.com/office/thememl/2012/main" xmlns="" name="SMB Healthcare Pitch Deck SB_v3" id="{F20654C3-30CB-4A23-AE37-CA3918CCFD51}" vid="{71C4247B-9648-406B-9B0E-E71240279804}"/>
     </a:ext>
   </a:extLst>
 </a:theme>
@@ -24370,7 +23157,7 @@
     </a:clrScheme>
     <a:fontScheme name="Office">
       <a:majorFont>
-        <a:latin typeface="Calibri Light" panose="020F0302020204030204"/>
+        <a:latin typeface="Calibri Light"/>
         <a:ea typeface=""/>
         <a:cs typeface=""/>
         <a:font script="Jpan" typeface="游ゴシック Light"/>
@@ -24422,7 +23209,7 @@
         <a:font script="Tfng" typeface="Ebrima"/>
       </a:majorFont>
       <a:minorFont>
-        <a:latin typeface="Calibri" panose="020F0502020204030204"/>
+        <a:latin typeface="Calibri"/>
         <a:ea typeface=""/>
         <a:cs typeface=""/>
         <a:font script="Jpan" typeface="游ゴシック"/>
@@ -24616,13 +23403,30 @@
   <a:extraClrSchemeLst/>
   <a:extLst>
     <a:ext uri="{05A4C25C-085E-4340-85A3-A5531E510DB2}">
-      <thm15:themeFamily xmlns:thm15="http://schemas.microsoft.com/office/thememl/2012/main" name="Office Theme" id="{62F939B6-93AF-4DB8-9C6B-D6C7DFDC589F}" vid="{4A3C46E8-61CC-4603-A589-7422A47A8E4A}"/>
+      <thm15:themeFamily xmlns:thm15="http://schemas.microsoft.com/office/thememl/2012/main" xmlns="" name="Office Theme" id="{62F939B6-93AF-4DB8-9C6B-D6C7DFDC589F}" vid="{4A3C46E8-61CC-4603-A589-7422A47A8E4A}"/>
     </a:ext>
   </a:extLst>
 </a:theme>
 </file>
 
 <file path=customXml/item1.xml><?xml version="1.0" encoding="utf-8"?>
+<?mso-contentType ?>
+<FormTemplates xmlns="http://schemas.microsoft.com/sharepoint/v3/contenttype/forms">
+  <Display>DocumentLibraryForm</Display>
+  <Edit>DocumentLibraryForm</Edit>
+  <New>DocumentLibraryForm</New>
+</FormTemplates>
+</file>
+
+<file path=customXml/item2.xml><?xml version="1.0" encoding="utf-8"?>
+<p:properties xmlns:p="http://schemas.microsoft.com/office/2006/metadata/properties" xmlns:xsi="http://www.w3.org/2001/XMLSchema-instance" xmlns:pc="http://schemas.microsoft.com/office/infopath/2007/PartnerControls">
+  <documentManagement>
+    <MediaServiceKeyPoints xmlns="71af3243-3dd4-4a8d-8c0d-dd76da1f02a5" xsi:nil="true"/>
+  </documentManagement>
+</p:properties>
+</file>
+
+<file path=customXml/item3.xml><?xml version="1.0" encoding="utf-8"?>
 <ct:contentTypeSchema xmlns:ct="http://schemas.microsoft.com/office/2006/metadata/contentType" xmlns:ma="http://schemas.microsoft.com/office/2006/metadata/properties/metaAttributes" ct:_="" ma:_="" ma:contentTypeName="Document" ma:contentTypeID="0x01010079F111ED35F8CC479449609E8A0923A6" ma:contentTypeVersion="11" ma:contentTypeDescription="Create a new document." ma:contentTypeScope="" ma:versionID="1c2eb7a32e66fb6e4260f3771546a5e2">
   <xsd:schema xmlns:xsd="http://www.w3.org/2001/XMLSchema" xmlns:xs="http://www.w3.org/2001/XMLSchema" xmlns:p="http://schemas.microsoft.com/office/2006/metadata/properties" xmlns:ns2="71af3243-3dd4-4a8d-8c0d-dd76da1f02a5" xmlns:ns3="16c05727-aa75-4e4a-9b5f-8a80a1165891" targetNamespace="http://schemas.microsoft.com/office/2006/metadata/properties" ma:root="true" ma:fieldsID="04e1f6479c48b08974ba73b5ca973489" ns2:_="" ns3:_="">
     <xsd:import namespace="71af3243-3dd4-4a8d-8c0d-dd76da1f02a5"/>
@@ -24833,24 +23637,25 @@
 </ct:contentTypeSchema>
 </file>
 
-<file path=customXml/item2.xml><?xml version="1.0" encoding="utf-8"?>
-<p:properties xmlns:p="http://schemas.microsoft.com/office/2006/metadata/properties" xmlns:xsi="http://www.w3.org/2001/XMLSchema-instance" xmlns:pc="http://schemas.microsoft.com/office/infopath/2007/PartnerControls">
-  <documentManagement>
-    <MediaServiceKeyPoints xmlns="71af3243-3dd4-4a8d-8c0d-dd76da1f02a5" xsi:nil="true"/>
-  </documentManagement>
-</p:properties>
+<file path=customXml/itemProps1.xml><?xml version="1.0" encoding="utf-8"?>
+<ds:datastoreItem xmlns:ds="http://schemas.openxmlformats.org/officeDocument/2006/customXml" ds:itemID="{0C66BDC7-24D2-4343-8D41-18F9C23F860A}">
+  <ds:schemaRefs>
+    <ds:schemaRef ds:uri="http://schemas.microsoft.com/sharepoint/v3/contenttype/forms"/>
+  </ds:schemaRefs>
+</ds:datastoreItem>
 </file>
 
-<file path=customXml/item3.xml><?xml version="1.0" encoding="utf-8"?>
-<?mso-contentType ?>
-<FormTemplates xmlns="http://schemas.microsoft.com/sharepoint/v3/contenttype/forms">
-  <Display>DocumentLibraryForm</Display>
-  <Edit>DocumentLibraryForm</Edit>
-  <New>DocumentLibraryForm</New>
-</FormTemplates>
+<file path=customXml/itemProps2.xml><?xml version="1.0" encoding="utf-8"?>
+<ds:datastoreItem xmlns:ds="http://schemas.openxmlformats.org/officeDocument/2006/customXml" ds:itemID="{AF4BDB64-2AF8-42D4-96C8-B6B6F098993C}">
+  <ds:schemaRefs>
+    <ds:schemaRef ds:uri="http://schemas.microsoft.com/office/2006/metadata/properties"/>
+    <ds:schemaRef ds:uri="http://schemas.microsoft.com/office/infopath/2007/PartnerControls"/>
+    <ds:schemaRef ds:uri="71af3243-3dd4-4a8d-8c0d-dd76da1f02a5"/>
+  </ds:schemaRefs>
+</ds:datastoreItem>
 </file>
 
-<file path=customXml/itemProps1.xml><?xml version="1.0" encoding="utf-8"?>
+<file path=customXml/itemProps3.xml><?xml version="1.0" encoding="utf-8"?>
 <ds:datastoreItem xmlns:ds="http://schemas.openxmlformats.org/officeDocument/2006/customXml" ds:itemID="{533BAED8-F9E7-4D41-86E9-333473F909FD}">
   <ds:schemaRefs>
     <ds:schemaRef ds:uri="http://schemas.microsoft.com/office/2006/metadata/contentType"/>
@@ -24867,22 +23672,4 @@
     <ds:schemaRef ds:uri="http://schemas.microsoft.com/internal/obd"/>
   </ds:schemaRefs>
 </ds:datastoreItem>
-</file>
-
-<file path=customXml/itemProps2.xml><?xml version="1.0" encoding="utf-8"?>
-<ds:datastoreItem xmlns:ds="http://schemas.openxmlformats.org/officeDocument/2006/customXml" ds:itemID="{AF4BDB64-2AF8-42D4-96C8-B6B6F098993C}">
-  <ds:schemaRefs>
-    <ds:schemaRef ds:uri="http://schemas.microsoft.com/office/2006/metadata/properties"/>
-    <ds:schemaRef ds:uri="http://schemas.microsoft.com/office/infopath/2007/PartnerControls"/>
-    <ds:schemaRef ds:uri="71af3243-3dd4-4a8d-8c0d-dd76da1f02a5"/>
-  </ds:schemaRefs>
-</ds:datastoreItem>
-</file>
-
-<file path=customXml/itemProps3.xml><?xml version="1.0" encoding="utf-8"?>
-<ds:datastoreItem xmlns:ds="http://schemas.openxmlformats.org/officeDocument/2006/customXml" ds:itemID="{0C66BDC7-24D2-4343-8D41-18F9C23F860A}">
-  <ds:schemaRefs>
-    <ds:schemaRef ds:uri="http://schemas.microsoft.com/sharepoint/v3/contenttype/forms"/>
-  </ds:schemaRefs>
-</ds:datastoreItem>
 </file>